--- a/Azure-Function-203.pptx
+++ b/Azure-Function-203.pptx
@@ -6,10 +6,10 @@
     <p:sldMasterId id="2147483902" r:id="rId2"/>
   </p:sldMasterIdLst>
   <p:notesMasterIdLst>
-    <p:notesMasterId r:id="rId8"/>
+    <p:notesMasterId r:id="rId9"/>
   </p:notesMasterIdLst>
   <p:handoutMasterIdLst>
-    <p:handoutMasterId r:id="rId9"/>
+    <p:handoutMasterId r:id="rId10"/>
   </p:handoutMasterIdLst>
   <p:sldIdLst>
     <p:sldId id="302" r:id="rId3"/>
@@ -17,11 +17,12 @@
     <p:sldId id="560" r:id="rId5"/>
     <p:sldId id="561" r:id="rId6"/>
     <p:sldId id="562" r:id="rId7"/>
+    <p:sldId id="563" r:id="rId8"/>
   </p:sldIdLst>
   <p:sldSz cx="12192000" cy="6858000"/>
   <p:notesSz cx="6797675" cy="9926638"/>
   <p:custDataLst>
-    <p:tags r:id="rId10"/>
+    <p:tags r:id="rId11"/>
   </p:custDataLst>
   <p:defaultTextStyle>
     <a:defPPr>
@@ -255,7 +256,7 @@
             <a:fld id="{86C988DC-9DE3-4390-97AB-D61B85DACE57}" type="datetimeFigureOut">
               <a:rPr lang="pt-PT" sz="900" smtClean="0"/>
               <a:pPr/>
-              <a:t>08/08/2019</a:t>
+              <a:t>20/08/2019</a:t>
             </a:fld>
             <a:endParaRPr lang="pt-PT" sz="900"/>
           </a:p>
@@ -434,7 +435,7 @@
             <a:fld id="{0835B8F7-DAC4-4931-8AED-4356A8B2FD64}" type="datetimeFigureOut">
               <a:rPr lang="pt-BR" smtClean="0"/>
               <a:pPr/>
-              <a:t>08/08/2019</a:t>
+              <a:t>20/08/2019</a:t>
             </a:fld>
             <a:endParaRPr lang="pt-BR"/>
           </a:p>
@@ -712,7 +713,7 @@
           <a:graphicData uri="http://schemas.openxmlformats.org/presentationml/2006/ole">
             <mc:AlternateContent xmlns:mc="http://schemas.openxmlformats.org/markup-compatibility/2006">
               <mc:Choice xmlns:v="urn:schemas-microsoft-com:vml" Requires="v">
-                <p:oleObj spid="_x0000_s9689" name="think-cell Slide" r:id="rId4" imgW="270" imgH="270" progId="TCLayout.ActiveDocument.1">
+                <p:oleObj spid="_x0000_s9691" name="think-cell Slide" r:id="rId4" imgW="270" imgH="270" progId="TCLayout.ActiveDocument.1">
                   <p:embed/>
                 </p:oleObj>
               </mc:Choice>
@@ -849,7 +850,7 @@
           <a:graphicData uri="http://schemas.openxmlformats.org/presentationml/2006/ole">
             <mc:AlternateContent xmlns:mc="http://schemas.openxmlformats.org/markup-compatibility/2006">
               <mc:Choice xmlns:v="urn:schemas-microsoft-com:vml" Requires="v">
-                <p:oleObj spid="_x0000_s112755" name="think-cell Slide" r:id="rId4" imgW="270" imgH="270" progId="TCLayout.ActiveDocument.1">
+                <p:oleObj spid="_x0000_s112757" name="think-cell Slide" r:id="rId4" imgW="270" imgH="270" progId="TCLayout.ActiveDocument.1">
                   <p:embed/>
                 </p:oleObj>
               </mc:Choice>
@@ -1321,7 +1322,7 @@
           <a:graphicData uri="http://schemas.openxmlformats.org/presentationml/2006/ole">
             <mc:AlternateContent xmlns:mc="http://schemas.openxmlformats.org/markup-compatibility/2006">
               <mc:Choice xmlns:v="urn:schemas-microsoft-com:vml" Requires="v">
-                <p:oleObj spid="_x0000_s103594" name="think-cell Slide" r:id="rId4" imgW="270" imgH="270" progId="TCLayout.ActiveDocument.1">
+                <p:oleObj spid="_x0000_s103596" name="think-cell Slide" r:id="rId4" imgW="270" imgH="270" progId="TCLayout.ActiveDocument.1">
                   <p:embed/>
                 </p:oleObj>
               </mc:Choice>
@@ -1523,7 +1524,7 @@
           <a:graphicData uri="http://schemas.openxmlformats.org/presentationml/2006/ole">
             <mc:AlternateContent xmlns:mc="http://schemas.openxmlformats.org/markup-compatibility/2006">
               <mc:Choice xmlns:v="urn:schemas-microsoft-com:vml" Requires="v">
-                <p:oleObj spid="_x0000_s108699" name="think-cell Slide" r:id="rId4" imgW="270" imgH="270" progId="TCLayout.ActiveDocument.1">
+                <p:oleObj spid="_x0000_s108701" name="think-cell Slide" r:id="rId4" imgW="270" imgH="270" progId="TCLayout.ActiveDocument.1">
                   <p:embed/>
                 </p:oleObj>
               </mc:Choice>
@@ -1725,7 +1726,7 @@
           <a:graphicData uri="http://schemas.openxmlformats.org/presentationml/2006/ole">
             <mc:AlternateContent xmlns:mc="http://schemas.openxmlformats.org/markup-compatibility/2006">
               <mc:Choice xmlns:v="urn:schemas-microsoft-com:vml" Requires="v">
-                <p:oleObj spid="_x0000_s97512" name="think-cell Slide" r:id="rId4" imgW="270" imgH="270" progId="TCLayout.ActiveDocument.1">
+                <p:oleObj spid="_x0000_s97514" name="think-cell Slide" r:id="rId4" imgW="270" imgH="270" progId="TCLayout.ActiveDocument.1">
                   <p:embed/>
                 </p:oleObj>
               </mc:Choice>
@@ -4465,7 +4466,7 @@
           <a:graphicData uri="http://schemas.openxmlformats.org/presentationml/2006/ole">
             <mc:AlternateContent xmlns:mc="http://schemas.openxmlformats.org/markup-compatibility/2006">
               <mc:Choice xmlns:v="urn:schemas-microsoft-com:vml" Requires="v">
-                <p:oleObj spid="_x0000_s92430" name="think-cell Slide" r:id="rId5" imgW="270" imgH="270" progId="TCLayout.ActiveDocument.1">
+                <p:oleObj spid="_x0000_s92432" name="think-cell Slide" r:id="rId5" imgW="270" imgH="270" progId="TCLayout.ActiveDocument.1">
                   <p:embed/>
                 </p:oleObj>
               </mc:Choice>
@@ -5161,7 +5162,7 @@
             </a:ln>
             <a:extLst>
               <a:ext uri="{91240B29-F687-4f45-9708-019B960494DF}">
-                <a14:hiddenLine xmlns="" xmlns:a14="http://schemas.microsoft.com/office/drawing/2010/main" w="9525">
+                <a14:hiddenLine xmlns:a14="http://schemas.microsoft.com/office/drawing/2010/main" xmlns="" w="9525">
                   <a:solidFill>
                     <a:srgbClr val="000000"/>
                   </a:solidFill>
@@ -5553,7 +5554,7 @@
             </a:ln>
             <a:extLst>
               <a:ext uri="{91240B29-F687-4f45-9708-019B960494DF}">
-                <a14:hiddenLine xmlns="" xmlns:a14="http://schemas.microsoft.com/office/drawing/2010/main" w="9525">
+                <a14:hiddenLine xmlns:a14="http://schemas.microsoft.com/office/drawing/2010/main" xmlns="" w="9525">
                   <a:solidFill>
                     <a:srgbClr val="000000"/>
                   </a:solidFill>
@@ -5877,7 +5878,7 @@
             </a:ln>
             <a:extLst>
               <a:ext uri="{91240B29-F687-4f45-9708-019B960494DF}">
-                <a14:hiddenLine xmlns="" xmlns:a14="http://schemas.microsoft.com/office/drawing/2010/main" w="9525">
+                <a14:hiddenLine xmlns:a14="http://schemas.microsoft.com/office/drawing/2010/main" xmlns="" w="9525">
                   <a:solidFill>
                     <a:srgbClr val="000000"/>
                   </a:solidFill>
@@ -6201,7 +6202,7 @@
             </a:ln>
             <a:extLst>
               <a:ext uri="{91240B29-F687-4f45-9708-019B960494DF}">
-                <a14:hiddenLine xmlns="" xmlns:a14="http://schemas.microsoft.com/office/drawing/2010/main" w="9525">
+                <a14:hiddenLine xmlns:a14="http://schemas.microsoft.com/office/drawing/2010/main" xmlns="" w="9525">
                   <a:solidFill>
                     <a:srgbClr val="000000"/>
                   </a:solidFill>
@@ -6394,7 +6395,7 @@
             </a:ln>
             <a:extLst>
               <a:ext uri="{91240B29-F687-4f45-9708-019B960494DF}">
-                <a14:hiddenLine xmlns="" xmlns:a14="http://schemas.microsoft.com/office/drawing/2010/main" w="9525">
+                <a14:hiddenLine xmlns:a14="http://schemas.microsoft.com/office/drawing/2010/main" xmlns="" w="9525">
                   <a:solidFill>
                     <a:srgbClr val="000000"/>
                   </a:solidFill>
@@ -6786,7 +6787,7 @@
             </a:ln>
             <a:extLst>
               <a:ext uri="{91240B29-F687-4f45-9708-019B960494DF}">
-                <a14:hiddenLine xmlns="" xmlns:a14="http://schemas.microsoft.com/office/drawing/2010/main" w="9525">
+                <a14:hiddenLine xmlns:a14="http://schemas.microsoft.com/office/drawing/2010/main" xmlns="" w="9525">
                   <a:solidFill>
                     <a:srgbClr val="000000"/>
                   </a:solidFill>
@@ -7169,7 +7170,7 @@
             </a:ln>
             <a:extLst>
               <a:ext uri="{91240B29-F687-4f45-9708-019B960494DF}">
-                <a14:hiddenLine xmlns="" xmlns:a14="http://schemas.microsoft.com/office/drawing/2010/main" w="9525">
+                <a14:hiddenLine xmlns:a14="http://schemas.microsoft.com/office/drawing/2010/main" xmlns="" w="9525">
                   <a:solidFill>
                     <a:srgbClr val="000000"/>
                   </a:solidFill>
@@ -7623,7 +7624,7 @@
             </a:ln>
             <a:extLst>
               <a:ext uri="{91240B29-F687-4f45-9708-019B960494DF}">
-                <a14:hiddenLine xmlns="" xmlns:a14="http://schemas.microsoft.com/office/drawing/2010/main" w="9525">
+                <a14:hiddenLine xmlns:a14="http://schemas.microsoft.com/office/drawing/2010/main" xmlns="" w="9525">
                   <a:solidFill>
                     <a:srgbClr val="000000"/>
                   </a:solidFill>
@@ -7876,7 +7877,7 @@
             </a:ln>
             <a:extLst>
               <a:ext uri="{91240B29-F687-4f45-9708-019B960494DF}">
-                <a14:hiddenLine xmlns="" xmlns:a14="http://schemas.microsoft.com/office/drawing/2010/main" w="9525">
+                <a14:hiddenLine xmlns:a14="http://schemas.microsoft.com/office/drawing/2010/main" xmlns="" w="9525">
                   <a:solidFill>
                     <a:srgbClr val="000000"/>
                   </a:solidFill>
@@ -8129,7 +8130,7 @@
             </a:ln>
             <a:extLst>
               <a:ext uri="{91240B29-F687-4f45-9708-019B960494DF}">
-                <a14:hiddenLine xmlns="" xmlns:a14="http://schemas.microsoft.com/office/drawing/2010/main" w="9525">
+                <a14:hiddenLine xmlns:a14="http://schemas.microsoft.com/office/drawing/2010/main" xmlns="" w="9525">
                   <a:solidFill>
                     <a:srgbClr val="000000"/>
                   </a:solidFill>
@@ -8521,7 +8522,7 @@
             </a:ln>
             <a:extLst>
               <a:ext uri="{91240B29-F687-4f45-9708-019B960494DF}">
-                <a14:hiddenLine xmlns="" xmlns:a14="http://schemas.microsoft.com/office/drawing/2010/main" w="9525">
+                <a14:hiddenLine xmlns:a14="http://schemas.microsoft.com/office/drawing/2010/main" xmlns="" w="9525">
                   <a:solidFill>
                     <a:srgbClr val="000000"/>
                   </a:solidFill>
@@ -8734,7 +8735,7 @@
             </a:ln>
             <a:extLst>
               <a:ext uri="{91240B29-F687-4f45-9708-019B960494DF}">
-                <a14:hiddenLine xmlns="" xmlns:a14="http://schemas.microsoft.com/office/drawing/2010/main" w="9525">
+                <a14:hiddenLine xmlns:a14="http://schemas.microsoft.com/office/drawing/2010/main" xmlns="" w="9525">
                   <a:solidFill>
                     <a:srgbClr val="000000"/>
                   </a:solidFill>
@@ -8907,7 +8908,7 @@
             </a:ln>
             <a:extLst>
               <a:ext uri="{91240B29-F687-4f45-9708-019B960494DF}">
-                <a14:hiddenLine xmlns="" xmlns:a14="http://schemas.microsoft.com/office/drawing/2010/main" w="9525">
+                <a14:hiddenLine xmlns:a14="http://schemas.microsoft.com/office/drawing/2010/main" xmlns="" w="9525">
                   <a:solidFill>
                     <a:srgbClr val="000000"/>
                   </a:solidFill>
@@ -9120,7 +9121,7 @@
             </a:ln>
             <a:extLst>
               <a:ext uri="{91240B29-F687-4f45-9708-019B960494DF}">
-                <a14:hiddenLine xmlns="" xmlns:a14="http://schemas.microsoft.com/office/drawing/2010/main" w="9525">
+                <a14:hiddenLine xmlns:a14="http://schemas.microsoft.com/office/drawing/2010/main" xmlns="" w="9525">
                   <a:solidFill>
                     <a:srgbClr val="000000"/>
                   </a:solidFill>
@@ -9512,7 +9513,7 @@
             </a:ln>
             <a:extLst>
               <a:ext uri="{91240B29-F687-4f45-9708-019B960494DF}">
-                <a14:hiddenLine xmlns="" xmlns:a14="http://schemas.microsoft.com/office/drawing/2010/main" w="9525">
+                <a14:hiddenLine xmlns:a14="http://schemas.microsoft.com/office/drawing/2010/main" xmlns="" w="9525">
                   <a:solidFill>
                     <a:srgbClr val="000000"/>
                   </a:solidFill>
@@ -9907,7 +9908,7 @@
             </a:ln>
             <a:extLst>
               <a:ext uri="{91240B29-F687-4f45-9708-019B960494DF}">
-                <a14:hiddenLine xmlns="" xmlns:a14="http://schemas.microsoft.com/office/drawing/2010/main" w="9525">
+                <a14:hiddenLine xmlns:a14="http://schemas.microsoft.com/office/drawing/2010/main" xmlns="" w="9525">
                   <a:solidFill>
                     <a:srgbClr val="000000"/>
                   </a:solidFill>
@@ -10140,7 +10141,7 @@
             </a:ln>
             <a:extLst>
               <a:ext uri="{91240B29-F687-4f45-9708-019B960494DF}">
-                <a14:hiddenLine xmlns="" xmlns:a14="http://schemas.microsoft.com/office/drawing/2010/main" w="9525">
+                <a14:hiddenLine xmlns:a14="http://schemas.microsoft.com/office/drawing/2010/main" xmlns="" w="9525">
                   <a:solidFill>
                     <a:srgbClr val="000000"/>
                   </a:solidFill>
@@ -10333,7 +10334,7 @@
             </a:ln>
             <a:extLst>
               <a:ext uri="{91240B29-F687-4f45-9708-019B960494DF}">
-                <a14:hiddenLine xmlns="" xmlns:a14="http://schemas.microsoft.com/office/drawing/2010/main" w="9525">
+                <a14:hiddenLine xmlns:a14="http://schemas.microsoft.com/office/drawing/2010/main" xmlns="" w="9525">
                   <a:solidFill>
                     <a:srgbClr val="000000"/>
                   </a:solidFill>
@@ -10586,7 +10587,7 @@
             </a:ln>
             <a:extLst>
               <a:ext uri="{91240B29-F687-4f45-9708-019B960494DF}">
-                <a14:hiddenLine xmlns="" xmlns:a14="http://schemas.microsoft.com/office/drawing/2010/main" w="9525">
+                <a14:hiddenLine xmlns:a14="http://schemas.microsoft.com/office/drawing/2010/main" xmlns="" w="9525">
                   <a:solidFill>
                     <a:srgbClr val="000000"/>
                   </a:solidFill>
@@ -10981,7 +10982,7 @@
             </a:ln>
             <a:extLst>
               <a:ext uri="{91240B29-F687-4f45-9708-019B960494DF}">
-                <a14:hiddenLine xmlns="" xmlns:a14="http://schemas.microsoft.com/office/drawing/2010/main" w="9525">
+                <a14:hiddenLine xmlns:a14="http://schemas.microsoft.com/office/drawing/2010/main" xmlns="" w="9525">
                   <a:solidFill>
                     <a:srgbClr val="000000"/>
                   </a:solidFill>
@@ -11266,7 +11267,7 @@
             </a:ln>
             <a:extLst>
               <a:ext uri="{91240B29-F687-4f45-9708-019B960494DF}">
-                <a14:hiddenLine xmlns="" xmlns:a14="http://schemas.microsoft.com/office/drawing/2010/main" w="9525">
+                <a14:hiddenLine xmlns:a14="http://schemas.microsoft.com/office/drawing/2010/main" xmlns="" w="9525">
                   <a:solidFill>
                     <a:srgbClr val="000000"/>
                   </a:solidFill>
@@ -11590,7 +11591,7 @@
             </a:ln>
             <a:extLst>
               <a:ext uri="{91240B29-F687-4f45-9708-019B960494DF}">
-                <a14:hiddenLine xmlns="" xmlns:a14="http://schemas.microsoft.com/office/drawing/2010/main" w="9525">
+                <a14:hiddenLine xmlns:a14="http://schemas.microsoft.com/office/drawing/2010/main" xmlns="" w="9525">
                   <a:solidFill>
                     <a:srgbClr val="000000"/>
                   </a:solidFill>
@@ -11823,7 +11824,7 @@
             </a:ln>
             <a:extLst>
               <a:ext uri="{91240B29-F687-4f45-9708-019B960494DF}">
-                <a14:hiddenLine xmlns="" xmlns:a14="http://schemas.microsoft.com/office/drawing/2010/main" w="9525">
+                <a14:hiddenLine xmlns:a14="http://schemas.microsoft.com/office/drawing/2010/main" xmlns="" w="9525">
                   <a:solidFill>
                     <a:srgbClr val="000000"/>
                   </a:solidFill>
@@ -12076,7 +12077,7 @@
             </a:ln>
             <a:extLst>
               <a:ext uri="{91240B29-F687-4f45-9708-019B960494DF}">
-                <a14:hiddenLine xmlns="" xmlns:a14="http://schemas.microsoft.com/office/drawing/2010/main" w="9525">
+                <a14:hiddenLine xmlns:a14="http://schemas.microsoft.com/office/drawing/2010/main" xmlns="" w="9525">
                   <a:solidFill>
                     <a:srgbClr val="000000"/>
                   </a:solidFill>
@@ -12329,7 +12330,7 @@
             </a:ln>
             <a:extLst>
               <a:ext uri="{91240B29-F687-4f45-9708-019B960494DF}">
-                <a14:hiddenLine xmlns="" xmlns:a14="http://schemas.microsoft.com/office/drawing/2010/main" w="9525">
+                <a14:hiddenLine xmlns:a14="http://schemas.microsoft.com/office/drawing/2010/main" xmlns="" w="9525">
                   <a:solidFill>
                     <a:srgbClr val="000000"/>
                   </a:solidFill>
@@ -12484,7 +12485,7 @@
             </a:ln>
             <a:extLst>
               <a:ext uri="{91240B29-F687-4f45-9708-019B960494DF}">
-                <a14:hiddenLine xmlns="" xmlns:a14="http://schemas.microsoft.com/office/drawing/2010/main" w="9525">
+                <a14:hiddenLine xmlns:a14="http://schemas.microsoft.com/office/drawing/2010/main" xmlns="" w="9525">
                   <a:solidFill>
                     <a:srgbClr val="000000"/>
                   </a:solidFill>
@@ -12858,7 +12859,7 @@
           <a:graphicData uri="http://schemas.openxmlformats.org/presentationml/2006/ole">
             <mc:AlternateContent xmlns:mc="http://schemas.openxmlformats.org/markup-compatibility/2006">
               <mc:Choice xmlns:v="urn:schemas-microsoft-com:vml" Requires="v">
-                <p:oleObj spid="_x0000_s93452" name="think-cell Slide" r:id="rId5" imgW="270" imgH="270" progId="TCLayout.ActiveDocument.1">
+                <p:oleObj spid="_x0000_s93454" name="think-cell Slide" r:id="rId5" imgW="270" imgH="270" progId="TCLayout.ActiveDocument.1">
                   <p:embed/>
                 </p:oleObj>
               </mc:Choice>
@@ -13504,7 +13505,7 @@
             </a:ln>
             <a:extLst>
               <a:ext uri="{91240B29-F687-4f45-9708-019B960494DF}">
-                <a14:hiddenLine xmlns="" xmlns:a14="http://schemas.microsoft.com/office/drawing/2010/main" w="9525">
+                <a14:hiddenLine xmlns:a14="http://schemas.microsoft.com/office/drawing/2010/main" xmlns="" w="9525">
                   <a:solidFill>
                     <a:srgbClr val="000000"/>
                   </a:solidFill>
@@ -13896,7 +13897,7 @@
             </a:ln>
             <a:extLst>
               <a:ext uri="{91240B29-F687-4f45-9708-019B960494DF}">
-                <a14:hiddenLine xmlns="" xmlns:a14="http://schemas.microsoft.com/office/drawing/2010/main" w="9525">
+                <a14:hiddenLine xmlns:a14="http://schemas.microsoft.com/office/drawing/2010/main" xmlns="" w="9525">
                   <a:solidFill>
                     <a:srgbClr val="000000"/>
                   </a:solidFill>
@@ -14220,7 +14221,7 @@
             </a:ln>
             <a:extLst>
               <a:ext uri="{91240B29-F687-4f45-9708-019B960494DF}">
-                <a14:hiddenLine xmlns="" xmlns:a14="http://schemas.microsoft.com/office/drawing/2010/main" w="9525">
+                <a14:hiddenLine xmlns:a14="http://schemas.microsoft.com/office/drawing/2010/main" xmlns="" w="9525">
                   <a:solidFill>
                     <a:srgbClr val="000000"/>
                   </a:solidFill>
@@ -14544,7 +14545,7 @@
             </a:ln>
             <a:extLst>
               <a:ext uri="{91240B29-F687-4f45-9708-019B960494DF}">
-                <a14:hiddenLine xmlns="" xmlns:a14="http://schemas.microsoft.com/office/drawing/2010/main" w="9525">
+                <a14:hiddenLine xmlns:a14="http://schemas.microsoft.com/office/drawing/2010/main" xmlns="" w="9525">
                   <a:solidFill>
                     <a:srgbClr val="000000"/>
                   </a:solidFill>
@@ -14737,7 +14738,7 @@
             </a:ln>
             <a:extLst>
               <a:ext uri="{91240B29-F687-4f45-9708-019B960494DF}">
-                <a14:hiddenLine xmlns="" xmlns:a14="http://schemas.microsoft.com/office/drawing/2010/main" w="9525">
+                <a14:hiddenLine xmlns:a14="http://schemas.microsoft.com/office/drawing/2010/main" xmlns="" w="9525">
                   <a:solidFill>
                     <a:srgbClr val="000000"/>
                   </a:solidFill>
@@ -15129,7 +15130,7 @@
             </a:ln>
             <a:extLst>
               <a:ext uri="{91240B29-F687-4f45-9708-019B960494DF}">
-                <a14:hiddenLine xmlns="" xmlns:a14="http://schemas.microsoft.com/office/drawing/2010/main" w="9525">
+                <a14:hiddenLine xmlns:a14="http://schemas.microsoft.com/office/drawing/2010/main" xmlns="" w="9525">
                   <a:solidFill>
                     <a:srgbClr val="000000"/>
                   </a:solidFill>
@@ -15512,7 +15513,7 @@
             </a:ln>
             <a:extLst>
               <a:ext uri="{91240B29-F687-4f45-9708-019B960494DF}">
-                <a14:hiddenLine xmlns="" xmlns:a14="http://schemas.microsoft.com/office/drawing/2010/main" w="9525">
+                <a14:hiddenLine xmlns:a14="http://schemas.microsoft.com/office/drawing/2010/main" xmlns="" w="9525">
                   <a:solidFill>
                     <a:srgbClr val="000000"/>
                   </a:solidFill>
@@ -15966,7 +15967,7 @@
             </a:ln>
             <a:extLst>
               <a:ext uri="{91240B29-F687-4f45-9708-019B960494DF}">
-                <a14:hiddenLine xmlns="" xmlns:a14="http://schemas.microsoft.com/office/drawing/2010/main" w="9525">
+                <a14:hiddenLine xmlns:a14="http://schemas.microsoft.com/office/drawing/2010/main" xmlns="" w="9525">
                   <a:solidFill>
                     <a:srgbClr val="000000"/>
                   </a:solidFill>
@@ -16219,7 +16220,7 @@
             </a:ln>
             <a:extLst>
               <a:ext uri="{91240B29-F687-4f45-9708-019B960494DF}">
-                <a14:hiddenLine xmlns="" xmlns:a14="http://schemas.microsoft.com/office/drawing/2010/main" w="9525">
+                <a14:hiddenLine xmlns:a14="http://schemas.microsoft.com/office/drawing/2010/main" xmlns="" w="9525">
                   <a:solidFill>
                     <a:srgbClr val="000000"/>
                   </a:solidFill>
@@ -16472,7 +16473,7 @@
             </a:ln>
             <a:extLst>
               <a:ext uri="{91240B29-F687-4f45-9708-019B960494DF}">
-                <a14:hiddenLine xmlns="" xmlns:a14="http://schemas.microsoft.com/office/drawing/2010/main" w="9525">
+                <a14:hiddenLine xmlns:a14="http://schemas.microsoft.com/office/drawing/2010/main" xmlns="" w="9525">
                   <a:solidFill>
                     <a:srgbClr val="000000"/>
                   </a:solidFill>
@@ -16864,7 +16865,7 @@
             </a:ln>
             <a:extLst>
               <a:ext uri="{91240B29-F687-4f45-9708-019B960494DF}">
-                <a14:hiddenLine xmlns="" xmlns:a14="http://schemas.microsoft.com/office/drawing/2010/main" w="9525">
+                <a14:hiddenLine xmlns:a14="http://schemas.microsoft.com/office/drawing/2010/main" xmlns="" w="9525">
                   <a:solidFill>
                     <a:srgbClr val="000000"/>
                   </a:solidFill>
@@ -17077,7 +17078,7 @@
             </a:ln>
             <a:extLst>
               <a:ext uri="{91240B29-F687-4f45-9708-019B960494DF}">
-                <a14:hiddenLine xmlns="" xmlns:a14="http://schemas.microsoft.com/office/drawing/2010/main" w="9525">
+                <a14:hiddenLine xmlns:a14="http://schemas.microsoft.com/office/drawing/2010/main" xmlns="" w="9525">
                   <a:solidFill>
                     <a:srgbClr val="000000"/>
                   </a:solidFill>
@@ -17250,7 +17251,7 @@
             </a:ln>
             <a:extLst>
               <a:ext uri="{91240B29-F687-4f45-9708-019B960494DF}">
-                <a14:hiddenLine xmlns="" xmlns:a14="http://schemas.microsoft.com/office/drawing/2010/main" w="9525">
+                <a14:hiddenLine xmlns:a14="http://schemas.microsoft.com/office/drawing/2010/main" xmlns="" w="9525">
                   <a:solidFill>
                     <a:srgbClr val="000000"/>
                   </a:solidFill>
@@ -17463,7 +17464,7 @@
             </a:ln>
             <a:extLst>
               <a:ext uri="{91240B29-F687-4f45-9708-019B960494DF}">
-                <a14:hiddenLine xmlns="" xmlns:a14="http://schemas.microsoft.com/office/drawing/2010/main" w="9525">
+                <a14:hiddenLine xmlns:a14="http://schemas.microsoft.com/office/drawing/2010/main" xmlns="" w="9525">
                   <a:solidFill>
                     <a:srgbClr val="000000"/>
                   </a:solidFill>
@@ -17855,7 +17856,7 @@
             </a:ln>
             <a:extLst>
               <a:ext uri="{91240B29-F687-4f45-9708-019B960494DF}">
-                <a14:hiddenLine xmlns="" xmlns:a14="http://schemas.microsoft.com/office/drawing/2010/main" w="9525">
+                <a14:hiddenLine xmlns:a14="http://schemas.microsoft.com/office/drawing/2010/main" xmlns="" w="9525">
                   <a:solidFill>
                     <a:srgbClr val="000000"/>
                   </a:solidFill>
@@ -18250,7 +18251,7 @@
             </a:ln>
             <a:extLst>
               <a:ext uri="{91240B29-F687-4f45-9708-019B960494DF}">
-                <a14:hiddenLine xmlns="" xmlns:a14="http://schemas.microsoft.com/office/drawing/2010/main" w="9525">
+                <a14:hiddenLine xmlns:a14="http://schemas.microsoft.com/office/drawing/2010/main" xmlns="" w="9525">
                   <a:solidFill>
                     <a:srgbClr val="000000"/>
                   </a:solidFill>
@@ -18483,7 +18484,7 @@
             </a:ln>
             <a:extLst>
               <a:ext uri="{91240B29-F687-4f45-9708-019B960494DF}">
-                <a14:hiddenLine xmlns="" xmlns:a14="http://schemas.microsoft.com/office/drawing/2010/main" w="9525">
+                <a14:hiddenLine xmlns:a14="http://schemas.microsoft.com/office/drawing/2010/main" xmlns="" w="9525">
                   <a:solidFill>
                     <a:srgbClr val="000000"/>
                   </a:solidFill>
@@ -18676,7 +18677,7 @@
             </a:ln>
             <a:extLst>
               <a:ext uri="{91240B29-F687-4f45-9708-019B960494DF}">
-                <a14:hiddenLine xmlns="" xmlns:a14="http://schemas.microsoft.com/office/drawing/2010/main" w="9525">
+                <a14:hiddenLine xmlns:a14="http://schemas.microsoft.com/office/drawing/2010/main" xmlns="" w="9525">
                   <a:solidFill>
                     <a:srgbClr val="000000"/>
                   </a:solidFill>
@@ -18929,7 +18930,7 @@
             </a:ln>
             <a:extLst>
               <a:ext uri="{91240B29-F687-4f45-9708-019B960494DF}">
-                <a14:hiddenLine xmlns="" xmlns:a14="http://schemas.microsoft.com/office/drawing/2010/main" w="9525">
+                <a14:hiddenLine xmlns:a14="http://schemas.microsoft.com/office/drawing/2010/main" xmlns="" w="9525">
                   <a:solidFill>
                     <a:srgbClr val="000000"/>
                   </a:solidFill>
@@ -19324,7 +19325,7 @@
             </a:ln>
             <a:extLst>
               <a:ext uri="{91240B29-F687-4f45-9708-019B960494DF}">
-                <a14:hiddenLine xmlns="" xmlns:a14="http://schemas.microsoft.com/office/drawing/2010/main" w="9525">
+                <a14:hiddenLine xmlns:a14="http://schemas.microsoft.com/office/drawing/2010/main" xmlns="" w="9525">
                   <a:solidFill>
                     <a:srgbClr val="000000"/>
                   </a:solidFill>
@@ -19609,7 +19610,7 @@
             </a:ln>
             <a:extLst>
               <a:ext uri="{91240B29-F687-4f45-9708-019B960494DF}">
-                <a14:hiddenLine xmlns="" xmlns:a14="http://schemas.microsoft.com/office/drawing/2010/main" w="9525">
+                <a14:hiddenLine xmlns:a14="http://schemas.microsoft.com/office/drawing/2010/main" xmlns="" w="9525">
                   <a:solidFill>
                     <a:srgbClr val="000000"/>
                   </a:solidFill>
@@ -19933,7 +19934,7 @@
             </a:ln>
             <a:extLst>
               <a:ext uri="{91240B29-F687-4f45-9708-019B960494DF}">
-                <a14:hiddenLine xmlns="" xmlns:a14="http://schemas.microsoft.com/office/drawing/2010/main" w="9525">
+                <a14:hiddenLine xmlns:a14="http://schemas.microsoft.com/office/drawing/2010/main" xmlns="" w="9525">
                   <a:solidFill>
                     <a:srgbClr val="000000"/>
                   </a:solidFill>
@@ -20166,7 +20167,7 @@
             </a:ln>
             <a:extLst>
               <a:ext uri="{91240B29-F687-4f45-9708-019B960494DF}">
-                <a14:hiddenLine xmlns="" xmlns:a14="http://schemas.microsoft.com/office/drawing/2010/main" w="9525">
+                <a14:hiddenLine xmlns:a14="http://schemas.microsoft.com/office/drawing/2010/main" xmlns="" w="9525">
                   <a:solidFill>
                     <a:srgbClr val="000000"/>
                   </a:solidFill>
@@ -20419,7 +20420,7 @@
             </a:ln>
             <a:extLst>
               <a:ext uri="{91240B29-F687-4f45-9708-019B960494DF}">
-                <a14:hiddenLine xmlns="" xmlns:a14="http://schemas.microsoft.com/office/drawing/2010/main" w="9525">
+                <a14:hiddenLine xmlns:a14="http://schemas.microsoft.com/office/drawing/2010/main" xmlns="" w="9525">
                   <a:solidFill>
                     <a:srgbClr val="000000"/>
                   </a:solidFill>
@@ -20672,7 +20673,7 @@
             </a:ln>
             <a:extLst>
               <a:ext uri="{91240B29-F687-4f45-9708-019B960494DF}">
-                <a14:hiddenLine xmlns="" xmlns:a14="http://schemas.microsoft.com/office/drawing/2010/main" w="9525">
+                <a14:hiddenLine xmlns:a14="http://schemas.microsoft.com/office/drawing/2010/main" xmlns="" w="9525">
                   <a:solidFill>
                     <a:srgbClr val="000000"/>
                   </a:solidFill>
@@ -20827,7 +20828,7 @@
             </a:ln>
             <a:extLst>
               <a:ext uri="{91240B29-F687-4f45-9708-019B960494DF}">
-                <a14:hiddenLine xmlns="" xmlns:a14="http://schemas.microsoft.com/office/drawing/2010/main" w="9525">
+                <a14:hiddenLine xmlns:a14="http://schemas.microsoft.com/office/drawing/2010/main" xmlns="" w="9525">
                   <a:solidFill>
                     <a:srgbClr val="000000"/>
                   </a:solidFill>
@@ -21310,7 +21311,7 @@
           <a:graphicData uri="http://schemas.openxmlformats.org/presentationml/2006/ole">
             <mc:AlternateContent xmlns:mc="http://schemas.openxmlformats.org/markup-compatibility/2006">
               <mc:Choice xmlns:v="urn:schemas-microsoft-com:vml" Requires="v">
-                <p:oleObj spid="_x0000_s110742" name="think-cell Slide" r:id="rId4" imgW="270" imgH="270" progId="TCLayout.ActiveDocument.1">
+                <p:oleObj spid="_x0000_s110744" name="think-cell Slide" r:id="rId4" imgW="270" imgH="270" progId="TCLayout.ActiveDocument.1">
                   <p:embed/>
                 </p:oleObj>
               </mc:Choice>
@@ -21501,7 +21502,7 @@
           <a:graphicData uri="http://schemas.openxmlformats.org/presentationml/2006/ole">
             <mc:AlternateContent xmlns:mc="http://schemas.openxmlformats.org/markup-compatibility/2006">
               <mc:Choice xmlns:v="urn:schemas-microsoft-com:vml" Requires="v">
-                <p:oleObj spid="_x0000_s111745" name="think-cell Slide" r:id="rId4" imgW="270" imgH="270" progId="TCLayout.ActiveDocument.1">
+                <p:oleObj spid="_x0000_s111747" name="think-cell Slide" r:id="rId4" imgW="270" imgH="270" progId="TCLayout.ActiveDocument.1">
                   <p:embed/>
                 </p:oleObj>
               </mc:Choice>
@@ -22212,7 +22213,7 @@
           <a:graphicData uri="http://schemas.openxmlformats.org/presentationml/2006/ole">
             <mc:AlternateContent xmlns:mc="http://schemas.openxmlformats.org/markup-compatibility/2006">
               <mc:Choice xmlns:v="urn:schemas-microsoft-com:vml" Requires="v">
-                <p:oleObj spid="_x0000_s94474" name="think-cell Slide" r:id="rId4" imgW="270" imgH="270" progId="TCLayout.ActiveDocument.1">
+                <p:oleObj spid="_x0000_s94476" name="think-cell Slide" r:id="rId4" imgW="270" imgH="270" progId="TCLayout.ActiveDocument.1">
                   <p:embed/>
                 </p:oleObj>
               </mc:Choice>
@@ -22844,7 +22845,7 @@
           <a:graphicData uri="http://schemas.openxmlformats.org/presentationml/2006/ole">
             <mc:AlternateContent xmlns:mc="http://schemas.openxmlformats.org/markup-compatibility/2006">
               <mc:Choice xmlns:v="urn:schemas-microsoft-com:vml" Requires="v">
-                <p:oleObj spid="_x0000_s106664" name="think-cell Slide" r:id="rId4" imgW="270" imgH="270" progId="TCLayout.ActiveDocument.1">
+                <p:oleObj spid="_x0000_s106666" name="think-cell Slide" r:id="rId4" imgW="270" imgH="270" progId="TCLayout.ActiveDocument.1">
                   <p:embed/>
                 </p:oleObj>
               </mc:Choice>
@@ -22956,7 +22957,7 @@
           <a:graphicData uri="http://schemas.openxmlformats.org/presentationml/2006/ole">
             <mc:AlternateContent xmlns:mc="http://schemas.openxmlformats.org/markup-compatibility/2006">
               <mc:Choice xmlns:v="urn:schemas-microsoft-com:vml" Requires="v">
-                <p:oleObj spid="_x0000_s109722" name="think-cell Slide" r:id="rId4" imgW="270" imgH="270" progId="TCLayout.ActiveDocument.1">
+                <p:oleObj spid="_x0000_s109724" name="think-cell Slide" r:id="rId4" imgW="270" imgH="270" progId="TCLayout.ActiveDocument.1">
                   <p:embed/>
                 </p:oleObj>
               </mc:Choice>
@@ -23070,7 +23071,7 @@
           <a:graphicData uri="http://schemas.openxmlformats.org/presentationml/2006/ole">
             <mc:AlternateContent xmlns:mc="http://schemas.openxmlformats.org/markup-compatibility/2006">
               <mc:Choice xmlns:v="urn:schemas-microsoft-com:vml" Requires="v">
-                <p:oleObj spid="_x0000_s4603" name="think-cell Slide" r:id="rId18" imgW="270" imgH="270" progId="TCLayout.ActiveDocument.1">
+                <p:oleObj spid="_x0000_s4605" name="think-cell Slide" r:id="rId18" imgW="270" imgH="270" progId="TCLayout.ActiveDocument.1">
                   <p:embed/>
                 </p:oleObj>
               </mc:Choice>
@@ -25532,7 +25533,7 @@
           <a:graphicData uri="http://schemas.openxmlformats.org/presentationml/2006/ole">
             <mc:AlternateContent xmlns:mc="http://schemas.openxmlformats.org/markup-compatibility/2006">
               <mc:Choice xmlns:v="urn:schemas-microsoft-com:vml" Requires="v">
-                <p:oleObj spid="_x0000_s91406" name="think-cell Slide" r:id="rId6" imgW="270" imgH="270" progId="TCLayout.ActiveDocument.1">
+                <p:oleObj spid="_x0000_s91408" name="think-cell Slide" r:id="rId6" imgW="270" imgH="270" progId="TCLayout.ActiveDocument.1">
                   <p:embed/>
                 </p:oleObj>
               </mc:Choice>
@@ -28969,6 +28970,111 @@
             </a:r>
             <a:r>
               <a:rPr lang="nl-NL" dirty="0"/>
+              <a:t> : Lab01</a:t>
+            </a:r>
+          </a:p>
+        </p:txBody>
+      </p:sp>
+      <p:pic>
+        <p:nvPicPr>
+          <p:cNvPr id="8" name="Picture 7">
+            <a:extLst>
+              <a:ext uri="{FF2B5EF4-FFF2-40B4-BE49-F238E27FC236}">
+                <a16:creationId xmlns:a16="http://schemas.microsoft.com/office/drawing/2014/main" id="{6AD0CFBE-6CD0-4179-9100-80043C24442A}"/>
+              </a:ext>
+            </a:extLst>
+          </p:cNvPr>
+          <p:cNvPicPr>
+            <a:picLocks noChangeAspect="1"/>
+          </p:cNvPicPr>
+          <p:nvPr/>
+        </p:nvPicPr>
+        <p:blipFill>
+          <a:blip r:embed="rId2"/>
+          <a:stretch>
+            <a:fillRect/>
+          </a:stretch>
+        </p:blipFill>
+        <p:spPr>
+          <a:xfrm>
+            <a:off x="550200" y="1052736"/>
+            <a:ext cx="10496545" cy="5496157"/>
+          </a:xfrm>
+          <a:prstGeom prst="rect">
+            <a:avLst/>
+          </a:prstGeom>
+        </p:spPr>
+      </p:pic>
+    </p:spTree>
+    <p:extLst>
+      <p:ext uri="{BB962C8B-B14F-4D97-AF65-F5344CB8AC3E}">
+        <p14:creationId xmlns:p14="http://schemas.microsoft.com/office/powerpoint/2010/main" val="2112031513"/>
+      </p:ext>
+    </p:extLst>
+  </p:cSld>
+  <p:clrMapOvr>
+    <a:masterClrMapping/>
+  </p:clrMapOvr>
+</p:sld>
+</file>
+
+<file path=ppt/slides/slide6.xml><?xml version="1.0" encoding="utf-8"?>
+<p:sld xmlns:a="http://schemas.openxmlformats.org/drawingml/2006/main" xmlns:r="http://schemas.openxmlformats.org/officeDocument/2006/relationships" xmlns:p="http://schemas.openxmlformats.org/presentationml/2006/main">
+  <p:cSld>
+    <p:spTree>
+      <p:nvGrpSpPr>
+        <p:cNvPr id="1" name=""/>
+        <p:cNvGrpSpPr/>
+        <p:nvPr/>
+      </p:nvGrpSpPr>
+      <p:grpSpPr>
+        <a:xfrm>
+          <a:off x="0" y="0"/>
+          <a:ext cx="0" cy="0"/>
+          <a:chOff x="0" y="0"/>
+          <a:chExt cx="0" cy="0"/>
+        </a:xfrm>
+      </p:grpSpPr>
+      <p:sp>
+        <p:nvSpPr>
+          <p:cNvPr id="2" name="Title 1">
+            <a:extLst>
+              <a:ext uri="{FF2B5EF4-FFF2-40B4-BE49-F238E27FC236}">
+                <a16:creationId xmlns:a16="http://schemas.microsoft.com/office/drawing/2014/main" id="{1743C244-29DB-4467-8119-97FEE9B69BF8}"/>
+              </a:ext>
+            </a:extLst>
+          </p:cNvPr>
+          <p:cNvSpPr>
+            <a:spLocks noGrp="1"/>
+          </p:cNvSpPr>
+          <p:nvPr>
+            <p:ph type="title"/>
+          </p:nvPr>
+        </p:nvSpPr>
+        <p:spPr>
+          <a:xfrm>
+            <a:off x="550200" y="188640"/>
+            <a:ext cx="11091600" cy="916260"/>
+          </a:xfrm>
+        </p:spPr>
+        <p:txBody>
+          <a:bodyPr/>
+          <a:lstStyle/>
+          <a:p>
+            <a:r>
+              <a:rPr lang="nl-NL" dirty="0" err="1"/>
+              <a:t>Azure</a:t>
+            </a:r>
+            <a:r>
+              <a:rPr lang="nl-NL" dirty="0"/>
+              <a:t> </a:t>
+            </a:r>
+            <a:r>
+              <a:rPr lang="nl-NL" dirty="0" err="1"/>
+              <a:t>Function</a:t>
+            </a:r>
+            <a:r>
+              <a:rPr lang="nl-NL" dirty="0"/>
               <a:t> </a:t>
             </a:r>
             <a:r>
@@ -29460,7 +29566,7 @@
     </p:spTree>
     <p:extLst>
       <p:ext uri="{BB962C8B-B14F-4D97-AF65-F5344CB8AC3E}">
-        <p14:creationId xmlns:p14="http://schemas.microsoft.com/office/powerpoint/2010/main" val="2112031513"/>
+        <p14:creationId xmlns:p14="http://schemas.microsoft.com/office/powerpoint/2010/main" val="1821772317"/>
       </p:ext>
     </p:extLst>
   </p:cSld>

--- a/Azure-Function-203.pptx
+++ b/Azure-Function-203.pptx
@@ -6,23 +6,32 @@
     <p:sldMasterId id="2147483902" r:id="rId2"/>
   </p:sldMasterIdLst>
   <p:notesMasterIdLst>
-    <p:notesMasterId r:id="rId9"/>
+    <p:notesMasterId r:id="rId18"/>
   </p:notesMasterIdLst>
   <p:handoutMasterIdLst>
-    <p:handoutMasterId r:id="rId10"/>
+    <p:handoutMasterId r:id="rId19"/>
   </p:handoutMasterIdLst>
   <p:sldIdLst>
     <p:sldId id="302" r:id="rId3"/>
     <p:sldId id="265" r:id="rId4"/>
-    <p:sldId id="560" r:id="rId5"/>
-    <p:sldId id="561" r:id="rId6"/>
-    <p:sldId id="562" r:id="rId7"/>
-    <p:sldId id="563" r:id="rId8"/>
+    <p:sldId id="564" r:id="rId5"/>
+    <p:sldId id="569" r:id="rId6"/>
+    <p:sldId id="568" r:id="rId7"/>
+    <p:sldId id="573" r:id="rId8"/>
+    <p:sldId id="574" r:id="rId9"/>
+    <p:sldId id="560" r:id="rId10"/>
+    <p:sldId id="567" r:id="rId11"/>
+    <p:sldId id="575" r:id="rId12"/>
+    <p:sldId id="561" r:id="rId13"/>
+    <p:sldId id="562" r:id="rId14"/>
+    <p:sldId id="563" r:id="rId15"/>
+    <p:sldId id="571" r:id="rId16"/>
+    <p:sldId id="572" r:id="rId17"/>
   </p:sldIdLst>
   <p:sldSz cx="12192000" cy="6858000"/>
   <p:notesSz cx="6797675" cy="9926638"/>
   <p:custDataLst>
-    <p:tags r:id="rId11"/>
+    <p:tags r:id="rId20"/>
   </p:custDataLst>
   <p:defaultTextStyle>
     <a:defPPr>
@@ -256,7 +265,7 @@
             <a:fld id="{86C988DC-9DE3-4390-97AB-D61B85DACE57}" type="datetimeFigureOut">
               <a:rPr lang="pt-PT" sz="900" smtClean="0"/>
               <a:pPr/>
-              <a:t>20/08/2019</a:t>
+              <a:t>26/08/2019</a:t>
             </a:fld>
             <a:endParaRPr lang="pt-PT" sz="900"/>
           </a:p>
@@ -435,7 +444,7 @@
             <a:fld id="{0835B8F7-DAC4-4931-8AED-4356A8B2FD64}" type="datetimeFigureOut">
               <a:rPr lang="pt-BR" smtClean="0"/>
               <a:pPr/>
-              <a:t>20/08/2019</a:t>
+              <a:t>26/08/2019</a:t>
             </a:fld>
             <a:endParaRPr lang="pt-BR"/>
           </a:p>
@@ -676,6 +685,740 @@
 </p:notesMaster>
 </file>
 
+<file path=ppt/notesSlides/notesSlide1.xml><?xml version="1.0" encoding="utf-8"?>
+<p:notes xmlns:a="http://schemas.openxmlformats.org/drawingml/2006/main" xmlns:r="http://schemas.openxmlformats.org/officeDocument/2006/relationships" xmlns:p="http://schemas.openxmlformats.org/presentationml/2006/main">
+  <p:cSld>
+    <p:spTree>
+      <p:nvGrpSpPr>
+        <p:cNvPr id="1" name=""/>
+        <p:cNvGrpSpPr/>
+        <p:nvPr/>
+      </p:nvGrpSpPr>
+      <p:grpSpPr>
+        <a:xfrm>
+          <a:off x="0" y="0"/>
+          <a:ext cx="0" cy="0"/>
+          <a:chOff x="0" y="0"/>
+          <a:chExt cx="0" cy="0"/>
+        </a:xfrm>
+      </p:grpSpPr>
+      <p:sp>
+        <p:nvSpPr>
+          <p:cNvPr id="2" name="Slide Image Placeholder 1"/>
+          <p:cNvSpPr>
+            <a:spLocks noGrp="1" noRot="1" noChangeAspect="1"/>
+          </p:cNvSpPr>
+          <p:nvPr>
+            <p:ph type="sldImg"/>
+          </p:nvPr>
+        </p:nvSpPr>
+        <p:spPr/>
+      </p:sp>
+      <p:sp>
+        <p:nvSpPr>
+          <p:cNvPr id="3" name="Notes Placeholder 2"/>
+          <p:cNvSpPr>
+            <a:spLocks noGrp="1"/>
+          </p:cNvSpPr>
+          <p:nvPr>
+            <p:ph type="body" idx="1"/>
+          </p:nvPr>
+        </p:nvSpPr>
+        <p:spPr/>
+        <p:txBody>
+          <a:bodyPr/>
+          <a:lstStyle/>
+          <a:p>
+            <a:r>
+              <a:rPr lang="nl-NL" dirty="0"/>
+              <a:t>https://docs.microsoft.com/en-us/azure/azure-functions/functions-scale#service-limits</a:t>
+            </a:r>
+          </a:p>
+          <a:p>
+            <a:endParaRPr lang="nl-NL" dirty="0"/>
+          </a:p>
+        </p:txBody>
+      </p:sp>
+      <p:sp>
+        <p:nvSpPr>
+          <p:cNvPr id="4" name="Slide Number Placeholder 3"/>
+          <p:cNvSpPr>
+            <a:spLocks noGrp="1"/>
+          </p:cNvSpPr>
+          <p:nvPr>
+            <p:ph type="sldNum" sz="quarter" idx="5"/>
+          </p:nvPr>
+        </p:nvSpPr>
+        <p:spPr/>
+        <p:txBody>
+          <a:bodyPr/>
+          <a:lstStyle/>
+          <a:p>
+            <a:fld id="{C0696B5C-12A0-4042-B4D0-BD3B9A4F58C6}" type="slidenum">
+              <a:rPr lang="pt-BR" smtClean="0"/>
+              <a:pPr/>
+              <a:t>3</a:t>
+            </a:fld>
+            <a:endParaRPr lang="pt-BR"/>
+          </a:p>
+        </p:txBody>
+      </p:sp>
+    </p:spTree>
+    <p:extLst>
+      <p:ext uri="{BB962C8B-B14F-4D97-AF65-F5344CB8AC3E}">
+        <p14:creationId xmlns:p14="http://schemas.microsoft.com/office/powerpoint/2010/main" val="3311442663"/>
+      </p:ext>
+    </p:extLst>
+  </p:cSld>
+  <p:clrMapOvr>
+    <a:masterClrMapping/>
+  </p:clrMapOvr>
+</p:notes>
+</file>
+
+<file path=ppt/notesSlides/notesSlide2.xml><?xml version="1.0" encoding="utf-8"?>
+<p:notes xmlns:a="http://schemas.openxmlformats.org/drawingml/2006/main" xmlns:r="http://schemas.openxmlformats.org/officeDocument/2006/relationships" xmlns:p="http://schemas.openxmlformats.org/presentationml/2006/main">
+  <p:cSld>
+    <p:spTree>
+      <p:nvGrpSpPr>
+        <p:cNvPr id="1" name=""/>
+        <p:cNvGrpSpPr/>
+        <p:nvPr/>
+      </p:nvGrpSpPr>
+      <p:grpSpPr>
+        <a:xfrm>
+          <a:off x="0" y="0"/>
+          <a:ext cx="0" cy="0"/>
+          <a:chOff x="0" y="0"/>
+          <a:chExt cx="0" cy="0"/>
+        </a:xfrm>
+      </p:grpSpPr>
+      <p:sp>
+        <p:nvSpPr>
+          <p:cNvPr id="2" name="Slide Image Placeholder 1"/>
+          <p:cNvSpPr>
+            <a:spLocks noGrp="1" noRot="1" noChangeAspect="1"/>
+          </p:cNvSpPr>
+          <p:nvPr>
+            <p:ph type="sldImg"/>
+          </p:nvPr>
+        </p:nvSpPr>
+        <p:spPr/>
+      </p:sp>
+      <p:sp>
+        <p:nvSpPr>
+          <p:cNvPr id="3" name="Notes Placeholder 2"/>
+          <p:cNvSpPr>
+            <a:spLocks noGrp="1"/>
+          </p:cNvSpPr>
+          <p:nvPr>
+            <p:ph type="body" idx="1"/>
+          </p:nvPr>
+        </p:nvSpPr>
+        <p:spPr/>
+        <p:txBody>
+          <a:bodyPr/>
+          <a:lstStyle/>
+          <a:p>
+            <a:r>
+              <a:rPr lang="en-US" dirty="0"/>
+              <a:t>Azure Functions are built on top of AppService and </a:t>
+            </a:r>
+            <a:r>
+              <a:rPr lang="en-US" dirty="0" err="1"/>
+              <a:t>WebJobs</a:t>
+            </a:r>
+            <a:r>
+              <a:rPr lang="en-US" dirty="0"/>
+              <a:t> SDK</a:t>
+            </a:r>
+            <a:endParaRPr lang="nl-NL" dirty="0"/>
+          </a:p>
+        </p:txBody>
+      </p:sp>
+      <p:sp>
+        <p:nvSpPr>
+          <p:cNvPr id="4" name="Slide Number Placeholder 3"/>
+          <p:cNvSpPr>
+            <a:spLocks noGrp="1"/>
+          </p:cNvSpPr>
+          <p:nvPr>
+            <p:ph type="sldNum" sz="quarter" idx="5"/>
+          </p:nvPr>
+        </p:nvSpPr>
+        <p:spPr/>
+        <p:txBody>
+          <a:bodyPr/>
+          <a:lstStyle/>
+          <a:p>
+            <a:fld id="{C0696B5C-12A0-4042-B4D0-BD3B9A4F58C6}" type="slidenum">
+              <a:rPr lang="pt-BR" smtClean="0"/>
+              <a:pPr/>
+              <a:t>4</a:t>
+            </a:fld>
+            <a:endParaRPr lang="pt-BR"/>
+          </a:p>
+        </p:txBody>
+      </p:sp>
+    </p:spTree>
+    <p:extLst>
+      <p:ext uri="{BB962C8B-B14F-4D97-AF65-F5344CB8AC3E}">
+        <p14:creationId xmlns:p14="http://schemas.microsoft.com/office/powerpoint/2010/main" val="1038278572"/>
+      </p:ext>
+    </p:extLst>
+  </p:cSld>
+  <p:clrMapOvr>
+    <a:masterClrMapping/>
+  </p:clrMapOvr>
+</p:notes>
+</file>
+
+<file path=ppt/notesSlides/notesSlide3.xml><?xml version="1.0" encoding="utf-8"?>
+<p:notes xmlns:a="http://schemas.openxmlformats.org/drawingml/2006/main" xmlns:r="http://schemas.openxmlformats.org/officeDocument/2006/relationships" xmlns:p="http://schemas.openxmlformats.org/presentationml/2006/main">
+  <p:cSld>
+    <p:spTree>
+      <p:nvGrpSpPr>
+        <p:cNvPr id="1" name=""/>
+        <p:cNvGrpSpPr/>
+        <p:nvPr/>
+      </p:nvGrpSpPr>
+      <p:grpSpPr>
+        <a:xfrm>
+          <a:off x="0" y="0"/>
+          <a:ext cx="0" cy="0"/>
+          <a:chOff x="0" y="0"/>
+          <a:chExt cx="0" cy="0"/>
+        </a:xfrm>
+      </p:grpSpPr>
+      <p:sp>
+        <p:nvSpPr>
+          <p:cNvPr id="2" name="Slide Image Placeholder 1"/>
+          <p:cNvSpPr>
+            <a:spLocks noGrp="1" noRot="1" noChangeAspect="1"/>
+          </p:cNvSpPr>
+          <p:nvPr>
+            <p:ph type="sldImg"/>
+          </p:nvPr>
+        </p:nvSpPr>
+        <p:spPr/>
+      </p:sp>
+      <p:sp>
+        <p:nvSpPr>
+          <p:cNvPr id="3" name="Notes Placeholder 2"/>
+          <p:cNvSpPr>
+            <a:spLocks noGrp="1"/>
+          </p:cNvSpPr>
+          <p:nvPr>
+            <p:ph type="body" idx="1"/>
+          </p:nvPr>
+        </p:nvSpPr>
+        <p:spPr/>
+        <p:txBody>
+          <a:bodyPr/>
+          <a:lstStyle/>
+          <a:p>
+            <a:r>
+              <a:rPr lang="nl-NL" dirty="0"/>
+              <a:t>https://docs.microsoft.com/en-us/azure/azure-functions/functions-scale#service-limits</a:t>
+            </a:r>
+          </a:p>
+          <a:p>
+            <a:endParaRPr lang="nl-NL" dirty="0"/>
+          </a:p>
+        </p:txBody>
+      </p:sp>
+      <p:sp>
+        <p:nvSpPr>
+          <p:cNvPr id="4" name="Slide Number Placeholder 3"/>
+          <p:cNvSpPr>
+            <a:spLocks noGrp="1"/>
+          </p:cNvSpPr>
+          <p:nvPr>
+            <p:ph type="sldNum" sz="quarter" idx="5"/>
+          </p:nvPr>
+        </p:nvSpPr>
+        <p:spPr/>
+        <p:txBody>
+          <a:bodyPr/>
+          <a:lstStyle/>
+          <a:p>
+            <a:fld id="{C0696B5C-12A0-4042-B4D0-BD3B9A4F58C6}" type="slidenum">
+              <a:rPr lang="pt-BR" smtClean="0"/>
+              <a:pPr/>
+              <a:t>5</a:t>
+            </a:fld>
+            <a:endParaRPr lang="pt-BR"/>
+          </a:p>
+        </p:txBody>
+      </p:sp>
+    </p:spTree>
+    <p:extLst>
+      <p:ext uri="{BB962C8B-B14F-4D97-AF65-F5344CB8AC3E}">
+        <p14:creationId xmlns:p14="http://schemas.microsoft.com/office/powerpoint/2010/main" val="1211171067"/>
+      </p:ext>
+    </p:extLst>
+  </p:cSld>
+  <p:clrMapOvr>
+    <a:masterClrMapping/>
+  </p:clrMapOvr>
+</p:notes>
+</file>
+
+<file path=ppt/notesSlides/notesSlide4.xml><?xml version="1.0" encoding="utf-8"?>
+<p:notes xmlns:a="http://schemas.openxmlformats.org/drawingml/2006/main" xmlns:r="http://schemas.openxmlformats.org/officeDocument/2006/relationships" xmlns:p="http://schemas.openxmlformats.org/presentationml/2006/main">
+  <p:cSld>
+    <p:spTree>
+      <p:nvGrpSpPr>
+        <p:cNvPr id="1" name=""/>
+        <p:cNvGrpSpPr/>
+        <p:nvPr/>
+      </p:nvGrpSpPr>
+      <p:grpSpPr>
+        <a:xfrm>
+          <a:off x="0" y="0"/>
+          <a:ext cx="0" cy="0"/>
+          <a:chOff x="0" y="0"/>
+          <a:chExt cx="0" cy="0"/>
+        </a:xfrm>
+      </p:grpSpPr>
+      <p:sp>
+        <p:nvSpPr>
+          <p:cNvPr id="2" name="Slide Image Placeholder 1"/>
+          <p:cNvSpPr>
+            <a:spLocks noGrp="1" noRot="1" noChangeAspect="1"/>
+          </p:cNvSpPr>
+          <p:nvPr>
+            <p:ph type="sldImg"/>
+          </p:nvPr>
+        </p:nvSpPr>
+        <p:spPr/>
+      </p:sp>
+      <p:sp>
+        <p:nvSpPr>
+          <p:cNvPr id="3" name="Notes Placeholder 2"/>
+          <p:cNvSpPr>
+            <a:spLocks noGrp="1"/>
+          </p:cNvSpPr>
+          <p:nvPr>
+            <p:ph type="body" idx="1"/>
+          </p:nvPr>
+        </p:nvSpPr>
+        <p:spPr/>
+        <p:txBody>
+          <a:bodyPr/>
+          <a:lstStyle/>
+          <a:p>
+            <a:r>
+              <a:rPr lang="nl-NL" dirty="0"/>
+              <a:t>https://docs.microsoft.com/en-us/azure/azure-functions/functions-scale#service-limits</a:t>
+            </a:r>
+          </a:p>
+          <a:p>
+            <a:endParaRPr lang="nl-NL" dirty="0"/>
+          </a:p>
+        </p:txBody>
+      </p:sp>
+      <p:sp>
+        <p:nvSpPr>
+          <p:cNvPr id="4" name="Slide Number Placeholder 3"/>
+          <p:cNvSpPr>
+            <a:spLocks noGrp="1"/>
+          </p:cNvSpPr>
+          <p:nvPr>
+            <p:ph type="sldNum" sz="quarter" idx="5"/>
+          </p:nvPr>
+        </p:nvSpPr>
+        <p:spPr/>
+        <p:txBody>
+          <a:bodyPr/>
+          <a:lstStyle/>
+          <a:p>
+            <a:fld id="{C0696B5C-12A0-4042-B4D0-BD3B9A4F58C6}" type="slidenum">
+              <a:rPr lang="pt-BR" smtClean="0"/>
+              <a:pPr/>
+              <a:t>6</a:t>
+            </a:fld>
+            <a:endParaRPr lang="pt-BR"/>
+          </a:p>
+        </p:txBody>
+      </p:sp>
+    </p:spTree>
+    <p:extLst>
+      <p:ext uri="{BB962C8B-B14F-4D97-AF65-F5344CB8AC3E}">
+        <p14:creationId xmlns:p14="http://schemas.microsoft.com/office/powerpoint/2010/main" val="1289960070"/>
+      </p:ext>
+    </p:extLst>
+  </p:cSld>
+  <p:clrMapOvr>
+    <a:masterClrMapping/>
+  </p:clrMapOvr>
+</p:notes>
+</file>
+
+<file path=ppt/notesSlides/notesSlide5.xml><?xml version="1.0" encoding="utf-8"?>
+<p:notes xmlns:a="http://schemas.openxmlformats.org/drawingml/2006/main" xmlns:r="http://schemas.openxmlformats.org/officeDocument/2006/relationships" xmlns:p="http://schemas.openxmlformats.org/presentationml/2006/main">
+  <p:cSld>
+    <p:spTree>
+      <p:nvGrpSpPr>
+        <p:cNvPr id="1" name=""/>
+        <p:cNvGrpSpPr/>
+        <p:nvPr/>
+      </p:nvGrpSpPr>
+      <p:grpSpPr>
+        <a:xfrm>
+          <a:off x="0" y="0"/>
+          <a:ext cx="0" cy="0"/>
+          <a:chOff x="0" y="0"/>
+          <a:chExt cx="0" cy="0"/>
+        </a:xfrm>
+      </p:grpSpPr>
+      <p:sp>
+        <p:nvSpPr>
+          <p:cNvPr id="2" name="Slide Image Placeholder 1"/>
+          <p:cNvSpPr>
+            <a:spLocks noGrp="1" noRot="1" noChangeAspect="1"/>
+          </p:cNvSpPr>
+          <p:nvPr>
+            <p:ph type="sldImg"/>
+          </p:nvPr>
+        </p:nvSpPr>
+        <p:spPr/>
+      </p:sp>
+      <p:sp>
+        <p:nvSpPr>
+          <p:cNvPr id="3" name="Notes Placeholder 2"/>
+          <p:cNvSpPr>
+            <a:spLocks noGrp="1"/>
+          </p:cNvSpPr>
+          <p:nvPr>
+            <p:ph type="body" idx="1"/>
+          </p:nvPr>
+        </p:nvSpPr>
+        <p:spPr/>
+        <p:txBody>
+          <a:bodyPr/>
+          <a:lstStyle/>
+          <a:p>
+            <a:r>
+              <a:rPr lang="nl-NL" dirty="0"/>
+              <a:t>https://docs.microsoft.com/en-us/azure/azure-functions/functions-scale#service-limits</a:t>
+            </a:r>
+          </a:p>
+          <a:p>
+            <a:endParaRPr lang="nl-NL" dirty="0"/>
+          </a:p>
+        </p:txBody>
+      </p:sp>
+      <p:sp>
+        <p:nvSpPr>
+          <p:cNvPr id="4" name="Slide Number Placeholder 3"/>
+          <p:cNvSpPr>
+            <a:spLocks noGrp="1"/>
+          </p:cNvSpPr>
+          <p:nvPr>
+            <p:ph type="sldNum" sz="quarter" idx="5"/>
+          </p:nvPr>
+        </p:nvSpPr>
+        <p:spPr/>
+        <p:txBody>
+          <a:bodyPr/>
+          <a:lstStyle/>
+          <a:p>
+            <a:fld id="{C0696B5C-12A0-4042-B4D0-BD3B9A4F58C6}" type="slidenum">
+              <a:rPr lang="pt-BR" smtClean="0"/>
+              <a:pPr/>
+              <a:t>7</a:t>
+            </a:fld>
+            <a:endParaRPr lang="pt-BR"/>
+          </a:p>
+        </p:txBody>
+      </p:sp>
+    </p:spTree>
+    <p:extLst>
+      <p:ext uri="{BB962C8B-B14F-4D97-AF65-F5344CB8AC3E}">
+        <p14:creationId xmlns:p14="http://schemas.microsoft.com/office/powerpoint/2010/main" val="3849502106"/>
+      </p:ext>
+    </p:extLst>
+  </p:cSld>
+  <p:clrMapOvr>
+    <a:masterClrMapping/>
+  </p:clrMapOvr>
+</p:notes>
+</file>
+
+<file path=ppt/notesSlides/notesSlide6.xml><?xml version="1.0" encoding="utf-8"?>
+<p:notes xmlns:a="http://schemas.openxmlformats.org/drawingml/2006/main" xmlns:r="http://schemas.openxmlformats.org/officeDocument/2006/relationships" xmlns:p="http://schemas.openxmlformats.org/presentationml/2006/main">
+  <p:cSld>
+    <p:spTree>
+      <p:nvGrpSpPr>
+        <p:cNvPr id="1" name=""/>
+        <p:cNvGrpSpPr/>
+        <p:nvPr/>
+      </p:nvGrpSpPr>
+      <p:grpSpPr>
+        <a:xfrm>
+          <a:off x="0" y="0"/>
+          <a:ext cx="0" cy="0"/>
+          <a:chOff x="0" y="0"/>
+          <a:chExt cx="0" cy="0"/>
+        </a:xfrm>
+      </p:grpSpPr>
+      <p:sp>
+        <p:nvSpPr>
+          <p:cNvPr id="2" name="Slide Image Placeholder 1"/>
+          <p:cNvSpPr>
+            <a:spLocks noGrp="1" noRot="1" noChangeAspect="1"/>
+          </p:cNvSpPr>
+          <p:nvPr>
+            <p:ph type="sldImg"/>
+          </p:nvPr>
+        </p:nvSpPr>
+        <p:spPr/>
+      </p:sp>
+      <p:sp>
+        <p:nvSpPr>
+          <p:cNvPr id="3" name="Notes Placeholder 2"/>
+          <p:cNvSpPr>
+            <a:spLocks noGrp="1"/>
+          </p:cNvSpPr>
+          <p:nvPr>
+            <p:ph type="body" idx="1"/>
+          </p:nvPr>
+        </p:nvSpPr>
+        <p:spPr/>
+        <p:txBody>
+          <a:bodyPr/>
+          <a:lstStyle/>
+          <a:p>
+            <a:r>
+              <a:rPr lang="nl-NL" dirty="0"/>
+              <a:t>https://docs.microsoft.com/en-us/azure/azure-functions/functions-scale#service-limits</a:t>
+            </a:r>
+          </a:p>
+          <a:p>
+            <a:endParaRPr lang="nl-NL" dirty="0"/>
+          </a:p>
+        </p:txBody>
+      </p:sp>
+      <p:sp>
+        <p:nvSpPr>
+          <p:cNvPr id="4" name="Slide Number Placeholder 3"/>
+          <p:cNvSpPr>
+            <a:spLocks noGrp="1"/>
+          </p:cNvSpPr>
+          <p:nvPr>
+            <p:ph type="sldNum" sz="quarter" idx="5"/>
+          </p:nvPr>
+        </p:nvSpPr>
+        <p:spPr/>
+        <p:txBody>
+          <a:bodyPr/>
+          <a:lstStyle/>
+          <a:p>
+            <a:fld id="{C0696B5C-12A0-4042-B4D0-BD3B9A4F58C6}" type="slidenum">
+              <a:rPr lang="pt-BR" smtClean="0"/>
+              <a:pPr/>
+              <a:t>10</a:t>
+            </a:fld>
+            <a:endParaRPr lang="pt-BR"/>
+          </a:p>
+        </p:txBody>
+      </p:sp>
+    </p:spTree>
+    <p:extLst>
+      <p:ext uri="{BB962C8B-B14F-4D97-AF65-F5344CB8AC3E}">
+        <p14:creationId xmlns:p14="http://schemas.microsoft.com/office/powerpoint/2010/main" val="3806860123"/>
+      </p:ext>
+    </p:extLst>
+  </p:cSld>
+  <p:clrMapOvr>
+    <a:masterClrMapping/>
+  </p:clrMapOvr>
+</p:notes>
+</file>
+
+<file path=ppt/notesSlides/notesSlide7.xml><?xml version="1.0" encoding="utf-8"?>
+<p:notes xmlns:a="http://schemas.openxmlformats.org/drawingml/2006/main" xmlns:r="http://schemas.openxmlformats.org/officeDocument/2006/relationships" xmlns:p="http://schemas.openxmlformats.org/presentationml/2006/main">
+  <p:cSld>
+    <p:spTree>
+      <p:nvGrpSpPr>
+        <p:cNvPr id="1" name=""/>
+        <p:cNvGrpSpPr/>
+        <p:nvPr/>
+      </p:nvGrpSpPr>
+      <p:grpSpPr>
+        <a:xfrm>
+          <a:off x="0" y="0"/>
+          <a:ext cx="0" cy="0"/>
+          <a:chOff x="0" y="0"/>
+          <a:chExt cx="0" cy="0"/>
+        </a:xfrm>
+      </p:grpSpPr>
+      <p:sp>
+        <p:nvSpPr>
+          <p:cNvPr id="2" name="Slide Image Placeholder 1"/>
+          <p:cNvSpPr>
+            <a:spLocks noGrp="1" noRot="1" noChangeAspect="1"/>
+          </p:cNvSpPr>
+          <p:nvPr>
+            <p:ph type="sldImg"/>
+          </p:nvPr>
+        </p:nvSpPr>
+        <p:spPr/>
+      </p:sp>
+      <p:sp>
+        <p:nvSpPr>
+          <p:cNvPr id="3" name="Notes Placeholder 2"/>
+          <p:cNvSpPr>
+            <a:spLocks noGrp="1"/>
+          </p:cNvSpPr>
+          <p:nvPr>
+            <p:ph type="body" idx="1"/>
+          </p:nvPr>
+        </p:nvSpPr>
+        <p:spPr/>
+        <p:txBody>
+          <a:bodyPr/>
+          <a:lstStyle/>
+          <a:p>
+            <a:r>
+              <a:rPr lang="nl-NL" dirty="0">
+                <a:hlinkClick r:id="rId3"/>
+              </a:rPr>
+              <a:t>https://docs.microsoft.com/en-us/azure/azure-functions/durable/durable-functions-instance-management</a:t>
+            </a:r>
+            <a:endParaRPr lang="nl-NL" dirty="0"/>
+          </a:p>
+        </p:txBody>
+      </p:sp>
+      <p:sp>
+        <p:nvSpPr>
+          <p:cNvPr id="4" name="Slide Number Placeholder 3"/>
+          <p:cNvSpPr>
+            <a:spLocks noGrp="1"/>
+          </p:cNvSpPr>
+          <p:nvPr>
+            <p:ph type="sldNum" sz="quarter" idx="5"/>
+          </p:nvPr>
+        </p:nvSpPr>
+        <p:spPr/>
+        <p:txBody>
+          <a:bodyPr/>
+          <a:lstStyle/>
+          <a:p>
+            <a:fld id="{C0696B5C-12A0-4042-B4D0-BD3B9A4F58C6}" type="slidenum">
+              <a:rPr lang="pt-BR" smtClean="0"/>
+              <a:pPr/>
+              <a:t>14</a:t>
+            </a:fld>
+            <a:endParaRPr lang="pt-BR"/>
+          </a:p>
+        </p:txBody>
+      </p:sp>
+    </p:spTree>
+    <p:extLst>
+      <p:ext uri="{BB962C8B-B14F-4D97-AF65-F5344CB8AC3E}">
+        <p14:creationId xmlns:p14="http://schemas.microsoft.com/office/powerpoint/2010/main" val="343459302"/>
+      </p:ext>
+    </p:extLst>
+  </p:cSld>
+  <p:clrMapOvr>
+    <a:masterClrMapping/>
+  </p:clrMapOvr>
+</p:notes>
+</file>
+
+<file path=ppt/notesSlides/notesSlide8.xml><?xml version="1.0" encoding="utf-8"?>
+<p:notes xmlns:a="http://schemas.openxmlformats.org/drawingml/2006/main" xmlns:r="http://schemas.openxmlformats.org/officeDocument/2006/relationships" xmlns:p="http://schemas.openxmlformats.org/presentationml/2006/main">
+  <p:cSld>
+    <p:spTree>
+      <p:nvGrpSpPr>
+        <p:cNvPr id="1" name=""/>
+        <p:cNvGrpSpPr/>
+        <p:nvPr/>
+      </p:nvGrpSpPr>
+      <p:grpSpPr>
+        <a:xfrm>
+          <a:off x="0" y="0"/>
+          <a:ext cx="0" cy="0"/>
+          <a:chOff x="0" y="0"/>
+          <a:chExt cx="0" cy="0"/>
+        </a:xfrm>
+      </p:grpSpPr>
+      <p:sp>
+        <p:nvSpPr>
+          <p:cNvPr id="2" name="Slide Image Placeholder 1"/>
+          <p:cNvSpPr>
+            <a:spLocks noGrp="1" noRot="1" noChangeAspect="1"/>
+          </p:cNvSpPr>
+          <p:nvPr>
+            <p:ph type="sldImg"/>
+          </p:nvPr>
+        </p:nvSpPr>
+        <p:spPr/>
+      </p:sp>
+      <p:sp>
+        <p:nvSpPr>
+          <p:cNvPr id="3" name="Notes Placeholder 2"/>
+          <p:cNvSpPr>
+            <a:spLocks noGrp="1"/>
+          </p:cNvSpPr>
+          <p:nvPr>
+            <p:ph type="body" idx="1"/>
+          </p:nvPr>
+        </p:nvSpPr>
+        <p:spPr/>
+        <p:txBody>
+          <a:bodyPr/>
+          <a:lstStyle/>
+          <a:p>
+            <a:r>
+              <a:rPr lang="nl-NL" dirty="0">
+                <a:hlinkClick r:id="rId3"/>
+              </a:rPr>
+              <a:t>https://docs.microsoft.com/en-us/azure/azure-functions/durable/durable-functions-instance-management</a:t>
+            </a:r>
+            <a:endParaRPr lang="nl-NL" dirty="0"/>
+          </a:p>
+        </p:txBody>
+      </p:sp>
+      <p:sp>
+        <p:nvSpPr>
+          <p:cNvPr id="4" name="Slide Number Placeholder 3"/>
+          <p:cNvSpPr>
+            <a:spLocks noGrp="1"/>
+          </p:cNvSpPr>
+          <p:nvPr>
+            <p:ph type="sldNum" sz="quarter" idx="5"/>
+          </p:nvPr>
+        </p:nvSpPr>
+        <p:spPr/>
+        <p:txBody>
+          <a:bodyPr/>
+          <a:lstStyle/>
+          <a:p>
+            <a:fld id="{C0696B5C-12A0-4042-B4D0-BD3B9A4F58C6}" type="slidenum">
+              <a:rPr lang="pt-BR" smtClean="0"/>
+              <a:pPr/>
+              <a:t>15</a:t>
+            </a:fld>
+            <a:endParaRPr lang="pt-BR"/>
+          </a:p>
+        </p:txBody>
+      </p:sp>
+    </p:spTree>
+    <p:extLst>
+      <p:ext uri="{BB962C8B-B14F-4D97-AF65-F5344CB8AC3E}">
+        <p14:creationId xmlns:p14="http://schemas.microsoft.com/office/powerpoint/2010/main" val="3810296900"/>
+      </p:ext>
+    </p:extLst>
+  </p:cSld>
+  <p:clrMapOvr>
+    <a:masterClrMapping/>
+  </p:clrMapOvr>
+</p:notes>
+</file>
+
 <file path=ppt/slideLayouts/slideLayout1.xml><?xml version="1.0" encoding="utf-8"?>
 <p:sldLayout xmlns:a="http://schemas.openxmlformats.org/drawingml/2006/main" xmlns:r="http://schemas.openxmlformats.org/officeDocument/2006/relationships" xmlns:p="http://schemas.openxmlformats.org/presentationml/2006/main" preserve="1" userDrawn="1">
   <p:cSld name="Titre seul">
@@ -713,7 +1456,7 @@
           <a:graphicData uri="http://schemas.openxmlformats.org/presentationml/2006/ole">
             <mc:AlternateContent xmlns:mc="http://schemas.openxmlformats.org/markup-compatibility/2006">
               <mc:Choice xmlns:v="urn:schemas-microsoft-com:vml" Requires="v">
-                <p:oleObj spid="_x0000_s9691" name="think-cell Slide" r:id="rId4" imgW="270" imgH="270" progId="TCLayout.ActiveDocument.1">
+                <p:oleObj spid="_x0000_s9712" name="think-cell Slide" r:id="rId4" imgW="270" imgH="270" progId="TCLayout.ActiveDocument.1">
                   <p:embed/>
                 </p:oleObj>
               </mc:Choice>
@@ -850,7 +1593,7 @@
           <a:graphicData uri="http://schemas.openxmlformats.org/presentationml/2006/ole">
             <mc:AlternateContent xmlns:mc="http://schemas.openxmlformats.org/markup-compatibility/2006">
               <mc:Choice xmlns:v="urn:schemas-microsoft-com:vml" Requires="v">
-                <p:oleObj spid="_x0000_s112757" name="think-cell Slide" r:id="rId4" imgW="270" imgH="270" progId="TCLayout.ActiveDocument.1">
+                <p:oleObj spid="_x0000_s112778" name="think-cell Slide" r:id="rId4" imgW="270" imgH="270" progId="TCLayout.ActiveDocument.1">
                   <p:embed/>
                 </p:oleObj>
               </mc:Choice>
@@ -1322,7 +2065,7 @@
           <a:graphicData uri="http://schemas.openxmlformats.org/presentationml/2006/ole">
             <mc:AlternateContent xmlns:mc="http://schemas.openxmlformats.org/markup-compatibility/2006">
               <mc:Choice xmlns:v="urn:schemas-microsoft-com:vml" Requires="v">
-                <p:oleObj spid="_x0000_s103596" name="think-cell Slide" r:id="rId4" imgW="270" imgH="270" progId="TCLayout.ActiveDocument.1">
+                <p:oleObj spid="_x0000_s103617" name="think-cell Slide" r:id="rId4" imgW="270" imgH="270" progId="TCLayout.ActiveDocument.1">
                   <p:embed/>
                 </p:oleObj>
               </mc:Choice>
@@ -1524,7 +2267,7 @@
           <a:graphicData uri="http://schemas.openxmlformats.org/presentationml/2006/ole">
             <mc:AlternateContent xmlns:mc="http://schemas.openxmlformats.org/markup-compatibility/2006">
               <mc:Choice xmlns:v="urn:schemas-microsoft-com:vml" Requires="v">
-                <p:oleObj spid="_x0000_s108701" name="think-cell Slide" r:id="rId4" imgW="270" imgH="270" progId="TCLayout.ActiveDocument.1">
+                <p:oleObj spid="_x0000_s108722" name="think-cell Slide" r:id="rId4" imgW="270" imgH="270" progId="TCLayout.ActiveDocument.1">
                   <p:embed/>
                 </p:oleObj>
               </mc:Choice>
@@ -1726,7 +2469,7 @@
           <a:graphicData uri="http://schemas.openxmlformats.org/presentationml/2006/ole">
             <mc:AlternateContent xmlns:mc="http://schemas.openxmlformats.org/markup-compatibility/2006">
               <mc:Choice xmlns:v="urn:schemas-microsoft-com:vml" Requires="v">
-                <p:oleObj spid="_x0000_s97514" name="think-cell Slide" r:id="rId4" imgW="270" imgH="270" progId="TCLayout.ActiveDocument.1">
+                <p:oleObj spid="_x0000_s97535" name="think-cell Slide" r:id="rId4" imgW="270" imgH="270" progId="TCLayout.ActiveDocument.1">
                   <p:embed/>
                 </p:oleObj>
               </mc:Choice>
@@ -2277,1636 +3020,6 @@
       </p:pic>
       <p:sp>
         <p:nvSpPr>
-          <p:cNvPr id="20" name="Text Placeholder 7">
-            <a:extLst>
-              <a:ext uri="{FF2B5EF4-FFF2-40B4-BE49-F238E27FC236}">
-                <a16:creationId xmlns:a16="http://schemas.microsoft.com/office/drawing/2014/main" id="{9AFD87C0-70C2-43AC-9DA3-160A95F947F3}"/>
-              </a:ext>
-            </a:extLst>
-          </p:cNvPr>
-          <p:cNvSpPr>
-            <a:spLocks noGrp="1"/>
-          </p:cNvSpPr>
-          <p:nvPr>
-            <p:ph type="body" sz="quarter" idx="11" hasCustomPrompt="1"/>
-          </p:nvPr>
-        </p:nvSpPr>
-        <p:spPr>
-          <a:xfrm>
-            <a:off x="5812038" y="1301017"/>
-            <a:ext cx="6103736" cy="555448"/>
-          </a:xfrm>
-          <a:prstGeom prst="rect">
-            <a:avLst/>
-          </a:prstGeom>
-        </p:spPr>
-        <p:txBody>
-          <a:bodyPr anchor="ctr">
-            <a:noAutofit/>
-          </a:bodyPr>
-          <a:lstStyle>
-            <a:lvl1pPr>
-              <a:lnSpc>
-                <a:spcPct val="100000"/>
-              </a:lnSpc>
-              <a:spcBef>
-                <a:spcPts val="0"/>
-              </a:spcBef>
-              <a:spcAft>
-                <a:spcPts val="0"/>
-              </a:spcAft>
-              <a:defRPr sz="1600" spc="-110" baseline="0">
-                <a:solidFill>
-                  <a:schemeClr val="bg1"/>
-                </a:solidFill>
-              </a:defRPr>
-            </a:lvl1pPr>
-            <a:lvl2pPr>
-              <a:lnSpc>
-                <a:spcPct val="100000"/>
-              </a:lnSpc>
-              <a:defRPr sz="1400"/>
-            </a:lvl2pPr>
-            <a:lvl3pPr>
-              <a:lnSpc>
-                <a:spcPct val="100000"/>
-              </a:lnSpc>
-              <a:defRPr sz="1400"/>
-            </a:lvl3pPr>
-            <a:lvl4pPr>
-              <a:lnSpc>
-                <a:spcPct val="100000"/>
-              </a:lnSpc>
-              <a:defRPr sz="1400"/>
-            </a:lvl4pPr>
-            <a:lvl5pPr>
-              <a:lnSpc>
-                <a:spcPct val="100000"/>
-              </a:lnSpc>
-              <a:defRPr sz="1400"/>
-            </a:lvl5pPr>
-          </a:lstStyle>
-          <a:p>
-            <a:pPr lvl="0"/>
-            <a:r>
-              <a:rPr lang="en-US" dirty="0"/>
-              <a:t>Click to insert text</a:t>
-            </a:r>
-          </a:p>
-        </p:txBody>
-      </p:sp>
-      <p:sp>
-        <p:nvSpPr>
-          <p:cNvPr id="21" name="Text Placeholder 7">
-            <a:extLst>
-              <a:ext uri="{FF2B5EF4-FFF2-40B4-BE49-F238E27FC236}">
-                <a16:creationId xmlns:a16="http://schemas.microsoft.com/office/drawing/2014/main" id="{3BC068EE-22F5-4ABE-B3BF-88CF841C40E2}"/>
-              </a:ext>
-            </a:extLst>
-          </p:cNvPr>
-          <p:cNvSpPr>
-            <a:spLocks noGrp="1"/>
-          </p:cNvSpPr>
-          <p:nvPr>
-            <p:ph type="body" sz="quarter" idx="12" hasCustomPrompt="1"/>
-          </p:nvPr>
-        </p:nvSpPr>
-        <p:spPr>
-          <a:xfrm>
-            <a:off x="5812038" y="1960142"/>
-            <a:ext cx="6103736" cy="555448"/>
-          </a:xfrm>
-          <a:prstGeom prst="rect">
-            <a:avLst/>
-          </a:prstGeom>
-        </p:spPr>
-        <p:txBody>
-          <a:bodyPr anchor="ctr">
-            <a:noAutofit/>
-          </a:bodyPr>
-          <a:lstStyle>
-            <a:lvl1pPr marL="0" marR="0" indent="0" algn="l" defTabSz="914400" rtl="0" eaLnBrk="1" fontAlgn="auto" latinLnBrk="0" hangingPunct="1">
-              <a:lnSpc>
-                <a:spcPct val="100000"/>
-              </a:lnSpc>
-              <a:spcBef>
-                <a:spcPts val="0"/>
-              </a:spcBef>
-              <a:spcAft>
-                <a:spcPts val="0"/>
-              </a:spcAft>
-              <a:buClrTx/>
-              <a:buSzTx/>
-              <a:buFont typeface="Arial" panose="020B0604020202020204" pitchFamily="34" charset="0"/>
-              <a:buNone/>
-              <a:tabLst/>
-              <a:defRPr sz="1600" spc="-110" baseline="0">
-                <a:solidFill>
-                  <a:schemeClr val="bg1"/>
-                </a:solidFill>
-              </a:defRPr>
-            </a:lvl1pPr>
-            <a:lvl2pPr>
-              <a:lnSpc>
-                <a:spcPct val="100000"/>
-              </a:lnSpc>
-              <a:defRPr sz="1400"/>
-            </a:lvl2pPr>
-            <a:lvl3pPr>
-              <a:lnSpc>
-                <a:spcPct val="100000"/>
-              </a:lnSpc>
-              <a:defRPr sz="1400"/>
-            </a:lvl3pPr>
-            <a:lvl4pPr>
-              <a:lnSpc>
-                <a:spcPct val="100000"/>
-              </a:lnSpc>
-              <a:defRPr sz="1400"/>
-            </a:lvl4pPr>
-            <a:lvl5pPr>
-              <a:lnSpc>
-                <a:spcPct val="100000"/>
-              </a:lnSpc>
-              <a:defRPr sz="1400"/>
-            </a:lvl5pPr>
-          </a:lstStyle>
-          <a:p>
-            <a:pPr marL="0" marR="0" lvl="0" indent="0" algn="l" defTabSz="914400" rtl="0" eaLnBrk="1" fontAlgn="auto" latinLnBrk="0" hangingPunct="1">
-              <a:lnSpc>
-                <a:spcPct val="100000"/>
-              </a:lnSpc>
-              <a:spcBef>
-                <a:spcPts val="1000"/>
-              </a:spcBef>
-              <a:spcAft>
-                <a:spcPts val="0"/>
-              </a:spcAft>
-              <a:buClrTx/>
-              <a:buSzTx/>
-              <a:buFont typeface="Arial" panose="020B0604020202020204" pitchFamily="34" charset="0"/>
-              <a:buNone/>
-              <a:tabLst/>
-              <a:defRPr/>
-            </a:pPr>
-            <a:r>
-              <a:rPr lang="en-US" dirty="0"/>
-              <a:t>Click to insert text</a:t>
-            </a:r>
-          </a:p>
-        </p:txBody>
-      </p:sp>
-      <p:sp>
-        <p:nvSpPr>
-          <p:cNvPr id="22" name="Text Placeholder 7">
-            <a:extLst>
-              <a:ext uri="{FF2B5EF4-FFF2-40B4-BE49-F238E27FC236}">
-                <a16:creationId xmlns:a16="http://schemas.microsoft.com/office/drawing/2014/main" id="{59382DC9-351D-40C2-ABD1-40AADDBBA7C6}"/>
-              </a:ext>
-            </a:extLst>
-          </p:cNvPr>
-          <p:cNvSpPr>
-            <a:spLocks noGrp="1"/>
-          </p:cNvSpPr>
-          <p:nvPr>
-            <p:ph type="body" sz="quarter" idx="13" hasCustomPrompt="1"/>
-          </p:nvPr>
-        </p:nvSpPr>
-        <p:spPr>
-          <a:xfrm>
-            <a:off x="5812038" y="2619267"/>
-            <a:ext cx="6103736" cy="555448"/>
-          </a:xfrm>
-          <a:prstGeom prst="rect">
-            <a:avLst/>
-          </a:prstGeom>
-        </p:spPr>
-        <p:txBody>
-          <a:bodyPr anchor="ctr">
-            <a:noAutofit/>
-          </a:bodyPr>
-          <a:lstStyle>
-            <a:lvl1pPr>
-              <a:lnSpc>
-                <a:spcPct val="100000"/>
-              </a:lnSpc>
-              <a:spcBef>
-                <a:spcPts val="0"/>
-              </a:spcBef>
-              <a:spcAft>
-                <a:spcPts val="0"/>
-              </a:spcAft>
-              <a:defRPr sz="1600" spc="-110" baseline="0">
-                <a:solidFill>
-                  <a:schemeClr val="bg1"/>
-                </a:solidFill>
-              </a:defRPr>
-            </a:lvl1pPr>
-            <a:lvl2pPr>
-              <a:lnSpc>
-                <a:spcPct val="100000"/>
-              </a:lnSpc>
-              <a:defRPr sz="1400"/>
-            </a:lvl2pPr>
-            <a:lvl3pPr>
-              <a:lnSpc>
-                <a:spcPct val="100000"/>
-              </a:lnSpc>
-              <a:defRPr sz="1400"/>
-            </a:lvl3pPr>
-            <a:lvl4pPr>
-              <a:lnSpc>
-                <a:spcPct val="100000"/>
-              </a:lnSpc>
-              <a:defRPr sz="1400"/>
-            </a:lvl4pPr>
-            <a:lvl5pPr>
-              <a:lnSpc>
-                <a:spcPct val="100000"/>
-              </a:lnSpc>
-              <a:defRPr sz="1400"/>
-            </a:lvl5pPr>
-          </a:lstStyle>
-          <a:p>
-            <a:pPr lvl="0"/>
-            <a:r>
-              <a:rPr lang="en-US" dirty="0"/>
-              <a:t>Click to insert text</a:t>
-            </a:r>
-          </a:p>
-        </p:txBody>
-      </p:sp>
-      <p:sp>
-        <p:nvSpPr>
-          <p:cNvPr id="23" name="Text Placeholder 7">
-            <a:extLst>
-              <a:ext uri="{FF2B5EF4-FFF2-40B4-BE49-F238E27FC236}">
-                <a16:creationId xmlns:a16="http://schemas.microsoft.com/office/drawing/2014/main" id="{0710CA76-E2C0-4713-AB03-B2222F2BF9C1}"/>
-              </a:ext>
-            </a:extLst>
-          </p:cNvPr>
-          <p:cNvSpPr>
-            <a:spLocks noGrp="1"/>
-          </p:cNvSpPr>
-          <p:nvPr>
-            <p:ph type="body" sz="quarter" idx="14" hasCustomPrompt="1"/>
-          </p:nvPr>
-        </p:nvSpPr>
-        <p:spPr>
-          <a:xfrm>
-            <a:off x="5812038" y="5255767"/>
-            <a:ext cx="6103736" cy="555448"/>
-          </a:xfrm>
-          <a:prstGeom prst="rect">
-            <a:avLst/>
-          </a:prstGeom>
-        </p:spPr>
-        <p:txBody>
-          <a:bodyPr anchor="ctr">
-            <a:noAutofit/>
-          </a:bodyPr>
-          <a:lstStyle>
-            <a:lvl1pPr>
-              <a:lnSpc>
-                <a:spcPct val="100000"/>
-              </a:lnSpc>
-              <a:spcBef>
-                <a:spcPts val="0"/>
-              </a:spcBef>
-              <a:spcAft>
-                <a:spcPts val="0"/>
-              </a:spcAft>
-              <a:defRPr sz="1600" spc="-110" baseline="0">
-                <a:solidFill>
-                  <a:schemeClr val="bg1"/>
-                </a:solidFill>
-              </a:defRPr>
-            </a:lvl1pPr>
-            <a:lvl2pPr>
-              <a:lnSpc>
-                <a:spcPct val="100000"/>
-              </a:lnSpc>
-              <a:defRPr sz="1400"/>
-            </a:lvl2pPr>
-            <a:lvl3pPr>
-              <a:lnSpc>
-                <a:spcPct val="100000"/>
-              </a:lnSpc>
-              <a:defRPr sz="1400"/>
-            </a:lvl3pPr>
-            <a:lvl4pPr>
-              <a:lnSpc>
-                <a:spcPct val="100000"/>
-              </a:lnSpc>
-              <a:defRPr sz="1400"/>
-            </a:lvl4pPr>
-            <a:lvl5pPr>
-              <a:lnSpc>
-                <a:spcPct val="100000"/>
-              </a:lnSpc>
-              <a:defRPr sz="1400"/>
-            </a:lvl5pPr>
-          </a:lstStyle>
-          <a:p>
-            <a:pPr lvl="0"/>
-            <a:r>
-              <a:rPr lang="en-US" dirty="0"/>
-              <a:t>Click to insert text</a:t>
-            </a:r>
-          </a:p>
-        </p:txBody>
-      </p:sp>
-      <p:sp>
-        <p:nvSpPr>
-          <p:cNvPr id="24" name="Text Placeholder 7">
-            <a:extLst>
-              <a:ext uri="{FF2B5EF4-FFF2-40B4-BE49-F238E27FC236}">
-                <a16:creationId xmlns:a16="http://schemas.microsoft.com/office/drawing/2014/main" id="{2DED1719-919F-4F18-8CBC-B81012FF4F1E}"/>
-              </a:ext>
-            </a:extLst>
-          </p:cNvPr>
-          <p:cNvSpPr>
-            <a:spLocks noGrp="1"/>
-          </p:cNvSpPr>
-          <p:nvPr>
-            <p:ph type="body" sz="quarter" idx="15" hasCustomPrompt="1"/>
-          </p:nvPr>
-        </p:nvSpPr>
-        <p:spPr>
-          <a:xfrm>
-            <a:off x="5812038" y="3937517"/>
-            <a:ext cx="6103736" cy="555448"/>
-          </a:xfrm>
-          <a:prstGeom prst="rect">
-            <a:avLst/>
-          </a:prstGeom>
-        </p:spPr>
-        <p:txBody>
-          <a:bodyPr anchor="ctr">
-            <a:noAutofit/>
-          </a:bodyPr>
-          <a:lstStyle>
-            <a:lvl1pPr>
-              <a:lnSpc>
-                <a:spcPct val="100000"/>
-              </a:lnSpc>
-              <a:spcBef>
-                <a:spcPts val="0"/>
-              </a:spcBef>
-              <a:spcAft>
-                <a:spcPts val="0"/>
-              </a:spcAft>
-              <a:defRPr sz="1600" spc="-110" baseline="0">
-                <a:solidFill>
-                  <a:schemeClr val="bg1"/>
-                </a:solidFill>
-              </a:defRPr>
-            </a:lvl1pPr>
-            <a:lvl2pPr>
-              <a:lnSpc>
-                <a:spcPct val="100000"/>
-              </a:lnSpc>
-              <a:defRPr sz="1400"/>
-            </a:lvl2pPr>
-            <a:lvl3pPr>
-              <a:lnSpc>
-                <a:spcPct val="100000"/>
-              </a:lnSpc>
-              <a:defRPr sz="1400"/>
-            </a:lvl3pPr>
-            <a:lvl4pPr>
-              <a:lnSpc>
-                <a:spcPct val="100000"/>
-              </a:lnSpc>
-              <a:defRPr sz="1400"/>
-            </a:lvl4pPr>
-            <a:lvl5pPr>
-              <a:lnSpc>
-                <a:spcPct val="100000"/>
-              </a:lnSpc>
-              <a:defRPr sz="1400"/>
-            </a:lvl5pPr>
-          </a:lstStyle>
-          <a:p>
-            <a:pPr lvl="0"/>
-            <a:r>
-              <a:rPr lang="en-US" dirty="0"/>
-              <a:t>Click to insert text</a:t>
-            </a:r>
-          </a:p>
-        </p:txBody>
-      </p:sp>
-      <p:sp>
-        <p:nvSpPr>
-          <p:cNvPr id="25" name="Text Placeholder 7">
-            <a:extLst>
-              <a:ext uri="{FF2B5EF4-FFF2-40B4-BE49-F238E27FC236}">
-                <a16:creationId xmlns:a16="http://schemas.microsoft.com/office/drawing/2014/main" id="{5630E427-AF1A-49D9-91D1-0349578FAF19}"/>
-              </a:ext>
-            </a:extLst>
-          </p:cNvPr>
-          <p:cNvSpPr>
-            <a:spLocks noGrp="1"/>
-          </p:cNvSpPr>
-          <p:nvPr>
-            <p:ph type="body" sz="quarter" idx="16" hasCustomPrompt="1"/>
-          </p:nvPr>
-        </p:nvSpPr>
-        <p:spPr>
-          <a:xfrm>
-            <a:off x="5812038" y="4596642"/>
-            <a:ext cx="6103736" cy="555448"/>
-          </a:xfrm>
-          <a:prstGeom prst="rect">
-            <a:avLst/>
-          </a:prstGeom>
-        </p:spPr>
-        <p:txBody>
-          <a:bodyPr anchor="ctr">
-            <a:noAutofit/>
-          </a:bodyPr>
-          <a:lstStyle>
-            <a:lvl1pPr>
-              <a:lnSpc>
-                <a:spcPct val="100000"/>
-              </a:lnSpc>
-              <a:spcBef>
-                <a:spcPts val="0"/>
-              </a:spcBef>
-              <a:spcAft>
-                <a:spcPts val="0"/>
-              </a:spcAft>
-              <a:defRPr sz="1600" spc="-110" baseline="0">
-                <a:solidFill>
-                  <a:schemeClr val="bg1"/>
-                </a:solidFill>
-              </a:defRPr>
-            </a:lvl1pPr>
-            <a:lvl2pPr>
-              <a:lnSpc>
-                <a:spcPct val="100000"/>
-              </a:lnSpc>
-              <a:defRPr sz="1400"/>
-            </a:lvl2pPr>
-            <a:lvl3pPr>
-              <a:lnSpc>
-                <a:spcPct val="100000"/>
-              </a:lnSpc>
-              <a:defRPr sz="1400"/>
-            </a:lvl3pPr>
-            <a:lvl4pPr>
-              <a:lnSpc>
-                <a:spcPct val="100000"/>
-              </a:lnSpc>
-              <a:defRPr sz="1400"/>
-            </a:lvl4pPr>
-            <a:lvl5pPr>
-              <a:lnSpc>
-                <a:spcPct val="100000"/>
-              </a:lnSpc>
-              <a:defRPr sz="1400"/>
-            </a:lvl5pPr>
-          </a:lstStyle>
-          <a:p>
-            <a:pPr lvl="0"/>
-            <a:r>
-              <a:rPr lang="en-US" dirty="0"/>
-              <a:t>Click to insert text</a:t>
-            </a:r>
-          </a:p>
-        </p:txBody>
-      </p:sp>
-      <p:sp>
-        <p:nvSpPr>
-          <p:cNvPr id="27" name="Text Placeholder 7">
-            <a:extLst>
-              <a:ext uri="{FF2B5EF4-FFF2-40B4-BE49-F238E27FC236}">
-                <a16:creationId xmlns:a16="http://schemas.microsoft.com/office/drawing/2014/main" id="{05B0F0D2-9B59-4DCE-A7F0-46C6C94F904A}"/>
-              </a:ext>
-            </a:extLst>
-          </p:cNvPr>
-          <p:cNvSpPr>
-            <a:spLocks noGrp="1"/>
-          </p:cNvSpPr>
-          <p:nvPr>
-            <p:ph type="body" sz="quarter" idx="18" hasCustomPrompt="1"/>
-          </p:nvPr>
-        </p:nvSpPr>
-        <p:spPr>
-          <a:xfrm>
-            <a:off x="5812038" y="5914890"/>
-            <a:ext cx="6103736" cy="555448"/>
-          </a:xfrm>
-          <a:prstGeom prst="rect">
-            <a:avLst/>
-          </a:prstGeom>
-        </p:spPr>
-        <p:txBody>
-          <a:bodyPr anchor="ctr">
-            <a:noAutofit/>
-          </a:bodyPr>
-          <a:lstStyle>
-            <a:lvl1pPr>
-              <a:lnSpc>
-                <a:spcPct val="100000"/>
-              </a:lnSpc>
-              <a:spcBef>
-                <a:spcPts val="0"/>
-              </a:spcBef>
-              <a:spcAft>
-                <a:spcPts val="0"/>
-              </a:spcAft>
-              <a:defRPr sz="1600" spc="-110" baseline="0">
-                <a:solidFill>
-                  <a:schemeClr val="bg1"/>
-                </a:solidFill>
-              </a:defRPr>
-            </a:lvl1pPr>
-            <a:lvl2pPr>
-              <a:lnSpc>
-                <a:spcPct val="100000"/>
-              </a:lnSpc>
-              <a:defRPr sz="1400"/>
-            </a:lvl2pPr>
-            <a:lvl3pPr>
-              <a:lnSpc>
-                <a:spcPct val="100000"/>
-              </a:lnSpc>
-              <a:defRPr sz="1400"/>
-            </a:lvl3pPr>
-            <a:lvl4pPr>
-              <a:lnSpc>
-                <a:spcPct val="100000"/>
-              </a:lnSpc>
-              <a:defRPr sz="1400"/>
-            </a:lvl4pPr>
-            <a:lvl5pPr>
-              <a:lnSpc>
-                <a:spcPct val="100000"/>
-              </a:lnSpc>
-              <a:defRPr sz="1400"/>
-            </a:lvl5pPr>
-          </a:lstStyle>
-          <a:p>
-            <a:pPr lvl="0"/>
-            <a:r>
-              <a:rPr lang="en-US" dirty="0"/>
-              <a:t>Click to insert text</a:t>
-            </a:r>
-          </a:p>
-        </p:txBody>
-      </p:sp>
-      <p:sp>
-        <p:nvSpPr>
-          <p:cNvPr id="29" name="Text Placeholder 7">
-            <a:extLst>
-              <a:ext uri="{FF2B5EF4-FFF2-40B4-BE49-F238E27FC236}">
-                <a16:creationId xmlns:a16="http://schemas.microsoft.com/office/drawing/2014/main" id="{BEFAEF53-DFEE-4C56-9A89-479FA76B100A}"/>
-              </a:ext>
-            </a:extLst>
-          </p:cNvPr>
-          <p:cNvSpPr>
-            <a:spLocks noGrp="1"/>
-          </p:cNvSpPr>
-          <p:nvPr>
-            <p:ph type="body" sz="quarter" idx="19" hasCustomPrompt="1"/>
-          </p:nvPr>
-        </p:nvSpPr>
-        <p:spPr>
-          <a:xfrm>
-            <a:off x="5219040" y="1301017"/>
-            <a:ext cx="360000" cy="555448"/>
-          </a:xfrm>
-          <a:prstGeom prst="rect">
-            <a:avLst/>
-          </a:prstGeom>
-        </p:spPr>
-        <p:txBody>
-          <a:bodyPr wrap="none" anchor="ctr">
-            <a:noAutofit/>
-          </a:bodyPr>
-          <a:lstStyle>
-            <a:lvl1pPr algn="ctr">
-              <a:lnSpc>
-                <a:spcPct val="100000"/>
-              </a:lnSpc>
-              <a:spcBef>
-                <a:spcPts val="0"/>
-              </a:spcBef>
-              <a:spcAft>
-                <a:spcPts val="0"/>
-              </a:spcAft>
-              <a:defRPr sz="2400" spc="200" baseline="0">
-                <a:solidFill>
-                  <a:schemeClr val="bg1"/>
-                </a:solidFill>
-              </a:defRPr>
-            </a:lvl1pPr>
-            <a:lvl2pPr>
-              <a:lnSpc>
-                <a:spcPct val="100000"/>
-              </a:lnSpc>
-              <a:defRPr sz="1400"/>
-            </a:lvl2pPr>
-            <a:lvl3pPr>
-              <a:lnSpc>
-                <a:spcPct val="100000"/>
-              </a:lnSpc>
-              <a:defRPr sz="1400"/>
-            </a:lvl3pPr>
-            <a:lvl4pPr>
-              <a:lnSpc>
-                <a:spcPct val="100000"/>
-              </a:lnSpc>
-              <a:defRPr sz="1400"/>
-            </a:lvl4pPr>
-            <a:lvl5pPr>
-              <a:lnSpc>
-                <a:spcPct val="100000"/>
-              </a:lnSpc>
-              <a:defRPr sz="1400"/>
-            </a:lvl5pPr>
-          </a:lstStyle>
-          <a:p>
-            <a:pPr lvl="0"/>
-            <a:r>
-              <a:rPr lang="en-US" dirty="0"/>
-              <a:t>01</a:t>
-            </a:r>
-          </a:p>
-        </p:txBody>
-      </p:sp>
-      <p:sp>
-        <p:nvSpPr>
-          <p:cNvPr id="31" name="Text Placeholder 7">
-            <a:extLst>
-              <a:ext uri="{FF2B5EF4-FFF2-40B4-BE49-F238E27FC236}">
-                <a16:creationId xmlns:a16="http://schemas.microsoft.com/office/drawing/2014/main" id="{2AAD1C81-8340-4E04-8BEA-69F2DD76C1B0}"/>
-              </a:ext>
-            </a:extLst>
-          </p:cNvPr>
-          <p:cNvSpPr>
-            <a:spLocks noGrp="1"/>
-          </p:cNvSpPr>
-          <p:nvPr>
-            <p:ph type="body" sz="quarter" idx="20" hasCustomPrompt="1"/>
-          </p:nvPr>
-        </p:nvSpPr>
-        <p:spPr>
-          <a:xfrm>
-            <a:off x="5219040" y="1960142"/>
-            <a:ext cx="360000" cy="555448"/>
-          </a:xfrm>
-          <a:prstGeom prst="rect">
-            <a:avLst/>
-          </a:prstGeom>
-        </p:spPr>
-        <p:txBody>
-          <a:bodyPr wrap="none" anchor="ctr">
-            <a:noAutofit/>
-          </a:bodyPr>
-          <a:lstStyle>
-            <a:lvl1pPr algn="ctr">
-              <a:lnSpc>
-                <a:spcPct val="100000"/>
-              </a:lnSpc>
-              <a:spcBef>
-                <a:spcPts val="0"/>
-              </a:spcBef>
-              <a:spcAft>
-                <a:spcPts val="0"/>
-              </a:spcAft>
-              <a:defRPr sz="2400" spc="200" baseline="0">
-                <a:solidFill>
-                  <a:schemeClr val="bg1"/>
-                </a:solidFill>
-              </a:defRPr>
-            </a:lvl1pPr>
-            <a:lvl2pPr>
-              <a:lnSpc>
-                <a:spcPct val="100000"/>
-              </a:lnSpc>
-              <a:defRPr sz="1400"/>
-            </a:lvl2pPr>
-            <a:lvl3pPr>
-              <a:lnSpc>
-                <a:spcPct val="100000"/>
-              </a:lnSpc>
-              <a:defRPr sz="1400"/>
-            </a:lvl3pPr>
-            <a:lvl4pPr>
-              <a:lnSpc>
-                <a:spcPct val="100000"/>
-              </a:lnSpc>
-              <a:defRPr sz="1400"/>
-            </a:lvl4pPr>
-            <a:lvl5pPr>
-              <a:lnSpc>
-                <a:spcPct val="100000"/>
-              </a:lnSpc>
-              <a:defRPr sz="1400"/>
-            </a:lvl5pPr>
-          </a:lstStyle>
-          <a:p>
-            <a:pPr lvl="0"/>
-            <a:r>
-              <a:rPr lang="en-US" dirty="0"/>
-              <a:t>02</a:t>
-            </a:r>
-          </a:p>
-        </p:txBody>
-      </p:sp>
-      <p:sp>
-        <p:nvSpPr>
-          <p:cNvPr id="33" name="Text Placeholder 7">
-            <a:extLst>
-              <a:ext uri="{FF2B5EF4-FFF2-40B4-BE49-F238E27FC236}">
-                <a16:creationId xmlns:a16="http://schemas.microsoft.com/office/drawing/2014/main" id="{E08C5D12-CB21-4E9A-B574-43221F42B836}"/>
-              </a:ext>
-            </a:extLst>
-          </p:cNvPr>
-          <p:cNvSpPr>
-            <a:spLocks noGrp="1"/>
-          </p:cNvSpPr>
-          <p:nvPr>
-            <p:ph type="body" sz="quarter" idx="21" hasCustomPrompt="1"/>
-          </p:nvPr>
-        </p:nvSpPr>
-        <p:spPr>
-          <a:xfrm>
-            <a:off x="5219040" y="2619267"/>
-            <a:ext cx="360000" cy="555448"/>
-          </a:xfrm>
-          <a:prstGeom prst="rect">
-            <a:avLst/>
-          </a:prstGeom>
-        </p:spPr>
-        <p:txBody>
-          <a:bodyPr wrap="none" anchor="ctr">
-            <a:noAutofit/>
-          </a:bodyPr>
-          <a:lstStyle>
-            <a:lvl1pPr algn="ctr">
-              <a:lnSpc>
-                <a:spcPct val="100000"/>
-              </a:lnSpc>
-              <a:spcBef>
-                <a:spcPts val="0"/>
-              </a:spcBef>
-              <a:spcAft>
-                <a:spcPts val="0"/>
-              </a:spcAft>
-              <a:defRPr sz="2400" spc="200" baseline="0">
-                <a:solidFill>
-                  <a:schemeClr val="bg1"/>
-                </a:solidFill>
-              </a:defRPr>
-            </a:lvl1pPr>
-            <a:lvl2pPr>
-              <a:lnSpc>
-                <a:spcPct val="100000"/>
-              </a:lnSpc>
-              <a:defRPr sz="1400"/>
-            </a:lvl2pPr>
-            <a:lvl3pPr>
-              <a:lnSpc>
-                <a:spcPct val="100000"/>
-              </a:lnSpc>
-              <a:defRPr sz="1400"/>
-            </a:lvl3pPr>
-            <a:lvl4pPr>
-              <a:lnSpc>
-                <a:spcPct val="100000"/>
-              </a:lnSpc>
-              <a:defRPr sz="1400"/>
-            </a:lvl4pPr>
-            <a:lvl5pPr>
-              <a:lnSpc>
-                <a:spcPct val="100000"/>
-              </a:lnSpc>
-              <a:defRPr sz="1400"/>
-            </a:lvl5pPr>
-          </a:lstStyle>
-          <a:p>
-            <a:pPr lvl="0"/>
-            <a:r>
-              <a:rPr lang="en-US" dirty="0"/>
-              <a:t>03</a:t>
-            </a:r>
-          </a:p>
-        </p:txBody>
-      </p:sp>
-      <p:sp>
-        <p:nvSpPr>
-          <p:cNvPr id="35" name="Text Placeholder 7">
-            <a:extLst>
-              <a:ext uri="{FF2B5EF4-FFF2-40B4-BE49-F238E27FC236}">
-                <a16:creationId xmlns:a16="http://schemas.microsoft.com/office/drawing/2014/main" id="{9D51691D-12CC-40BE-AB48-50F4ADC75971}"/>
-              </a:ext>
-            </a:extLst>
-          </p:cNvPr>
-          <p:cNvSpPr>
-            <a:spLocks noGrp="1"/>
-          </p:cNvSpPr>
-          <p:nvPr>
-            <p:ph type="body" sz="quarter" idx="22" hasCustomPrompt="1"/>
-          </p:nvPr>
-        </p:nvSpPr>
-        <p:spPr>
-          <a:xfrm>
-            <a:off x="5219040" y="3278392"/>
-            <a:ext cx="360000" cy="555448"/>
-          </a:xfrm>
-          <a:prstGeom prst="rect">
-            <a:avLst/>
-          </a:prstGeom>
-        </p:spPr>
-        <p:txBody>
-          <a:bodyPr wrap="none" anchor="ctr">
-            <a:noAutofit/>
-          </a:bodyPr>
-          <a:lstStyle>
-            <a:lvl1pPr algn="ctr">
-              <a:lnSpc>
-                <a:spcPct val="100000"/>
-              </a:lnSpc>
-              <a:spcBef>
-                <a:spcPts val="0"/>
-              </a:spcBef>
-              <a:spcAft>
-                <a:spcPts val="0"/>
-              </a:spcAft>
-              <a:defRPr sz="2400" spc="200" baseline="0">
-                <a:solidFill>
-                  <a:schemeClr val="bg1"/>
-                </a:solidFill>
-              </a:defRPr>
-            </a:lvl1pPr>
-            <a:lvl2pPr>
-              <a:lnSpc>
-                <a:spcPct val="100000"/>
-              </a:lnSpc>
-              <a:defRPr sz="1400"/>
-            </a:lvl2pPr>
-            <a:lvl3pPr>
-              <a:lnSpc>
-                <a:spcPct val="100000"/>
-              </a:lnSpc>
-              <a:defRPr sz="1400"/>
-            </a:lvl3pPr>
-            <a:lvl4pPr>
-              <a:lnSpc>
-                <a:spcPct val="100000"/>
-              </a:lnSpc>
-              <a:defRPr sz="1400"/>
-            </a:lvl4pPr>
-            <a:lvl5pPr>
-              <a:lnSpc>
-                <a:spcPct val="100000"/>
-              </a:lnSpc>
-              <a:defRPr sz="1400"/>
-            </a:lvl5pPr>
-          </a:lstStyle>
-          <a:p>
-            <a:pPr lvl="0"/>
-            <a:r>
-              <a:rPr lang="en-US" dirty="0"/>
-              <a:t>04</a:t>
-            </a:r>
-          </a:p>
-        </p:txBody>
-      </p:sp>
-      <p:sp>
-        <p:nvSpPr>
-          <p:cNvPr id="43" name="Text Placeholder 7">
-            <a:extLst>
-              <a:ext uri="{FF2B5EF4-FFF2-40B4-BE49-F238E27FC236}">
-                <a16:creationId xmlns:a16="http://schemas.microsoft.com/office/drawing/2014/main" id="{10E2D5DB-B531-4A82-BD73-9C29EF1EB46B}"/>
-              </a:ext>
-            </a:extLst>
-          </p:cNvPr>
-          <p:cNvSpPr>
-            <a:spLocks noGrp="1"/>
-          </p:cNvSpPr>
-          <p:nvPr>
-            <p:ph type="body" sz="quarter" idx="23" hasCustomPrompt="1"/>
-          </p:nvPr>
-        </p:nvSpPr>
-        <p:spPr>
-          <a:xfrm>
-            <a:off x="5219040" y="3937517"/>
-            <a:ext cx="360000" cy="555448"/>
-          </a:xfrm>
-          <a:prstGeom prst="rect">
-            <a:avLst/>
-          </a:prstGeom>
-        </p:spPr>
-        <p:txBody>
-          <a:bodyPr wrap="none" anchor="ctr">
-            <a:noAutofit/>
-          </a:bodyPr>
-          <a:lstStyle>
-            <a:lvl1pPr algn="ctr">
-              <a:lnSpc>
-                <a:spcPct val="100000"/>
-              </a:lnSpc>
-              <a:spcBef>
-                <a:spcPts val="0"/>
-              </a:spcBef>
-              <a:spcAft>
-                <a:spcPts val="0"/>
-              </a:spcAft>
-              <a:defRPr sz="2400" spc="200" baseline="0">
-                <a:solidFill>
-                  <a:schemeClr val="bg1"/>
-                </a:solidFill>
-              </a:defRPr>
-            </a:lvl1pPr>
-            <a:lvl2pPr>
-              <a:lnSpc>
-                <a:spcPct val="100000"/>
-              </a:lnSpc>
-              <a:defRPr sz="1400"/>
-            </a:lvl2pPr>
-            <a:lvl3pPr>
-              <a:lnSpc>
-                <a:spcPct val="100000"/>
-              </a:lnSpc>
-              <a:defRPr sz="1400"/>
-            </a:lvl3pPr>
-            <a:lvl4pPr>
-              <a:lnSpc>
-                <a:spcPct val="100000"/>
-              </a:lnSpc>
-              <a:defRPr sz="1400"/>
-            </a:lvl4pPr>
-            <a:lvl5pPr>
-              <a:lnSpc>
-                <a:spcPct val="100000"/>
-              </a:lnSpc>
-              <a:defRPr sz="1400"/>
-            </a:lvl5pPr>
-          </a:lstStyle>
-          <a:p>
-            <a:pPr lvl="0"/>
-            <a:r>
-              <a:rPr lang="en-US" dirty="0"/>
-              <a:t>05</a:t>
-            </a:r>
-          </a:p>
-        </p:txBody>
-      </p:sp>
-      <p:sp>
-        <p:nvSpPr>
-          <p:cNvPr id="50" name="Text Placeholder 7">
-            <a:extLst>
-              <a:ext uri="{FF2B5EF4-FFF2-40B4-BE49-F238E27FC236}">
-                <a16:creationId xmlns:a16="http://schemas.microsoft.com/office/drawing/2014/main" id="{919CCC07-FAD6-47A5-A77D-9AA0E2F2A552}"/>
-              </a:ext>
-            </a:extLst>
-          </p:cNvPr>
-          <p:cNvSpPr>
-            <a:spLocks noGrp="1"/>
-          </p:cNvSpPr>
-          <p:nvPr>
-            <p:ph type="body" sz="quarter" idx="24" hasCustomPrompt="1"/>
-          </p:nvPr>
-        </p:nvSpPr>
-        <p:spPr>
-          <a:xfrm>
-            <a:off x="5219040" y="4596642"/>
-            <a:ext cx="360000" cy="555448"/>
-          </a:xfrm>
-          <a:prstGeom prst="rect">
-            <a:avLst/>
-          </a:prstGeom>
-        </p:spPr>
-        <p:txBody>
-          <a:bodyPr wrap="none" anchor="ctr">
-            <a:noAutofit/>
-          </a:bodyPr>
-          <a:lstStyle>
-            <a:lvl1pPr algn="ctr">
-              <a:lnSpc>
-                <a:spcPct val="100000"/>
-              </a:lnSpc>
-              <a:spcBef>
-                <a:spcPts val="0"/>
-              </a:spcBef>
-              <a:spcAft>
-                <a:spcPts val="0"/>
-              </a:spcAft>
-              <a:defRPr sz="2400" spc="200" baseline="0">
-                <a:solidFill>
-                  <a:schemeClr val="bg1"/>
-                </a:solidFill>
-              </a:defRPr>
-            </a:lvl1pPr>
-            <a:lvl2pPr>
-              <a:lnSpc>
-                <a:spcPct val="100000"/>
-              </a:lnSpc>
-              <a:defRPr sz="1400"/>
-            </a:lvl2pPr>
-            <a:lvl3pPr>
-              <a:lnSpc>
-                <a:spcPct val="100000"/>
-              </a:lnSpc>
-              <a:defRPr sz="1400"/>
-            </a:lvl3pPr>
-            <a:lvl4pPr>
-              <a:lnSpc>
-                <a:spcPct val="100000"/>
-              </a:lnSpc>
-              <a:defRPr sz="1400"/>
-            </a:lvl4pPr>
-            <a:lvl5pPr>
-              <a:lnSpc>
-                <a:spcPct val="100000"/>
-              </a:lnSpc>
-              <a:defRPr sz="1400"/>
-            </a:lvl5pPr>
-          </a:lstStyle>
-          <a:p>
-            <a:pPr lvl="0"/>
-            <a:r>
-              <a:rPr lang="en-US" dirty="0"/>
-              <a:t>06</a:t>
-            </a:r>
-          </a:p>
-        </p:txBody>
-      </p:sp>
-      <p:sp>
-        <p:nvSpPr>
-          <p:cNvPr id="55" name="Text Placeholder 7">
-            <a:extLst>
-              <a:ext uri="{FF2B5EF4-FFF2-40B4-BE49-F238E27FC236}">
-                <a16:creationId xmlns:a16="http://schemas.microsoft.com/office/drawing/2014/main" id="{2C3CBBC2-7099-4832-8F7F-DE82F4964E9A}"/>
-              </a:ext>
-            </a:extLst>
-          </p:cNvPr>
-          <p:cNvSpPr>
-            <a:spLocks noGrp="1"/>
-          </p:cNvSpPr>
-          <p:nvPr>
-            <p:ph type="body" sz="quarter" idx="25" hasCustomPrompt="1"/>
-          </p:nvPr>
-        </p:nvSpPr>
-        <p:spPr>
-          <a:xfrm>
-            <a:off x="5219040" y="5255767"/>
-            <a:ext cx="360000" cy="555448"/>
-          </a:xfrm>
-          <a:prstGeom prst="rect">
-            <a:avLst/>
-          </a:prstGeom>
-        </p:spPr>
-        <p:txBody>
-          <a:bodyPr wrap="none" anchor="ctr">
-            <a:noAutofit/>
-          </a:bodyPr>
-          <a:lstStyle>
-            <a:lvl1pPr algn="ctr">
-              <a:lnSpc>
-                <a:spcPct val="100000"/>
-              </a:lnSpc>
-              <a:spcBef>
-                <a:spcPts val="0"/>
-              </a:spcBef>
-              <a:spcAft>
-                <a:spcPts val="0"/>
-              </a:spcAft>
-              <a:defRPr sz="2400" spc="200" baseline="0">
-                <a:solidFill>
-                  <a:schemeClr val="bg1"/>
-                </a:solidFill>
-              </a:defRPr>
-            </a:lvl1pPr>
-            <a:lvl2pPr>
-              <a:lnSpc>
-                <a:spcPct val="100000"/>
-              </a:lnSpc>
-              <a:defRPr sz="1400"/>
-            </a:lvl2pPr>
-            <a:lvl3pPr>
-              <a:lnSpc>
-                <a:spcPct val="100000"/>
-              </a:lnSpc>
-              <a:defRPr sz="1400"/>
-            </a:lvl3pPr>
-            <a:lvl4pPr>
-              <a:lnSpc>
-                <a:spcPct val="100000"/>
-              </a:lnSpc>
-              <a:defRPr sz="1400"/>
-            </a:lvl4pPr>
-            <a:lvl5pPr>
-              <a:lnSpc>
-                <a:spcPct val="100000"/>
-              </a:lnSpc>
-              <a:defRPr sz="1400"/>
-            </a:lvl5pPr>
-          </a:lstStyle>
-          <a:p>
-            <a:pPr lvl="0"/>
-            <a:r>
-              <a:rPr lang="en-US" dirty="0"/>
-              <a:t>07</a:t>
-            </a:r>
-          </a:p>
-        </p:txBody>
-      </p:sp>
-      <p:grpSp>
-        <p:nvGrpSpPr>
-          <p:cNvPr id="7" name="Group 6">
-            <a:extLst>
-              <a:ext uri="{FF2B5EF4-FFF2-40B4-BE49-F238E27FC236}">
-                <a16:creationId xmlns:a16="http://schemas.microsoft.com/office/drawing/2014/main" id="{2CCD6DB2-2B82-4319-B1B7-23B970C97C8E}"/>
-              </a:ext>
-            </a:extLst>
-          </p:cNvPr>
-          <p:cNvGrpSpPr/>
-          <p:nvPr userDrawn="1"/>
-        </p:nvGrpSpPr>
-        <p:grpSpPr>
-          <a:xfrm>
-            <a:off x="5219040" y="1911057"/>
-            <a:ext cx="6696734" cy="3954750"/>
-            <a:chOff x="5075004" y="1856465"/>
-            <a:chExt cx="648072" cy="3954750"/>
-          </a:xfrm>
-        </p:grpSpPr>
-        <p:cxnSp>
-          <p:nvCxnSpPr>
-            <p:cNvPr id="28" name="Straight Connector 27">
-              <a:extLst>
-                <a:ext uri="{FF2B5EF4-FFF2-40B4-BE49-F238E27FC236}">
-                  <a16:creationId xmlns:a16="http://schemas.microsoft.com/office/drawing/2014/main" id="{B534ADE6-229C-45AE-8546-284CE33CC9B4}"/>
-                </a:ext>
-              </a:extLst>
-            </p:cNvPr>
-            <p:cNvCxnSpPr>
-              <a:cxnSpLocks/>
-            </p:cNvCxnSpPr>
-            <p:nvPr userDrawn="1"/>
-          </p:nvCxnSpPr>
-          <p:spPr>
-            <a:xfrm>
-              <a:off x="5075004" y="1856465"/>
-              <a:ext cx="648072" cy="0"/>
-            </a:xfrm>
-            <a:prstGeom prst="line">
-              <a:avLst/>
-            </a:prstGeom>
-            <a:ln w="12700">
-              <a:solidFill>
-                <a:schemeClr val="bg1"/>
-              </a:solidFill>
-              <a:prstDash val="dash"/>
-            </a:ln>
-          </p:spPr>
-          <p:style>
-            <a:lnRef idx="1">
-              <a:schemeClr val="accent1"/>
-            </a:lnRef>
-            <a:fillRef idx="0">
-              <a:schemeClr val="accent1"/>
-            </a:fillRef>
-            <a:effectRef idx="0">
-              <a:schemeClr val="accent1"/>
-            </a:effectRef>
-            <a:fontRef idx="minor">
-              <a:schemeClr val="tx1"/>
-            </a:fontRef>
-          </p:style>
-        </p:cxnSp>
-        <p:cxnSp>
-          <p:nvCxnSpPr>
-            <p:cNvPr id="30" name="Straight Connector 29">
-              <a:extLst>
-                <a:ext uri="{FF2B5EF4-FFF2-40B4-BE49-F238E27FC236}">
-                  <a16:creationId xmlns:a16="http://schemas.microsoft.com/office/drawing/2014/main" id="{4123473B-CB12-42A2-99E7-B0357969A148}"/>
-                </a:ext>
-              </a:extLst>
-            </p:cNvPr>
-            <p:cNvCxnSpPr>
-              <a:cxnSpLocks/>
-            </p:cNvCxnSpPr>
-            <p:nvPr userDrawn="1"/>
-          </p:nvCxnSpPr>
-          <p:spPr>
-            <a:xfrm>
-              <a:off x="5075004" y="2515590"/>
-              <a:ext cx="648072" cy="0"/>
-            </a:xfrm>
-            <a:prstGeom prst="line">
-              <a:avLst/>
-            </a:prstGeom>
-            <a:ln w="12700">
-              <a:solidFill>
-                <a:schemeClr val="bg1"/>
-              </a:solidFill>
-              <a:prstDash val="dash"/>
-            </a:ln>
-          </p:spPr>
-          <p:style>
-            <a:lnRef idx="1">
-              <a:schemeClr val="accent1"/>
-            </a:lnRef>
-            <a:fillRef idx="0">
-              <a:schemeClr val="accent1"/>
-            </a:fillRef>
-            <a:effectRef idx="0">
-              <a:schemeClr val="accent1"/>
-            </a:effectRef>
-            <a:fontRef idx="minor">
-              <a:schemeClr val="tx1"/>
-            </a:fontRef>
-          </p:style>
-        </p:cxnSp>
-        <p:cxnSp>
-          <p:nvCxnSpPr>
-            <p:cNvPr id="32" name="Straight Connector 31">
-              <a:extLst>
-                <a:ext uri="{FF2B5EF4-FFF2-40B4-BE49-F238E27FC236}">
-                  <a16:creationId xmlns:a16="http://schemas.microsoft.com/office/drawing/2014/main" id="{1D444121-3011-49CE-AFE2-72AC5775DC28}"/>
-                </a:ext>
-              </a:extLst>
-            </p:cNvPr>
-            <p:cNvCxnSpPr>
-              <a:cxnSpLocks/>
-            </p:cNvCxnSpPr>
-            <p:nvPr userDrawn="1"/>
-          </p:nvCxnSpPr>
-          <p:spPr>
-            <a:xfrm>
-              <a:off x="5075004" y="3174715"/>
-              <a:ext cx="648072" cy="0"/>
-            </a:xfrm>
-            <a:prstGeom prst="line">
-              <a:avLst/>
-            </a:prstGeom>
-            <a:ln w="12700">
-              <a:solidFill>
-                <a:schemeClr val="bg1"/>
-              </a:solidFill>
-              <a:prstDash val="dash"/>
-            </a:ln>
-          </p:spPr>
-          <p:style>
-            <a:lnRef idx="1">
-              <a:schemeClr val="accent1"/>
-            </a:lnRef>
-            <a:fillRef idx="0">
-              <a:schemeClr val="accent1"/>
-            </a:fillRef>
-            <a:effectRef idx="0">
-              <a:schemeClr val="accent1"/>
-            </a:effectRef>
-            <a:fontRef idx="minor">
-              <a:schemeClr val="tx1"/>
-            </a:fontRef>
-          </p:style>
-        </p:cxnSp>
-        <p:cxnSp>
-          <p:nvCxnSpPr>
-            <p:cNvPr id="34" name="Straight Connector 33">
-              <a:extLst>
-                <a:ext uri="{FF2B5EF4-FFF2-40B4-BE49-F238E27FC236}">
-                  <a16:creationId xmlns:a16="http://schemas.microsoft.com/office/drawing/2014/main" id="{3F2BA3C9-4728-46E5-A2EE-9BBF5C466798}"/>
-                </a:ext>
-              </a:extLst>
-            </p:cNvPr>
-            <p:cNvCxnSpPr>
-              <a:cxnSpLocks/>
-            </p:cNvCxnSpPr>
-            <p:nvPr userDrawn="1"/>
-          </p:nvCxnSpPr>
-          <p:spPr>
-            <a:xfrm>
-              <a:off x="5075004" y="3833840"/>
-              <a:ext cx="648072" cy="0"/>
-            </a:xfrm>
-            <a:prstGeom prst="line">
-              <a:avLst/>
-            </a:prstGeom>
-            <a:ln w="12700">
-              <a:solidFill>
-                <a:schemeClr val="bg1"/>
-              </a:solidFill>
-              <a:prstDash val="dash"/>
-            </a:ln>
-          </p:spPr>
-          <p:style>
-            <a:lnRef idx="1">
-              <a:schemeClr val="accent1"/>
-            </a:lnRef>
-            <a:fillRef idx="0">
-              <a:schemeClr val="accent1"/>
-            </a:fillRef>
-            <a:effectRef idx="0">
-              <a:schemeClr val="accent1"/>
-            </a:effectRef>
-            <a:fontRef idx="minor">
-              <a:schemeClr val="tx1"/>
-            </a:fontRef>
-          </p:style>
-        </p:cxnSp>
-        <p:cxnSp>
-          <p:nvCxnSpPr>
-            <p:cNvPr id="36" name="Straight Connector 35">
-              <a:extLst>
-                <a:ext uri="{FF2B5EF4-FFF2-40B4-BE49-F238E27FC236}">
-                  <a16:creationId xmlns:a16="http://schemas.microsoft.com/office/drawing/2014/main" id="{D9F45924-729F-4E26-AF65-82B72177222E}"/>
-                </a:ext>
-              </a:extLst>
-            </p:cNvPr>
-            <p:cNvCxnSpPr>
-              <a:cxnSpLocks/>
-            </p:cNvCxnSpPr>
-            <p:nvPr userDrawn="1"/>
-          </p:nvCxnSpPr>
-          <p:spPr>
-            <a:xfrm>
-              <a:off x="5075004" y="4492965"/>
-              <a:ext cx="648072" cy="0"/>
-            </a:xfrm>
-            <a:prstGeom prst="line">
-              <a:avLst/>
-            </a:prstGeom>
-            <a:ln w="12700">
-              <a:solidFill>
-                <a:schemeClr val="bg1"/>
-              </a:solidFill>
-              <a:prstDash val="dash"/>
-            </a:ln>
-          </p:spPr>
-          <p:style>
-            <a:lnRef idx="1">
-              <a:schemeClr val="accent1"/>
-            </a:lnRef>
-            <a:fillRef idx="0">
-              <a:schemeClr val="accent1"/>
-            </a:fillRef>
-            <a:effectRef idx="0">
-              <a:schemeClr val="accent1"/>
-            </a:effectRef>
-            <a:fontRef idx="minor">
-              <a:schemeClr val="tx1"/>
-            </a:fontRef>
-          </p:style>
-        </p:cxnSp>
-        <p:cxnSp>
-          <p:nvCxnSpPr>
-            <p:cNvPr id="44" name="Straight Connector 43">
-              <a:extLst>
-                <a:ext uri="{FF2B5EF4-FFF2-40B4-BE49-F238E27FC236}">
-                  <a16:creationId xmlns:a16="http://schemas.microsoft.com/office/drawing/2014/main" id="{A3AFAC14-AFA1-4754-A546-F85476AE23C7}"/>
-                </a:ext>
-              </a:extLst>
-            </p:cNvPr>
-            <p:cNvCxnSpPr>
-              <a:cxnSpLocks/>
-            </p:cNvCxnSpPr>
-            <p:nvPr userDrawn="1"/>
-          </p:nvCxnSpPr>
-          <p:spPr>
-            <a:xfrm>
-              <a:off x="5075004" y="5152090"/>
-              <a:ext cx="648072" cy="0"/>
-            </a:xfrm>
-            <a:prstGeom prst="line">
-              <a:avLst/>
-            </a:prstGeom>
-            <a:ln w="12700">
-              <a:solidFill>
-                <a:schemeClr val="bg1"/>
-              </a:solidFill>
-              <a:prstDash val="dash"/>
-            </a:ln>
-          </p:spPr>
-          <p:style>
-            <a:lnRef idx="1">
-              <a:schemeClr val="accent1"/>
-            </a:lnRef>
-            <a:fillRef idx="0">
-              <a:schemeClr val="accent1"/>
-            </a:fillRef>
-            <a:effectRef idx="0">
-              <a:schemeClr val="accent1"/>
-            </a:effectRef>
-            <a:fontRef idx="minor">
-              <a:schemeClr val="tx1"/>
-            </a:fontRef>
-          </p:style>
-        </p:cxnSp>
-        <p:cxnSp>
-          <p:nvCxnSpPr>
-            <p:cNvPr id="51" name="Straight Connector 50">
-              <a:extLst>
-                <a:ext uri="{FF2B5EF4-FFF2-40B4-BE49-F238E27FC236}">
-                  <a16:creationId xmlns:a16="http://schemas.microsoft.com/office/drawing/2014/main" id="{9CC7878F-8FEF-4B70-866B-EB4879D13E0D}"/>
-                </a:ext>
-              </a:extLst>
-            </p:cNvPr>
-            <p:cNvCxnSpPr>
-              <a:cxnSpLocks/>
-            </p:cNvCxnSpPr>
-            <p:nvPr userDrawn="1"/>
-          </p:nvCxnSpPr>
-          <p:spPr>
-            <a:xfrm>
-              <a:off x="5075004" y="5811215"/>
-              <a:ext cx="648072" cy="0"/>
-            </a:xfrm>
-            <a:prstGeom prst="line">
-              <a:avLst/>
-            </a:prstGeom>
-            <a:ln w="12700">
-              <a:solidFill>
-                <a:schemeClr val="bg1"/>
-              </a:solidFill>
-              <a:prstDash val="dash"/>
-            </a:ln>
-          </p:spPr>
-          <p:style>
-            <a:lnRef idx="1">
-              <a:schemeClr val="accent1"/>
-            </a:lnRef>
-            <a:fillRef idx="0">
-              <a:schemeClr val="accent1"/>
-            </a:fillRef>
-            <a:effectRef idx="0">
-              <a:schemeClr val="accent1"/>
-            </a:effectRef>
-            <a:fontRef idx="minor">
-              <a:schemeClr val="tx1"/>
-            </a:fontRef>
-          </p:style>
-        </p:cxnSp>
-      </p:grpSp>
-      <p:sp>
-        <p:nvSpPr>
-          <p:cNvPr id="57" name="Text Placeholder 7">
-            <a:extLst>
-              <a:ext uri="{FF2B5EF4-FFF2-40B4-BE49-F238E27FC236}">
-                <a16:creationId xmlns:a16="http://schemas.microsoft.com/office/drawing/2014/main" id="{72CE600F-15D2-44E8-AD6D-1A2D098DEB39}"/>
-              </a:ext>
-            </a:extLst>
-          </p:cNvPr>
-          <p:cNvSpPr>
-            <a:spLocks noGrp="1"/>
-          </p:cNvSpPr>
-          <p:nvPr>
-            <p:ph type="body" sz="quarter" idx="26" hasCustomPrompt="1"/>
-          </p:nvPr>
-        </p:nvSpPr>
-        <p:spPr>
-          <a:xfrm>
-            <a:off x="5219040" y="5914890"/>
-            <a:ext cx="360000" cy="555448"/>
-          </a:xfrm>
-          <a:prstGeom prst="rect">
-            <a:avLst/>
-          </a:prstGeom>
-        </p:spPr>
-        <p:txBody>
-          <a:bodyPr wrap="none" anchor="ctr">
-            <a:noAutofit/>
-          </a:bodyPr>
-          <a:lstStyle>
-            <a:lvl1pPr algn="ctr">
-              <a:lnSpc>
-                <a:spcPct val="100000"/>
-              </a:lnSpc>
-              <a:spcBef>
-                <a:spcPts val="0"/>
-              </a:spcBef>
-              <a:spcAft>
-                <a:spcPts val="0"/>
-              </a:spcAft>
-              <a:defRPr sz="2400" spc="200" baseline="0">
-                <a:solidFill>
-                  <a:schemeClr val="bg1"/>
-                </a:solidFill>
-              </a:defRPr>
-            </a:lvl1pPr>
-            <a:lvl2pPr>
-              <a:lnSpc>
-                <a:spcPct val="100000"/>
-              </a:lnSpc>
-              <a:defRPr sz="1400"/>
-            </a:lvl2pPr>
-            <a:lvl3pPr>
-              <a:lnSpc>
-                <a:spcPct val="100000"/>
-              </a:lnSpc>
-              <a:defRPr sz="1400"/>
-            </a:lvl3pPr>
-            <a:lvl4pPr>
-              <a:lnSpc>
-                <a:spcPct val="100000"/>
-              </a:lnSpc>
-              <a:defRPr sz="1400"/>
-            </a:lvl4pPr>
-            <a:lvl5pPr>
-              <a:lnSpc>
-                <a:spcPct val="100000"/>
-              </a:lnSpc>
-              <a:defRPr sz="1400"/>
-            </a:lvl5pPr>
-          </a:lstStyle>
-          <a:p>
-            <a:pPr lvl="0"/>
-            <a:r>
-              <a:rPr lang="en-US" dirty="0"/>
-              <a:t>08</a:t>
-            </a:r>
-          </a:p>
-        </p:txBody>
-      </p:sp>
-      <p:sp>
-        <p:nvSpPr>
-          <p:cNvPr id="58" name="Text Placeholder 7">
-            <a:extLst>
-              <a:ext uri="{FF2B5EF4-FFF2-40B4-BE49-F238E27FC236}">
-                <a16:creationId xmlns:a16="http://schemas.microsoft.com/office/drawing/2014/main" id="{9882A830-7DD4-4F53-BED4-14CBCA526AB6}"/>
-              </a:ext>
-            </a:extLst>
-          </p:cNvPr>
-          <p:cNvSpPr>
-            <a:spLocks noGrp="1"/>
-          </p:cNvSpPr>
-          <p:nvPr>
-            <p:ph type="body" sz="quarter" idx="27" hasCustomPrompt="1"/>
-          </p:nvPr>
-        </p:nvSpPr>
-        <p:spPr>
-          <a:xfrm>
-            <a:off x="5812038" y="3278392"/>
-            <a:ext cx="6103736" cy="555448"/>
-          </a:xfrm>
-          <a:prstGeom prst="rect">
-            <a:avLst/>
-          </a:prstGeom>
-        </p:spPr>
-        <p:txBody>
-          <a:bodyPr anchor="ctr">
-            <a:noAutofit/>
-          </a:bodyPr>
-          <a:lstStyle>
-            <a:lvl1pPr>
-              <a:lnSpc>
-                <a:spcPct val="100000"/>
-              </a:lnSpc>
-              <a:spcBef>
-                <a:spcPts val="0"/>
-              </a:spcBef>
-              <a:spcAft>
-                <a:spcPts val="0"/>
-              </a:spcAft>
-              <a:defRPr sz="1600" spc="-110" baseline="0">
-                <a:solidFill>
-                  <a:schemeClr val="bg1"/>
-                </a:solidFill>
-              </a:defRPr>
-            </a:lvl1pPr>
-            <a:lvl2pPr>
-              <a:lnSpc>
-                <a:spcPct val="100000"/>
-              </a:lnSpc>
-              <a:defRPr sz="1400"/>
-            </a:lvl2pPr>
-            <a:lvl3pPr>
-              <a:lnSpc>
-                <a:spcPct val="100000"/>
-              </a:lnSpc>
-              <a:defRPr sz="1400"/>
-            </a:lvl3pPr>
-            <a:lvl4pPr>
-              <a:lnSpc>
-                <a:spcPct val="100000"/>
-              </a:lnSpc>
-              <a:defRPr sz="1400"/>
-            </a:lvl4pPr>
-            <a:lvl5pPr>
-              <a:lnSpc>
-                <a:spcPct val="100000"/>
-              </a:lnSpc>
-              <a:defRPr sz="1400"/>
-            </a:lvl5pPr>
-          </a:lstStyle>
-          <a:p>
-            <a:pPr lvl="0"/>
-            <a:r>
-              <a:rPr lang="en-US" dirty="0"/>
-              <a:t>Click to insert text</a:t>
-            </a:r>
-          </a:p>
-        </p:txBody>
-      </p:sp>
-      <p:sp>
-        <p:nvSpPr>
           <p:cNvPr id="37" name="Text Placeholder 4">
             <a:extLst>
               <a:ext uri="{FF2B5EF4-FFF2-40B4-BE49-F238E27FC236}">
@@ -3924,7 +3037,7 @@
         <p:spPr>
           <a:xfrm>
             <a:off x="550200" y="0"/>
-            <a:ext cx="8030076" cy="1105200"/>
+            <a:ext cx="8498128" cy="1105200"/>
           </a:xfrm>
           <a:prstGeom prst="rect">
             <a:avLst/>
@@ -3951,7 +3064,15 @@
             <a:pPr lvl="0"/>
             <a:r>
               <a:rPr lang="en-US" dirty="0"/>
-              <a:t>CLICK TO INSERT TITLE</a:t>
+              <a:t>Azure Functions – </a:t>
+            </a:r>
+            <a:r>
+              <a:rPr lang="en-US" dirty="0" err="1"/>
+              <a:t>az</a:t>
+            </a:r>
+            <a:r>
+              <a:rPr lang="en-US" dirty="0"/>
+              <a:t> 203</a:t>
             </a:r>
           </a:p>
         </p:txBody>
@@ -4373,6 +3494,122 @@
           </p:txBody>
         </p:sp>
       </p:grpSp>
+      <p:pic>
+        <p:nvPicPr>
+          <p:cNvPr id="38" name="Picture 2" descr="D:\My Work\Template\Icons\Social Media\LinkedIN.png">
+            <a:hlinkClick r:id="rId3"/>
+            <a:extLst>
+              <a:ext uri="{FF2B5EF4-FFF2-40B4-BE49-F238E27FC236}">
+                <a16:creationId xmlns:a16="http://schemas.microsoft.com/office/drawing/2014/main" id="{BDB7EDB0-1A00-4FE4-9A04-A3383C9311FA}"/>
+              </a:ext>
+            </a:extLst>
+          </p:cNvPr>
+          <p:cNvPicPr>
+            <a:picLocks noChangeAspect="1" noChangeArrowheads="1"/>
+          </p:cNvPicPr>
+          <p:nvPr userDrawn="1"/>
+        </p:nvPicPr>
+        <p:blipFill>
+          <a:blip r:embed="rId4" cstate="print"/>
+          <a:srcRect/>
+          <a:stretch>
+            <a:fillRect/>
+          </a:stretch>
+        </p:blipFill>
+        <p:spPr bwMode="auto">
+          <a:xfrm>
+            <a:off x="3209221" y="6237312"/>
+            <a:ext cx="461367" cy="461367"/>
+          </a:xfrm>
+          <a:prstGeom prst="rect">
+            <a:avLst/>
+          </a:prstGeom>
+          <a:noFill/>
+        </p:spPr>
+      </p:pic>
+      <p:pic>
+        <p:nvPicPr>
+          <p:cNvPr id="40" name="Picture 5" descr="D:\My Work\Template\Icons\Social Media\Twitter.png">
+            <a:hlinkClick r:id="rId5"/>
+            <a:extLst>
+              <a:ext uri="{FF2B5EF4-FFF2-40B4-BE49-F238E27FC236}">
+                <a16:creationId xmlns:a16="http://schemas.microsoft.com/office/drawing/2014/main" id="{A5CE0E34-B1D8-458D-AFB8-67C5B97D1C3C}"/>
+              </a:ext>
+            </a:extLst>
+          </p:cNvPr>
+          <p:cNvPicPr>
+            <a:picLocks noChangeAspect="1" noChangeArrowheads="1"/>
+          </p:cNvPicPr>
+          <p:nvPr userDrawn="1"/>
+        </p:nvPicPr>
+        <p:blipFill>
+          <a:blip r:embed="rId6" cstate="print"/>
+          <a:srcRect/>
+          <a:stretch>
+            <a:fillRect/>
+          </a:stretch>
+        </p:blipFill>
+        <p:spPr bwMode="auto">
+          <a:xfrm>
+            <a:off x="2499283" y="6238123"/>
+            <a:ext cx="461367" cy="461367"/>
+          </a:xfrm>
+          <a:prstGeom prst="rect">
+            <a:avLst/>
+          </a:prstGeom>
+          <a:noFill/>
+        </p:spPr>
+      </p:pic>
+      <p:sp>
+        <p:nvSpPr>
+          <p:cNvPr id="49" name="Espace réservé du texte 4">
+            <a:extLst>
+              <a:ext uri="{FF2B5EF4-FFF2-40B4-BE49-F238E27FC236}">
+                <a16:creationId xmlns:a16="http://schemas.microsoft.com/office/drawing/2014/main" id="{E99689BB-1D6D-4EFF-B9EA-20046B3134C1}"/>
+              </a:ext>
+            </a:extLst>
+          </p:cNvPr>
+          <p:cNvSpPr>
+            <a:spLocks noGrp="1"/>
+          </p:cNvSpPr>
+          <p:nvPr>
+            <p:ph type="body" sz="quarter" idx="11" hasCustomPrompt="1"/>
+          </p:nvPr>
+        </p:nvSpPr>
+        <p:spPr>
+          <a:xfrm>
+            <a:off x="119336" y="6237312"/>
+            <a:ext cx="2269436" cy="504056"/>
+          </a:xfrm>
+          <a:prstGeom prst="rect">
+            <a:avLst/>
+          </a:prstGeom>
+        </p:spPr>
+        <p:txBody>
+          <a:bodyPr>
+            <a:normAutofit/>
+          </a:bodyPr>
+          <a:lstStyle>
+            <a:lvl1pPr>
+              <a:spcBef>
+                <a:spcPts val="0"/>
+              </a:spcBef>
+              <a:defRPr sz="2200" spc="-110" baseline="0">
+                <a:solidFill>
+                  <a:srgbClr val="FFFF00"/>
+                </a:solidFill>
+              </a:defRPr>
+            </a:lvl1pPr>
+          </a:lstStyle>
+          <a:p>
+            <a:pPr lvl="0"/>
+            <a:r>
+              <a:rPr lang="en-US" dirty="0"/>
+              <a:t>Koushik Aravalli</a:t>
+            </a:r>
+          </a:p>
+        </p:txBody>
+      </p:sp>
     </p:spTree>
     <p:extLst>
       <p:ext uri="{BB962C8B-B14F-4D97-AF65-F5344CB8AC3E}">
@@ -4466,7 +3703,7 @@
           <a:graphicData uri="http://schemas.openxmlformats.org/presentationml/2006/ole">
             <mc:AlternateContent xmlns:mc="http://schemas.openxmlformats.org/markup-compatibility/2006">
               <mc:Choice xmlns:v="urn:schemas-microsoft-com:vml" Requires="v">
-                <p:oleObj spid="_x0000_s92432" name="think-cell Slide" r:id="rId5" imgW="270" imgH="270" progId="TCLayout.ActiveDocument.1">
+                <p:oleObj spid="_x0000_s92454" name="think-cell Slide" r:id="rId5" imgW="270" imgH="270" progId="TCLayout.ActiveDocument.1">
                   <p:embed/>
                 </p:oleObj>
               </mc:Choice>
@@ -5162,7 +4399,7 @@
             </a:ln>
             <a:extLst>
               <a:ext uri="{91240B29-F687-4f45-9708-019B960494DF}">
-                <a14:hiddenLine xmlns:a14="http://schemas.microsoft.com/office/drawing/2010/main" xmlns="" w="9525">
+                <a14:hiddenLine xmlns="" xmlns:a14="http://schemas.microsoft.com/office/drawing/2010/main" w="9525">
                   <a:solidFill>
                     <a:srgbClr val="000000"/>
                   </a:solidFill>
@@ -5554,7 +4791,7 @@
             </a:ln>
             <a:extLst>
               <a:ext uri="{91240B29-F687-4f45-9708-019B960494DF}">
-                <a14:hiddenLine xmlns:a14="http://schemas.microsoft.com/office/drawing/2010/main" xmlns="" w="9525">
+                <a14:hiddenLine xmlns="" xmlns:a14="http://schemas.microsoft.com/office/drawing/2010/main" w="9525">
                   <a:solidFill>
                     <a:srgbClr val="000000"/>
                   </a:solidFill>
@@ -5878,7 +5115,7 @@
             </a:ln>
             <a:extLst>
               <a:ext uri="{91240B29-F687-4f45-9708-019B960494DF}">
-                <a14:hiddenLine xmlns:a14="http://schemas.microsoft.com/office/drawing/2010/main" xmlns="" w="9525">
+                <a14:hiddenLine xmlns="" xmlns:a14="http://schemas.microsoft.com/office/drawing/2010/main" w="9525">
                   <a:solidFill>
                     <a:srgbClr val="000000"/>
                   </a:solidFill>
@@ -6202,7 +5439,7 @@
             </a:ln>
             <a:extLst>
               <a:ext uri="{91240B29-F687-4f45-9708-019B960494DF}">
-                <a14:hiddenLine xmlns:a14="http://schemas.microsoft.com/office/drawing/2010/main" xmlns="" w="9525">
+                <a14:hiddenLine xmlns="" xmlns:a14="http://schemas.microsoft.com/office/drawing/2010/main" w="9525">
                   <a:solidFill>
                     <a:srgbClr val="000000"/>
                   </a:solidFill>
@@ -6395,7 +5632,7 @@
             </a:ln>
             <a:extLst>
               <a:ext uri="{91240B29-F687-4f45-9708-019B960494DF}">
-                <a14:hiddenLine xmlns:a14="http://schemas.microsoft.com/office/drawing/2010/main" xmlns="" w="9525">
+                <a14:hiddenLine xmlns="" xmlns:a14="http://schemas.microsoft.com/office/drawing/2010/main" w="9525">
                   <a:solidFill>
                     <a:srgbClr val="000000"/>
                   </a:solidFill>
@@ -6787,7 +6024,7 @@
             </a:ln>
             <a:extLst>
               <a:ext uri="{91240B29-F687-4f45-9708-019B960494DF}">
-                <a14:hiddenLine xmlns:a14="http://schemas.microsoft.com/office/drawing/2010/main" xmlns="" w="9525">
+                <a14:hiddenLine xmlns="" xmlns:a14="http://schemas.microsoft.com/office/drawing/2010/main" w="9525">
                   <a:solidFill>
                     <a:srgbClr val="000000"/>
                   </a:solidFill>
@@ -7170,7 +6407,7 @@
             </a:ln>
             <a:extLst>
               <a:ext uri="{91240B29-F687-4f45-9708-019B960494DF}">
-                <a14:hiddenLine xmlns:a14="http://schemas.microsoft.com/office/drawing/2010/main" xmlns="" w="9525">
+                <a14:hiddenLine xmlns="" xmlns:a14="http://schemas.microsoft.com/office/drawing/2010/main" w="9525">
                   <a:solidFill>
                     <a:srgbClr val="000000"/>
                   </a:solidFill>
@@ -7624,7 +6861,7 @@
             </a:ln>
             <a:extLst>
               <a:ext uri="{91240B29-F687-4f45-9708-019B960494DF}">
-                <a14:hiddenLine xmlns:a14="http://schemas.microsoft.com/office/drawing/2010/main" xmlns="" w="9525">
+                <a14:hiddenLine xmlns="" xmlns:a14="http://schemas.microsoft.com/office/drawing/2010/main" w="9525">
                   <a:solidFill>
                     <a:srgbClr val="000000"/>
                   </a:solidFill>
@@ -7877,7 +7114,7 @@
             </a:ln>
             <a:extLst>
               <a:ext uri="{91240B29-F687-4f45-9708-019B960494DF}">
-                <a14:hiddenLine xmlns:a14="http://schemas.microsoft.com/office/drawing/2010/main" xmlns="" w="9525">
+                <a14:hiddenLine xmlns="" xmlns:a14="http://schemas.microsoft.com/office/drawing/2010/main" w="9525">
                   <a:solidFill>
                     <a:srgbClr val="000000"/>
                   </a:solidFill>
@@ -8130,7 +7367,7 @@
             </a:ln>
             <a:extLst>
               <a:ext uri="{91240B29-F687-4f45-9708-019B960494DF}">
-                <a14:hiddenLine xmlns:a14="http://schemas.microsoft.com/office/drawing/2010/main" xmlns="" w="9525">
+                <a14:hiddenLine xmlns="" xmlns:a14="http://schemas.microsoft.com/office/drawing/2010/main" w="9525">
                   <a:solidFill>
                     <a:srgbClr val="000000"/>
                   </a:solidFill>
@@ -8522,7 +7759,7 @@
             </a:ln>
             <a:extLst>
               <a:ext uri="{91240B29-F687-4f45-9708-019B960494DF}">
-                <a14:hiddenLine xmlns:a14="http://schemas.microsoft.com/office/drawing/2010/main" xmlns="" w="9525">
+                <a14:hiddenLine xmlns="" xmlns:a14="http://schemas.microsoft.com/office/drawing/2010/main" w="9525">
                   <a:solidFill>
                     <a:srgbClr val="000000"/>
                   </a:solidFill>
@@ -8735,7 +7972,7 @@
             </a:ln>
             <a:extLst>
               <a:ext uri="{91240B29-F687-4f45-9708-019B960494DF}">
-                <a14:hiddenLine xmlns:a14="http://schemas.microsoft.com/office/drawing/2010/main" xmlns="" w="9525">
+                <a14:hiddenLine xmlns="" xmlns:a14="http://schemas.microsoft.com/office/drawing/2010/main" w="9525">
                   <a:solidFill>
                     <a:srgbClr val="000000"/>
                   </a:solidFill>
@@ -8908,7 +8145,7 @@
             </a:ln>
             <a:extLst>
               <a:ext uri="{91240B29-F687-4f45-9708-019B960494DF}">
-                <a14:hiddenLine xmlns:a14="http://schemas.microsoft.com/office/drawing/2010/main" xmlns="" w="9525">
+                <a14:hiddenLine xmlns="" xmlns:a14="http://schemas.microsoft.com/office/drawing/2010/main" w="9525">
                   <a:solidFill>
                     <a:srgbClr val="000000"/>
                   </a:solidFill>
@@ -9121,7 +8358,7 @@
             </a:ln>
             <a:extLst>
               <a:ext uri="{91240B29-F687-4f45-9708-019B960494DF}">
-                <a14:hiddenLine xmlns:a14="http://schemas.microsoft.com/office/drawing/2010/main" xmlns="" w="9525">
+                <a14:hiddenLine xmlns="" xmlns:a14="http://schemas.microsoft.com/office/drawing/2010/main" w="9525">
                   <a:solidFill>
                     <a:srgbClr val="000000"/>
                   </a:solidFill>
@@ -9513,7 +8750,7 @@
             </a:ln>
             <a:extLst>
               <a:ext uri="{91240B29-F687-4f45-9708-019B960494DF}">
-                <a14:hiddenLine xmlns:a14="http://schemas.microsoft.com/office/drawing/2010/main" xmlns="" w="9525">
+                <a14:hiddenLine xmlns="" xmlns:a14="http://schemas.microsoft.com/office/drawing/2010/main" w="9525">
                   <a:solidFill>
                     <a:srgbClr val="000000"/>
                   </a:solidFill>
@@ -9908,7 +9145,7 @@
             </a:ln>
             <a:extLst>
               <a:ext uri="{91240B29-F687-4f45-9708-019B960494DF}">
-                <a14:hiddenLine xmlns:a14="http://schemas.microsoft.com/office/drawing/2010/main" xmlns="" w="9525">
+                <a14:hiddenLine xmlns="" xmlns:a14="http://schemas.microsoft.com/office/drawing/2010/main" w="9525">
                   <a:solidFill>
                     <a:srgbClr val="000000"/>
                   </a:solidFill>
@@ -10141,7 +9378,7 @@
             </a:ln>
             <a:extLst>
               <a:ext uri="{91240B29-F687-4f45-9708-019B960494DF}">
-                <a14:hiddenLine xmlns:a14="http://schemas.microsoft.com/office/drawing/2010/main" xmlns="" w="9525">
+                <a14:hiddenLine xmlns="" xmlns:a14="http://schemas.microsoft.com/office/drawing/2010/main" w="9525">
                   <a:solidFill>
                     <a:srgbClr val="000000"/>
                   </a:solidFill>
@@ -10334,7 +9571,7 @@
             </a:ln>
             <a:extLst>
               <a:ext uri="{91240B29-F687-4f45-9708-019B960494DF}">
-                <a14:hiddenLine xmlns:a14="http://schemas.microsoft.com/office/drawing/2010/main" xmlns="" w="9525">
+                <a14:hiddenLine xmlns="" xmlns:a14="http://schemas.microsoft.com/office/drawing/2010/main" w="9525">
                   <a:solidFill>
                     <a:srgbClr val="000000"/>
                   </a:solidFill>
@@ -10587,7 +9824,7 @@
             </a:ln>
             <a:extLst>
               <a:ext uri="{91240B29-F687-4f45-9708-019B960494DF}">
-                <a14:hiddenLine xmlns:a14="http://schemas.microsoft.com/office/drawing/2010/main" xmlns="" w="9525">
+                <a14:hiddenLine xmlns="" xmlns:a14="http://schemas.microsoft.com/office/drawing/2010/main" w="9525">
                   <a:solidFill>
                     <a:srgbClr val="000000"/>
                   </a:solidFill>
@@ -10982,7 +10219,7 @@
             </a:ln>
             <a:extLst>
               <a:ext uri="{91240B29-F687-4f45-9708-019B960494DF}">
-                <a14:hiddenLine xmlns:a14="http://schemas.microsoft.com/office/drawing/2010/main" xmlns="" w="9525">
+                <a14:hiddenLine xmlns="" xmlns:a14="http://schemas.microsoft.com/office/drawing/2010/main" w="9525">
                   <a:solidFill>
                     <a:srgbClr val="000000"/>
                   </a:solidFill>
@@ -11267,7 +10504,7 @@
             </a:ln>
             <a:extLst>
               <a:ext uri="{91240B29-F687-4f45-9708-019B960494DF}">
-                <a14:hiddenLine xmlns:a14="http://schemas.microsoft.com/office/drawing/2010/main" xmlns="" w="9525">
+                <a14:hiddenLine xmlns="" xmlns:a14="http://schemas.microsoft.com/office/drawing/2010/main" w="9525">
                   <a:solidFill>
                     <a:srgbClr val="000000"/>
                   </a:solidFill>
@@ -11591,7 +10828,7 @@
             </a:ln>
             <a:extLst>
               <a:ext uri="{91240B29-F687-4f45-9708-019B960494DF}">
-                <a14:hiddenLine xmlns:a14="http://schemas.microsoft.com/office/drawing/2010/main" xmlns="" w="9525">
+                <a14:hiddenLine xmlns="" xmlns:a14="http://schemas.microsoft.com/office/drawing/2010/main" w="9525">
                   <a:solidFill>
                     <a:srgbClr val="000000"/>
                   </a:solidFill>
@@ -11824,7 +11061,7 @@
             </a:ln>
             <a:extLst>
               <a:ext uri="{91240B29-F687-4f45-9708-019B960494DF}">
-                <a14:hiddenLine xmlns:a14="http://schemas.microsoft.com/office/drawing/2010/main" xmlns="" w="9525">
+                <a14:hiddenLine xmlns="" xmlns:a14="http://schemas.microsoft.com/office/drawing/2010/main" w="9525">
                   <a:solidFill>
                     <a:srgbClr val="000000"/>
                   </a:solidFill>
@@ -12077,7 +11314,7 @@
             </a:ln>
             <a:extLst>
               <a:ext uri="{91240B29-F687-4f45-9708-019B960494DF}">
-                <a14:hiddenLine xmlns:a14="http://schemas.microsoft.com/office/drawing/2010/main" xmlns="" w="9525">
+                <a14:hiddenLine xmlns="" xmlns:a14="http://schemas.microsoft.com/office/drawing/2010/main" w="9525">
                   <a:solidFill>
                     <a:srgbClr val="000000"/>
                   </a:solidFill>
@@ -12330,7 +11567,7 @@
             </a:ln>
             <a:extLst>
               <a:ext uri="{91240B29-F687-4f45-9708-019B960494DF}">
-                <a14:hiddenLine xmlns:a14="http://schemas.microsoft.com/office/drawing/2010/main" xmlns="" w="9525">
+                <a14:hiddenLine xmlns="" xmlns:a14="http://schemas.microsoft.com/office/drawing/2010/main" w="9525">
                   <a:solidFill>
                     <a:srgbClr val="000000"/>
                   </a:solidFill>
@@ -12485,7 +11722,7 @@
             </a:ln>
             <a:extLst>
               <a:ext uri="{91240B29-F687-4f45-9708-019B960494DF}">
-                <a14:hiddenLine xmlns:a14="http://schemas.microsoft.com/office/drawing/2010/main" xmlns="" w="9525">
+                <a14:hiddenLine xmlns="" xmlns:a14="http://schemas.microsoft.com/office/drawing/2010/main" w="9525">
                   <a:solidFill>
                     <a:srgbClr val="000000"/>
                   </a:solidFill>
@@ -12859,7 +12096,7 @@
           <a:graphicData uri="http://schemas.openxmlformats.org/presentationml/2006/ole">
             <mc:AlternateContent xmlns:mc="http://schemas.openxmlformats.org/markup-compatibility/2006">
               <mc:Choice xmlns:v="urn:schemas-microsoft-com:vml" Requires="v">
-                <p:oleObj spid="_x0000_s93454" name="think-cell Slide" r:id="rId5" imgW="270" imgH="270" progId="TCLayout.ActiveDocument.1">
+                <p:oleObj spid="_x0000_s93475" name="think-cell Slide" r:id="rId5" imgW="270" imgH="270" progId="TCLayout.ActiveDocument.1">
                   <p:embed/>
                 </p:oleObj>
               </mc:Choice>
@@ -13505,7 +12742,7 @@
             </a:ln>
             <a:extLst>
               <a:ext uri="{91240B29-F687-4f45-9708-019B960494DF}">
-                <a14:hiddenLine xmlns:a14="http://schemas.microsoft.com/office/drawing/2010/main" xmlns="" w="9525">
+                <a14:hiddenLine xmlns="" xmlns:a14="http://schemas.microsoft.com/office/drawing/2010/main" w="9525">
                   <a:solidFill>
                     <a:srgbClr val="000000"/>
                   </a:solidFill>
@@ -13897,7 +13134,7 @@
             </a:ln>
             <a:extLst>
               <a:ext uri="{91240B29-F687-4f45-9708-019B960494DF}">
-                <a14:hiddenLine xmlns:a14="http://schemas.microsoft.com/office/drawing/2010/main" xmlns="" w="9525">
+                <a14:hiddenLine xmlns="" xmlns:a14="http://schemas.microsoft.com/office/drawing/2010/main" w="9525">
                   <a:solidFill>
                     <a:srgbClr val="000000"/>
                   </a:solidFill>
@@ -14221,7 +13458,7 @@
             </a:ln>
             <a:extLst>
               <a:ext uri="{91240B29-F687-4f45-9708-019B960494DF}">
-                <a14:hiddenLine xmlns:a14="http://schemas.microsoft.com/office/drawing/2010/main" xmlns="" w="9525">
+                <a14:hiddenLine xmlns="" xmlns:a14="http://schemas.microsoft.com/office/drawing/2010/main" w="9525">
                   <a:solidFill>
                     <a:srgbClr val="000000"/>
                   </a:solidFill>
@@ -14545,7 +13782,7 @@
             </a:ln>
             <a:extLst>
               <a:ext uri="{91240B29-F687-4f45-9708-019B960494DF}">
-                <a14:hiddenLine xmlns:a14="http://schemas.microsoft.com/office/drawing/2010/main" xmlns="" w="9525">
+                <a14:hiddenLine xmlns="" xmlns:a14="http://schemas.microsoft.com/office/drawing/2010/main" w="9525">
                   <a:solidFill>
                     <a:srgbClr val="000000"/>
                   </a:solidFill>
@@ -14738,7 +13975,7 @@
             </a:ln>
             <a:extLst>
               <a:ext uri="{91240B29-F687-4f45-9708-019B960494DF}">
-                <a14:hiddenLine xmlns:a14="http://schemas.microsoft.com/office/drawing/2010/main" xmlns="" w="9525">
+                <a14:hiddenLine xmlns="" xmlns:a14="http://schemas.microsoft.com/office/drawing/2010/main" w="9525">
                   <a:solidFill>
                     <a:srgbClr val="000000"/>
                   </a:solidFill>
@@ -15130,7 +14367,7 @@
             </a:ln>
             <a:extLst>
               <a:ext uri="{91240B29-F687-4f45-9708-019B960494DF}">
-                <a14:hiddenLine xmlns:a14="http://schemas.microsoft.com/office/drawing/2010/main" xmlns="" w="9525">
+                <a14:hiddenLine xmlns="" xmlns:a14="http://schemas.microsoft.com/office/drawing/2010/main" w="9525">
                   <a:solidFill>
                     <a:srgbClr val="000000"/>
                   </a:solidFill>
@@ -15513,7 +14750,7 @@
             </a:ln>
             <a:extLst>
               <a:ext uri="{91240B29-F687-4f45-9708-019B960494DF}">
-                <a14:hiddenLine xmlns:a14="http://schemas.microsoft.com/office/drawing/2010/main" xmlns="" w="9525">
+                <a14:hiddenLine xmlns="" xmlns:a14="http://schemas.microsoft.com/office/drawing/2010/main" w="9525">
                   <a:solidFill>
                     <a:srgbClr val="000000"/>
                   </a:solidFill>
@@ -15967,7 +15204,7 @@
             </a:ln>
             <a:extLst>
               <a:ext uri="{91240B29-F687-4f45-9708-019B960494DF}">
-                <a14:hiddenLine xmlns:a14="http://schemas.microsoft.com/office/drawing/2010/main" xmlns="" w="9525">
+                <a14:hiddenLine xmlns="" xmlns:a14="http://schemas.microsoft.com/office/drawing/2010/main" w="9525">
                   <a:solidFill>
                     <a:srgbClr val="000000"/>
                   </a:solidFill>
@@ -16220,7 +15457,7 @@
             </a:ln>
             <a:extLst>
               <a:ext uri="{91240B29-F687-4f45-9708-019B960494DF}">
-                <a14:hiddenLine xmlns:a14="http://schemas.microsoft.com/office/drawing/2010/main" xmlns="" w="9525">
+                <a14:hiddenLine xmlns="" xmlns:a14="http://schemas.microsoft.com/office/drawing/2010/main" w="9525">
                   <a:solidFill>
                     <a:srgbClr val="000000"/>
                   </a:solidFill>
@@ -16473,7 +15710,7 @@
             </a:ln>
             <a:extLst>
               <a:ext uri="{91240B29-F687-4f45-9708-019B960494DF}">
-                <a14:hiddenLine xmlns:a14="http://schemas.microsoft.com/office/drawing/2010/main" xmlns="" w="9525">
+                <a14:hiddenLine xmlns="" xmlns:a14="http://schemas.microsoft.com/office/drawing/2010/main" w="9525">
                   <a:solidFill>
                     <a:srgbClr val="000000"/>
                   </a:solidFill>
@@ -16865,7 +16102,7 @@
             </a:ln>
             <a:extLst>
               <a:ext uri="{91240B29-F687-4f45-9708-019B960494DF}">
-                <a14:hiddenLine xmlns:a14="http://schemas.microsoft.com/office/drawing/2010/main" xmlns="" w="9525">
+                <a14:hiddenLine xmlns="" xmlns:a14="http://schemas.microsoft.com/office/drawing/2010/main" w="9525">
                   <a:solidFill>
                     <a:srgbClr val="000000"/>
                   </a:solidFill>
@@ -17078,7 +16315,7 @@
             </a:ln>
             <a:extLst>
               <a:ext uri="{91240B29-F687-4f45-9708-019B960494DF}">
-                <a14:hiddenLine xmlns:a14="http://schemas.microsoft.com/office/drawing/2010/main" xmlns="" w="9525">
+                <a14:hiddenLine xmlns="" xmlns:a14="http://schemas.microsoft.com/office/drawing/2010/main" w="9525">
                   <a:solidFill>
                     <a:srgbClr val="000000"/>
                   </a:solidFill>
@@ -17251,7 +16488,7 @@
             </a:ln>
             <a:extLst>
               <a:ext uri="{91240B29-F687-4f45-9708-019B960494DF}">
-                <a14:hiddenLine xmlns:a14="http://schemas.microsoft.com/office/drawing/2010/main" xmlns="" w="9525">
+                <a14:hiddenLine xmlns="" xmlns:a14="http://schemas.microsoft.com/office/drawing/2010/main" w="9525">
                   <a:solidFill>
                     <a:srgbClr val="000000"/>
                   </a:solidFill>
@@ -17464,7 +16701,7 @@
             </a:ln>
             <a:extLst>
               <a:ext uri="{91240B29-F687-4f45-9708-019B960494DF}">
-                <a14:hiddenLine xmlns:a14="http://schemas.microsoft.com/office/drawing/2010/main" xmlns="" w="9525">
+                <a14:hiddenLine xmlns="" xmlns:a14="http://schemas.microsoft.com/office/drawing/2010/main" w="9525">
                   <a:solidFill>
                     <a:srgbClr val="000000"/>
                   </a:solidFill>
@@ -17856,7 +17093,7 @@
             </a:ln>
             <a:extLst>
               <a:ext uri="{91240B29-F687-4f45-9708-019B960494DF}">
-                <a14:hiddenLine xmlns:a14="http://schemas.microsoft.com/office/drawing/2010/main" xmlns="" w="9525">
+                <a14:hiddenLine xmlns="" xmlns:a14="http://schemas.microsoft.com/office/drawing/2010/main" w="9525">
                   <a:solidFill>
                     <a:srgbClr val="000000"/>
                   </a:solidFill>
@@ -18251,7 +17488,7 @@
             </a:ln>
             <a:extLst>
               <a:ext uri="{91240B29-F687-4f45-9708-019B960494DF}">
-                <a14:hiddenLine xmlns:a14="http://schemas.microsoft.com/office/drawing/2010/main" xmlns="" w="9525">
+                <a14:hiddenLine xmlns="" xmlns:a14="http://schemas.microsoft.com/office/drawing/2010/main" w="9525">
                   <a:solidFill>
                     <a:srgbClr val="000000"/>
                   </a:solidFill>
@@ -18484,7 +17721,7 @@
             </a:ln>
             <a:extLst>
               <a:ext uri="{91240B29-F687-4f45-9708-019B960494DF}">
-                <a14:hiddenLine xmlns:a14="http://schemas.microsoft.com/office/drawing/2010/main" xmlns="" w="9525">
+                <a14:hiddenLine xmlns="" xmlns:a14="http://schemas.microsoft.com/office/drawing/2010/main" w="9525">
                   <a:solidFill>
                     <a:srgbClr val="000000"/>
                   </a:solidFill>
@@ -18677,7 +17914,7 @@
             </a:ln>
             <a:extLst>
               <a:ext uri="{91240B29-F687-4f45-9708-019B960494DF}">
-                <a14:hiddenLine xmlns:a14="http://schemas.microsoft.com/office/drawing/2010/main" xmlns="" w="9525">
+                <a14:hiddenLine xmlns="" xmlns:a14="http://schemas.microsoft.com/office/drawing/2010/main" w="9525">
                   <a:solidFill>
                     <a:srgbClr val="000000"/>
                   </a:solidFill>
@@ -18930,7 +18167,7 @@
             </a:ln>
             <a:extLst>
               <a:ext uri="{91240B29-F687-4f45-9708-019B960494DF}">
-                <a14:hiddenLine xmlns:a14="http://schemas.microsoft.com/office/drawing/2010/main" xmlns="" w="9525">
+                <a14:hiddenLine xmlns="" xmlns:a14="http://schemas.microsoft.com/office/drawing/2010/main" w="9525">
                   <a:solidFill>
                     <a:srgbClr val="000000"/>
                   </a:solidFill>
@@ -19325,7 +18562,7 @@
             </a:ln>
             <a:extLst>
               <a:ext uri="{91240B29-F687-4f45-9708-019B960494DF}">
-                <a14:hiddenLine xmlns:a14="http://schemas.microsoft.com/office/drawing/2010/main" xmlns="" w="9525">
+                <a14:hiddenLine xmlns="" xmlns:a14="http://schemas.microsoft.com/office/drawing/2010/main" w="9525">
                   <a:solidFill>
                     <a:srgbClr val="000000"/>
                   </a:solidFill>
@@ -19610,7 +18847,7 @@
             </a:ln>
             <a:extLst>
               <a:ext uri="{91240B29-F687-4f45-9708-019B960494DF}">
-                <a14:hiddenLine xmlns:a14="http://schemas.microsoft.com/office/drawing/2010/main" xmlns="" w="9525">
+                <a14:hiddenLine xmlns="" xmlns:a14="http://schemas.microsoft.com/office/drawing/2010/main" w="9525">
                   <a:solidFill>
                     <a:srgbClr val="000000"/>
                   </a:solidFill>
@@ -19934,7 +19171,7 @@
             </a:ln>
             <a:extLst>
               <a:ext uri="{91240B29-F687-4f45-9708-019B960494DF}">
-                <a14:hiddenLine xmlns:a14="http://schemas.microsoft.com/office/drawing/2010/main" xmlns="" w="9525">
+                <a14:hiddenLine xmlns="" xmlns:a14="http://schemas.microsoft.com/office/drawing/2010/main" w="9525">
                   <a:solidFill>
                     <a:srgbClr val="000000"/>
                   </a:solidFill>
@@ -20167,7 +19404,7 @@
             </a:ln>
             <a:extLst>
               <a:ext uri="{91240B29-F687-4f45-9708-019B960494DF}">
-                <a14:hiddenLine xmlns:a14="http://schemas.microsoft.com/office/drawing/2010/main" xmlns="" w="9525">
+                <a14:hiddenLine xmlns="" xmlns:a14="http://schemas.microsoft.com/office/drawing/2010/main" w="9525">
                   <a:solidFill>
                     <a:srgbClr val="000000"/>
                   </a:solidFill>
@@ -20420,7 +19657,7 @@
             </a:ln>
             <a:extLst>
               <a:ext uri="{91240B29-F687-4f45-9708-019B960494DF}">
-                <a14:hiddenLine xmlns:a14="http://schemas.microsoft.com/office/drawing/2010/main" xmlns="" w="9525">
+                <a14:hiddenLine xmlns="" xmlns:a14="http://schemas.microsoft.com/office/drawing/2010/main" w="9525">
                   <a:solidFill>
                     <a:srgbClr val="000000"/>
                   </a:solidFill>
@@ -20673,7 +19910,7 @@
             </a:ln>
             <a:extLst>
               <a:ext uri="{91240B29-F687-4f45-9708-019B960494DF}">
-                <a14:hiddenLine xmlns:a14="http://schemas.microsoft.com/office/drawing/2010/main" xmlns="" w="9525">
+                <a14:hiddenLine xmlns="" xmlns:a14="http://schemas.microsoft.com/office/drawing/2010/main" w="9525">
                   <a:solidFill>
                     <a:srgbClr val="000000"/>
                   </a:solidFill>
@@ -20828,7 +20065,7 @@
             </a:ln>
             <a:extLst>
               <a:ext uri="{91240B29-F687-4f45-9708-019B960494DF}">
-                <a14:hiddenLine xmlns:a14="http://schemas.microsoft.com/office/drawing/2010/main" xmlns="" w="9525">
+                <a14:hiddenLine xmlns="" xmlns:a14="http://schemas.microsoft.com/office/drawing/2010/main" w="9525">
                   <a:solidFill>
                     <a:srgbClr val="000000"/>
                   </a:solidFill>
@@ -21311,7 +20548,7 @@
           <a:graphicData uri="http://schemas.openxmlformats.org/presentationml/2006/ole">
             <mc:AlternateContent xmlns:mc="http://schemas.openxmlformats.org/markup-compatibility/2006">
               <mc:Choice xmlns:v="urn:schemas-microsoft-com:vml" Requires="v">
-                <p:oleObj spid="_x0000_s110744" name="think-cell Slide" r:id="rId4" imgW="270" imgH="270" progId="TCLayout.ActiveDocument.1">
+                <p:oleObj spid="_x0000_s110765" name="think-cell Slide" r:id="rId4" imgW="270" imgH="270" progId="TCLayout.ActiveDocument.1">
                   <p:embed/>
                 </p:oleObj>
               </mc:Choice>
@@ -21502,7 +20739,7 @@
           <a:graphicData uri="http://schemas.openxmlformats.org/presentationml/2006/ole">
             <mc:AlternateContent xmlns:mc="http://schemas.openxmlformats.org/markup-compatibility/2006">
               <mc:Choice xmlns:v="urn:schemas-microsoft-com:vml" Requires="v">
-                <p:oleObj spid="_x0000_s111747" name="think-cell Slide" r:id="rId4" imgW="270" imgH="270" progId="TCLayout.ActiveDocument.1">
+                <p:oleObj spid="_x0000_s111768" name="think-cell Slide" r:id="rId4" imgW="270" imgH="270" progId="TCLayout.ActiveDocument.1">
                   <p:embed/>
                 </p:oleObj>
               </mc:Choice>
@@ -22213,7 +21450,7 @@
           <a:graphicData uri="http://schemas.openxmlformats.org/presentationml/2006/ole">
             <mc:AlternateContent xmlns:mc="http://schemas.openxmlformats.org/markup-compatibility/2006">
               <mc:Choice xmlns:v="urn:schemas-microsoft-com:vml" Requires="v">
-                <p:oleObj spid="_x0000_s94476" name="think-cell Slide" r:id="rId4" imgW="270" imgH="270" progId="TCLayout.ActiveDocument.1">
+                <p:oleObj spid="_x0000_s94497" name="think-cell Slide" r:id="rId4" imgW="270" imgH="270" progId="TCLayout.ActiveDocument.1">
                   <p:embed/>
                 </p:oleObj>
               </mc:Choice>
@@ -22845,7 +22082,7 @@
           <a:graphicData uri="http://schemas.openxmlformats.org/presentationml/2006/ole">
             <mc:AlternateContent xmlns:mc="http://schemas.openxmlformats.org/markup-compatibility/2006">
               <mc:Choice xmlns:v="urn:schemas-microsoft-com:vml" Requires="v">
-                <p:oleObj spid="_x0000_s106666" name="think-cell Slide" r:id="rId4" imgW="270" imgH="270" progId="TCLayout.ActiveDocument.1">
+                <p:oleObj spid="_x0000_s106687" name="think-cell Slide" r:id="rId4" imgW="270" imgH="270" progId="TCLayout.ActiveDocument.1">
                   <p:embed/>
                 </p:oleObj>
               </mc:Choice>
@@ -22957,7 +22194,7 @@
           <a:graphicData uri="http://schemas.openxmlformats.org/presentationml/2006/ole">
             <mc:AlternateContent xmlns:mc="http://schemas.openxmlformats.org/markup-compatibility/2006">
               <mc:Choice xmlns:v="urn:schemas-microsoft-com:vml" Requires="v">
-                <p:oleObj spid="_x0000_s109724" name="think-cell Slide" r:id="rId4" imgW="270" imgH="270" progId="TCLayout.ActiveDocument.1">
+                <p:oleObj spid="_x0000_s109745" name="think-cell Slide" r:id="rId4" imgW="270" imgH="270" progId="TCLayout.ActiveDocument.1">
                   <p:embed/>
                 </p:oleObj>
               </mc:Choice>
@@ -23071,7 +22308,7 @@
           <a:graphicData uri="http://schemas.openxmlformats.org/presentationml/2006/ole">
             <mc:AlternateContent xmlns:mc="http://schemas.openxmlformats.org/markup-compatibility/2006">
               <mc:Choice xmlns:v="urn:schemas-microsoft-com:vml" Requires="v">
-                <p:oleObj spid="_x0000_s4605" name="think-cell Slide" r:id="rId18" imgW="270" imgH="270" progId="TCLayout.ActiveDocument.1">
+                <p:oleObj spid="_x0000_s4627" name="think-cell Slide" r:id="rId18" imgW="270" imgH="270" progId="TCLayout.ActiveDocument.1">
                   <p:embed/>
                 </p:oleObj>
               </mc:Choice>
@@ -23393,7 +22630,7 @@
                   </a:schemeClr>
                 </a:solidFill>
               </a:rPr>
-              <a:t>Capgemini Invent 2018. All rights reserved </a:t>
+              <a:t>Capgemini 2018. All rights reserved </a:t>
             </a:r>
             <a:r>
               <a:rPr lang="en-US" dirty="0">
@@ -23607,7 +22844,7 @@
                   </a:schemeClr>
                 </a:solidFill>
               </a:rPr>
-              <a:t>Presentation Title | Author | Date</a:t>
+              <a:t>Azure Function| Koushik Aravalli | 29-08-2019</a:t>
             </a:r>
           </a:p>
         </p:txBody>
@@ -25533,7 +24770,7 @@
           <a:graphicData uri="http://schemas.openxmlformats.org/presentationml/2006/ole">
             <mc:AlternateContent xmlns:mc="http://schemas.openxmlformats.org/markup-compatibility/2006">
               <mc:Choice xmlns:v="urn:schemas-microsoft-com:vml" Requires="v">
-                <p:oleObj spid="_x0000_s91408" name="think-cell Slide" r:id="rId6" imgW="270" imgH="270" progId="TCLayout.ActiveDocument.1">
+                <p:oleObj spid="_x0000_s91430" name="think-cell Slide" r:id="rId6" imgW="270" imgH="270" progId="TCLayout.ActiveDocument.1">
                   <p:embed/>
                 </p:oleObj>
               </mc:Choice>
@@ -26238,454 +25475,6 @@
       </p:grpSpPr>
       <p:sp>
         <p:nvSpPr>
-          <p:cNvPr id="3" name="Text Placeholder 2">
-            <a:extLst>
-              <a:ext uri="{FF2B5EF4-FFF2-40B4-BE49-F238E27FC236}">
-                <a16:creationId xmlns:a16="http://schemas.microsoft.com/office/drawing/2014/main" id="{9697177C-B476-47F4-8F12-19039EC7F856}"/>
-              </a:ext>
-            </a:extLst>
-          </p:cNvPr>
-          <p:cNvSpPr>
-            <a:spLocks noGrp="1"/>
-          </p:cNvSpPr>
-          <p:nvPr>
-            <p:ph type="body" sz="quarter" idx="11"/>
-          </p:nvPr>
-        </p:nvSpPr>
-        <p:spPr/>
-        <p:txBody>
-          <a:bodyPr/>
-          <a:lstStyle/>
-          <a:p>
-            <a:r>
-              <a:rPr lang="en-US" dirty="0"/>
-              <a:t>Text to be added</a:t>
-            </a:r>
-          </a:p>
-        </p:txBody>
-      </p:sp>
-      <p:sp>
-        <p:nvSpPr>
-          <p:cNvPr id="4" name="Text Placeholder 3">
-            <a:extLst>
-              <a:ext uri="{FF2B5EF4-FFF2-40B4-BE49-F238E27FC236}">
-                <a16:creationId xmlns:a16="http://schemas.microsoft.com/office/drawing/2014/main" id="{FA6AE832-C477-48CD-9868-BA5E9515F388}"/>
-              </a:ext>
-            </a:extLst>
-          </p:cNvPr>
-          <p:cNvSpPr>
-            <a:spLocks noGrp="1"/>
-          </p:cNvSpPr>
-          <p:nvPr>
-            <p:ph type="body" sz="quarter" idx="12"/>
-          </p:nvPr>
-        </p:nvSpPr>
-        <p:spPr/>
-        <p:txBody>
-          <a:bodyPr/>
-          <a:lstStyle/>
-          <a:p>
-            <a:r>
-              <a:rPr lang="en-US" dirty="0"/>
-              <a:t>Text to be added</a:t>
-            </a:r>
-          </a:p>
-        </p:txBody>
-      </p:sp>
-      <p:sp>
-        <p:nvSpPr>
-          <p:cNvPr id="5" name="Text Placeholder 4">
-            <a:extLst>
-              <a:ext uri="{FF2B5EF4-FFF2-40B4-BE49-F238E27FC236}">
-                <a16:creationId xmlns:a16="http://schemas.microsoft.com/office/drawing/2014/main" id="{B3283D59-E4CF-4165-B9CB-736686DC3035}"/>
-              </a:ext>
-            </a:extLst>
-          </p:cNvPr>
-          <p:cNvSpPr>
-            <a:spLocks noGrp="1"/>
-          </p:cNvSpPr>
-          <p:nvPr>
-            <p:ph type="body" sz="quarter" idx="13"/>
-          </p:nvPr>
-        </p:nvSpPr>
-        <p:spPr/>
-        <p:txBody>
-          <a:bodyPr/>
-          <a:lstStyle/>
-          <a:p>
-            <a:r>
-              <a:rPr lang="en-US" dirty="0"/>
-              <a:t>Text to be added</a:t>
-            </a:r>
-          </a:p>
-        </p:txBody>
-      </p:sp>
-      <p:sp>
-        <p:nvSpPr>
-          <p:cNvPr id="6" name="Text Placeholder 5">
-            <a:extLst>
-              <a:ext uri="{FF2B5EF4-FFF2-40B4-BE49-F238E27FC236}">
-                <a16:creationId xmlns:a16="http://schemas.microsoft.com/office/drawing/2014/main" id="{A57200FD-7AC3-4234-8248-7EEBA6482D3D}"/>
-              </a:ext>
-            </a:extLst>
-          </p:cNvPr>
-          <p:cNvSpPr>
-            <a:spLocks noGrp="1"/>
-          </p:cNvSpPr>
-          <p:nvPr>
-            <p:ph type="body" sz="quarter" idx="14"/>
-          </p:nvPr>
-        </p:nvSpPr>
-        <p:spPr/>
-        <p:txBody>
-          <a:bodyPr/>
-          <a:lstStyle/>
-          <a:p>
-            <a:r>
-              <a:rPr lang="en-US" dirty="0"/>
-              <a:t>Text to be added</a:t>
-            </a:r>
-          </a:p>
-        </p:txBody>
-      </p:sp>
-      <p:sp>
-        <p:nvSpPr>
-          <p:cNvPr id="7" name="Text Placeholder 6">
-            <a:extLst>
-              <a:ext uri="{FF2B5EF4-FFF2-40B4-BE49-F238E27FC236}">
-                <a16:creationId xmlns:a16="http://schemas.microsoft.com/office/drawing/2014/main" id="{35A7F183-E5BD-40B9-AE7F-AB7C5B52D8EF}"/>
-              </a:ext>
-            </a:extLst>
-          </p:cNvPr>
-          <p:cNvSpPr>
-            <a:spLocks noGrp="1"/>
-          </p:cNvSpPr>
-          <p:nvPr>
-            <p:ph type="body" sz="quarter" idx="15"/>
-          </p:nvPr>
-        </p:nvSpPr>
-        <p:spPr/>
-        <p:txBody>
-          <a:bodyPr/>
-          <a:lstStyle/>
-          <a:p>
-            <a:r>
-              <a:rPr lang="en-US" dirty="0"/>
-              <a:t>Text to be added</a:t>
-            </a:r>
-          </a:p>
-        </p:txBody>
-      </p:sp>
-      <p:sp>
-        <p:nvSpPr>
-          <p:cNvPr id="8" name="Text Placeholder 7">
-            <a:extLst>
-              <a:ext uri="{FF2B5EF4-FFF2-40B4-BE49-F238E27FC236}">
-                <a16:creationId xmlns:a16="http://schemas.microsoft.com/office/drawing/2014/main" id="{B0180556-0183-4511-9A6D-0D68074E1921}"/>
-              </a:ext>
-            </a:extLst>
-          </p:cNvPr>
-          <p:cNvSpPr>
-            <a:spLocks noGrp="1"/>
-          </p:cNvSpPr>
-          <p:nvPr>
-            <p:ph type="body" sz="quarter" idx="16"/>
-          </p:nvPr>
-        </p:nvSpPr>
-        <p:spPr/>
-        <p:txBody>
-          <a:bodyPr/>
-          <a:lstStyle/>
-          <a:p>
-            <a:r>
-              <a:rPr lang="en-US" dirty="0"/>
-              <a:t>Text to be added</a:t>
-            </a:r>
-          </a:p>
-        </p:txBody>
-      </p:sp>
-      <p:sp>
-        <p:nvSpPr>
-          <p:cNvPr id="18" name="Text Placeholder 17">
-            <a:extLst>
-              <a:ext uri="{FF2B5EF4-FFF2-40B4-BE49-F238E27FC236}">
-                <a16:creationId xmlns:a16="http://schemas.microsoft.com/office/drawing/2014/main" id="{C04B3EAF-7AA5-4056-A88E-DCADE78A9356}"/>
-              </a:ext>
-            </a:extLst>
-          </p:cNvPr>
-          <p:cNvSpPr>
-            <a:spLocks noGrp="1"/>
-          </p:cNvSpPr>
-          <p:nvPr>
-            <p:ph type="body" sz="quarter" idx="18"/>
-          </p:nvPr>
-        </p:nvSpPr>
-        <p:spPr/>
-        <p:txBody>
-          <a:bodyPr/>
-          <a:lstStyle/>
-          <a:p>
-            <a:r>
-              <a:rPr lang="en-US" dirty="0"/>
-              <a:t>Text to be added</a:t>
-            </a:r>
-          </a:p>
-        </p:txBody>
-      </p:sp>
-      <p:sp>
-        <p:nvSpPr>
-          <p:cNvPr id="19" name="Text Placeholder 18">
-            <a:extLst>
-              <a:ext uri="{FF2B5EF4-FFF2-40B4-BE49-F238E27FC236}">
-                <a16:creationId xmlns:a16="http://schemas.microsoft.com/office/drawing/2014/main" id="{1CFD44AF-E0D0-4976-A1CF-7E2AC3790B6B}"/>
-              </a:ext>
-            </a:extLst>
-          </p:cNvPr>
-          <p:cNvSpPr>
-            <a:spLocks noGrp="1"/>
-          </p:cNvSpPr>
-          <p:nvPr>
-            <p:ph type="body" sz="quarter" idx="19"/>
-          </p:nvPr>
-        </p:nvSpPr>
-        <p:spPr/>
-        <p:txBody>
-          <a:bodyPr/>
-          <a:lstStyle/>
-          <a:p>
-            <a:r>
-              <a:rPr lang="en-US" dirty="0"/>
-              <a:t>01</a:t>
-            </a:r>
-          </a:p>
-        </p:txBody>
-      </p:sp>
-      <p:sp>
-        <p:nvSpPr>
-          <p:cNvPr id="20" name="Text Placeholder 19">
-            <a:extLst>
-              <a:ext uri="{FF2B5EF4-FFF2-40B4-BE49-F238E27FC236}">
-                <a16:creationId xmlns:a16="http://schemas.microsoft.com/office/drawing/2014/main" id="{E55217A4-0F66-43C7-914D-B7FD72585DF5}"/>
-              </a:ext>
-            </a:extLst>
-          </p:cNvPr>
-          <p:cNvSpPr>
-            <a:spLocks noGrp="1"/>
-          </p:cNvSpPr>
-          <p:nvPr>
-            <p:ph type="body" sz="quarter" idx="20"/>
-          </p:nvPr>
-        </p:nvSpPr>
-        <p:spPr/>
-        <p:txBody>
-          <a:bodyPr/>
-          <a:lstStyle/>
-          <a:p>
-            <a:r>
-              <a:rPr lang="en-US" dirty="0"/>
-              <a:t>02</a:t>
-            </a:r>
-          </a:p>
-        </p:txBody>
-      </p:sp>
-      <p:sp>
-        <p:nvSpPr>
-          <p:cNvPr id="21" name="Text Placeholder 20">
-            <a:extLst>
-              <a:ext uri="{FF2B5EF4-FFF2-40B4-BE49-F238E27FC236}">
-                <a16:creationId xmlns:a16="http://schemas.microsoft.com/office/drawing/2014/main" id="{89EF090E-A8DF-4B86-83B6-D9C7FB1B4263}"/>
-              </a:ext>
-            </a:extLst>
-          </p:cNvPr>
-          <p:cNvSpPr>
-            <a:spLocks noGrp="1"/>
-          </p:cNvSpPr>
-          <p:nvPr>
-            <p:ph type="body" sz="quarter" idx="21"/>
-          </p:nvPr>
-        </p:nvSpPr>
-        <p:spPr/>
-        <p:txBody>
-          <a:bodyPr/>
-          <a:lstStyle/>
-          <a:p>
-            <a:r>
-              <a:rPr lang="en-US" dirty="0"/>
-              <a:t>03</a:t>
-            </a:r>
-          </a:p>
-        </p:txBody>
-      </p:sp>
-      <p:sp>
-        <p:nvSpPr>
-          <p:cNvPr id="22" name="Text Placeholder 21">
-            <a:extLst>
-              <a:ext uri="{FF2B5EF4-FFF2-40B4-BE49-F238E27FC236}">
-                <a16:creationId xmlns:a16="http://schemas.microsoft.com/office/drawing/2014/main" id="{C7A41B99-9873-4065-8D3B-C181FF454C81}"/>
-              </a:ext>
-            </a:extLst>
-          </p:cNvPr>
-          <p:cNvSpPr>
-            <a:spLocks noGrp="1"/>
-          </p:cNvSpPr>
-          <p:nvPr>
-            <p:ph type="body" sz="quarter" idx="22"/>
-          </p:nvPr>
-        </p:nvSpPr>
-        <p:spPr/>
-        <p:txBody>
-          <a:bodyPr/>
-          <a:lstStyle/>
-          <a:p>
-            <a:r>
-              <a:rPr lang="en-US" dirty="0"/>
-              <a:t>04</a:t>
-            </a:r>
-          </a:p>
-        </p:txBody>
-      </p:sp>
-      <p:sp>
-        <p:nvSpPr>
-          <p:cNvPr id="23" name="Text Placeholder 22">
-            <a:extLst>
-              <a:ext uri="{FF2B5EF4-FFF2-40B4-BE49-F238E27FC236}">
-                <a16:creationId xmlns:a16="http://schemas.microsoft.com/office/drawing/2014/main" id="{7828358A-A556-45C2-897B-E7FFDAF863AD}"/>
-              </a:ext>
-            </a:extLst>
-          </p:cNvPr>
-          <p:cNvSpPr>
-            <a:spLocks noGrp="1"/>
-          </p:cNvSpPr>
-          <p:nvPr>
-            <p:ph type="body" sz="quarter" idx="23"/>
-          </p:nvPr>
-        </p:nvSpPr>
-        <p:spPr/>
-        <p:txBody>
-          <a:bodyPr/>
-          <a:lstStyle/>
-          <a:p>
-            <a:r>
-              <a:rPr lang="en-US" dirty="0"/>
-              <a:t>05</a:t>
-            </a:r>
-          </a:p>
-        </p:txBody>
-      </p:sp>
-      <p:sp>
-        <p:nvSpPr>
-          <p:cNvPr id="24" name="Text Placeholder 23">
-            <a:extLst>
-              <a:ext uri="{FF2B5EF4-FFF2-40B4-BE49-F238E27FC236}">
-                <a16:creationId xmlns:a16="http://schemas.microsoft.com/office/drawing/2014/main" id="{B3F6B0C0-DD08-447E-97B8-F105FC2B4A46}"/>
-              </a:ext>
-            </a:extLst>
-          </p:cNvPr>
-          <p:cNvSpPr>
-            <a:spLocks noGrp="1"/>
-          </p:cNvSpPr>
-          <p:nvPr>
-            <p:ph type="body" sz="quarter" idx="24"/>
-          </p:nvPr>
-        </p:nvSpPr>
-        <p:spPr/>
-        <p:txBody>
-          <a:bodyPr/>
-          <a:lstStyle/>
-          <a:p>
-            <a:r>
-              <a:rPr lang="en-US" dirty="0"/>
-              <a:t>06</a:t>
-            </a:r>
-          </a:p>
-        </p:txBody>
-      </p:sp>
-      <p:sp>
-        <p:nvSpPr>
-          <p:cNvPr id="25" name="Text Placeholder 24">
-            <a:extLst>
-              <a:ext uri="{FF2B5EF4-FFF2-40B4-BE49-F238E27FC236}">
-                <a16:creationId xmlns:a16="http://schemas.microsoft.com/office/drawing/2014/main" id="{BF8805C8-136C-47C4-A4FD-C1A2B20C2FF5}"/>
-              </a:ext>
-            </a:extLst>
-          </p:cNvPr>
-          <p:cNvSpPr>
-            <a:spLocks noGrp="1"/>
-          </p:cNvSpPr>
-          <p:nvPr>
-            <p:ph type="body" sz="quarter" idx="25"/>
-          </p:nvPr>
-        </p:nvSpPr>
-        <p:spPr/>
-        <p:txBody>
-          <a:bodyPr/>
-          <a:lstStyle/>
-          <a:p>
-            <a:r>
-              <a:rPr lang="en-US" dirty="0"/>
-              <a:t>07</a:t>
-            </a:r>
-          </a:p>
-        </p:txBody>
-      </p:sp>
-      <p:sp>
-        <p:nvSpPr>
-          <p:cNvPr id="26" name="Text Placeholder 25">
-            <a:extLst>
-              <a:ext uri="{FF2B5EF4-FFF2-40B4-BE49-F238E27FC236}">
-                <a16:creationId xmlns:a16="http://schemas.microsoft.com/office/drawing/2014/main" id="{76457A6F-24FF-4288-876C-79F2039C7564}"/>
-              </a:ext>
-            </a:extLst>
-          </p:cNvPr>
-          <p:cNvSpPr>
-            <a:spLocks noGrp="1"/>
-          </p:cNvSpPr>
-          <p:nvPr>
-            <p:ph type="body" sz="quarter" idx="26"/>
-          </p:nvPr>
-        </p:nvSpPr>
-        <p:spPr/>
-        <p:txBody>
-          <a:bodyPr/>
-          <a:lstStyle/>
-          <a:p>
-            <a:r>
-              <a:rPr lang="en-US" dirty="0"/>
-              <a:t>08</a:t>
-            </a:r>
-          </a:p>
-        </p:txBody>
-      </p:sp>
-      <p:sp>
-        <p:nvSpPr>
-          <p:cNvPr id="27" name="Text Placeholder 26">
-            <a:extLst>
-              <a:ext uri="{FF2B5EF4-FFF2-40B4-BE49-F238E27FC236}">
-                <a16:creationId xmlns:a16="http://schemas.microsoft.com/office/drawing/2014/main" id="{3B9EBB5E-ABF3-4DB1-B71C-15152EFE03F3}"/>
-              </a:ext>
-            </a:extLst>
-          </p:cNvPr>
-          <p:cNvSpPr>
-            <a:spLocks noGrp="1"/>
-          </p:cNvSpPr>
-          <p:nvPr>
-            <p:ph type="body" sz="quarter" idx="27"/>
-          </p:nvPr>
-        </p:nvSpPr>
-        <p:spPr/>
-        <p:txBody>
-          <a:bodyPr/>
-          <a:lstStyle/>
-          <a:p>
-            <a:r>
-              <a:rPr lang="en-US" dirty="0"/>
-              <a:t>Text to be added</a:t>
-            </a:r>
-          </a:p>
-        </p:txBody>
-      </p:sp>
-      <p:sp>
-        <p:nvSpPr>
           <p:cNvPr id="67" name="Text Placeholder 66">
             <a:extLst>
               <a:ext uri="{FF2B5EF4-FFF2-40B4-BE49-F238E27FC236}">
@@ -26707,7 +25496,1451 @@
           <a:p>
             <a:r>
               <a:rPr lang="en-US" dirty="0"/>
+              <a:t>Azure </a:t>
+            </a:r>
+            <a:r>
+              <a:rPr lang="en-US" dirty="0" err="1"/>
+              <a:t>FunctionApp</a:t>
+            </a:r>
+            <a:endParaRPr lang="en-US" dirty="0"/>
+          </a:p>
+        </p:txBody>
+      </p:sp>
+    </p:spTree>
+    <p:extLst>
+      <p:ext uri="{BB962C8B-B14F-4D97-AF65-F5344CB8AC3E}">
+        <p14:creationId xmlns:p14="http://schemas.microsoft.com/office/powerpoint/2010/main" val="1455601413"/>
+      </p:ext>
+    </p:extLst>
+  </p:cSld>
+  <p:clrMapOvr>
+    <a:masterClrMapping/>
+  </p:clrMapOvr>
+</p:sld>
+</file>
+
+<file path=ppt/slides/slide10.xml><?xml version="1.0" encoding="utf-8"?>
+<p:sld xmlns:a="http://schemas.openxmlformats.org/drawingml/2006/main" xmlns:r="http://schemas.openxmlformats.org/officeDocument/2006/relationships" xmlns:p="http://schemas.openxmlformats.org/presentationml/2006/main">
+  <p:cSld>
+    <p:spTree>
+      <p:nvGrpSpPr>
+        <p:cNvPr id="1" name=""/>
+        <p:cNvGrpSpPr/>
+        <p:nvPr/>
+      </p:nvGrpSpPr>
+      <p:grpSpPr>
+        <a:xfrm>
+          <a:off x="0" y="0"/>
+          <a:ext cx="0" cy="0"/>
+          <a:chOff x="0" y="0"/>
+          <a:chExt cx="0" cy="0"/>
+        </a:xfrm>
+      </p:grpSpPr>
+      <p:sp>
+        <p:nvSpPr>
+          <p:cNvPr id="4" name="Title 3"/>
+          <p:cNvSpPr>
+            <a:spLocks noGrp="1"/>
+          </p:cNvSpPr>
+          <p:nvPr>
+            <p:ph type="title"/>
+          </p:nvPr>
+        </p:nvSpPr>
+        <p:spPr/>
+        <p:txBody>
+          <a:bodyPr/>
+          <a:lstStyle/>
+          <a:p>
+            <a:r>
+              <a:rPr lang="en-US" dirty="0"/>
+              <a:t>Azure </a:t>
+            </a:r>
+            <a:r>
+              <a:rPr lang="en-US" dirty="0" err="1"/>
+              <a:t>FunctionApp</a:t>
+            </a:r>
+            <a:endParaRPr lang="en-GB" dirty="0"/>
+          </a:p>
+        </p:txBody>
+      </p:sp>
+      <p:sp>
+        <p:nvSpPr>
+          <p:cNvPr id="5" name="Text Placeholder 2">
+            <a:extLst>
+              <a:ext uri="{FF2B5EF4-FFF2-40B4-BE49-F238E27FC236}">
+                <a16:creationId xmlns:a16="http://schemas.microsoft.com/office/drawing/2014/main" id="{2588A0C9-1DEB-41E8-AA59-206F6391A84A}"/>
+              </a:ext>
+            </a:extLst>
+          </p:cNvPr>
+          <p:cNvSpPr txBox="1">
+            <a:spLocks/>
+          </p:cNvSpPr>
+          <p:nvPr/>
+        </p:nvSpPr>
+        <p:spPr>
+          <a:xfrm>
+            <a:off x="550200" y="852872"/>
+            <a:ext cx="11091600" cy="504056"/>
+          </a:xfrm>
+          <a:prstGeom prst="rect">
+            <a:avLst/>
+          </a:prstGeom>
+        </p:spPr>
+        <p:txBody>
+          <a:bodyPr vert="horz" lIns="0" tIns="0" rIns="0" bIns="0" rtlCol="0">
+            <a:normAutofit/>
+          </a:bodyPr>
+          <a:lstStyle>
+            <a:lvl1pPr marL="0" indent="0" algn="l" defTabSz="914400" rtl="0" eaLnBrk="1" latinLnBrk="0" hangingPunct="1">
+              <a:lnSpc>
+                <a:spcPct val="100000"/>
+              </a:lnSpc>
+              <a:spcBef>
+                <a:spcPts val="0"/>
+              </a:spcBef>
+              <a:buFont typeface="Arial" panose="020B0604020202020204" pitchFamily="34" charset="0"/>
+              <a:buNone/>
+              <a:defRPr sz="2200" kern="1200" spc="-110" baseline="0">
+                <a:solidFill>
+                  <a:schemeClr val="accent1"/>
+                </a:solidFill>
+                <a:latin typeface="+mj-lt"/>
+                <a:ea typeface="+mn-ea"/>
+                <a:cs typeface="+mn-cs"/>
+              </a:defRPr>
+            </a:lvl1pPr>
+            <a:lvl2pPr marL="266700" indent="-177800" algn="l" defTabSz="914400" rtl="0" eaLnBrk="1" latinLnBrk="0" hangingPunct="1">
+              <a:lnSpc>
+                <a:spcPct val="100000"/>
+              </a:lnSpc>
+              <a:spcBef>
+                <a:spcPts val="600"/>
+              </a:spcBef>
+              <a:buClr>
+                <a:schemeClr val="accent1"/>
+              </a:buClr>
+              <a:buFont typeface="Wingdings" panose="05000000000000000000" pitchFamily="2" charset="2"/>
+              <a:buChar char="§"/>
+              <a:defRPr sz="1800" kern="1200">
+                <a:solidFill>
+                  <a:schemeClr val="tx1"/>
+                </a:solidFill>
+                <a:latin typeface="+mj-lt"/>
+                <a:ea typeface="+mn-ea"/>
+                <a:cs typeface="+mn-cs"/>
+              </a:defRPr>
+            </a:lvl2pPr>
+            <a:lvl3pPr marL="444500" indent="-177800" algn="l" defTabSz="914400" rtl="0" eaLnBrk="1" latinLnBrk="0" hangingPunct="1">
+              <a:lnSpc>
+                <a:spcPct val="100000"/>
+              </a:lnSpc>
+              <a:spcBef>
+                <a:spcPts val="600"/>
+              </a:spcBef>
+              <a:buClr>
+                <a:schemeClr val="accent2"/>
+              </a:buClr>
+              <a:buFont typeface="Arial" panose="020B0604020202020204" pitchFamily="34" charset="0"/>
+              <a:buChar char="•"/>
+              <a:defRPr sz="1600" kern="1200">
+                <a:solidFill>
+                  <a:schemeClr val="tx1"/>
+                </a:solidFill>
+                <a:latin typeface="+mj-lt"/>
+                <a:ea typeface="+mn-ea"/>
+                <a:cs typeface="+mn-cs"/>
+              </a:defRPr>
+            </a:lvl3pPr>
+            <a:lvl4pPr marL="622300" indent="-177800" algn="l" defTabSz="914400" rtl="0" eaLnBrk="1" latinLnBrk="0" hangingPunct="1">
+              <a:lnSpc>
+                <a:spcPct val="100000"/>
+              </a:lnSpc>
+              <a:spcBef>
+                <a:spcPts val="600"/>
+              </a:spcBef>
+              <a:buClr>
+                <a:schemeClr val="accent3"/>
+              </a:buClr>
+              <a:buFont typeface="Verdana" panose="020B0604030504040204" pitchFamily="34" charset="0"/>
+              <a:buChar char="‒"/>
+              <a:defRPr sz="1400" kern="1200">
+                <a:solidFill>
+                  <a:schemeClr val="tx1"/>
+                </a:solidFill>
+                <a:latin typeface="+mj-lt"/>
+                <a:ea typeface="+mn-ea"/>
+                <a:cs typeface="+mn-cs"/>
+              </a:defRPr>
+            </a:lvl4pPr>
+            <a:lvl5pPr marL="812800" indent="-190500" algn="l" defTabSz="914400" rtl="0" eaLnBrk="1" latinLnBrk="0" hangingPunct="1">
+              <a:lnSpc>
+                <a:spcPct val="100000"/>
+              </a:lnSpc>
+              <a:spcBef>
+                <a:spcPts val="600"/>
+              </a:spcBef>
+              <a:buClr>
+                <a:schemeClr val="accent5"/>
+              </a:buClr>
+              <a:buFont typeface="Arial" panose="020B0604020202020204" pitchFamily="34" charset="0"/>
+              <a:buChar char="•"/>
+              <a:defRPr sz="1400" kern="1200">
+                <a:solidFill>
+                  <a:schemeClr val="tx1"/>
+                </a:solidFill>
+                <a:latin typeface="+mj-lt"/>
+                <a:ea typeface="+mn-ea"/>
+                <a:cs typeface="+mn-cs"/>
+              </a:defRPr>
+            </a:lvl5pPr>
+            <a:lvl6pPr marL="2514600" indent="-228600" algn="l" defTabSz="914400" rtl="0" eaLnBrk="1" latinLnBrk="0" hangingPunct="1">
+              <a:lnSpc>
+                <a:spcPct val="90000"/>
+              </a:lnSpc>
+              <a:spcBef>
+                <a:spcPts val="500"/>
+              </a:spcBef>
+              <a:buFont typeface="Arial" panose="020B0604020202020204" pitchFamily="34" charset="0"/>
+              <a:buChar char="•"/>
+              <a:defRPr sz="1800" kern="1200">
+                <a:solidFill>
+                  <a:schemeClr val="tx1"/>
+                </a:solidFill>
+                <a:latin typeface="+mn-lt"/>
+                <a:ea typeface="+mn-ea"/>
+                <a:cs typeface="+mn-cs"/>
+              </a:defRPr>
+            </a:lvl6pPr>
+            <a:lvl7pPr marL="2971800" indent="-228600" algn="l" defTabSz="914400" rtl="0" eaLnBrk="1" latinLnBrk="0" hangingPunct="1">
+              <a:lnSpc>
+                <a:spcPct val="90000"/>
+              </a:lnSpc>
+              <a:spcBef>
+                <a:spcPts val="500"/>
+              </a:spcBef>
+              <a:buFont typeface="Arial" panose="020B0604020202020204" pitchFamily="34" charset="0"/>
+              <a:buChar char="•"/>
+              <a:defRPr sz="1800" kern="1200">
+                <a:solidFill>
+                  <a:schemeClr val="tx1"/>
+                </a:solidFill>
+                <a:latin typeface="+mn-lt"/>
+                <a:ea typeface="+mn-ea"/>
+                <a:cs typeface="+mn-cs"/>
+              </a:defRPr>
+            </a:lvl7pPr>
+            <a:lvl8pPr marL="3429000" indent="-228600" algn="l" defTabSz="914400" rtl="0" eaLnBrk="1" latinLnBrk="0" hangingPunct="1">
+              <a:lnSpc>
+                <a:spcPct val="90000"/>
+              </a:lnSpc>
+              <a:spcBef>
+                <a:spcPts val="500"/>
+              </a:spcBef>
+              <a:buFont typeface="Arial" panose="020B0604020202020204" pitchFamily="34" charset="0"/>
+              <a:buChar char="•"/>
+              <a:defRPr sz="1800" kern="1200">
+                <a:solidFill>
+                  <a:schemeClr val="tx1"/>
+                </a:solidFill>
+                <a:latin typeface="+mn-lt"/>
+                <a:ea typeface="+mn-ea"/>
+                <a:cs typeface="+mn-cs"/>
+              </a:defRPr>
+            </a:lvl8pPr>
+            <a:lvl9pPr marL="3886200" indent="-228600" algn="l" defTabSz="914400" rtl="0" eaLnBrk="1" latinLnBrk="0" hangingPunct="1">
+              <a:lnSpc>
+                <a:spcPct val="90000"/>
+              </a:lnSpc>
+              <a:spcBef>
+                <a:spcPts val="500"/>
+              </a:spcBef>
+              <a:buFont typeface="Arial" panose="020B0604020202020204" pitchFamily="34" charset="0"/>
+              <a:buChar char="•"/>
+              <a:defRPr sz="1800" kern="1200">
+                <a:solidFill>
+                  <a:schemeClr val="tx1"/>
+                </a:solidFill>
+                <a:latin typeface="+mn-lt"/>
+                <a:ea typeface="+mn-ea"/>
+                <a:cs typeface="+mn-cs"/>
+              </a:defRPr>
+            </a:lvl9pPr>
+          </a:lstStyle>
+          <a:p>
+            <a:r>
+              <a:rPr lang="en-US" sz="2800" dirty="0"/>
+              <a:t>Disaster Recovery</a:t>
+            </a:r>
+            <a:endParaRPr lang="nl-NL" sz="2800" dirty="0"/>
+          </a:p>
+        </p:txBody>
+      </p:sp>
+      <p:pic>
+        <p:nvPicPr>
+          <p:cNvPr id="116738" name="Picture 2" descr="Image result for cloudtweaks cartoon">
+            <a:extLst>
+              <a:ext uri="{FF2B5EF4-FFF2-40B4-BE49-F238E27FC236}">
+                <a16:creationId xmlns:a16="http://schemas.microsoft.com/office/drawing/2014/main" id="{15BA23F0-A3AF-4348-89F0-BEF88DC458E6}"/>
+              </a:ext>
+            </a:extLst>
+          </p:cNvPr>
+          <p:cNvPicPr>
+            <a:picLocks noChangeAspect="1" noChangeArrowheads="1"/>
+          </p:cNvPicPr>
+          <p:nvPr/>
+        </p:nvPicPr>
+        <p:blipFill>
+          <a:blip r:embed="rId3">
+            <a:extLst>
+              <a:ext uri="{28A0092B-C50C-407E-A947-70E740481C1C}">
+                <a14:useLocalDpi xmlns:a14="http://schemas.microsoft.com/office/drawing/2010/main" val="0"/>
+              </a:ext>
+            </a:extLst>
+          </a:blip>
+          <a:srcRect/>
+          <a:stretch>
+            <a:fillRect/>
+          </a:stretch>
+        </p:blipFill>
+        <p:spPr bwMode="auto">
+          <a:xfrm>
+            <a:off x="4871864" y="852872"/>
+            <a:ext cx="5805835" cy="5394074"/>
+          </a:xfrm>
+          <a:prstGeom prst="rect">
+            <a:avLst/>
+          </a:prstGeom>
+          <a:noFill/>
+          <a:extLst>
+            <a:ext uri="{909E8E84-426E-40DD-AFC4-6F175D3DCCD1}">
+              <a14:hiddenFill xmlns:a14="http://schemas.microsoft.com/office/drawing/2010/main">
+                <a:solidFill>
+                  <a:srgbClr val="FFFFFF"/>
+                </a:solidFill>
+              </a14:hiddenFill>
+            </a:ext>
+          </a:extLst>
+        </p:spPr>
+      </p:pic>
+    </p:spTree>
+    <p:extLst>
+      <p:ext uri="{BB962C8B-B14F-4D97-AF65-F5344CB8AC3E}">
+        <p14:creationId xmlns:p14="http://schemas.microsoft.com/office/powerpoint/2010/main" val="4148864566"/>
+      </p:ext>
+    </p:extLst>
+  </p:cSld>
+  <p:clrMapOvr>
+    <a:masterClrMapping/>
+  </p:clrMapOvr>
+</p:sld>
+</file>
+
+<file path=ppt/slides/slide11.xml><?xml version="1.0" encoding="utf-8"?>
+<p:sld xmlns:a="http://schemas.openxmlformats.org/drawingml/2006/main" xmlns:r="http://schemas.openxmlformats.org/officeDocument/2006/relationships" xmlns:p="http://schemas.openxmlformats.org/presentationml/2006/main">
+  <p:cSld>
+    <p:spTree>
+      <p:nvGrpSpPr>
+        <p:cNvPr id="1" name=""/>
+        <p:cNvGrpSpPr/>
+        <p:nvPr/>
+      </p:nvGrpSpPr>
+      <p:grpSpPr>
+        <a:xfrm>
+          <a:off x="0" y="0"/>
+          <a:ext cx="0" cy="0"/>
+          <a:chOff x="0" y="0"/>
+          <a:chExt cx="0" cy="0"/>
+        </a:xfrm>
+      </p:grpSpPr>
+      <p:sp>
+        <p:nvSpPr>
+          <p:cNvPr id="2" name="Title 1">
+            <a:extLst>
+              <a:ext uri="{FF2B5EF4-FFF2-40B4-BE49-F238E27FC236}">
+                <a16:creationId xmlns:a16="http://schemas.microsoft.com/office/drawing/2014/main" id="{4B8E6D39-B07F-4E82-A091-172F19F450C4}"/>
+              </a:ext>
+            </a:extLst>
+          </p:cNvPr>
+          <p:cNvSpPr>
+            <a:spLocks noGrp="1"/>
+          </p:cNvSpPr>
+          <p:nvPr>
+            <p:ph type="title"/>
+          </p:nvPr>
+        </p:nvSpPr>
+        <p:spPr/>
+        <p:txBody>
+          <a:bodyPr/>
+          <a:lstStyle/>
+          <a:p>
+            <a:r>
+              <a:rPr lang="nl-NL" dirty="0" err="1"/>
+              <a:t>Azure</a:t>
+            </a:r>
+            <a:r>
+              <a:rPr lang="nl-NL" dirty="0"/>
+              <a:t> </a:t>
+            </a:r>
+            <a:r>
+              <a:rPr lang="nl-NL" dirty="0" err="1"/>
+              <a:t>FunctionApp</a:t>
+            </a:r>
+            <a:r>
+              <a:rPr lang="nl-NL" dirty="0"/>
+              <a:t> : </a:t>
+            </a:r>
+            <a:r>
+              <a:rPr lang="nl-NL" dirty="0" err="1"/>
+              <a:t>Bindings</a:t>
+            </a:r>
+            <a:endParaRPr lang="nl-NL" dirty="0"/>
+          </a:p>
+        </p:txBody>
+      </p:sp>
+      <p:pic>
+        <p:nvPicPr>
+          <p:cNvPr id="5" name="Picture 4">
+            <a:extLst>
+              <a:ext uri="{FF2B5EF4-FFF2-40B4-BE49-F238E27FC236}">
+                <a16:creationId xmlns:a16="http://schemas.microsoft.com/office/drawing/2014/main" id="{08A223F7-2703-436F-90C6-3904670FDEA7}"/>
+              </a:ext>
+            </a:extLst>
+          </p:cNvPr>
+          <p:cNvPicPr>
+            <a:picLocks noChangeAspect="1"/>
+          </p:cNvPicPr>
+          <p:nvPr/>
+        </p:nvPicPr>
+        <p:blipFill>
+          <a:blip r:embed="rId2"/>
+          <a:stretch>
+            <a:fillRect/>
+          </a:stretch>
+        </p:blipFill>
+        <p:spPr>
+          <a:xfrm>
+            <a:off x="1631504" y="863475"/>
+            <a:ext cx="9361040" cy="5517853"/>
+          </a:xfrm>
+          <a:prstGeom prst="rect">
+            <a:avLst/>
+          </a:prstGeom>
+        </p:spPr>
+      </p:pic>
+    </p:spTree>
+    <p:extLst>
+      <p:ext uri="{BB962C8B-B14F-4D97-AF65-F5344CB8AC3E}">
+        <p14:creationId xmlns:p14="http://schemas.microsoft.com/office/powerpoint/2010/main" val="1931574639"/>
+      </p:ext>
+    </p:extLst>
+  </p:cSld>
+  <p:clrMapOvr>
+    <a:masterClrMapping/>
+  </p:clrMapOvr>
+</p:sld>
+</file>
+
+<file path=ppt/slides/slide12.xml><?xml version="1.0" encoding="utf-8"?>
+<p:sld xmlns:a="http://schemas.openxmlformats.org/drawingml/2006/main" xmlns:r="http://schemas.openxmlformats.org/officeDocument/2006/relationships" xmlns:p="http://schemas.openxmlformats.org/presentationml/2006/main">
+  <p:cSld>
+    <p:spTree>
+      <p:nvGrpSpPr>
+        <p:cNvPr id="1" name=""/>
+        <p:cNvGrpSpPr/>
+        <p:nvPr/>
+      </p:nvGrpSpPr>
+      <p:grpSpPr>
+        <a:xfrm>
+          <a:off x="0" y="0"/>
+          <a:ext cx="0" cy="0"/>
+          <a:chOff x="0" y="0"/>
+          <a:chExt cx="0" cy="0"/>
+        </a:xfrm>
+      </p:grpSpPr>
+      <p:sp>
+        <p:nvSpPr>
+          <p:cNvPr id="2" name="Title 1">
+            <a:extLst>
+              <a:ext uri="{FF2B5EF4-FFF2-40B4-BE49-F238E27FC236}">
+                <a16:creationId xmlns:a16="http://schemas.microsoft.com/office/drawing/2014/main" id="{1743C244-29DB-4467-8119-97FEE9B69BF8}"/>
+              </a:ext>
+            </a:extLst>
+          </p:cNvPr>
+          <p:cNvSpPr>
+            <a:spLocks noGrp="1"/>
+          </p:cNvSpPr>
+          <p:nvPr>
+            <p:ph type="title"/>
+          </p:nvPr>
+        </p:nvSpPr>
+        <p:spPr>
+          <a:xfrm>
+            <a:off x="550200" y="188640"/>
+            <a:ext cx="11091600" cy="916260"/>
+          </a:xfrm>
+        </p:spPr>
+        <p:txBody>
+          <a:bodyPr/>
+          <a:lstStyle/>
+          <a:p>
+            <a:r>
+              <a:rPr lang="nl-NL" dirty="0" err="1"/>
+              <a:t>Azure</a:t>
+            </a:r>
+            <a:r>
+              <a:rPr lang="nl-NL" dirty="0"/>
+              <a:t> </a:t>
+            </a:r>
+            <a:r>
+              <a:rPr lang="nl-NL" dirty="0" err="1"/>
+              <a:t>FunctionApp</a:t>
+            </a:r>
+            <a:r>
+              <a:rPr lang="nl-NL" dirty="0"/>
+              <a:t> : Lab01</a:t>
+            </a:r>
+          </a:p>
+        </p:txBody>
+      </p:sp>
+      <p:pic>
+        <p:nvPicPr>
+          <p:cNvPr id="3" name="Picture 2">
+            <a:extLst>
+              <a:ext uri="{FF2B5EF4-FFF2-40B4-BE49-F238E27FC236}">
+                <a16:creationId xmlns:a16="http://schemas.microsoft.com/office/drawing/2014/main" id="{EDAF3FD9-1DD1-4884-A396-1EE91D5F747D}"/>
+              </a:ext>
+            </a:extLst>
+          </p:cNvPr>
+          <p:cNvPicPr>
+            <a:picLocks noChangeAspect="1"/>
+          </p:cNvPicPr>
+          <p:nvPr/>
+        </p:nvPicPr>
+        <p:blipFill>
+          <a:blip r:embed="rId2"/>
+          <a:stretch>
+            <a:fillRect/>
+          </a:stretch>
+        </p:blipFill>
+        <p:spPr>
+          <a:xfrm>
+            <a:off x="551384" y="906995"/>
+            <a:ext cx="10931344" cy="5546341"/>
+          </a:xfrm>
+          <a:prstGeom prst="rect">
+            <a:avLst/>
+          </a:prstGeom>
+        </p:spPr>
+      </p:pic>
+    </p:spTree>
+    <p:extLst>
+      <p:ext uri="{BB962C8B-B14F-4D97-AF65-F5344CB8AC3E}">
+        <p14:creationId xmlns:p14="http://schemas.microsoft.com/office/powerpoint/2010/main" val="2112031513"/>
+      </p:ext>
+    </p:extLst>
+  </p:cSld>
+  <p:clrMapOvr>
+    <a:masterClrMapping/>
+  </p:clrMapOvr>
+</p:sld>
+</file>
+
+<file path=ppt/slides/slide13.xml><?xml version="1.0" encoding="utf-8"?>
+<p:sld xmlns:a="http://schemas.openxmlformats.org/drawingml/2006/main" xmlns:r="http://schemas.openxmlformats.org/officeDocument/2006/relationships" xmlns:p="http://schemas.openxmlformats.org/presentationml/2006/main">
+  <p:cSld>
+    <p:spTree>
+      <p:nvGrpSpPr>
+        <p:cNvPr id="1" name=""/>
+        <p:cNvGrpSpPr/>
+        <p:nvPr/>
+      </p:nvGrpSpPr>
+      <p:grpSpPr>
+        <a:xfrm>
+          <a:off x="0" y="0"/>
+          <a:ext cx="0" cy="0"/>
+          <a:chOff x="0" y="0"/>
+          <a:chExt cx="0" cy="0"/>
+        </a:xfrm>
+      </p:grpSpPr>
+      <p:sp>
+        <p:nvSpPr>
+          <p:cNvPr id="2" name="Title 1">
+            <a:extLst>
+              <a:ext uri="{FF2B5EF4-FFF2-40B4-BE49-F238E27FC236}">
+                <a16:creationId xmlns:a16="http://schemas.microsoft.com/office/drawing/2014/main" id="{1743C244-29DB-4467-8119-97FEE9B69BF8}"/>
+              </a:ext>
+            </a:extLst>
+          </p:cNvPr>
+          <p:cNvSpPr>
+            <a:spLocks noGrp="1"/>
+          </p:cNvSpPr>
+          <p:nvPr>
+            <p:ph type="title"/>
+          </p:nvPr>
+        </p:nvSpPr>
+        <p:spPr>
+          <a:xfrm>
+            <a:off x="550200" y="188640"/>
+            <a:ext cx="11091600" cy="916260"/>
+          </a:xfrm>
+        </p:spPr>
+        <p:txBody>
+          <a:bodyPr/>
+          <a:lstStyle/>
+          <a:p>
+            <a:r>
+              <a:rPr lang="nl-NL" dirty="0" err="1"/>
+              <a:t>Azure</a:t>
+            </a:r>
+            <a:r>
+              <a:rPr lang="nl-NL" dirty="0"/>
+              <a:t> </a:t>
+            </a:r>
+            <a:r>
+              <a:rPr lang="nl-NL" dirty="0" err="1"/>
+              <a:t>FunctionApp</a:t>
+            </a:r>
+            <a:r>
+              <a:rPr lang="nl-NL" dirty="0"/>
+              <a:t> </a:t>
+            </a:r>
+            <a:r>
+              <a:rPr lang="nl-NL" dirty="0" err="1"/>
+              <a:t>Config</a:t>
+            </a:r>
+            <a:endParaRPr lang="nl-NL" dirty="0"/>
+          </a:p>
+        </p:txBody>
+      </p:sp>
+      <p:sp>
+        <p:nvSpPr>
+          <p:cNvPr id="3" name="Text Placeholder 2">
+            <a:extLst>
+              <a:ext uri="{FF2B5EF4-FFF2-40B4-BE49-F238E27FC236}">
+                <a16:creationId xmlns:a16="http://schemas.microsoft.com/office/drawing/2014/main" id="{EA876439-BCAC-44D3-A4D7-2E31ED9B91C2}"/>
+              </a:ext>
+            </a:extLst>
+          </p:cNvPr>
+          <p:cNvSpPr>
+            <a:spLocks noGrp="1"/>
+          </p:cNvSpPr>
+          <p:nvPr>
+            <p:ph type="body" sz="quarter" idx="10"/>
+          </p:nvPr>
+        </p:nvSpPr>
+        <p:spPr>
+          <a:xfrm>
+            <a:off x="550200" y="1104900"/>
+            <a:ext cx="11091600" cy="1369005"/>
+          </a:xfrm>
+        </p:spPr>
+        <p:txBody>
+          <a:bodyPr>
+            <a:normAutofit lnSpcReduction="10000"/>
+          </a:bodyPr>
+          <a:lstStyle/>
+          <a:p>
+            <a:endParaRPr lang="nl-NL" dirty="0"/>
+          </a:p>
+          <a:p>
+            <a:pPr marL="342900" indent="-342900">
+              <a:buFont typeface="Arial" panose="020B0604020202020204" pitchFamily="34" charset="0"/>
+              <a:buChar char="•"/>
+            </a:pPr>
+            <a:r>
+              <a:rPr lang="nl-NL" dirty="0" err="1"/>
+              <a:t>Compiled</a:t>
+            </a:r>
+            <a:r>
+              <a:rPr lang="nl-NL" dirty="0"/>
+              <a:t> Code – </a:t>
+            </a:r>
+            <a:r>
+              <a:rPr lang="nl-NL" dirty="0" err="1"/>
+              <a:t>Config</a:t>
+            </a:r>
+            <a:r>
+              <a:rPr lang="nl-NL" dirty="0"/>
+              <a:t> file </a:t>
+            </a:r>
+            <a:r>
+              <a:rPr lang="en-GB" dirty="0"/>
+              <a:t>generated</a:t>
+            </a:r>
+            <a:r>
+              <a:rPr lang="nl-NL" dirty="0"/>
+              <a:t> </a:t>
+            </a:r>
+            <a:r>
+              <a:rPr lang="nl-NL" dirty="0" err="1"/>
+              <a:t>from</a:t>
+            </a:r>
+            <a:r>
+              <a:rPr lang="nl-NL" dirty="0"/>
+              <a:t> </a:t>
+            </a:r>
+            <a:r>
+              <a:rPr lang="nl-NL" dirty="0" err="1"/>
+              <a:t>Annotations</a:t>
+            </a:r>
+            <a:endParaRPr lang="nl-NL" dirty="0"/>
+          </a:p>
+          <a:p>
+            <a:pPr marL="342900" indent="-342900">
+              <a:buFont typeface="Arial" panose="020B0604020202020204" pitchFamily="34" charset="0"/>
+              <a:buChar char="•"/>
+            </a:pPr>
+            <a:endParaRPr lang="nl-NL" dirty="0"/>
+          </a:p>
+          <a:p>
+            <a:pPr marL="342900" indent="-342900">
+              <a:buFont typeface="Arial" panose="020B0604020202020204" pitchFamily="34" charset="0"/>
+              <a:buChar char="•"/>
+            </a:pPr>
+            <a:r>
+              <a:rPr lang="en-GB" dirty="0"/>
+              <a:t>Scripted Code – Config file should be included</a:t>
+            </a:r>
+          </a:p>
+          <a:p>
+            <a:endParaRPr lang="en-GB" dirty="0"/>
+          </a:p>
+          <a:p>
+            <a:endParaRPr lang="nl-NL" dirty="0"/>
+          </a:p>
+          <a:p>
+            <a:endParaRPr lang="en-GB" dirty="0"/>
+          </a:p>
+        </p:txBody>
+      </p:sp>
+      <p:sp>
+        <p:nvSpPr>
+          <p:cNvPr id="5" name="Text Placeholder 4">
+            <a:extLst>
+              <a:ext uri="{FF2B5EF4-FFF2-40B4-BE49-F238E27FC236}">
+                <a16:creationId xmlns:a16="http://schemas.microsoft.com/office/drawing/2014/main" id="{4F81F1C4-9E4D-465A-8309-03D3513D03B4}"/>
+              </a:ext>
+            </a:extLst>
+          </p:cNvPr>
+          <p:cNvSpPr txBox="1">
+            <a:spLocks/>
+          </p:cNvSpPr>
+          <p:nvPr/>
+        </p:nvSpPr>
+        <p:spPr>
+          <a:xfrm>
+            <a:off x="550200" y="2867245"/>
+            <a:ext cx="10658368" cy="3658099"/>
+          </a:xfrm>
+          <a:prstGeom prst="rect">
+            <a:avLst/>
+          </a:prstGeom>
+        </p:spPr>
+        <p:txBody>
+          <a:bodyPr vert="horz" lIns="0" tIns="0" rIns="0" bIns="0" numCol="1" rtlCol="0">
+            <a:normAutofit fontScale="70000" lnSpcReduction="20000"/>
+          </a:bodyPr>
+          <a:lstStyle>
+            <a:lvl1pPr marL="0" indent="0" algn="l" defTabSz="914400" rtl="0" eaLnBrk="1" latinLnBrk="0" hangingPunct="1">
+              <a:lnSpc>
+                <a:spcPct val="100000"/>
+              </a:lnSpc>
+              <a:spcBef>
+                <a:spcPts val="600"/>
+              </a:spcBef>
+              <a:buFont typeface="Arial" panose="020B0604020202020204" pitchFamily="34" charset="0"/>
+              <a:buNone/>
+              <a:defRPr sz="2000" kern="1200">
+                <a:solidFill>
+                  <a:schemeClr val="tx1"/>
+                </a:solidFill>
+                <a:latin typeface="+mj-lt"/>
+                <a:ea typeface="+mn-ea"/>
+                <a:cs typeface="+mn-cs"/>
+              </a:defRPr>
+            </a:lvl1pPr>
+            <a:lvl2pPr marL="273050" indent="-273050" algn="l" defTabSz="914400" rtl="0" eaLnBrk="1" latinLnBrk="0" hangingPunct="1">
+              <a:lnSpc>
+                <a:spcPct val="100000"/>
+              </a:lnSpc>
+              <a:spcBef>
+                <a:spcPts val="600"/>
+              </a:spcBef>
+              <a:buClr>
+                <a:schemeClr val="accent1"/>
+              </a:buClr>
+              <a:buFont typeface="Wingdings" panose="05000000000000000000" pitchFamily="2" charset="2"/>
+              <a:buChar char="§"/>
+              <a:defRPr sz="1800" kern="1200">
+                <a:solidFill>
+                  <a:schemeClr val="tx1"/>
+                </a:solidFill>
+                <a:latin typeface="+mj-lt"/>
+                <a:ea typeface="+mn-ea"/>
+                <a:cs typeface="+mn-cs"/>
+              </a:defRPr>
+            </a:lvl2pPr>
+            <a:lvl3pPr marL="531813" indent="-258763" algn="l" defTabSz="914400" rtl="0" eaLnBrk="1" latinLnBrk="0" hangingPunct="1">
+              <a:lnSpc>
+                <a:spcPct val="100000"/>
+              </a:lnSpc>
+              <a:spcBef>
+                <a:spcPts val="600"/>
+              </a:spcBef>
+              <a:buClr>
+                <a:schemeClr val="accent1"/>
+              </a:buClr>
+              <a:buFont typeface="Arial" panose="020B0604020202020204" pitchFamily="34" charset="0"/>
+              <a:buChar char="•"/>
+              <a:defRPr sz="1600" kern="1200">
+                <a:solidFill>
+                  <a:schemeClr val="tx1"/>
+                </a:solidFill>
+                <a:latin typeface="+mj-lt"/>
+                <a:ea typeface="+mn-ea"/>
+                <a:cs typeface="+mn-cs"/>
+              </a:defRPr>
+            </a:lvl3pPr>
+            <a:lvl4pPr marL="723900" indent="-192088" algn="l" defTabSz="914400" rtl="0" eaLnBrk="1" latinLnBrk="0" hangingPunct="1">
+              <a:lnSpc>
+                <a:spcPct val="100000"/>
+              </a:lnSpc>
+              <a:spcBef>
+                <a:spcPts val="600"/>
+              </a:spcBef>
+              <a:buClr>
+                <a:schemeClr val="accent1"/>
+              </a:buClr>
+              <a:buFont typeface="Verdana" panose="020B0604030504040204" pitchFamily="34" charset="0"/>
+              <a:buChar char="‒"/>
+              <a:defRPr sz="1400" kern="1200">
+                <a:solidFill>
+                  <a:schemeClr val="tx1"/>
+                </a:solidFill>
+                <a:latin typeface="+mj-lt"/>
+                <a:ea typeface="+mn-ea"/>
+                <a:cs typeface="+mn-cs"/>
+              </a:defRPr>
+            </a:lvl4pPr>
+            <a:lvl5pPr marL="812800" indent="-190500" algn="l" defTabSz="914400" rtl="0" eaLnBrk="1" latinLnBrk="0" hangingPunct="1">
+              <a:lnSpc>
+                <a:spcPct val="100000"/>
+              </a:lnSpc>
+              <a:spcBef>
+                <a:spcPts val="600"/>
+              </a:spcBef>
+              <a:buClr>
+                <a:schemeClr val="accent5"/>
+              </a:buClr>
+              <a:buFont typeface="Arial" panose="020B0604020202020204" pitchFamily="34" charset="0"/>
+              <a:buChar char="•"/>
+              <a:defRPr sz="1600" kern="1200">
+                <a:solidFill>
+                  <a:schemeClr val="tx1"/>
+                </a:solidFill>
+                <a:latin typeface="+mj-lt"/>
+                <a:ea typeface="+mn-ea"/>
+                <a:cs typeface="+mn-cs"/>
+              </a:defRPr>
+            </a:lvl5pPr>
+            <a:lvl6pPr marL="2514600" indent="-228600" algn="l" defTabSz="914400" rtl="0" eaLnBrk="1" latinLnBrk="0" hangingPunct="1">
+              <a:lnSpc>
+                <a:spcPct val="90000"/>
+              </a:lnSpc>
+              <a:spcBef>
+                <a:spcPts val="500"/>
+              </a:spcBef>
+              <a:buFont typeface="Arial" panose="020B0604020202020204" pitchFamily="34" charset="0"/>
+              <a:buChar char="•"/>
+              <a:defRPr sz="1800" kern="1200">
+                <a:solidFill>
+                  <a:schemeClr val="tx1"/>
+                </a:solidFill>
+                <a:latin typeface="+mn-lt"/>
+                <a:ea typeface="+mn-ea"/>
+                <a:cs typeface="+mn-cs"/>
+              </a:defRPr>
+            </a:lvl6pPr>
+            <a:lvl7pPr marL="2971800" indent="-228600" algn="l" defTabSz="914400" rtl="0" eaLnBrk="1" latinLnBrk="0" hangingPunct="1">
+              <a:lnSpc>
+                <a:spcPct val="90000"/>
+              </a:lnSpc>
+              <a:spcBef>
+                <a:spcPts val="500"/>
+              </a:spcBef>
+              <a:buFont typeface="Arial" panose="020B0604020202020204" pitchFamily="34" charset="0"/>
+              <a:buChar char="•"/>
+              <a:defRPr sz="1800" kern="1200">
+                <a:solidFill>
+                  <a:schemeClr val="tx1"/>
+                </a:solidFill>
+                <a:latin typeface="+mn-lt"/>
+                <a:ea typeface="+mn-ea"/>
+                <a:cs typeface="+mn-cs"/>
+              </a:defRPr>
+            </a:lvl7pPr>
+            <a:lvl8pPr marL="3429000" indent="-228600" algn="l" defTabSz="914400" rtl="0" eaLnBrk="1" latinLnBrk="0" hangingPunct="1">
+              <a:lnSpc>
+                <a:spcPct val="90000"/>
+              </a:lnSpc>
+              <a:spcBef>
+                <a:spcPts val="500"/>
+              </a:spcBef>
+              <a:buFont typeface="Arial" panose="020B0604020202020204" pitchFamily="34" charset="0"/>
+              <a:buChar char="•"/>
+              <a:defRPr sz="1800" kern="1200">
+                <a:solidFill>
+                  <a:schemeClr val="tx1"/>
+                </a:solidFill>
+                <a:latin typeface="+mn-lt"/>
+                <a:ea typeface="+mn-ea"/>
+                <a:cs typeface="+mn-cs"/>
+              </a:defRPr>
+            </a:lvl8pPr>
+            <a:lvl9pPr marL="3886200" indent="-228600" algn="l" defTabSz="914400" rtl="0" eaLnBrk="1" latinLnBrk="0" hangingPunct="1">
+              <a:lnSpc>
+                <a:spcPct val="90000"/>
+              </a:lnSpc>
+              <a:spcBef>
+                <a:spcPts val="500"/>
+              </a:spcBef>
+              <a:buFont typeface="Arial" panose="020B0604020202020204" pitchFamily="34" charset="0"/>
+              <a:buChar char="•"/>
+              <a:defRPr sz="1800" kern="1200">
+                <a:solidFill>
+                  <a:schemeClr val="tx1"/>
+                </a:solidFill>
+                <a:latin typeface="+mn-lt"/>
+                <a:ea typeface="+mn-ea"/>
+                <a:cs typeface="+mn-cs"/>
+              </a:defRPr>
+            </a:lvl9pPr>
+          </a:lstStyle>
+          <a:p>
+            <a:r>
+              <a:rPr lang="nl-NL" b="1" u="sng" dirty="0" err="1"/>
+              <a:t>function.json</a:t>
+            </a:r>
+            <a:endParaRPr lang="nl-NL" b="1" u="sng" dirty="0"/>
+          </a:p>
+          <a:p>
+            <a:r>
+              <a:rPr lang="en-US" dirty="0"/>
+              <a:t>{</a:t>
+            </a:r>
+          </a:p>
+          <a:p>
+            <a:r>
+              <a:rPr lang="en-US" dirty="0"/>
+              <a:t>    "</a:t>
+            </a:r>
+            <a:r>
+              <a:rPr lang="en-US" dirty="0" err="1"/>
+              <a:t>disabled":false</a:t>
+            </a:r>
+            <a:r>
+              <a:rPr lang="en-US" dirty="0"/>
+              <a:t>,</a:t>
+            </a:r>
+          </a:p>
+          <a:p>
+            <a:r>
+              <a:rPr lang="en-US" dirty="0"/>
+              <a:t>    "bindings":[</a:t>
+            </a:r>
+          </a:p>
+          <a:p>
+            <a:r>
+              <a:rPr lang="en-US" dirty="0"/>
+              <a:t>        // ... bindings here</a:t>
+            </a:r>
+          </a:p>
+          <a:p>
+            <a:r>
+              <a:rPr lang="en-US" dirty="0"/>
+              <a:t>        {</a:t>
+            </a:r>
+          </a:p>
+          <a:p>
+            <a:r>
+              <a:rPr lang="en-US" dirty="0"/>
+              <a:t>            “datatype": “string", //stream, binary(</a:t>
+            </a:r>
+            <a:r>
+              <a:rPr lang="en-US" dirty="0" err="1"/>
+              <a:t>javascript</a:t>
+            </a:r>
+            <a:r>
+              <a:rPr lang="en-US" dirty="0"/>
+              <a:t>)            </a:t>
+            </a:r>
+          </a:p>
+          <a:p>
+            <a:r>
+              <a:rPr lang="en-US" dirty="0"/>
+              <a:t>            "type": "</a:t>
+            </a:r>
+            <a:r>
+              <a:rPr lang="en-US" dirty="0" err="1"/>
+              <a:t>bindingType</a:t>
+            </a:r>
+            <a:r>
+              <a:rPr lang="en-US" dirty="0"/>
+              <a:t>", //</a:t>
+            </a:r>
+            <a:r>
+              <a:rPr lang="en-US" dirty="0" err="1"/>
+              <a:t>timetrigger</a:t>
+            </a:r>
+            <a:r>
+              <a:rPr lang="en-US" dirty="0"/>
+              <a:t>, </a:t>
+            </a:r>
+            <a:r>
+              <a:rPr lang="en-US" dirty="0" err="1"/>
+              <a:t>queuetrigger</a:t>
+            </a:r>
+            <a:r>
+              <a:rPr lang="en-US" dirty="0"/>
+              <a:t>, </a:t>
+            </a:r>
+            <a:r>
+              <a:rPr lang="en-US" dirty="0" err="1"/>
+              <a:t>eventhubtrigger</a:t>
+            </a:r>
+            <a:r>
+              <a:rPr lang="en-US" dirty="0"/>
+              <a:t>, </a:t>
+            </a:r>
+            <a:r>
+              <a:rPr lang="en-US" dirty="0" err="1"/>
+              <a:t>etc</a:t>
+            </a:r>
+            <a:endParaRPr lang="en-US" dirty="0"/>
+          </a:p>
+          <a:p>
+            <a:r>
+              <a:rPr lang="en-US" dirty="0"/>
+              <a:t>            "direction": "in", // out, </a:t>
+            </a:r>
+            <a:r>
+              <a:rPr lang="en-US" dirty="0" err="1"/>
+              <a:t>inout</a:t>
+            </a:r>
+            <a:r>
+              <a:rPr lang="en-US" dirty="0"/>
+              <a:t> </a:t>
+            </a:r>
+            <a:r>
+              <a:rPr lang="en-US" dirty="0">
+                <a:highlight>
+                  <a:srgbClr val="FFFF00"/>
+                </a:highlight>
+              </a:rPr>
+              <a:t>(not all bindings support </a:t>
+            </a:r>
+            <a:r>
+              <a:rPr lang="en-US" dirty="0" err="1">
+                <a:highlight>
+                  <a:srgbClr val="FFFF00"/>
+                </a:highlight>
+              </a:rPr>
+              <a:t>inout</a:t>
+            </a:r>
+            <a:r>
+              <a:rPr lang="en-US" dirty="0">
+                <a:highlight>
+                  <a:srgbClr val="FFFF00"/>
+                </a:highlight>
+              </a:rPr>
+              <a:t>)</a:t>
+            </a:r>
+          </a:p>
+          <a:p>
+            <a:r>
+              <a:rPr lang="en-US" dirty="0"/>
+              <a:t>            "name": "</a:t>
+            </a:r>
+            <a:r>
+              <a:rPr lang="en-US" dirty="0" err="1"/>
+              <a:t>myParamName</a:t>
+            </a:r>
+            <a:r>
+              <a:rPr lang="en-US" dirty="0"/>
+              <a:t>", // C#: Argument name, JS: </a:t>
+            </a:r>
+            <a:r>
+              <a:rPr lang="en-US" dirty="0" err="1"/>
+              <a:t>KeyValue</a:t>
+            </a:r>
+            <a:r>
+              <a:rPr lang="en-US" dirty="0"/>
+              <a:t> list</a:t>
+            </a:r>
+          </a:p>
+          <a:p>
+            <a:r>
+              <a:rPr lang="en-US" dirty="0"/>
+              <a:t>            // ... more depending on binding</a:t>
+            </a:r>
+          </a:p>
+          <a:p>
+            <a:r>
+              <a:rPr lang="en-US" dirty="0"/>
+              <a:t>        }</a:t>
+            </a:r>
+          </a:p>
+          <a:p>
+            <a:r>
+              <a:rPr lang="en-US" dirty="0"/>
+              <a:t>    ]</a:t>
+            </a:r>
+          </a:p>
+          <a:p>
+            <a:r>
+              <a:rPr lang="en-US" dirty="0"/>
+              <a:t>}</a:t>
+            </a:r>
+            <a:endParaRPr lang="nl-NL" dirty="0"/>
+          </a:p>
+        </p:txBody>
+      </p:sp>
+    </p:spTree>
+    <p:extLst>
+      <p:ext uri="{BB962C8B-B14F-4D97-AF65-F5344CB8AC3E}">
+        <p14:creationId xmlns:p14="http://schemas.microsoft.com/office/powerpoint/2010/main" val="1821772317"/>
+      </p:ext>
+    </p:extLst>
+  </p:cSld>
+  <p:clrMapOvr>
+    <a:masterClrMapping/>
+  </p:clrMapOvr>
+</p:sld>
+</file>
+
+<file path=ppt/slides/slide14.xml><?xml version="1.0" encoding="utf-8"?>
+<p:sld xmlns:a="http://schemas.openxmlformats.org/drawingml/2006/main" xmlns:r="http://schemas.openxmlformats.org/officeDocument/2006/relationships" xmlns:p="http://schemas.openxmlformats.org/presentationml/2006/main">
+  <p:cSld>
+    <p:spTree>
+      <p:nvGrpSpPr>
+        <p:cNvPr id="1" name=""/>
+        <p:cNvGrpSpPr/>
+        <p:nvPr/>
+      </p:nvGrpSpPr>
+      <p:grpSpPr>
+        <a:xfrm>
+          <a:off x="0" y="0"/>
+          <a:ext cx="0" cy="0"/>
+          <a:chOff x="0" y="0"/>
+          <a:chExt cx="0" cy="0"/>
+        </a:xfrm>
+      </p:grpSpPr>
+      <p:sp>
+        <p:nvSpPr>
+          <p:cNvPr id="2" name="Title 1">
+            <a:extLst>
+              <a:ext uri="{FF2B5EF4-FFF2-40B4-BE49-F238E27FC236}">
+                <a16:creationId xmlns:a16="http://schemas.microsoft.com/office/drawing/2014/main" id="{1743C244-29DB-4467-8119-97FEE9B69BF8}"/>
+              </a:ext>
+            </a:extLst>
+          </p:cNvPr>
+          <p:cNvSpPr>
+            <a:spLocks noGrp="1"/>
+          </p:cNvSpPr>
+          <p:nvPr>
+            <p:ph type="title"/>
+          </p:nvPr>
+        </p:nvSpPr>
+        <p:spPr>
+          <a:xfrm>
+            <a:off x="550200" y="188640"/>
+            <a:ext cx="11091600" cy="916260"/>
+          </a:xfrm>
+        </p:spPr>
+        <p:txBody>
+          <a:bodyPr/>
+          <a:lstStyle/>
+          <a:p>
+            <a:r>
+              <a:rPr lang="nl-NL" dirty="0" err="1"/>
+              <a:t>Azure</a:t>
+            </a:r>
+            <a:r>
+              <a:rPr lang="nl-NL" dirty="0"/>
+              <a:t> </a:t>
+            </a:r>
+            <a:r>
+              <a:rPr lang="nl-NL" dirty="0" err="1"/>
+              <a:t>FunctionApp</a:t>
+            </a:r>
+            <a:r>
+              <a:rPr lang="nl-NL" dirty="0"/>
+              <a:t>: </a:t>
+            </a:r>
+            <a:r>
+              <a:rPr lang="nl-NL" dirty="0" err="1"/>
+              <a:t>Durable</a:t>
+            </a:r>
+            <a:r>
+              <a:rPr lang="nl-NL" dirty="0"/>
+              <a:t> </a:t>
+            </a:r>
+            <a:r>
+              <a:rPr lang="nl-NL" dirty="0" err="1"/>
+              <a:t>Function</a:t>
+            </a:r>
+            <a:endParaRPr lang="nl-NL" dirty="0"/>
+          </a:p>
+        </p:txBody>
+      </p:sp>
+      <p:sp>
+        <p:nvSpPr>
+          <p:cNvPr id="3" name="Text Placeholder 2">
+            <a:extLst>
+              <a:ext uri="{FF2B5EF4-FFF2-40B4-BE49-F238E27FC236}">
+                <a16:creationId xmlns:a16="http://schemas.microsoft.com/office/drawing/2014/main" id="{EA876439-BCAC-44D3-A4D7-2E31ED9B91C2}"/>
+              </a:ext>
+            </a:extLst>
+          </p:cNvPr>
+          <p:cNvSpPr>
+            <a:spLocks noGrp="1"/>
+          </p:cNvSpPr>
+          <p:nvPr>
+            <p:ph type="body" sz="quarter" idx="10"/>
+          </p:nvPr>
+        </p:nvSpPr>
+        <p:spPr>
+          <a:xfrm>
+            <a:off x="550200" y="1340768"/>
+            <a:ext cx="11091600" cy="1369005"/>
+          </a:xfrm>
+        </p:spPr>
+        <p:txBody>
+          <a:bodyPr>
+            <a:normAutofit/>
+          </a:bodyPr>
+          <a:lstStyle/>
+          <a:p>
+            <a:r>
+              <a:rPr lang="en-US" i="1" dirty="0">
+                <a:solidFill>
+                  <a:srgbClr val="000000"/>
+                </a:solidFill>
+                <a:latin typeface="Segoe UI" panose="020B0502040204020203" pitchFamily="34" charset="0"/>
+              </a:rPr>
+              <a:t>Durable Functions</a:t>
+            </a:r>
+            <a:r>
+              <a:rPr lang="en-US" dirty="0">
+                <a:solidFill>
+                  <a:srgbClr val="000000"/>
+                </a:solidFill>
+                <a:latin typeface="Segoe UI" panose="020B0502040204020203" pitchFamily="34" charset="0"/>
+              </a:rPr>
+              <a:t> is an extension of </a:t>
+            </a:r>
+            <a:r>
+              <a:rPr lang="en-US" u="sng" dirty="0">
+                <a:latin typeface="Segoe UI" panose="020B0502040204020203" pitchFamily="34" charset="0"/>
+                <a:hlinkClick r:id="rId3"/>
+              </a:rPr>
               <a:t>Azure Functions</a:t>
+            </a:r>
+            <a:r>
+              <a:rPr lang="en-US" dirty="0">
+                <a:solidFill>
+                  <a:srgbClr val="000000"/>
+                </a:solidFill>
+                <a:latin typeface="Segoe UI" panose="020B0502040204020203" pitchFamily="34" charset="0"/>
+              </a:rPr>
+              <a:t> that lets you write stateful functions in a serverless environment. The extension manages state, checkpoints, and restarts for you.</a:t>
+            </a:r>
+            <a:endParaRPr lang="en-GB" dirty="0"/>
+          </a:p>
+          <a:p>
+            <a:endParaRPr lang="nl-NL" dirty="0"/>
+          </a:p>
+          <a:p>
+            <a:endParaRPr lang="en-GB" dirty="0"/>
+          </a:p>
+        </p:txBody>
+      </p:sp>
+    </p:spTree>
+    <p:extLst>
+      <p:ext uri="{BB962C8B-B14F-4D97-AF65-F5344CB8AC3E}">
+        <p14:creationId xmlns:p14="http://schemas.microsoft.com/office/powerpoint/2010/main" val="2605739967"/>
+      </p:ext>
+    </p:extLst>
+  </p:cSld>
+  <p:clrMapOvr>
+    <a:masterClrMapping/>
+  </p:clrMapOvr>
+</p:sld>
+</file>
+
+<file path=ppt/slides/slide15.xml><?xml version="1.0" encoding="utf-8"?>
+<p:sld xmlns:a="http://schemas.openxmlformats.org/drawingml/2006/main" xmlns:r="http://schemas.openxmlformats.org/officeDocument/2006/relationships" xmlns:p="http://schemas.openxmlformats.org/presentationml/2006/main">
+  <p:cSld>
+    <p:spTree>
+      <p:nvGrpSpPr>
+        <p:cNvPr id="1" name=""/>
+        <p:cNvGrpSpPr/>
+        <p:nvPr/>
+      </p:nvGrpSpPr>
+      <p:grpSpPr>
+        <a:xfrm>
+          <a:off x="0" y="0"/>
+          <a:ext cx="0" cy="0"/>
+          <a:chOff x="0" y="0"/>
+          <a:chExt cx="0" cy="0"/>
+        </a:xfrm>
+      </p:grpSpPr>
+      <p:sp>
+        <p:nvSpPr>
+          <p:cNvPr id="2" name="Title 1">
+            <a:extLst>
+              <a:ext uri="{FF2B5EF4-FFF2-40B4-BE49-F238E27FC236}">
+                <a16:creationId xmlns:a16="http://schemas.microsoft.com/office/drawing/2014/main" id="{1743C244-29DB-4467-8119-97FEE9B69BF8}"/>
+              </a:ext>
+            </a:extLst>
+          </p:cNvPr>
+          <p:cNvSpPr>
+            <a:spLocks noGrp="1"/>
+          </p:cNvSpPr>
+          <p:nvPr>
+            <p:ph type="title"/>
+          </p:nvPr>
+        </p:nvSpPr>
+        <p:spPr>
+          <a:xfrm>
+            <a:off x="550200" y="188640"/>
+            <a:ext cx="11091600" cy="916260"/>
+          </a:xfrm>
+        </p:spPr>
+        <p:txBody>
+          <a:bodyPr/>
+          <a:lstStyle/>
+          <a:p>
+            <a:r>
+              <a:rPr lang="nl-NL" dirty="0" err="1">
+                <a:solidFill>
+                  <a:schemeClr val="tx1"/>
+                </a:solidFill>
+              </a:rPr>
+              <a:t>Stay</a:t>
+            </a:r>
+            <a:r>
+              <a:rPr lang="nl-NL" dirty="0">
+                <a:solidFill>
+                  <a:schemeClr val="tx1"/>
+                </a:solidFill>
+              </a:rPr>
+              <a:t> in </a:t>
+            </a:r>
+            <a:r>
+              <a:rPr lang="nl-NL" dirty="0" err="1">
+                <a:solidFill>
+                  <a:schemeClr val="tx1"/>
+                </a:solidFill>
+              </a:rPr>
+              <a:t>touch</a:t>
+            </a:r>
+            <a:endParaRPr lang="nl-NL" dirty="0">
+              <a:solidFill>
+                <a:schemeClr val="tx1"/>
+              </a:solidFill>
+            </a:endParaRPr>
+          </a:p>
+        </p:txBody>
+      </p:sp>
+      <p:sp>
+        <p:nvSpPr>
+          <p:cNvPr id="5" name="Text Placeholder 4">
+            <a:extLst>
+              <a:ext uri="{FF2B5EF4-FFF2-40B4-BE49-F238E27FC236}">
+                <a16:creationId xmlns:a16="http://schemas.microsoft.com/office/drawing/2014/main" id="{6C31FCA8-3E4F-4EB0-A151-BFFF060CC02B}"/>
+              </a:ext>
+            </a:extLst>
+          </p:cNvPr>
+          <p:cNvSpPr>
+            <a:spLocks noGrp="1"/>
+          </p:cNvSpPr>
+          <p:nvPr>
+            <p:ph type="body" sz="quarter" idx="10"/>
+          </p:nvPr>
+        </p:nvSpPr>
+        <p:spPr>
+          <a:xfrm>
+            <a:off x="550200" y="4149080"/>
+            <a:ext cx="6795800" cy="2346833"/>
+          </a:xfrm>
+        </p:spPr>
+        <p:txBody>
+          <a:bodyPr>
+            <a:normAutofit/>
+          </a:bodyPr>
+          <a:lstStyle/>
+          <a:p>
+            <a:r>
+              <a:rPr lang="en-US" dirty="0"/>
+              <a:t>Koushik Aravalli</a:t>
+            </a:r>
+          </a:p>
+          <a:p>
+            <a:endParaRPr lang="en-US" dirty="0">
+              <a:solidFill>
+                <a:srgbClr val="00B0F0"/>
+              </a:solidFill>
+            </a:endParaRPr>
+          </a:p>
+          <a:p>
+            <a:r>
+              <a:rPr lang="en-US" dirty="0">
+                <a:solidFill>
+                  <a:srgbClr val="00B0F0"/>
+                </a:solidFill>
+              </a:rPr>
+              <a:t>Application Developer, DevOps Engineer, </a:t>
+            </a:r>
+          </a:p>
+          <a:p>
+            <a:endParaRPr lang="en-US" dirty="0">
+              <a:solidFill>
+                <a:srgbClr val="00B0F0"/>
+              </a:solidFill>
+            </a:endParaRPr>
+          </a:p>
+          <a:p>
+            <a:r>
+              <a:rPr lang="en-US" dirty="0">
+                <a:solidFill>
+                  <a:srgbClr val="00B0F0"/>
+                </a:solidFill>
+              </a:rPr>
+              <a:t>Twitter: @</a:t>
+            </a:r>
+            <a:r>
+              <a:rPr lang="en-US" dirty="0" err="1">
+                <a:solidFill>
+                  <a:srgbClr val="00B0F0"/>
+                </a:solidFill>
+              </a:rPr>
+              <a:t>koushikaravalli</a:t>
+            </a:r>
+            <a:endParaRPr lang="en-US" dirty="0">
+              <a:solidFill>
+                <a:srgbClr val="00B0F0"/>
+              </a:solidFill>
+            </a:endParaRPr>
+          </a:p>
+          <a:p>
+            <a:r>
+              <a:rPr lang="nl-NL" dirty="0">
+                <a:solidFill>
+                  <a:srgbClr val="00B0F0"/>
+                </a:solidFill>
+              </a:rPr>
+              <a:t>LinkedIn: https://nl.linkedin.com/in/koushik-aravalli</a:t>
             </a:r>
           </a:p>
         </p:txBody>
@@ -26715,7 +26948,7 @@
     </p:spTree>
     <p:extLst>
       <p:ext uri="{BB962C8B-B14F-4D97-AF65-F5344CB8AC3E}">
-        <p14:creationId xmlns:p14="http://schemas.microsoft.com/office/powerpoint/2010/main" val="1455601413"/>
+        <p14:creationId xmlns:p14="http://schemas.microsoft.com/office/powerpoint/2010/main" val="1523095223"/>
       </p:ext>
     </p:extLst>
   </p:cSld>
@@ -26759,7 +26992,11 @@
           <a:p>
             <a:r>
               <a:rPr lang="en-US" dirty="0"/>
-              <a:t>Azure Function</a:t>
+              <a:t>Azure </a:t>
+            </a:r>
+            <a:r>
+              <a:rPr lang="en-US" dirty="0" err="1"/>
+              <a:t>FunctionApp</a:t>
             </a:r>
             <a:endParaRPr lang="en-GB" dirty="0"/>
           </a:p>
@@ -27506,7 +27743,2235 @@
           <a:p>
             <a:r>
               <a:rPr lang="en-US" dirty="0"/>
-              <a:t>Azure Function</a:t>
+              <a:t>Azure </a:t>
+            </a:r>
+            <a:r>
+              <a:rPr lang="en-US" dirty="0" err="1"/>
+              <a:t>FunctionApp</a:t>
+            </a:r>
+            <a:endParaRPr lang="en-GB" dirty="0"/>
+          </a:p>
+        </p:txBody>
+      </p:sp>
+      <p:sp>
+        <p:nvSpPr>
+          <p:cNvPr id="5" name="Text Placeholder 4"/>
+          <p:cNvSpPr>
+            <a:spLocks noGrp="1"/>
+          </p:cNvSpPr>
+          <p:nvPr>
+            <p:ph type="body" sz="quarter" idx="10"/>
+          </p:nvPr>
+        </p:nvSpPr>
+        <p:spPr>
+          <a:xfrm>
+            <a:off x="464839" y="1819722"/>
+            <a:ext cx="11091600" cy="3218555"/>
+          </a:xfrm>
+        </p:spPr>
+        <p:txBody>
+          <a:bodyPr/>
+          <a:lstStyle/>
+          <a:p>
+            <a:pPr marL="342900" indent="-342900">
+              <a:buFont typeface="Arial" panose="020B0604020202020204" pitchFamily="34" charset="0"/>
+              <a:buChar char="•"/>
+            </a:pPr>
+            <a:r>
+              <a:rPr lang="en-GB" dirty="0"/>
+              <a:t>Applications does not need heavy weight backend</a:t>
+            </a:r>
+          </a:p>
+          <a:p>
+            <a:pPr marL="342900" indent="-342900">
+              <a:buFont typeface="Arial" panose="020B0604020202020204" pitchFamily="34" charset="0"/>
+              <a:buChar char="•"/>
+            </a:pPr>
+            <a:endParaRPr lang="en-GB" dirty="0"/>
+          </a:p>
+          <a:p>
+            <a:pPr marL="342900" indent="-342900">
+              <a:buFont typeface="Arial" panose="020B0604020202020204" pitchFamily="34" charset="0"/>
+              <a:buChar char="•"/>
+            </a:pPr>
+            <a:r>
+              <a:rPr lang="en-GB" dirty="0"/>
+              <a:t>Large set of small size applications, which need to work together – Microservices</a:t>
+            </a:r>
+          </a:p>
+          <a:p>
+            <a:pPr marL="342900" indent="-342900">
+              <a:buFont typeface="Arial" panose="020B0604020202020204" pitchFamily="34" charset="0"/>
+              <a:buChar char="•"/>
+            </a:pPr>
+            <a:endParaRPr lang="en-GB" dirty="0"/>
+          </a:p>
+          <a:p>
+            <a:pPr marL="342900" indent="-342900">
+              <a:buFont typeface="Arial" panose="020B0604020202020204" pitchFamily="34" charset="0"/>
+              <a:buChar char="•"/>
+            </a:pPr>
+            <a:r>
+              <a:rPr lang="en-GB" dirty="0"/>
+              <a:t>Unpredictable workload on the services, scale from 1 </a:t>
+            </a:r>
+            <a:r>
+              <a:rPr lang="en-GB" dirty="0">
+                <a:sym typeface="Wingdings" panose="05000000000000000000" pitchFamily="2" charset="2"/>
+              </a:rPr>
+              <a:t> unlimited (200) </a:t>
+            </a:r>
+          </a:p>
+          <a:p>
+            <a:pPr marL="342900" indent="-342900">
+              <a:buFont typeface="Arial" panose="020B0604020202020204" pitchFamily="34" charset="0"/>
+              <a:buChar char="•"/>
+            </a:pPr>
+            <a:endParaRPr lang="en-GB" dirty="0"/>
+          </a:p>
+          <a:p>
+            <a:pPr marL="342900" indent="-342900">
+              <a:buFont typeface="Arial" panose="020B0604020202020204" pitchFamily="34" charset="0"/>
+              <a:buChar char="•"/>
+            </a:pPr>
+            <a:r>
+              <a:rPr lang="en-GB" dirty="0"/>
+              <a:t>Scaling of stateless applications is needed</a:t>
+            </a:r>
+          </a:p>
+        </p:txBody>
+      </p:sp>
+      <p:sp>
+        <p:nvSpPr>
+          <p:cNvPr id="3" name="Text Placeholder 2">
+            <a:extLst>
+              <a:ext uri="{FF2B5EF4-FFF2-40B4-BE49-F238E27FC236}">
+                <a16:creationId xmlns:a16="http://schemas.microsoft.com/office/drawing/2014/main" id="{BCC33914-B8EF-49F2-9602-33F97D1FA5C9}"/>
+              </a:ext>
+            </a:extLst>
+          </p:cNvPr>
+          <p:cNvSpPr>
+            <a:spLocks noGrp="1"/>
+          </p:cNvSpPr>
+          <p:nvPr>
+            <p:ph type="body" sz="quarter" idx="11"/>
+          </p:nvPr>
+        </p:nvSpPr>
+        <p:spPr/>
+        <p:txBody>
+          <a:bodyPr/>
+          <a:lstStyle/>
+          <a:p>
+            <a:r>
+              <a:rPr lang="en-US" dirty="0"/>
+              <a:t>Serverless Implementations patterns are seen when</a:t>
+            </a:r>
+            <a:endParaRPr lang="nl-NL" dirty="0"/>
+          </a:p>
+        </p:txBody>
+      </p:sp>
+    </p:spTree>
+    <p:extLst>
+      <p:ext uri="{BB962C8B-B14F-4D97-AF65-F5344CB8AC3E}">
+        <p14:creationId xmlns:p14="http://schemas.microsoft.com/office/powerpoint/2010/main" val="4043553288"/>
+      </p:ext>
+    </p:extLst>
+  </p:cSld>
+  <p:clrMapOvr>
+    <a:masterClrMapping/>
+  </p:clrMapOvr>
+</p:sld>
+</file>
+
+<file path=ppt/slides/slide4.xml><?xml version="1.0" encoding="utf-8"?>
+<p:sld xmlns:a="http://schemas.openxmlformats.org/drawingml/2006/main" xmlns:r="http://schemas.openxmlformats.org/officeDocument/2006/relationships" xmlns:p="http://schemas.openxmlformats.org/presentationml/2006/main">
+  <p:cSld>
+    <p:spTree>
+      <p:nvGrpSpPr>
+        <p:cNvPr id="1" name=""/>
+        <p:cNvGrpSpPr/>
+        <p:nvPr/>
+      </p:nvGrpSpPr>
+      <p:grpSpPr>
+        <a:xfrm>
+          <a:off x="0" y="0"/>
+          <a:ext cx="0" cy="0"/>
+          <a:chOff x="0" y="0"/>
+          <a:chExt cx="0" cy="0"/>
+        </a:xfrm>
+      </p:grpSpPr>
+      <p:sp>
+        <p:nvSpPr>
+          <p:cNvPr id="4" name="Title 3"/>
+          <p:cNvSpPr>
+            <a:spLocks noGrp="1"/>
+          </p:cNvSpPr>
+          <p:nvPr>
+            <p:ph type="title"/>
+          </p:nvPr>
+        </p:nvSpPr>
+        <p:spPr/>
+        <p:txBody>
+          <a:bodyPr/>
+          <a:lstStyle/>
+          <a:p>
+            <a:r>
+              <a:rPr lang="en-US" dirty="0"/>
+              <a:t>Azure </a:t>
+            </a:r>
+            <a:r>
+              <a:rPr lang="en-US" dirty="0" err="1"/>
+              <a:t>FunctionApp</a:t>
+            </a:r>
+            <a:endParaRPr lang="en-GB" dirty="0"/>
+          </a:p>
+        </p:txBody>
+      </p:sp>
+      <p:pic>
+        <p:nvPicPr>
+          <p:cNvPr id="2" name="Picture 1">
+            <a:extLst>
+              <a:ext uri="{FF2B5EF4-FFF2-40B4-BE49-F238E27FC236}">
+                <a16:creationId xmlns:a16="http://schemas.microsoft.com/office/drawing/2014/main" id="{89A9B680-7037-412B-A409-11BC33389C9B}"/>
+              </a:ext>
+            </a:extLst>
+          </p:cNvPr>
+          <p:cNvPicPr>
+            <a:picLocks noChangeAspect="1"/>
+          </p:cNvPicPr>
+          <p:nvPr/>
+        </p:nvPicPr>
+        <p:blipFill rotWithShape="1">
+          <a:blip r:embed="rId3"/>
+          <a:srcRect l="4513" t="40546" r="3341" b="15333"/>
+          <a:stretch/>
+        </p:blipFill>
+        <p:spPr>
+          <a:xfrm>
+            <a:off x="335360" y="2204864"/>
+            <a:ext cx="11521280" cy="3101556"/>
+          </a:xfrm>
+          <a:prstGeom prst="rect">
+            <a:avLst/>
+          </a:prstGeom>
+        </p:spPr>
+      </p:pic>
+      <p:sp>
+        <p:nvSpPr>
+          <p:cNvPr id="5" name="Text Placeholder 2">
+            <a:extLst>
+              <a:ext uri="{FF2B5EF4-FFF2-40B4-BE49-F238E27FC236}">
+                <a16:creationId xmlns:a16="http://schemas.microsoft.com/office/drawing/2014/main" id="{BD303544-19E0-489A-BEA0-B29877370D38}"/>
+              </a:ext>
+            </a:extLst>
+          </p:cNvPr>
+          <p:cNvSpPr txBox="1">
+            <a:spLocks/>
+          </p:cNvSpPr>
+          <p:nvPr/>
+        </p:nvSpPr>
+        <p:spPr>
+          <a:xfrm>
+            <a:off x="574007" y="1299552"/>
+            <a:ext cx="11091600" cy="504056"/>
+          </a:xfrm>
+          <a:prstGeom prst="rect">
+            <a:avLst/>
+          </a:prstGeom>
+        </p:spPr>
+        <p:txBody>
+          <a:bodyPr vert="horz" lIns="0" tIns="0" rIns="0" bIns="0" rtlCol="0">
+            <a:normAutofit/>
+          </a:bodyPr>
+          <a:lstStyle>
+            <a:lvl1pPr marL="0" indent="0" algn="l" defTabSz="914400" rtl="0" eaLnBrk="1" latinLnBrk="0" hangingPunct="1">
+              <a:lnSpc>
+                <a:spcPct val="100000"/>
+              </a:lnSpc>
+              <a:spcBef>
+                <a:spcPts val="0"/>
+              </a:spcBef>
+              <a:buFont typeface="Arial" panose="020B0604020202020204" pitchFamily="34" charset="0"/>
+              <a:buNone/>
+              <a:defRPr sz="2200" kern="1200" spc="-110" baseline="0">
+                <a:solidFill>
+                  <a:schemeClr val="accent1"/>
+                </a:solidFill>
+                <a:latin typeface="+mj-lt"/>
+                <a:ea typeface="+mn-ea"/>
+                <a:cs typeface="+mn-cs"/>
+              </a:defRPr>
+            </a:lvl1pPr>
+            <a:lvl2pPr marL="266700" indent="-177800" algn="l" defTabSz="914400" rtl="0" eaLnBrk="1" latinLnBrk="0" hangingPunct="1">
+              <a:lnSpc>
+                <a:spcPct val="100000"/>
+              </a:lnSpc>
+              <a:spcBef>
+                <a:spcPts val="600"/>
+              </a:spcBef>
+              <a:buClr>
+                <a:schemeClr val="accent1"/>
+              </a:buClr>
+              <a:buFont typeface="Wingdings" panose="05000000000000000000" pitchFamily="2" charset="2"/>
+              <a:buChar char="§"/>
+              <a:defRPr sz="1800" kern="1200">
+                <a:solidFill>
+                  <a:schemeClr val="tx1"/>
+                </a:solidFill>
+                <a:latin typeface="+mj-lt"/>
+                <a:ea typeface="+mn-ea"/>
+                <a:cs typeface="+mn-cs"/>
+              </a:defRPr>
+            </a:lvl2pPr>
+            <a:lvl3pPr marL="444500" indent="-177800" algn="l" defTabSz="914400" rtl="0" eaLnBrk="1" latinLnBrk="0" hangingPunct="1">
+              <a:lnSpc>
+                <a:spcPct val="100000"/>
+              </a:lnSpc>
+              <a:spcBef>
+                <a:spcPts val="600"/>
+              </a:spcBef>
+              <a:buClr>
+                <a:schemeClr val="accent2"/>
+              </a:buClr>
+              <a:buFont typeface="Arial" panose="020B0604020202020204" pitchFamily="34" charset="0"/>
+              <a:buChar char="•"/>
+              <a:defRPr sz="1600" kern="1200">
+                <a:solidFill>
+                  <a:schemeClr val="tx1"/>
+                </a:solidFill>
+                <a:latin typeface="+mj-lt"/>
+                <a:ea typeface="+mn-ea"/>
+                <a:cs typeface="+mn-cs"/>
+              </a:defRPr>
+            </a:lvl3pPr>
+            <a:lvl4pPr marL="622300" indent="-177800" algn="l" defTabSz="914400" rtl="0" eaLnBrk="1" latinLnBrk="0" hangingPunct="1">
+              <a:lnSpc>
+                <a:spcPct val="100000"/>
+              </a:lnSpc>
+              <a:spcBef>
+                <a:spcPts val="600"/>
+              </a:spcBef>
+              <a:buClr>
+                <a:schemeClr val="accent3"/>
+              </a:buClr>
+              <a:buFont typeface="Verdana" panose="020B0604030504040204" pitchFamily="34" charset="0"/>
+              <a:buChar char="‒"/>
+              <a:defRPr sz="1400" kern="1200">
+                <a:solidFill>
+                  <a:schemeClr val="tx1"/>
+                </a:solidFill>
+                <a:latin typeface="+mj-lt"/>
+                <a:ea typeface="+mn-ea"/>
+                <a:cs typeface="+mn-cs"/>
+              </a:defRPr>
+            </a:lvl4pPr>
+            <a:lvl5pPr marL="812800" indent="-190500" algn="l" defTabSz="914400" rtl="0" eaLnBrk="1" latinLnBrk="0" hangingPunct="1">
+              <a:lnSpc>
+                <a:spcPct val="100000"/>
+              </a:lnSpc>
+              <a:spcBef>
+                <a:spcPts val="600"/>
+              </a:spcBef>
+              <a:buClr>
+                <a:schemeClr val="accent5"/>
+              </a:buClr>
+              <a:buFont typeface="Arial" panose="020B0604020202020204" pitchFamily="34" charset="0"/>
+              <a:buChar char="•"/>
+              <a:defRPr sz="1400" kern="1200">
+                <a:solidFill>
+                  <a:schemeClr val="tx1"/>
+                </a:solidFill>
+                <a:latin typeface="+mj-lt"/>
+                <a:ea typeface="+mn-ea"/>
+                <a:cs typeface="+mn-cs"/>
+              </a:defRPr>
+            </a:lvl5pPr>
+            <a:lvl6pPr marL="2514600" indent="-228600" algn="l" defTabSz="914400" rtl="0" eaLnBrk="1" latinLnBrk="0" hangingPunct="1">
+              <a:lnSpc>
+                <a:spcPct val="90000"/>
+              </a:lnSpc>
+              <a:spcBef>
+                <a:spcPts val="500"/>
+              </a:spcBef>
+              <a:buFont typeface="Arial" panose="020B0604020202020204" pitchFamily="34" charset="0"/>
+              <a:buChar char="•"/>
+              <a:defRPr sz="1800" kern="1200">
+                <a:solidFill>
+                  <a:schemeClr val="tx1"/>
+                </a:solidFill>
+                <a:latin typeface="+mn-lt"/>
+                <a:ea typeface="+mn-ea"/>
+                <a:cs typeface="+mn-cs"/>
+              </a:defRPr>
+            </a:lvl6pPr>
+            <a:lvl7pPr marL="2971800" indent="-228600" algn="l" defTabSz="914400" rtl="0" eaLnBrk="1" latinLnBrk="0" hangingPunct="1">
+              <a:lnSpc>
+                <a:spcPct val="90000"/>
+              </a:lnSpc>
+              <a:spcBef>
+                <a:spcPts val="500"/>
+              </a:spcBef>
+              <a:buFont typeface="Arial" panose="020B0604020202020204" pitchFamily="34" charset="0"/>
+              <a:buChar char="•"/>
+              <a:defRPr sz="1800" kern="1200">
+                <a:solidFill>
+                  <a:schemeClr val="tx1"/>
+                </a:solidFill>
+                <a:latin typeface="+mn-lt"/>
+                <a:ea typeface="+mn-ea"/>
+                <a:cs typeface="+mn-cs"/>
+              </a:defRPr>
+            </a:lvl7pPr>
+            <a:lvl8pPr marL="3429000" indent="-228600" algn="l" defTabSz="914400" rtl="0" eaLnBrk="1" latinLnBrk="0" hangingPunct="1">
+              <a:lnSpc>
+                <a:spcPct val="90000"/>
+              </a:lnSpc>
+              <a:spcBef>
+                <a:spcPts val="500"/>
+              </a:spcBef>
+              <a:buFont typeface="Arial" panose="020B0604020202020204" pitchFamily="34" charset="0"/>
+              <a:buChar char="•"/>
+              <a:defRPr sz="1800" kern="1200">
+                <a:solidFill>
+                  <a:schemeClr val="tx1"/>
+                </a:solidFill>
+                <a:latin typeface="+mn-lt"/>
+                <a:ea typeface="+mn-ea"/>
+                <a:cs typeface="+mn-cs"/>
+              </a:defRPr>
+            </a:lvl8pPr>
+            <a:lvl9pPr marL="3886200" indent="-228600" algn="l" defTabSz="914400" rtl="0" eaLnBrk="1" latinLnBrk="0" hangingPunct="1">
+              <a:lnSpc>
+                <a:spcPct val="90000"/>
+              </a:lnSpc>
+              <a:spcBef>
+                <a:spcPts val="500"/>
+              </a:spcBef>
+              <a:buFont typeface="Arial" panose="020B0604020202020204" pitchFamily="34" charset="0"/>
+              <a:buChar char="•"/>
+              <a:defRPr sz="1800" kern="1200">
+                <a:solidFill>
+                  <a:schemeClr val="tx1"/>
+                </a:solidFill>
+                <a:latin typeface="+mn-lt"/>
+                <a:ea typeface="+mn-ea"/>
+                <a:cs typeface="+mn-cs"/>
+              </a:defRPr>
+            </a:lvl9pPr>
+          </a:lstStyle>
+          <a:p>
+            <a:r>
+              <a:rPr lang="en-US" sz="2800" dirty="0"/>
+              <a:t>Architecture</a:t>
+            </a:r>
+            <a:endParaRPr lang="nl-NL" sz="2800" dirty="0"/>
+          </a:p>
+        </p:txBody>
+      </p:sp>
+    </p:spTree>
+    <p:extLst>
+      <p:ext uri="{BB962C8B-B14F-4D97-AF65-F5344CB8AC3E}">
+        <p14:creationId xmlns:p14="http://schemas.microsoft.com/office/powerpoint/2010/main" val="477709460"/>
+      </p:ext>
+    </p:extLst>
+  </p:cSld>
+  <p:clrMapOvr>
+    <a:masterClrMapping/>
+  </p:clrMapOvr>
+</p:sld>
+</file>
+
+<file path=ppt/slides/slide5.xml><?xml version="1.0" encoding="utf-8"?>
+<p:sld xmlns:a="http://schemas.openxmlformats.org/drawingml/2006/main" xmlns:r="http://schemas.openxmlformats.org/officeDocument/2006/relationships" xmlns:p="http://schemas.openxmlformats.org/presentationml/2006/main">
+  <p:cSld>
+    <p:spTree>
+      <p:nvGrpSpPr>
+        <p:cNvPr id="1" name=""/>
+        <p:cNvGrpSpPr/>
+        <p:nvPr/>
+      </p:nvGrpSpPr>
+      <p:grpSpPr>
+        <a:xfrm>
+          <a:off x="0" y="0"/>
+          <a:ext cx="0" cy="0"/>
+          <a:chOff x="0" y="0"/>
+          <a:chExt cx="0" cy="0"/>
+        </a:xfrm>
+      </p:grpSpPr>
+      <p:sp>
+        <p:nvSpPr>
+          <p:cNvPr id="4" name="Title 3"/>
+          <p:cNvSpPr>
+            <a:spLocks noGrp="1"/>
+          </p:cNvSpPr>
+          <p:nvPr>
+            <p:ph type="title"/>
+          </p:nvPr>
+        </p:nvSpPr>
+        <p:spPr/>
+        <p:txBody>
+          <a:bodyPr/>
+          <a:lstStyle/>
+          <a:p>
+            <a:r>
+              <a:rPr lang="en-US" dirty="0"/>
+              <a:t>Azure </a:t>
+            </a:r>
+            <a:r>
+              <a:rPr lang="en-US" dirty="0" err="1"/>
+              <a:t>FunctionApp</a:t>
+            </a:r>
+            <a:endParaRPr lang="en-GB" dirty="0"/>
+          </a:p>
+        </p:txBody>
+      </p:sp>
+      <p:pic>
+        <p:nvPicPr>
+          <p:cNvPr id="9" name="Picture 8">
+            <a:extLst>
+              <a:ext uri="{FF2B5EF4-FFF2-40B4-BE49-F238E27FC236}">
+                <a16:creationId xmlns:a16="http://schemas.microsoft.com/office/drawing/2014/main" id="{DFEFCB20-D96D-4F3D-8EA1-D91EEEE51711}"/>
+              </a:ext>
+            </a:extLst>
+          </p:cNvPr>
+          <p:cNvPicPr>
+            <a:picLocks noChangeAspect="1"/>
+          </p:cNvPicPr>
+          <p:nvPr/>
+        </p:nvPicPr>
+        <p:blipFill rotWithShape="1">
+          <a:blip r:embed="rId3"/>
+          <a:srcRect t="17434" b="6930"/>
+          <a:stretch/>
+        </p:blipFill>
+        <p:spPr>
+          <a:xfrm>
+            <a:off x="0" y="1196751"/>
+            <a:ext cx="12192000" cy="5184577"/>
+          </a:xfrm>
+          <a:prstGeom prst="rect">
+            <a:avLst/>
+          </a:prstGeom>
+        </p:spPr>
+      </p:pic>
+    </p:spTree>
+    <p:extLst>
+      <p:ext uri="{BB962C8B-B14F-4D97-AF65-F5344CB8AC3E}">
+        <p14:creationId xmlns:p14="http://schemas.microsoft.com/office/powerpoint/2010/main" val="1006465832"/>
+      </p:ext>
+    </p:extLst>
+  </p:cSld>
+  <p:clrMapOvr>
+    <a:masterClrMapping/>
+  </p:clrMapOvr>
+</p:sld>
+</file>
+
+<file path=ppt/slides/slide6.xml><?xml version="1.0" encoding="utf-8"?>
+<p:sld xmlns:a="http://schemas.openxmlformats.org/drawingml/2006/main" xmlns:r="http://schemas.openxmlformats.org/officeDocument/2006/relationships" xmlns:p="http://schemas.openxmlformats.org/presentationml/2006/main">
+  <p:cSld>
+    <p:spTree>
+      <p:nvGrpSpPr>
+        <p:cNvPr id="1" name=""/>
+        <p:cNvGrpSpPr/>
+        <p:nvPr/>
+      </p:nvGrpSpPr>
+      <p:grpSpPr>
+        <a:xfrm>
+          <a:off x="0" y="0"/>
+          <a:ext cx="0" cy="0"/>
+          <a:chOff x="0" y="0"/>
+          <a:chExt cx="0" cy="0"/>
+        </a:xfrm>
+      </p:grpSpPr>
+      <p:sp>
+        <p:nvSpPr>
+          <p:cNvPr id="4" name="Title 3"/>
+          <p:cNvSpPr>
+            <a:spLocks noGrp="1"/>
+          </p:cNvSpPr>
+          <p:nvPr>
+            <p:ph type="title"/>
+          </p:nvPr>
+        </p:nvSpPr>
+        <p:spPr/>
+        <p:txBody>
+          <a:bodyPr/>
+          <a:lstStyle/>
+          <a:p>
+            <a:r>
+              <a:rPr lang="en-US" dirty="0"/>
+              <a:t>Azure </a:t>
+            </a:r>
+            <a:r>
+              <a:rPr lang="en-US" dirty="0" err="1"/>
+              <a:t>FunctionApp</a:t>
+            </a:r>
+            <a:endParaRPr lang="en-GB" dirty="0"/>
+          </a:p>
+        </p:txBody>
+      </p:sp>
+      <p:pic>
+        <p:nvPicPr>
+          <p:cNvPr id="113666" name="Picture 2" descr="Image result for cloudtweaks cartoon">
+            <a:extLst>
+              <a:ext uri="{FF2B5EF4-FFF2-40B4-BE49-F238E27FC236}">
+                <a16:creationId xmlns:a16="http://schemas.microsoft.com/office/drawing/2014/main" id="{FE7A3ED5-DB0D-4A91-99C4-E00A95FA4F13}"/>
+              </a:ext>
+            </a:extLst>
+          </p:cNvPr>
+          <p:cNvPicPr>
+            <a:picLocks noChangeAspect="1" noChangeArrowheads="1"/>
+          </p:cNvPicPr>
+          <p:nvPr/>
+        </p:nvPicPr>
+        <p:blipFill>
+          <a:blip r:embed="rId3">
+            <a:extLst>
+              <a:ext uri="{28A0092B-C50C-407E-A947-70E740481C1C}">
+                <a14:useLocalDpi xmlns:a14="http://schemas.microsoft.com/office/drawing/2010/main" val="0"/>
+              </a:ext>
+            </a:extLst>
+          </a:blip>
+          <a:srcRect/>
+          <a:stretch>
+            <a:fillRect/>
+          </a:stretch>
+        </p:blipFill>
+        <p:spPr bwMode="auto">
+          <a:xfrm>
+            <a:off x="6456040" y="1361084"/>
+            <a:ext cx="4762500" cy="4419600"/>
+          </a:xfrm>
+          <a:prstGeom prst="rect">
+            <a:avLst/>
+          </a:prstGeom>
+          <a:noFill/>
+          <a:extLst>
+            <a:ext uri="{909E8E84-426E-40DD-AFC4-6F175D3DCCD1}">
+              <a14:hiddenFill xmlns:a14="http://schemas.microsoft.com/office/drawing/2010/main">
+                <a:solidFill>
+                  <a:srgbClr val="FFFFFF"/>
+                </a:solidFill>
+              </a14:hiddenFill>
+            </a:ext>
+          </a:extLst>
+        </p:spPr>
+      </p:pic>
+      <p:sp>
+        <p:nvSpPr>
+          <p:cNvPr id="5" name="Text Placeholder 2">
+            <a:extLst>
+              <a:ext uri="{FF2B5EF4-FFF2-40B4-BE49-F238E27FC236}">
+                <a16:creationId xmlns:a16="http://schemas.microsoft.com/office/drawing/2014/main" id="{2588A0C9-1DEB-41E8-AA59-206F6391A84A}"/>
+              </a:ext>
+            </a:extLst>
+          </p:cNvPr>
+          <p:cNvSpPr txBox="1">
+            <a:spLocks/>
+          </p:cNvSpPr>
+          <p:nvPr/>
+        </p:nvSpPr>
+        <p:spPr>
+          <a:xfrm>
+            <a:off x="550200" y="852872"/>
+            <a:ext cx="11091600" cy="504056"/>
+          </a:xfrm>
+          <a:prstGeom prst="rect">
+            <a:avLst/>
+          </a:prstGeom>
+        </p:spPr>
+        <p:txBody>
+          <a:bodyPr vert="horz" lIns="0" tIns="0" rIns="0" bIns="0" rtlCol="0">
+            <a:normAutofit/>
+          </a:bodyPr>
+          <a:lstStyle>
+            <a:lvl1pPr marL="0" indent="0" algn="l" defTabSz="914400" rtl="0" eaLnBrk="1" latinLnBrk="0" hangingPunct="1">
+              <a:lnSpc>
+                <a:spcPct val="100000"/>
+              </a:lnSpc>
+              <a:spcBef>
+                <a:spcPts val="0"/>
+              </a:spcBef>
+              <a:buFont typeface="Arial" panose="020B0604020202020204" pitchFamily="34" charset="0"/>
+              <a:buNone/>
+              <a:defRPr sz="2200" kern="1200" spc="-110" baseline="0">
+                <a:solidFill>
+                  <a:schemeClr val="accent1"/>
+                </a:solidFill>
+                <a:latin typeface="+mj-lt"/>
+                <a:ea typeface="+mn-ea"/>
+                <a:cs typeface="+mn-cs"/>
+              </a:defRPr>
+            </a:lvl1pPr>
+            <a:lvl2pPr marL="266700" indent="-177800" algn="l" defTabSz="914400" rtl="0" eaLnBrk="1" latinLnBrk="0" hangingPunct="1">
+              <a:lnSpc>
+                <a:spcPct val="100000"/>
+              </a:lnSpc>
+              <a:spcBef>
+                <a:spcPts val="600"/>
+              </a:spcBef>
+              <a:buClr>
+                <a:schemeClr val="accent1"/>
+              </a:buClr>
+              <a:buFont typeface="Wingdings" panose="05000000000000000000" pitchFamily="2" charset="2"/>
+              <a:buChar char="§"/>
+              <a:defRPr sz="1800" kern="1200">
+                <a:solidFill>
+                  <a:schemeClr val="tx1"/>
+                </a:solidFill>
+                <a:latin typeface="+mj-lt"/>
+                <a:ea typeface="+mn-ea"/>
+                <a:cs typeface="+mn-cs"/>
+              </a:defRPr>
+            </a:lvl2pPr>
+            <a:lvl3pPr marL="444500" indent="-177800" algn="l" defTabSz="914400" rtl="0" eaLnBrk="1" latinLnBrk="0" hangingPunct="1">
+              <a:lnSpc>
+                <a:spcPct val="100000"/>
+              </a:lnSpc>
+              <a:spcBef>
+                <a:spcPts val="600"/>
+              </a:spcBef>
+              <a:buClr>
+                <a:schemeClr val="accent2"/>
+              </a:buClr>
+              <a:buFont typeface="Arial" panose="020B0604020202020204" pitchFamily="34" charset="0"/>
+              <a:buChar char="•"/>
+              <a:defRPr sz="1600" kern="1200">
+                <a:solidFill>
+                  <a:schemeClr val="tx1"/>
+                </a:solidFill>
+                <a:latin typeface="+mj-lt"/>
+                <a:ea typeface="+mn-ea"/>
+                <a:cs typeface="+mn-cs"/>
+              </a:defRPr>
+            </a:lvl3pPr>
+            <a:lvl4pPr marL="622300" indent="-177800" algn="l" defTabSz="914400" rtl="0" eaLnBrk="1" latinLnBrk="0" hangingPunct="1">
+              <a:lnSpc>
+                <a:spcPct val="100000"/>
+              </a:lnSpc>
+              <a:spcBef>
+                <a:spcPts val="600"/>
+              </a:spcBef>
+              <a:buClr>
+                <a:schemeClr val="accent3"/>
+              </a:buClr>
+              <a:buFont typeface="Verdana" panose="020B0604030504040204" pitchFamily="34" charset="0"/>
+              <a:buChar char="‒"/>
+              <a:defRPr sz="1400" kern="1200">
+                <a:solidFill>
+                  <a:schemeClr val="tx1"/>
+                </a:solidFill>
+                <a:latin typeface="+mj-lt"/>
+                <a:ea typeface="+mn-ea"/>
+                <a:cs typeface="+mn-cs"/>
+              </a:defRPr>
+            </a:lvl4pPr>
+            <a:lvl5pPr marL="812800" indent="-190500" algn="l" defTabSz="914400" rtl="0" eaLnBrk="1" latinLnBrk="0" hangingPunct="1">
+              <a:lnSpc>
+                <a:spcPct val="100000"/>
+              </a:lnSpc>
+              <a:spcBef>
+                <a:spcPts val="600"/>
+              </a:spcBef>
+              <a:buClr>
+                <a:schemeClr val="accent5"/>
+              </a:buClr>
+              <a:buFont typeface="Arial" panose="020B0604020202020204" pitchFamily="34" charset="0"/>
+              <a:buChar char="•"/>
+              <a:defRPr sz="1400" kern="1200">
+                <a:solidFill>
+                  <a:schemeClr val="tx1"/>
+                </a:solidFill>
+                <a:latin typeface="+mj-lt"/>
+                <a:ea typeface="+mn-ea"/>
+                <a:cs typeface="+mn-cs"/>
+              </a:defRPr>
+            </a:lvl5pPr>
+            <a:lvl6pPr marL="2514600" indent="-228600" algn="l" defTabSz="914400" rtl="0" eaLnBrk="1" latinLnBrk="0" hangingPunct="1">
+              <a:lnSpc>
+                <a:spcPct val="90000"/>
+              </a:lnSpc>
+              <a:spcBef>
+                <a:spcPts val="500"/>
+              </a:spcBef>
+              <a:buFont typeface="Arial" panose="020B0604020202020204" pitchFamily="34" charset="0"/>
+              <a:buChar char="•"/>
+              <a:defRPr sz="1800" kern="1200">
+                <a:solidFill>
+                  <a:schemeClr val="tx1"/>
+                </a:solidFill>
+                <a:latin typeface="+mn-lt"/>
+                <a:ea typeface="+mn-ea"/>
+                <a:cs typeface="+mn-cs"/>
+              </a:defRPr>
+            </a:lvl6pPr>
+            <a:lvl7pPr marL="2971800" indent="-228600" algn="l" defTabSz="914400" rtl="0" eaLnBrk="1" latinLnBrk="0" hangingPunct="1">
+              <a:lnSpc>
+                <a:spcPct val="90000"/>
+              </a:lnSpc>
+              <a:spcBef>
+                <a:spcPts val="500"/>
+              </a:spcBef>
+              <a:buFont typeface="Arial" panose="020B0604020202020204" pitchFamily="34" charset="0"/>
+              <a:buChar char="•"/>
+              <a:defRPr sz="1800" kern="1200">
+                <a:solidFill>
+                  <a:schemeClr val="tx1"/>
+                </a:solidFill>
+                <a:latin typeface="+mn-lt"/>
+                <a:ea typeface="+mn-ea"/>
+                <a:cs typeface="+mn-cs"/>
+              </a:defRPr>
+            </a:lvl7pPr>
+            <a:lvl8pPr marL="3429000" indent="-228600" algn="l" defTabSz="914400" rtl="0" eaLnBrk="1" latinLnBrk="0" hangingPunct="1">
+              <a:lnSpc>
+                <a:spcPct val="90000"/>
+              </a:lnSpc>
+              <a:spcBef>
+                <a:spcPts val="500"/>
+              </a:spcBef>
+              <a:buFont typeface="Arial" panose="020B0604020202020204" pitchFamily="34" charset="0"/>
+              <a:buChar char="•"/>
+              <a:defRPr sz="1800" kern="1200">
+                <a:solidFill>
+                  <a:schemeClr val="tx1"/>
+                </a:solidFill>
+                <a:latin typeface="+mn-lt"/>
+                <a:ea typeface="+mn-ea"/>
+                <a:cs typeface="+mn-cs"/>
+              </a:defRPr>
+            </a:lvl8pPr>
+            <a:lvl9pPr marL="3886200" indent="-228600" algn="l" defTabSz="914400" rtl="0" eaLnBrk="1" latinLnBrk="0" hangingPunct="1">
+              <a:lnSpc>
+                <a:spcPct val="90000"/>
+              </a:lnSpc>
+              <a:spcBef>
+                <a:spcPts val="500"/>
+              </a:spcBef>
+              <a:buFont typeface="Arial" panose="020B0604020202020204" pitchFamily="34" charset="0"/>
+              <a:buChar char="•"/>
+              <a:defRPr sz="1800" kern="1200">
+                <a:solidFill>
+                  <a:schemeClr val="tx1"/>
+                </a:solidFill>
+                <a:latin typeface="+mn-lt"/>
+                <a:ea typeface="+mn-ea"/>
+                <a:cs typeface="+mn-cs"/>
+              </a:defRPr>
+            </a:lvl9pPr>
+          </a:lstStyle>
+          <a:p>
+            <a:r>
+              <a:rPr lang="en-US" sz="2800" dirty="0"/>
+              <a:t>Security</a:t>
+            </a:r>
+            <a:endParaRPr lang="nl-NL" sz="2800" dirty="0"/>
+          </a:p>
+        </p:txBody>
+      </p:sp>
+    </p:spTree>
+    <p:extLst>
+      <p:ext uri="{BB962C8B-B14F-4D97-AF65-F5344CB8AC3E}">
+        <p14:creationId xmlns:p14="http://schemas.microsoft.com/office/powerpoint/2010/main" val="2597184462"/>
+      </p:ext>
+    </p:extLst>
+  </p:cSld>
+  <p:clrMapOvr>
+    <a:masterClrMapping/>
+  </p:clrMapOvr>
+</p:sld>
+</file>
+
+<file path=ppt/slides/slide7.xml><?xml version="1.0" encoding="utf-8"?>
+<p:sld xmlns:a="http://schemas.openxmlformats.org/drawingml/2006/main" xmlns:r="http://schemas.openxmlformats.org/officeDocument/2006/relationships" xmlns:p="http://schemas.openxmlformats.org/presentationml/2006/main">
+  <p:cSld>
+    <p:spTree>
+      <p:nvGrpSpPr>
+        <p:cNvPr id="1" name=""/>
+        <p:cNvGrpSpPr/>
+        <p:nvPr/>
+      </p:nvGrpSpPr>
+      <p:grpSpPr>
+        <a:xfrm>
+          <a:off x="0" y="0"/>
+          <a:ext cx="0" cy="0"/>
+          <a:chOff x="0" y="0"/>
+          <a:chExt cx="0" cy="0"/>
+        </a:xfrm>
+      </p:grpSpPr>
+      <p:sp>
+        <p:nvSpPr>
+          <p:cNvPr id="4" name="Title 3"/>
+          <p:cNvSpPr>
+            <a:spLocks noGrp="1"/>
+          </p:cNvSpPr>
+          <p:nvPr>
+            <p:ph type="title"/>
+          </p:nvPr>
+        </p:nvSpPr>
+        <p:spPr/>
+        <p:txBody>
+          <a:bodyPr/>
+          <a:lstStyle/>
+          <a:p>
+            <a:r>
+              <a:rPr lang="en-US" dirty="0"/>
+              <a:t>Azure </a:t>
+            </a:r>
+            <a:r>
+              <a:rPr lang="en-US" dirty="0" err="1"/>
+              <a:t>FunctionApp</a:t>
+            </a:r>
+            <a:endParaRPr lang="en-GB" dirty="0"/>
+          </a:p>
+        </p:txBody>
+      </p:sp>
+      <p:sp>
+        <p:nvSpPr>
+          <p:cNvPr id="5" name="Text Placeholder 2">
+            <a:extLst>
+              <a:ext uri="{FF2B5EF4-FFF2-40B4-BE49-F238E27FC236}">
+                <a16:creationId xmlns:a16="http://schemas.microsoft.com/office/drawing/2014/main" id="{2588A0C9-1DEB-41E8-AA59-206F6391A84A}"/>
+              </a:ext>
+            </a:extLst>
+          </p:cNvPr>
+          <p:cNvSpPr txBox="1">
+            <a:spLocks/>
+          </p:cNvSpPr>
+          <p:nvPr/>
+        </p:nvSpPr>
+        <p:spPr>
+          <a:xfrm>
+            <a:off x="550200" y="852872"/>
+            <a:ext cx="11091600" cy="504056"/>
+          </a:xfrm>
+          <a:prstGeom prst="rect">
+            <a:avLst/>
+          </a:prstGeom>
+        </p:spPr>
+        <p:txBody>
+          <a:bodyPr vert="horz" lIns="0" tIns="0" rIns="0" bIns="0" rtlCol="0">
+            <a:normAutofit/>
+          </a:bodyPr>
+          <a:lstStyle>
+            <a:lvl1pPr marL="0" indent="0" algn="l" defTabSz="914400" rtl="0" eaLnBrk="1" latinLnBrk="0" hangingPunct="1">
+              <a:lnSpc>
+                <a:spcPct val="100000"/>
+              </a:lnSpc>
+              <a:spcBef>
+                <a:spcPts val="0"/>
+              </a:spcBef>
+              <a:buFont typeface="Arial" panose="020B0604020202020204" pitchFamily="34" charset="0"/>
+              <a:buNone/>
+              <a:defRPr sz="2200" kern="1200" spc="-110" baseline="0">
+                <a:solidFill>
+                  <a:schemeClr val="accent1"/>
+                </a:solidFill>
+                <a:latin typeface="+mj-lt"/>
+                <a:ea typeface="+mn-ea"/>
+                <a:cs typeface="+mn-cs"/>
+              </a:defRPr>
+            </a:lvl1pPr>
+            <a:lvl2pPr marL="266700" indent="-177800" algn="l" defTabSz="914400" rtl="0" eaLnBrk="1" latinLnBrk="0" hangingPunct="1">
+              <a:lnSpc>
+                <a:spcPct val="100000"/>
+              </a:lnSpc>
+              <a:spcBef>
+                <a:spcPts val="600"/>
+              </a:spcBef>
+              <a:buClr>
+                <a:schemeClr val="accent1"/>
+              </a:buClr>
+              <a:buFont typeface="Wingdings" panose="05000000000000000000" pitchFamily="2" charset="2"/>
+              <a:buChar char="§"/>
+              <a:defRPr sz="1800" kern="1200">
+                <a:solidFill>
+                  <a:schemeClr val="tx1"/>
+                </a:solidFill>
+                <a:latin typeface="+mj-lt"/>
+                <a:ea typeface="+mn-ea"/>
+                <a:cs typeface="+mn-cs"/>
+              </a:defRPr>
+            </a:lvl2pPr>
+            <a:lvl3pPr marL="444500" indent="-177800" algn="l" defTabSz="914400" rtl="0" eaLnBrk="1" latinLnBrk="0" hangingPunct="1">
+              <a:lnSpc>
+                <a:spcPct val="100000"/>
+              </a:lnSpc>
+              <a:spcBef>
+                <a:spcPts val="600"/>
+              </a:spcBef>
+              <a:buClr>
+                <a:schemeClr val="accent2"/>
+              </a:buClr>
+              <a:buFont typeface="Arial" panose="020B0604020202020204" pitchFamily="34" charset="0"/>
+              <a:buChar char="•"/>
+              <a:defRPr sz="1600" kern="1200">
+                <a:solidFill>
+                  <a:schemeClr val="tx1"/>
+                </a:solidFill>
+                <a:latin typeface="+mj-lt"/>
+                <a:ea typeface="+mn-ea"/>
+                <a:cs typeface="+mn-cs"/>
+              </a:defRPr>
+            </a:lvl3pPr>
+            <a:lvl4pPr marL="622300" indent="-177800" algn="l" defTabSz="914400" rtl="0" eaLnBrk="1" latinLnBrk="0" hangingPunct="1">
+              <a:lnSpc>
+                <a:spcPct val="100000"/>
+              </a:lnSpc>
+              <a:spcBef>
+                <a:spcPts val="600"/>
+              </a:spcBef>
+              <a:buClr>
+                <a:schemeClr val="accent3"/>
+              </a:buClr>
+              <a:buFont typeface="Verdana" panose="020B0604030504040204" pitchFamily="34" charset="0"/>
+              <a:buChar char="‒"/>
+              <a:defRPr sz="1400" kern="1200">
+                <a:solidFill>
+                  <a:schemeClr val="tx1"/>
+                </a:solidFill>
+                <a:latin typeface="+mj-lt"/>
+                <a:ea typeface="+mn-ea"/>
+                <a:cs typeface="+mn-cs"/>
+              </a:defRPr>
+            </a:lvl4pPr>
+            <a:lvl5pPr marL="812800" indent="-190500" algn="l" defTabSz="914400" rtl="0" eaLnBrk="1" latinLnBrk="0" hangingPunct="1">
+              <a:lnSpc>
+                <a:spcPct val="100000"/>
+              </a:lnSpc>
+              <a:spcBef>
+                <a:spcPts val="600"/>
+              </a:spcBef>
+              <a:buClr>
+                <a:schemeClr val="accent5"/>
+              </a:buClr>
+              <a:buFont typeface="Arial" panose="020B0604020202020204" pitchFamily="34" charset="0"/>
+              <a:buChar char="•"/>
+              <a:defRPr sz="1400" kern="1200">
+                <a:solidFill>
+                  <a:schemeClr val="tx1"/>
+                </a:solidFill>
+                <a:latin typeface="+mj-lt"/>
+                <a:ea typeface="+mn-ea"/>
+                <a:cs typeface="+mn-cs"/>
+              </a:defRPr>
+            </a:lvl5pPr>
+            <a:lvl6pPr marL="2514600" indent="-228600" algn="l" defTabSz="914400" rtl="0" eaLnBrk="1" latinLnBrk="0" hangingPunct="1">
+              <a:lnSpc>
+                <a:spcPct val="90000"/>
+              </a:lnSpc>
+              <a:spcBef>
+                <a:spcPts val="500"/>
+              </a:spcBef>
+              <a:buFont typeface="Arial" panose="020B0604020202020204" pitchFamily="34" charset="0"/>
+              <a:buChar char="•"/>
+              <a:defRPr sz="1800" kern="1200">
+                <a:solidFill>
+                  <a:schemeClr val="tx1"/>
+                </a:solidFill>
+                <a:latin typeface="+mn-lt"/>
+                <a:ea typeface="+mn-ea"/>
+                <a:cs typeface="+mn-cs"/>
+              </a:defRPr>
+            </a:lvl6pPr>
+            <a:lvl7pPr marL="2971800" indent="-228600" algn="l" defTabSz="914400" rtl="0" eaLnBrk="1" latinLnBrk="0" hangingPunct="1">
+              <a:lnSpc>
+                <a:spcPct val="90000"/>
+              </a:lnSpc>
+              <a:spcBef>
+                <a:spcPts val="500"/>
+              </a:spcBef>
+              <a:buFont typeface="Arial" panose="020B0604020202020204" pitchFamily="34" charset="0"/>
+              <a:buChar char="•"/>
+              <a:defRPr sz="1800" kern="1200">
+                <a:solidFill>
+                  <a:schemeClr val="tx1"/>
+                </a:solidFill>
+                <a:latin typeface="+mn-lt"/>
+                <a:ea typeface="+mn-ea"/>
+                <a:cs typeface="+mn-cs"/>
+              </a:defRPr>
+            </a:lvl7pPr>
+            <a:lvl8pPr marL="3429000" indent="-228600" algn="l" defTabSz="914400" rtl="0" eaLnBrk="1" latinLnBrk="0" hangingPunct="1">
+              <a:lnSpc>
+                <a:spcPct val="90000"/>
+              </a:lnSpc>
+              <a:spcBef>
+                <a:spcPts val="500"/>
+              </a:spcBef>
+              <a:buFont typeface="Arial" panose="020B0604020202020204" pitchFamily="34" charset="0"/>
+              <a:buChar char="•"/>
+              <a:defRPr sz="1800" kern="1200">
+                <a:solidFill>
+                  <a:schemeClr val="tx1"/>
+                </a:solidFill>
+                <a:latin typeface="+mn-lt"/>
+                <a:ea typeface="+mn-ea"/>
+                <a:cs typeface="+mn-cs"/>
+              </a:defRPr>
+            </a:lvl8pPr>
+            <a:lvl9pPr marL="3886200" indent="-228600" algn="l" defTabSz="914400" rtl="0" eaLnBrk="1" latinLnBrk="0" hangingPunct="1">
+              <a:lnSpc>
+                <a:spcPct val="90000"/>
+              </a:lnSpc>
+              <a:spcBef>
+                <a:spcPts val="500"/>
+              </a:spcBef>
+              <a:buFont typeface="Arial" panose="020B0604020202020204" pitchFamily="34" charset="0"/>
+              <a:buChar char="•"/>
+              <a:defRPr sz="1800" kern="1200">
+                <a:solidFill>
+                  <a:schemeClr val="tx1"/>
+                </a:solidFill>
+                <a:latin typeface="+mn-lt"/>
+                <a:ea typeface="+mn-ea"/>
+                <a:cs typeface="+mn-cs"/>
+              </a:defRPr>
+            </a:lvl9pPr>
+          </a:lstStyle>
+          <a:p>
+            <a:r>
+              <a:rPr lang="en-US" sz="2800" dirty="0"/>
+              <a:t>Pricing</a:t>
+            </a:r>
+            <a:endParaRPr lang="nl-NL" sz="2800" dirty="0"/>
+          </a:p>
+        </p:txBody>
+      </p:sp>
+      <p:pic>
+        <p:nvPicPr>
+          <p:cNvPr id="115714" name="Picture 2" descr="Image result for cloudtweaks cartoon">
+            <a:extLst>
+              <a:ext uri="{FF2B5EF4-FFF2-40B4-BE49-F238E27FC236}">
+                <a16:creationId xmlns:a16="http://schemas.microsoft.com/office/drawing/2014/main" id="{30790DF8-4AFB-47B7-9B37-98B00C2623A1}"/>
+              </a:ext>
+            </a:extLst>
+          </p:cNvPr>
+          <p:cNvPicPr>
+            <a:picLocks noChangeAspect="1" noChangeArrowheads="1"/>
+          </p:cNvPicPr>
+          <p:nvPr/>
+        </p:nvPicPr>
+        <p:blipFill>
+          <a:blip r:embed="rId3">
+            <a:extLst>
+              <a:ext uri="{28A0092B-C50C-407E-A947-70E740481C1C}">
+                <a14:useLocalDpi xmlns:a14="http://schemas.microsoft.com/office/drawing/2010/main" val="0"/>
+              </a:ext>
+            </a:extLst>
+          </a:blip>
+          <a:srcRect/>
+          <a:stretch>
+            <a:fillRect/>
+          </a:stretch>
+        </p:blipFill>
+        <p:spPr bwMode="auto">
+          <a:xfrm>
+            <a:off x="5574028" y="852872"/>
+            <a:ext cx="6067772" cy="5636641"/>
+          </a:xfrm>
+          <a:prstGeom prst="rect">
+            <a:avLst/>
+          </a:prstGeom>
+          <a:noFill/>
+          <a:extLst>
+            <a:ext uri="{909E8E84-426E-40DD-AFC4-6F175D3DCCD1}">
+              <a14:hiddenFill xmlns:a14="http://schemas.microsoft.com/office/drawing/2010/main">
+                <a:solidFill>
+                  <a:srgbClr val="FFFFFF"/>
+                </a:solidFill>
+              </a14:hiddenFill>
+            </a:ext>
+          </a:extLst>
+        </p:spPr>
+      </p:pic>
+    </p:spTree>
+    <p:extLst>
+      <p:ext uri="{BB962C8B-B14F-4D97-AF65-F5344CB8AC3E}">
+        <p14:creationId xmlns:p14="http://schemas.microsoft.com/office/powerpoint/2010/main" val="4053576827"/>
+      </p:ext>
+    </p:extLst>
+  </p:cSld>
+  <p:clrMapOvr>
+    <a:masterClrMapping/>
+  </p:clrMapOvr>
+</p:sld>
+</file>
+
+<file path=ppt/slides/slide8.xml><?xml version="1.0" encoding="utf-8"?>
+<p:sld xmlns:a="http://schemas.openxmlformats.org/drawingml/2006/main" xmlns:r="http://schemas.openxmlformats.org/officeDocument/2006/relationships" xmlns:p="http://schemas.openxmlformats.org/presentationml/2006/main">
+  <p:cSld>
+    <p:spTree>
+      <p:nvGrpSpPr>
+        <p:cNvPr id="1" name=""/>
+        <p:cNvGrpSpPr/>
+        <p:nvPr/>
+      </p:nvGrpSpPr>
+      <p:grpSpPr>
+        <a:xfrm>
+          <a:off x="0" y="0"/>
+          <a:ext cx="0" cy="0"/>
+          <a:chOff x="0" y="0"/>
+          <a:chExt cx="0" cy="0"/>
+        </a:xfrm>
+      </p:grpSpPr>
+      <p:sp>
+        <p:nvSpPr>
+          <p:cNvPr id="4" name="Title 3"/>
+          <p:cNvSpPr>
+            <a:spLocks noGrp="1"/>
+          </p:cNvSpPr>
+          <p:nvPr>
+            <p:ph type="title"/>
+          </p:nvPr>
+        </p:nvSpPr>
+        <p:spPr>
+          <a:xfrm>
+            <a:off x="550200" y="0"/>
+            <a:ext cx="11091600" cy="1104900"/>
+          </a:xfrm>
+        </p:spPr>
+        <p:txBody>
+          <a:bodyPr/>
+          <a:lstStyle/>
+          <a:p>
+            <a:r>
+              <a:rPr lang="en-US" dirty="0"/>
+              <a:t>Azure </a:t>
+            </a:r>
+            <a:r>
+              <a:rPr lang="en-US" dirty="0" err="1"/>
+              <a:t>FunctionApp</a:t>
+            </a:r>
+            <a:endParaRPr lang="en-GB" dirty="0"/>
+          </a:p>
+        </p:txBody>
+      </p:sp>
+      <p:graphicFrame>
+        <p:nvGraphicFramePr>
+          <p:cNvPr id="2" name="Table 1">
+            <a:extLst>
+              <a:ext uri="{FF2B5EF4-FFF2-40B4-BE49-F238E27FC236}">
+                <a16:creationId xmlns:a16="http://schemas.microsoft.com/office/drawing/2014/main" id="{A183B74C-C6F8-49BE-A8E1-B196ADB52217}"/>
+              </a:ext>
+            </a:extLst>
+          </p:cNvPr>
+          <p:cNvGraphicFramePr>
+            <a:graphicFrameLocks noGrp="1"/>
+          </p:cNvGraphicFramePr>
+          <p:nvPr>
+            <p:extLst>
+              <p:ext uri="{D42A27DB-BD31-4B8C-83A1-F6EECF244321}">
+                <p14:modId xmlns:p14="http://schemas.microsoft.com/office/powerpoint/2010/main" val="1903043118"/>
+              </p:ext>
+            </p:extLst>
+          </p:nvPr>
+        </p:nvGraphicFramePr>
+        <p:xfrm>
+          <a:off x="839416" y="1962716"/>
+          <a:ext cx="9721080" cy="3240360"/>
+        </p:xfrm>
+        <a:graphic>
+          <a:graphicData uri="http://schemas.openxmlformats.org/drawingml/2006/table">
+            <a:tbl>
+              <a:tblPr firstRow="1" bandRow="1">
+                <a:tableStyleId>{5C22544A-7EE6-4342-B048-85BDC9FD1C3A}</a:tableStyleId>
+              </a:tblPr>
+              <a:tblGrid>
+                <a:gridCol w="2430270">
+                  <a:extLst>
+                    <a:ext uri="{9D8B030D-6E8A-4147-A177-3AD203B41FA5}">
+                      <a16:colId xmlns:a16="http://schemas.microsoft.com/office/drawing/2014/main" val="3804126800"/>
+                    </a:ext>
+                  </a:extLst>
+                </a:gridCol>
+                <a:gridCol w="2430270">
+                  <a:extLst>
+                    <a:ext uri="{9D8B030D-6E8A-4147-A177-3AD203B41FA5}">
+                      <a16:colId xmlns:a16="http://schemas.microsoft.com/office/drawing/2014/main" val="507305945"/>
+                    </a:ext>
+                  </a:extLst>
+                </a:gridCol>
+                <a:gridCol w="2430270">
+                  <a:extLst>
+                    <a:ext uri="{9D8B030D-6E8A-4147-A177-3AD203B41FA5}">
+                      <a16:colId xmlns:a16="http://schemas.microsoft.com/office/drawing/2014/main" val="356921672"/>
+                    </a:ext>
+                  </a:extLst>
+                </a:gridCol>
+                <a:gridCol w="2430270">
+                  <a:extLst>
+                    <a:ext uri="{9D8B030D-6E8A-4147-A177-3AD203B41FA5}">
+                      <a16:colId xmlns:a16="http://schemas.microsoft.com/office/drawing/2014/main" val="2199926354"/>
+                    </a:ext>
+                  </a:extLst>
+                </a:gridCol>
+              </a:tblGrid>
+              <a:tr h="648072">
+                <a:tc>
+                  <a:txBody>
+                    <a:bodyPr/>
+                    <a:lstStyle/>
+                    <a:p>
+                      <a:r>
+                        <a:rPr lang="en-US" dirty="0"/>
+                        <a:t>Tools</a:t>
+                      </a:r>
+                      <a:endParaRPr lang="nl-NL" dirty="0"/>
+                    </a:p>
+                  </a:txBody>
+                  <a:tcPr/>
+                </a:tc>
+                <a:tc>
+                  <a:txBody>
+                    <a:bodyPr/>
+                    <a:lstStyle/>
+                    <a:p>
+                      <a:r>
+                        <a:rPr lang="en-US" dirty="0"/>
+                        <a:t>Windows</a:t>
+                      </a:r>
+                      <a:endParaRPr lang="nl-NL" dirty="0"/>
+                    </a:p>
+                  </a:txBody>
+                  <a:tcPr/>
+                </a:tc>
+                <a:tc>
+                  <a:txBody>
+                    <a:bodyPr/>
+                    <a:lstStyle/>
+                    <a:p>
+                      <a:r>
+                        <a:rPr lang="en-US" dirty="0"/>
+                        <a:t>Linux</a:t>
+                      </a:r>
+                      <a:endParaRPr lang="nl-NL" dirty="0"/>
+                    </a:p>
+                  </a:txBody>
+                  <a:tcPr/>
+                </a:tc>
+                <a:tc>
+                  <a:txBody>
+                    <a:bodyPr/>
+                    <a:lstStyle/>
+                    <a:p>
+                      <a:r>
+                        <a:rPr lang="en-US" dirty="0"/>
+                        <a:t>MacOS</a:t>
+                      </a:r>
+                      <a:endParaRPr lang="nl-NL" dirty="0"/>
+                    </a:p>
+                  </a:txBody>
+                  <a:tcPr/>
+                </a:tc>
+                <a:extLst>
+                  <a:ext uri="{0D108BD9-81ED-4DB2-BD59-A6C34878D82A}">
+                    <a16:rowId xmlns:a16="http://schemas.microsoft.com/office/drawing/2014/main" val="3997541538"/>
+                  </a:ext>
+                </a:extLst>
+              </a:tr>
+              <a:tr h="648072">
+                <a:tc>
+                  <a:txBody>
+                    <a:bodyPr/>
+                    <a:lstStyle/>
+                    <a:p>
+                      <a:r>
+                        <a:rPr lang="en-US" dirty="0"/>
+                        <a:t>Portal with KUDU</a:t>
+                      </a:r>
+                      <a:endParaRPr lang="nl-NL" dirty="0"/>
+                    </a:p>
+                  </a:txBody>
+                  <a:tcPr/>
+                </a:tc>
+                <a:tc>
+                  <a:txBody>
+                    <a:bodyPr/>
+                    <a:lstStyle/>
+                    <a:p>
+                      <a:endParaRPr lang="nl-NL" dirty="0"/>
+                    </a:p>
+                  </a:txBody>
+                  <a:tcPr/>
+                </a:tc>
+                <a:tc>
+                  <a:txBody>
+                    <a:bodyPr/>
+                    <a:lstStyle/>
+                    <a:p>
+                      <a:endParaRPr lang="nl-NL"/>
+                    </a:p>
+                  </a:txBody>
+                  <a:tcPr/>
+                </a:tc>
+                <a:tc>
+                  <a:txBody>
+                    <a:bodyPr/>
+                    <a:lstStyle/>
+                    <a:p>
+                      <a:endParaRPr lang="nl-NL"/>
+                    </a:p>
+                  </a:txBody>
+                  <a:tcPr/>
+                </a:tc>
+                <a:extLst>
+                  <a:ext uri="{0D108BD9-81ED-4DB2-BD59-A6C34878D82A}">
+                    <a16:rowId xmlns:a16="http://schemas.microsoft.com/office/drawing/2014/main" val="3537287135"/>
+                  </a:ext>
+                </a:extLst>
+              </a:tr>
+              <a:tr h="648072">
+                <a:tc>
+                  <a:txBody>
+                    <a:bodyPr/>
+                    <a:lstStyle/>
+                    <a:p>
+                      <a:r>
+                        <a:rPr lang="en-US" dirty="0"/>
+                        <a:t>Visual Studio</a:t>
+                      </a:r>
+                      <a:endParaRPr lang="nl-NL" dirty="0"/>
+                    </a:p>
+                  </a:txBody>
+                  <a:tcPr/>
+                </a:tc>
+                <a:tc>
+                  <a:txBody>
+                    <a:bodyPr/>
+                    <a:lstStyle/>
+                    <a:p>
+                      <a:endParaRPr lang="nl-NL" dirty="0"/>
+                    </a:p>
+                  </a:txBody>
+                  <a:tcPr/>
+                </a:tc>
+                <a:tc>
+                  <a:txBody>
+                    <a:bodyPr/>
+                    <a:lstStyle/>
+                    <a:p>
+                      <a:endParaRPr lang="nl-NL"/>
+                    </a:p>
+                  </a:txBody>
+                  <a:tcPr/>
+                </a:tc>
+                <a:tc>
+                  <a:txBody>
+                    <a:bodyPr/>
+                    <a:lstStyle/>
+                    <a:p>
+                      <a:endParaRPr lang="nl-NL"/>
+                    </a:p>
+                  </a:txBody>
+                  <a:tcPr/>
+                </a:tc>
+                <a:extLst>
+                  <a:ext uri="{0D108BD9-81ED-4DB2-BD59-A6C34878D82A}">
+                    <a16:rowId xmlns:a16="http://schemas.microsoft.com/office/drawing/2014/main" val="2524948949"/>
+                  </a:ext>
+                </a:extLst>
+              </a:tr>
+              <a:tr h="648072">
+                <a:tc>
+                  <a:txBody>
+                    <a:bodyPr/>
+                    <a:lstStyle/>
+                    <a:p>
+                      <a:r>
+                        <a:rPr lang="en-US" dirty="0"/>
+                        <a:t>Visual Studio Code</a:t>
+                      </a:r>
+                      <a:endParaRPr lang="nl-NL" dirty="0"/>
+                    </a:p>
+                  </a:txBody>
+                  <a:tcPr/>
+                </a:tc>
+                <a:tc>
+                  <a:txBody>
+                    <a:bodyPr/>
+                    <a:lstStyle/>
+                    <a:p>
+                      <a:endParaRPr lang="nl-NL"/>
+                    </a:p>
+                  </a:txBody>
+                  <a:tcPr/>
+                </a:tc>
+                <a:tc>
+                  <a:txBody>
+                    <a:bodyPr/>
+                    <a:lstStyle/>
+                    <a:p>
+                      <a:endParaRPr lang="nl-NL"/>
+                    </a:p>
+                  </a:txBody>
+                  <a:tcPr/>
+                </a:tc>
+                <a:tc>
+                  <a:txBody>
+                    <a:bodyPr/>
+                    <a:lstStyle/>
+                    <a:p>
+                      <a:endParaRPr lang="nl-NL"/>
+                    </a:p>
+                  </a:txBody>
+                  <a:tcPr/>
+                </a:tc>
+                <a:extLst>
+                  <a:ext uri="{0D108BD9-81ED-4DB2-BD59-A6C34878D82A}">
+                    <a16:rowId xmlns:a16="http://schemas.microsoft.com/office/drawing/2014/main" val="3733082724"/>
+                  </a:ext>
+                </a:extLst>
+              </a:tr>
+              <a:tr h="648072">
+                <a:tc>
+                  <a:txBody>
+                    <a:bodyPr/>
+                    <a:lstStyle/>
+                    <a:p>
+                      <a:r>
+                        <a:rPr lang="en-US" dirty="0"/>
+                        <a:t>Function Core Tools</a:t>
+                      </a:r>
+                      <a:endParaRPr lang="nl-NL" dirty="0"/>
+                    </a:p>
+                  </a:txBody>
+                  <a:tcPr/>
+                </a:tc>
+                <a:tc>
+                  <a:txBody>
+                    <a:bodyPr/>
+                    <a:lstStyle/>
+                    <a:p>
+                      <a:endParaRPr lang="nl-NL" dirty="0"/>
+                    </a:p>
+                  </a:txBody>
+                  <a:tcPr/>
+                </a:tc>
+                <a:tc>
+                  <a:txBody>
+                    <a:bodyPr/>
+                    <a:lstStyle/>
+                    <a:p>
+                      <a:endParaRPr lang="nl-NL"/>
+                    </a:p>
+                  </a:txBody>
+                  <a:tcPr/>
+                </a:tc>
+                <a:tc>
+                  <a:txBody>
+                    <a:bodyPr/>
+                    <a:lstStyle/>
+                    <a:p>
+                      <a:endParaRPr lang="nl-NL" dirty="0"/>
+                    </a:p>
+                  </a:txBody>
+                  <a:tcPr/>
+                </a:tc>
+                <a:extLst>
+                  <a:ext uri="{0D108BD9-81ED-4DB2-BD59-A6C34878D82A}">
+                    <a16:rowId xmlns:a16="http://schemas.microsoft.com/office/drawing/2014/main" val="3334829623"/>
+                  </a:ext>
+                </a:extLst>
+              </a:tr>
+            </a:tbl>
+          </a:graphicData>
+        </a:graphic>
+      </p:graphicFrame>
+      <p:pic>
+        <p:nvPicPr>
+          <p:cNvPr id="6" name="Graphic 5" descr="Checkmark">
+            <a:extLst>
+              <a:ext uri="{FF2B5EF4-FFF2-40B4-BE49-F238E27FC236}">
+                <a16:creationId xmlns:a16="http://schemas.microsoft.com/office/drawing/2014/main" id="{DEBEF32C-E613-4B46-B3D5-79689908A9E3}"/>
+              </a:ext>
+            </a:extLst>
+          </p:cNvPr>
+          <p:cNvPicPr>
+            <a:picLocks noChangeAspect="1"/>
+          </p:cNvPicPr>
+          <p:nvPr/>
+        </p:nvPicPr>
+        <p:blipFill>
+          <a:blip r:embed="rId2">
+            <a:extLst>
+              <a:ext uri="{28A0092B-C50C-407E-A947-70E740481C1C}">
+                <a14:useLocalDpi xmlns:a14="http://schemas.microsoft.com/office/drawing/2010/main" val="0"/>
+              </a:ext>
+              <a:ext uri="{96DAC541-7B7A-43D3-8B79-37D633B846F1}">
+                <asvg:svgBlip xmlns:asvg="http://schemas.microsoft.com/office/drawing/2016/SVG/main" r:embed="rId3"/>
+              </a:ext>
+            </a:extLst>
+          </a:blip>
+          <a:stretch>
+            <a:fillRect/>
+          </a:stretch>
+        </p:blipFill>
+        <p:spPr>
+          <a:xfrm>
+            <a:off x="4079776" y="2538780"/>
+            <a:ext cx="613071" cy="692198"/>
+          </a:xfrm>
+          <a:prstGeom prst="rect">
+            <a:avLst/>
+          </a:prstGeom>
+        </p:spPr>
+      </p:pic>
+      <p:pic>
+        <p:nvPicPr>
+          <p:cNvPr id="12" name="Graphic 11" descr="Checkmark">
+            <a:extLst>
+              <a:ext uri="{FF2B5EF4-FFF2-40B4-BE49-F238E27FC236}">
+                <a16:creationId xmlns:a16="http://schemas.microsoft.com/office/drawing/2014/main" id="{8B7E80AB-7441-4BF8-9A12-C41751E7E2E3}"/>
+              </a:ext>
+            </a:extLst>
+          </p:cNvPr>
+          <p:cNvPicPr>
+            <a:picLocks noChangeAspect="1"/>
+          </p:cNvPicPr>
+          <p:nvPr/>
+        </p:nvPicPr>
+        <p:blipFill>
+          <a:blip r:embed="rId2">
+            <a:extLst>
+              <a:ext uri="{28A0092B-C50C-407E-A947-70E740481C1C}">
+                <a14:useLocalDpi xmlns:a14="http://schemas.microsoft.com/office/drawing/2010/main" val="0"/>
+              </a:ext>
+              <a:ext uri="{96DAC541-7B7A-43D3-8B79-37D633B846F1}">
+                <asvg:svgBlip xmlns:asvg="http://schemas.microsoft.com/office/drawing/2016/SVG/main" r:embed="rId3"/>
+              </a:ext>
+            </a:extLst>
+          </a:blip>
+          <a:stretch>
+            <a:fillRect/>
+          </a:stretch>
+        </p:blipFill>
+        <p:spPr>
+          <a:xfrm>
+            <a:off x="6492044" y="2538780"/>
+            <a:ext cx="613071" cy="692198"/>
+          </a:xfrm>
+          <a:prstGeom prst="rect">
+            <a:avLst/>
+          </a:prstGeom>
+        </p:spPr>
+      </p:pic>
+      <p:pic>
+        <p:nvPicPr>
+          <p:cNvPr id="17" name="Graphic 16" descr="Checkmark">
+            <a:extLst>
+              <a:ext uri="{FF2B5EF4-FFF2-40B4-BE49-F238E27FC236}">
+                <a16:creationId xmlns:a16="http://schemas.microsoft.com/office/drawing/2014/main" id="{9A88C11A-83F3-427B-81A2-9BEEAC6889EF}"/>
+              </a:ext>
+            </a:extLst>
+          </p:cNvPr>
+          <p:cNvPicPr>
+            <a:picLocks noChangeAspect="1"/>
+          </p:cNvPicPr>
+          <p:nvPr/>
+        </p:nvPicPr>
+        <p:blipFill>
+          <a:blip r:embed="rId2">
+            <a:extLst>
+              <a:ext uri="{28A0092B-C50C-407E-A947-70E740481C1C}">
+                <a14:useLocalDpi xmlns:a14="http://schemas.microsoft.com/office/drawing/2010/main" val="0"/>
+              </a:ext>
+              <a:ext uri="{96DAC541-7B7A-43D3-8B79-37D633B846F1}">
+                <asvg:svgBlip xmlns:asvg="http://schemas.microsoft.com/office/drawing/2016/SVG/main" r:embed="rId3"/>
+              </a:ext>
+            </a:extLst>
+          </a:blip>
+          <a:stretch>
+            <a:fillRect/>
+          </a:stretch>
+        </p:blipFill>
+        <p:spPr>
+          <a:xfrm>
+            <a:off x="8904312" y="2538780"/>
+            <a:ext cx="613071" cy="692198"/>
+          </a:xfrm>
+          <a:prstGeom prst="rect">
+            <a:avLst/>
+          </a:prstGeom>
+        </p:spPr>
+      </p:pic>
+      <p:pic>
+        <p:nvPicPr>
+          <p:cNvPr id="18" name="Graphic 17" descr="Checkmark">
+            <a:extLst>
+              <a:ext uri="{FF2B5EF4-FFF2-40B4-BE49-F238E27FC236}">
+                <a16:creationId xmlns:a16="http://schemas.microsoft.com/office/drawing/2014/main" id="{8896B0C9-B929-44EC-891C-44ACBD7775DF}"/>
+              </a:ext>
+            </a:extLst>
+          </p:cNvPr>
+          <p:cNvPicPr>
+            <a:picLocks noChangeAspect="1"/>
+          </p:cNvPicPr>
+          <p:nvPr/>
+        </p:nvPicPr>
+        <p:blipFill>
+          <a:blip r:embed="rId2">
+            <a:extLst>
+              <a:ext uri="{28A0092B-C50C-407E-A947-70E740481C1C}">
+                <a14:useLocalDpi xmlns:a14="http://schemas.microsoft.com/office/drawing/2010/main" val="0"/>
+              </a:ext>
+              <a:ext uri="{96DAC541-7B7A-43D3-8B79-37D633B846F1}">
+                <asvg:svgBlip xmlns:asvg="http://schemas.microsoft.com/office/drawing/2016/SVG/main" r:embed="rId3"/>
+              </a:ext>
+            </a:extLst>
+          </a:blip>
+          <a:stretch>
+            <a:fillRect/>
+          </a:stretch>
+        </p:blipFill>
+        <p:spPr>
+          <a:xfrm>
+            <a:off x="4079775" y="3178730"/>
+            <a:ext cx="613071" cy="692198"/>
+          </a:xfrm>
+          <a:prstGeom prst="rect">
+            <a:avLst/>
+          </a:prstGeom>
+        </p:spPr>
+      </p:pic>
+      <p:pic>
+        <p:nvPicPr>
+          <p:cNvPr id="19" name="Graphic 18" descr="Checkmark">
+            <a:extLst>
+              <a:ext uri="{FF2B5EF4-FFF2-40B4-BE49-F238E27FC236}">
+                <a16:creationId xmlns:a16="http://schemas.microsoft.com/office/drawing/2014/main" id="{1EE4E0E2-407C-44EA-B07D-0AB48CEA55C3}"/>
+              </a:ext>
+            </a:extLst>
+          </p:cNvPr>
+          <p:cNvPicPr>
+            <a:picLocks noChangeAspect="1"/>
+          </p:cNvPicPr>
+          <p:nvPr/>
+        </p:nvPicPr>
+        <p:blipFill>
+          <a:blip r:embed="rId2">
+            <a:extLst>
+              <a:ext uri="{28A0092B-C50C-407E-A947-70E740481C1C}">
+                <a14:useLocalDpi xmlns:a14="http://schemas.microsoft.com/office/drawing/2010/main" val="0"/>
+              </a:ext>
+              <a:ext uri="{96DAC541-7B7A-43D3-8B79-37D633B846F1}">
+                <asvg:svgBlip xmlns:asvg="http://schemas.microsoft.com/office/drawing/2016/SVG/main" r:embed="rId3"/>
+              </a:ext>
+            </a:extLst>
+          </a:blip>
+          <a:stretch>
+            <a:fillRect/>
+          </a:stretch>
+        </p:blipFill>
+        <p:spPr>
+          <a:xfrm>
+            <a:off x="6492044" y="3178730"/>
+            <a:ext cx="613071" cy="692198"/>
+          </a:xfrm>
+          <a:prstGeom prst="rect">
+            <a:avLst/>
+          </a:prstGeom>
+        </p:spPr>
+      </p:pic>
+      <p:pic>
+        <p:nvPicPr>
+          <p:cNvPr id="20" name="Graphic 19" descr="Checkmark">
+            <a:extLst>
+              <a:ext uri="{FF2B5EF4-FFF2-40B4-BE49-F238E27FC236}">
+                <a16:creationId xmlns:a16="http://schemas.microsoft.com/office/drawing/2014/main" id="{CEC6E3C1-DF82-4994-B493-2C8524C6A347}"/>
+              </a:ext>
+            </a:extLst>
+          </p:cNvPr>
+          <p:cNvPicPr>
+            <a:picLocks noChangeAspect="1"/>
+          </p:cNvPicPr>
+          <p:nvPr/>
+        </p:nvPicPr>
+        <p:blipFill>
+          <a:blip r:embed="rId2">
+            <a:extLst>
+              <a:ext uri="{28A0092B-C50C-407E-A947-70E740481C1C}">
+                <a14:useLocalDpi xmlns:a14="http://schemas.microsoft.com/office/drawing/2010/main" val="0"/>
+              </a:ext>
+              <a:ext uri="{96DAC541-7B7A-43D3-8B79-37D633B846F1}">
+                <asvg:svgBlip xmlns:asvg="http://schemas.microsoft.com/office/drawing/2016/SVG/main" r:embed="rId3"/>
+              </a:ext>
+            </a:extLst>
+          </a:blip>
+          <a:stretch>
+            <a:fillRect/>
+          </a:stretch>
+        </p:blipFill>
+        <p:spPr>
+          <a:xfrm>
+            <a:off x="4079774" y="3870928"/>
+            <a:ext cx="613071" cy="692198"/>
+          </a:xfrm>
+          <a:prstGeom prst="rect">
+            <a:avLst/>
+          </a:prstGeom>
+        </p:spPr>
+      </p:pic>
+      <p:pic>
+        <p:nvPicPr>
+          <p:cNvPr id="21" name="Graphic 20" descr="Checkmark">
+            <a:extLst>
+              <a:ext uri="{FF2B5EF4-FFF2-40B4-BE49-F238E27FC236}">
+                <a16:creationId xmlns:a16="http://schemas.microsoft.com/office/drawing/2014/main" id="{573CCDB9-72EA-4BF2-8A7E-9A96A063E23C}"/>
+              </a:ext>
+            </a:extLst>
+          </p:cNvPr>
+          <p:cNvPicPr>
+            <a:picLocks noChangeAspect="1"/>
+          </p:cNvPicPr>
+          <p:nvPr/>
+        </p:nvPicPr>
+        <p:blipFill>
+          <a:blip r:embed="rId2">
+            <a:extLst>
+              <a:ext uri="{28A0092B-C50C-407E-A947-70E740481C1C}">
+                <a14:useLocalDpi xmlns:a14="http://schemas.microsoft.com/office/drawing/2010/main" val="0"/>
+              </a:ext>
+              <a:ext uri="{96DAC541-7B7A-43D3-8B79-37D633B846F1}">
+                <asvg:svgBlip xmlns:asvg="http://schemas.microsoft.com/office/drawing/2016/SVG/main" r:embed="rId3"/>
+              </a:ext>
+            </a:extLst>
+          </a:blip>
+          <a:stretch>
+            <a:fillRect/>
+          </a:stretch>
+        </p:blipFill>
+        <p:spPr>
+          <a:xfrm>
+            <a:off x="6492044" y="3844804"/>
+            <a:ext cx="613071" cy="692198"/>
+          </a:xfrm>
+          <a:prstGeom prst="rect">
+            <a:avLst/>
+          </a:prstGeom>
+        </p:spPr>
+      </p:pic>
+      <p:pic>
+        <p:nvPicPr>
+          <p:cNvPr id="22" name="Graphic 21" descr="Checkmark">
+            <a:extLst>
+              <a:ext uri="{FF2B5EF4-FFF2-40B4-BE49-F238E27FC236}">
+                <a16:creationId xmlns:a16="http://schemas.microsoft.com/office/drawing/2014/main" id="{3824B9D6-6DE9-41F7-8F76-61AAB9CC6E36}"/>
+              </a:ext>
+            </a:extLst>
+          </p:cNvPr>
+          <p:cNvPicPr>
+            <a:picLocks noChangeAspect="1"/>
+          </p:cNvPicPr>
+          <p:nvPr/>
+        </p:nvPicPr>
+        <p:blipFill>
+          <a:blip r:embed="rId2">
+            <a:extLst>
+              <a:ext uri="{28A0092B-C50C-407E-A947-70E740481C1C}">
+                <a14:useLocalDpi xmlns:a14="http://schemas.microsoft.com/office/drawing/2010/main" val="0"/>
+              </a:ext>
+              <a:ext uri="{96DAC541-7B7A-43D3-8B79-37D633B846F1}">
+                <asvg:svgBlip xmlns:asvg="http://schemas.microsoft.com/office/drawing/2016/SVG/main" r:embed="rId3"/>
+              </a:ext>
+            </a:extLst>
+          </a:blip>
+          <a:stretch>
+            <a:fillRect/>
+          </a:stretch>
+        </p:blipFill>
+        <p:spPr>
+          <a:xfrm>
+            <a:off x="8904312" y="3870928"/>
+            <a:ext cx="613071" cy="692198"/>
+          </a:xfrm>
+          <a:prstGeom prst="rect">
+            <a:avLst/>
+          </a:prstGeom>
+        </p:spPr>
+      </p:pic>
+      <p:pic>
+        <p:nvPicPr>
+          <p:cNvPr id="23" name="Graphic 22" descr="Checkmark">
+            <a:extLst>
+              <a:ext uri="{FF2B5EF4-FFF2-40B4-BE49-F238E27FC236}">
+                <a16:creationId xmlns:a16="http://schemas.microsoft.com/office/drawing/2014/main" id="{32E6DAFA-E886-49B0-9FA1-D47015371453}"/>
+              </a:ext>
+            </a:extLst>
+          </p:cNvPr>
+          <p:cNvPicPr>
+            <a:picLocks noChangeAspect="1"/>
+          </p:cNvPicPr>
+          <p:nvPr/>
+        </p:nvPicPr>
+        <p:blipFill>
+          <a:blip r:embed="rId2">
+            <a:extLst>
+              <a:ext uri="{28A0092B-C50C-407E-A947-70E740481C1C}">
+                <a14:useLocalDpi xmlns:a14="http://schemas.microsoft.com/office/drawing/2010/main" val="0"/>
+              </a:ext>
+              <a:ext uri="{96DAC541-7B7A-43D3-8B79-37D633B846F1}">
+                <asvg:svgBlip xmlns:asvg="http://schemas.microsoft.com/office/drawing/2016/SVG/main" r:embed="rId3"/>
+              </a:ext>
+            </a:extLst>
+          </a:blip>
+          <a:stretch>
+            <a:fillRect/>
+          </a:stretch>
+        </p:blipFill>
+        <p:spPr>
+          <a:xfrm>
+            <a:off x="4079774" y="4537002"/>
+            <a:ext cx="613071" cy="692198"/>
+          </a:xfrm>
+          <a:prstGeom prst="rect">
+            <a:avLst/>
+          </a:prstGeom>
+        </p:spPr>
+      </p:pic>
+      <p:pic>
+        <p:nvPicPr>
+          <p:cNvPr id="24" name="Graphic 23" descr="Checkmark">
+            <a:extLst>
+              <a:ext uri="{FF2B5EF4-FFF2-40B4-BE49-F238E27FC236}">
+                <a16:creationId xmlns:a16="http://schemas.microsoft.com/office/drawing/2014/main" id="{D9398D66-A536-4CFC-B2C6-BB6C68C3A927}"/>
+              </a:ext>
+            </a:extLst>
+          </p:cNvPr>
+          <p:cNvPicPr>
+            <a:picLocks noChangeAspect="1"/>
+          </p:cNvPicPr>
+          <p:nvPr/>
+        </p:nvPicPr>
+        <p:blipFill>
+          <a:blip r:embed="rId2">
+            <a:extLst>
+              <a:ext uri="{28A0092B-C50C-407E-A947-70E740481C1C}">
+                <a14:useLocalDpi xmlns:a14="http://schemas.microsoft.com/office/drawing/2010/main" val="0"/>
+              </a:ext>
+              <a:ext uri="{96DAC541-7B7A-43D3-8B79-37D633B846F1}">
+                <asvg:svgBlip xmlns:asvg="http://schemas.microsoft.com/office/drawing/2016/SVG/main" r:embed="rId3"/>
+              </a:ext>
+            </a:extLst>
+          </a:blip>
+          <a:stretch>
+            <a:fillRect/>
+          </a:stretch>
+        </p:blipFill>
+        <p:spPr>
+          <a:xfrm>
+            <a:off x="6492042" y="4471692"/>
+            <a:ext cx="613071" cy="692198"/>
+          </a:xfrm>
+          <a:prstGeom prst="rect">
+            <a:avLst/>
+          </a:prstGeom>
+        </p:spPr>
+      </p:pic>
+      <p:pic>
+        <p:nvPicPr>
+          <p:cNvPr id="25" name="Graphic 24" descr="Checkmark">
+            <a:extLst>
+              <a:ext uri="{FF2B5EF4-FFF2-40B4-BE49-F238E27FC236}">
+                <a16:creationId xmlns:a16="http://schemas.microsoft.com/office/drawing/2014/main" id="{A04AD706-3C60-4A7A-A351-0E6FAA0D2D1C}"/>
+              </a:ext>
+            </a:extLst>
+          </p:cNvPr>
+          <p:cNvPicPr>
+            <a:picLocks noChangeAspect="1"/>
+          </p:cNvPicPr>
+          <p:nvPr/>
+        </p:nvPicPr>
+        <p:blipFill>
+          <a:blip r:embed="rId2">
+            <a:extLst>
+              <a:ext uri="{28A0092B-C50C-407E-A947-70E740481C1C}">
+                <a14:useLocalDpi xmlns:a14="http://schemas.microsoft.com/office/drawing/2010/main" val="0"/>
+              </a:ext>
+              <a:ext uri="{96DAC541-7B7A-43D3-8B79-37D633B846F1}">
+                <asvg:svgBlip xmlns:asvg="http://schemas.microsoft.com/office/drawing/2016/SVG/main" r:embed="rId3"/>
+              </a:ext>
+            </a:extLst>
+          </a:blip>
+          <a:stretch>
+            <a:fillRect/>
+          </a:stretch>
+        </p:blipFill>
+        <p:spPr>
+          <a:xfrm>
+            <a:off x="8904310" y="4523940"/>
+            <a:ext cx="613071" cy="692198"/>
+          </a:xfrm>
+          <a:prstGeom prst="rect">
+            <a:avLst/>
+          </a:prstGeom>
+        </p:spPr>
+      </p:pic>
+      <p:sp>
+        <p:nvSpPr>
+          <p:cNvPr id="26" name="Text Placeholder 2">
+            <a:extLst>
+              <a:ext uri="{FF2B5EF4-FFF2-40B4-BE49-F238E27FC236}">
+                <a16:creationId xmlns:a16="http://schemas.microsoft.com/office/drawing/2014/main" id="{39C38CB7-4D1B-4780-9413-CE44C49E1000}"/>
+              </a:ext>
+            </a:extLst>
+          </p:cNvPr>
+          <p:cNvSpPr txBox="1">
+            <a:spLocks/>
+          </p:cNvSpPr>
+          <p:nvPr/>
+        </p:nvSpPr>
+        <p:spPr>
+          <a:xfrm>
+            <a:off x="550200" y="1148607"/>
+            <a:ext cx="11091600" cy="504056"/>
+          </a:xfrm>
+          <a:prstGeom prst="rect">
+            <a:avLst/>
+          </a:prstGeom>
+        </p:spPr>
+        <p:txBody>
+          <a:bodyPr vert="horz" lIns="0" tIns="0" rIns="0" bIns="0" rtlCol="0">
+            <a:normAutofit/>
+          </a:bodyPr>
+          <a:lstStyle>
+            <a:lvl1pPr marL="0" indent="0" algn="l" defTabSz="914400" rtl="0" eaLnBrk="1" latinLnBrk="0" hangingPunct="1">
+              <a:lnSpc>
+                <a:spcPct val="100000"/>
+              </a:lnSpc>
+              <a:spcBef>
+                <a:spcPts val="0"/>
+              </a:spcBef>
+              <a:buFont typeface="Arial" panose="020B0604020202020204" pitchFamily="34" charset="0"/>
+              <a:buNone/>
+              <a:defRPr sz="2200" kern="1200" spc="-110" baseline="0">
+                <a:solidFill>
+                  <a:schemeClr val="accent1"/>
+                </a:solidFill>
+                <a:latin typeface="+mj-lt"/>
+                <a:ea typeface="+mn-ea"/>
+                <a:cs typeface="+mn-cs"/>
+              </a:defRPr>
+            </a:lvl1pPr>
+            <a:lvl2pPr marL="266700" indent="-177800" algn="l" defTabSz="914400" rtl="0" eaLnBrk="1" latinLnBrk="0" hangingPunct="1">
+              <a:lnSpc>
+                <a:spcPct val="100000"/>
+              </a:lnSpc>
+              <a:spcBef>
+                <a:spcPts val="600"/>
+              </a:spcBef>
+              <a:buClr>
+                <a:schemeClr val="accent1"/>
+              </a:buClr>
+              <a:buFont typeface="Wingdings" panose="05000000000000000000" pitchFamily="2" charset="2"/>
+              <a:buChar char="§"/>
+              <a:defRPr sz="1800" kern="1200">
+                <a:solidFill>
+                  <a:schemeClr val="tx1"/>
+                </a:solidFill>
+                <a:latin typeface="+mj-lt"/>
+                <a:ea typeface="+mn-ea"/>
+                <a:cs typeface="+mn-cs"/>
+              </a:defRPr>
+            </a:lvl2pPr>
+            <a:lvl3pPr marL="444500" indent="-177800" algn="l" defTabSz="914400" rtl="0" eaLnBrk="1" latinLnBrk="0" hangingPunct="1">
+              <a:lnSpc>
+                <a:spcPct val="100000"/>
+              </a:lnSpc>
+              <a:spcBef>
+                <a:spcPts val="600"/>
+              </a:spcBef>
+              <a:buClr>
+                <a:schemeClr val="accent2"/>
+              </a:buClr>
+              <a:buFont typeface="Arial" panose="020B0604020202020204" pitchFamily="34" charset="0"/>
+              <a:buChar char="•"/>
+              <a:defRPr sz="1600" kern="1200">
+                <a:solidFill>
+                  <a:schemeClr val="tx1"/>
+                </a:solidFill>
+                <a:latin typeface="+mj-lt"/>
+                <a:ea typeface="+mn-ea"/>
+                <a:cs typeface="+mn-cs"/>
+              </a:defRPr>
+            </a:lvl3pPr>
+            <a:lvl4pPr marL="622300" indent="-177800" algn="l" defTabSz="914400" rtl="0" eaLnBrk="1" latinLnBrk="0" hangingPunct="1">
+              <a:lnSpc>
+                <a:spcPct val="100000"/>
+              </a:lnSpc>
+              <a:spcBef>
+                <a:spcPts val="600"/>
+              </a:spcBef>
+              <a:buClr>
+                <a:schemeClr val="accent3"/>
+              </a:buClr>
+              <a:buFont typeface="Verdana" panose="020B0604030504040204" pitchFamily="34" charset="0"/>
+              <a:buChar char="‒"/>
+              <a:defRPr sz="1400" kern="1200">
+                <a:solidFill>
+                  <a:schemeClr val="tx1"/>
+                </a:solidFill>
+                <a:latin typeface="+mj-lt"/>
+                <a:ea typeface="+mn-ea"/>
+                <a:cs typeface="+mn-cs"/>
+              </a:defRPr>
+            </a:lvl4pPr>
+            <a:lvl5pPr marL="812800" indent="-190500" algn="l" defTabSz="914400" rtl="0" eaLnBrk="1" latinLnBrk="0" hangingPunct="1">
+              <a:lnSpc>
+                <a:spcPct val="100000"/>
+              </a:lnSpc>
+              <a:spcBef>
+                <a:spcPts val="600"/>
+              </a:spcBef>
+              <a:buClr>
+                <a:schemeClr val="accent5"/>
+              </a:buClr>
+              <a:buFont typeface="Arial" panose="020B0604020202020204" pitchFamily="34" charset="0"/>
+              <a:buChar char="•"/>
+              <a:defRPr sz="1400" kern="1200">
+                <a:solidFill>
+                  <a:schemeClr val="tx1"/>
+                </a:solidFill>
+                <a:latin typeface="+mj-lt"/>
+                <a:ea typeface="+mn-ea"/>
+                <a:cs typeface="+mn-cs"/>
+              </a:defRPr>
+            </a:lvl5pPr>
+            <a:lvl6pPr marL="2514600" indent="-228600" algn="l" defTabSz="914400" rtl="0" eaLnBrk="1" latinLnBrk="0" hangingPunct="1">
+              <a:lnSpc>
+                <a:spcPct val="90000"/>
+              </a:lnSpc>
+              <a:spcBef>
+                <a:spcPts val="500"/>
+              </a:spcBef>
+              <a:buFont typeface="Arial" panose="020B0604020202020204" pitchFamily="34" charset="0"/>
+              <a:buChar char="•"/>
+              <a:defRPr sz="1800" kern="1200">
+                <a:solidFill>
+                  <a:schemeClr val="tx1"/>
+                </a:solidFill>
+                <a:latin typeface="+mn-lt"/>
+                <a:ea typeface="+mn-ea"/>
+                <a:cs typeface="+mn-cs"/>
+              </a:defRPr>
+            </a:lvl6pPr>
+            <a:lvl7pPr marL="2971800" indent="-228600" algn="l" defTabSz="914400" rtl="0" eaLnBrk="1" latinLnBrk="0" hangingPunct="1">
+              <a:lnSpc>
+                <a:spcPct val="90000"/>
+              </a:lnSpc>
+              <a:spcBef>
+                <a:spcPts val="500"/>
+              </a:spcBef>
+              <a:buFont typeface="Arial" panose="020B0604020202020204" pitchFamily="34" charset="0"/>
+              <a:buChar char="•"/>
+              <a:defRPr sz="1800" kern="1200">
+                <a:solidFill>
+                  <a:schemeClr val="tx1"/>
+                </a:solidFill>
+                <a:latin typeface="+mn-lt"/>
+                <a:ea typeface="+mn-ea"/>
+                <a:cs typeface="+mn-cs"/>
+              </a:defRPr>
+            </a:lvl7pPr>
+            <a:lvl8pPr marL="3429000" indent="-228600" algn="l" defTabSz="914400" rtl="0" eaLnBrk="1" latinLnBrk="0" hangingPunct="1">
+              <a:lnSpc>
+                <a:spcPct val="90000"/>
+              </a:lnSpc>
+              <a:spcBef>
+                <a:spcPts val="500"/>
+              </a:spcBef>
+              <a:buFont typeface="Arial" panose="020B0604020202020204" pitchFamily="34" charset="0"/>
+              <a:buChar char="•"/>
+              <a:defRPr sz="1800" kern="1200">
+                <a:solidFill>
+                  <a:schemeClr val="tx1"/>
+                </a:solidFill>
+                <a:latin typeface="+mn-lt"/>
+                <a:ea typeface="+mn-ea"/>
+                <a:cs typeface="+mn-cs"/>
+              </a:defRPr>
+            </a:lvl8pPr>
+            <a:lvl9pPr marL="3886200" indent="-228600" algn="l" defTabSz="914400" rtl="0" eaLnBrk="1" latinLnBrk="0" hangingPunct="1">
+              <a:lnSpc>
+                <a:spcPct val="90000"/>
+              </a:lnSpc>
+              <a:spcBef>
+                <a:spcPts val="500"/>
+              </a:spcBef>
+              <a:buFont typeface="Arial" panose="020B0604020202020204" pitchFamily="34" charset="0"/>
+              <a:buChar char="•"/>
+              <a:defRPr sz="1800" kern="1200">
+                <a:solidFill>
+                  <a:schemeClr val="tx1"/>
+                </a:solidFill>
+                <a:latin typeface="+mn-lt"/>
+                <a:ea typeface="+mn-ea"/>
+                <a:cs typeface="+mn-cs"/>
+              </a:defRPr>
+            </a:lvl9pPr>
+          </a:lstStyle>
+          <a:p>
+            <a:r>
+              <a:rPr lang="en-US" dirty="0"/>
+              <a:t>Tooling</a:t>
+            </a:r>
+            <a:endParaRPr lang="nl-NL" dirty="0"/>
+          </a:p>
+        </p:txBody>
+      </p:sp>
+    </p:spTree>
+    <p:extLst>
+      <p:ext uri="{BB962C8B-B14F-4D97-AF65-F5344CB8AC3E}">
+        <p14:creationId xmlns:p14="http://schemas.microsoft.com/office/powerpoint/2010/main" val="3744636639"/>
+      </p:ext>
+    </p:extLst>
+  </p:cSld>
+  <p:clrMapOvr>
+    <a:masterClrMapping/>
+  </p:clrMapOvr>
+</p:sld>
+</file>
+
+<file path=ppt/slides/slide9.xml><?xml version="1.0" encoding="utf-8"?>
+<p:sld xmlns:a="http://schemas.openxmlformats.org/drawingml/2006/main" xmlns:r="http://schemas.openxmlformats.org/officeDocument/2006/relationships" xmlns:p="http://schemas.openxmlformats.org/presentationml/2006/main">
+  <p:cSld>
+    <p:spTree>
+      <p:nvGrpSpPr>
+        <p:cNvPr id="1" name=""/>
+        <p:cNvGrpSpPr/>
+        <p:nvPr/>
+      </p:nvGrpSpPr>
+      <p:grpSpPr>
+        <a:xfrm>
+          <a:off x="0" y="0"/>
+          <a:ext cx="0" cy="0"/>
+          <a:chOff x="0" y="0"/>
+          <a:chExt cx="0" cy="0"/>
+        </a:xfrm>
+      </p:grpSpPr>
+      <p:sp>
+        <p:nvSpPr>
+          <p:cNvPr id="4" name="Title 3"/>
+          <p:cNvSpPr>
+            <a:spLocks noGrp="1"/>
+          </p:cNvSpPr>
+          <p:nvPr>
+            <p:ph type="title"/>
+          </p:nvPr>
+        </p:nvSpPr>
+        <p:spPr/>
+        <p:txBody>
+          <a:bodyPr/>
+          <a:lstStyle/>
+          <a:p>
+            <a:r>
+              <a:rPr lang="en-US" dirty="0"/>
+              <a:t>Azure </a:t>
+            </a:r>
+            <a:r>
+              <a:rPr lang="en-US" dirty="0" err="1"/>
+              <a:t>FunctionApp</a:t>
             </a:r>
             <a:endParaRPr lang="en-GB" dirty="0"/>
           </a:p>
@@ -28112,7 +30577,7 @@
         </p:spPr>
         <p:txBody>
           <a:bodyPr vert="horz" lIns="0" tIns="0" rIns="0" bIns="0" numCol="1" rtlCol="0">
-            <a:normAutofit/>
+            <a:normAutofit lnSpcReduction="10000"/>
           </a:bodyPr>
           <a:lstStyle>
             <a:lvl1pPr marL="0" indent="0" algn="l" defTabSz="914400" rtl="0" eaLnBrk="1" latinLnBrk="0" hangingPunct="1">
@@ -28324,6 +30789,16 @@
             <a:r>
               <a:rPr lang="en-GB" sz="1600" dirty="0"/>
               <a:t>Modules</a:t>
+            </a:r>
+          </a:p>
+          <a:p>
+            <a:pPr marL="342900" indent="-342900">
+              <a:buFont typeface="Arial" panose="020B0604020202020204" pitchFamily="34" charset="0"/>
+              <a:buChar char="•"/>
+            </a:pPr>
+            <a:r>
+              <a:rPr lang="en-GB" sz="1600" dirty="0"/>
+              <a:t>Maven</a:t>
             </a:r>
             <a:endParaRPr lang="en-GB" dirty="0"/>
           </a:p>
@@ -28814,759 +31289,7 @@
     </p:spTree>
     <p:extLst>
       <p:ext uri="{BB962C8B-B14F-4D97-AF65-F5344CB8AC3E}">
-        <p14:creationId xmlns:p14="http://schemas.microsoft.com/office/powerpoint/2010/main" val="3744636639"/>
-      </p:ext>
-    </p:extLst>
-  </p:cSld>
-  <p:clrMapOvr>
-    <a:masterClrMapping/>
-  </p:clrMapOvr>
-</p:sld>
-</file>
-
-<file path=ppt/slides/slide4.xml><?xml version="1.0" encoding="utf-8"?>
-<p:sld xmlns:a="http://schemas.openxmlformats.org/drawingml/2006/main" xmlns:r="http://schemas.openxmlformats.org/officeDocument/2006/relationships" xmlns:p="http://schemas.openxmlformats.org/presentationml/2006/main">
-  <p:cSld>
-    <p:spTree>
-      <p:nvGrpSpPr>
-        <p:cNvPr id="1" name=""/>
-        <p:cNvGrpSpPr/>
-        <p:nvPr/>
-      </p:nvGrpSpPr>
-      <p:grpSpPr>
-        <a:xfrm>
-          <a:off x="0" y="0"/>
-          <a:ext cx="0" cy="0"/>
-          <a:chOff x="0" y="0"/>
-          <a:chExt cx="0" cy="0"/>
-        </a:xfrm>
-      </p:grpSpPr>
-      <p:sp>
-        <p:nvSpPr>
-          <p:cNvPr id="2" name="Title 1">
-            <a:extLst>
-              <a:ext uri="{FF2B5EF4-FFF2-40B4-BE49-F238E27FC236}">
-                <a16:creationId xmlns:a16="http://schemas.microsoft.com/office/drawing/2014/main" id="{4B8E6D39-B07F-4E82-A091-172F19F450C4}"/>
-              </a:ext>
-            </a:extLst>
-          </p:cNvPr>
-          <p:cNvSpPr>
-            <a:spLocks noGrp="1"/>
-          </p:cNvSpPr>
-          <p:nvPr>
-            <p:ph type="title"/>
-          </p:nvPr>
-        </p:nvSpPr>
-        <p:spPr/>
-        <p:txBody>
-          <a:bodyPr/>
-          <a:lstStyle/>
-          <a:p>
-            <a:r>
-              <a:rPr lang="nl-NL" dirty="0" err="1"/>
-              <a:t>Bindings</a:t>
-            </a:r>
-            <a:endParaRPr lang="nl-NL" dirty="0"/>
-          </a:p>
-        </p:txBody>
-      </p:sp>
-      <p:pic>
-        <p:nvPicPr>
-          <p:cNvPr id="5" name="Picture 4">
-            <a:extLst>
-              <a:ext uri="{FF2B5EF4-FFF2-40B4-BE49-F238E27FC236}">
-                <a16:creationId xmlns:a16="http://schemas.microsoft.com/office/drawing/2014/main" id="{08A223F7-2703-436F-90C6-3904670FDEA7}"/>
-              </a:ext>
-            </a:extLst>
-          </p:cNvPr>
-          <p:cNvPicPr>
-            <a:picLocks noChangeAspect="1"/>
-          </p:cNvPicPr>
-          <p:nvPr/>
-        </p:nvPicPr>
-        <p:blipFill>
-          <a:blip r:embed="rId2"/>
-          <a:stretch>
-            <a:fillRect/>
-          </a:stretch>
-        </p:blipFill>
-        <p:spPr>
-          <a:xfrm>
-            <a:off x="1631504" y="863475"/>
-            <a:ext cx="9361040" cy="5517853"/>
-          </a:xfrm>
-          <a:prstGeom prst="rect">
-            <a:avLst/>
-          </a:prstGeom>
-        </p:spPr>
-      </p:pic>
-    </p:spTree>
-    <p:extLst>
-      <p:ext uri="{BB962C8B-B14F-4D97-AF65-F5344CB8AC3E}">
-        <p14:creationId xmlns:p14="http://schemas.microsoft.com/office/powerpoint/2010/main" val="1931574639"/>
-      </p:ext>
-    </p:extLst>
-  </p:cSld>
-  <p:clrMapOvr>
-    <a:masterClrMapping/>
-  </p:clrMapOvr>
-</p:sld>
-</file>
-
-<file path=ppt/slides/slide5.xml><?xml version="1.0" encoding="utf-8"?>
-<p:sld xmlns:a="http://schemas.openxmlformats.org/drawingml/2006/main" xmlns:r="http://schemas.openxmlformats.org/officeDocument/2006/relationships" xmlns:p="http://schemas.openxmlformats.org/presentationml/2006/main">
-  <p:cSld>
-    <p:spTree>
-      <p:nvGrpSpPr>
-        <p:cNvPr id="1" name=""/>
-        <p:cNvGrpSpPr/>
-        <p:nvPr/>
-      </p:nvGrpSpPr>
-      <p:grpSpPr>
-        <a:xfrm>
-          <a:off x="0" y="0"/>
-          <a:ext cx="0" cy="0"/>
-          <a:chOff x="0" y="0"/>
-          <a:chExt cx="0" cy="0"/>
-        </a:xfrm>
-      </p:grpSpPr>
-      <p:sp>
-        <p:nvSpPr>
-          <p:cNvPr id="2" name="Title 1">
-            <a:extLst>
-              <a:ext uri="{FF2B5EF4-FFF2-40B4-BE49-F238E27FC236}">
-                <a16:creationId xmlns:a16="http://schemas.microsoft.com/office/drawing/2014/main" id="{1743C244-29DB-4467-8119-97FEE9B69BF8}"/>
-              </a:ext>
-            </a:extLst>
-          </p:cNvPr>
-          <p:cNvSpPr>
-            <a:spLocks noGrp="1"/>
-          </p:cNvSpPr>
-          <p:nvPr>
-            <p:ph type="title"/>
-          </p:nvPr>
-        </p:nvSpPr>
-        <p:spPr>
-          <a:xfrm>
-            <a:off x="550200" y="188640"/>
-            <a:ext cx="11091600" cy="916260"/>
-          </a:xfrm>
-        </p:spPr>
-        <p:txBody>
-          <a:bodyPr/>
-          <a:lstStyle/>
-          <a:p>
-            <a:r>
-              <a:rPr lang="nl-NL" dirty="0" err="1"/>
-              <a:t>Azure</a:t>
-            </a:r>
-            <a:r>
-              <a:rPr lang="nl-NL" dirty="0"/>
-              <a:t> </a:t>
-            </a:r>
-            <a:r>
-              <a:rPr lang="nl-NL" dirty="0" err="1"/>
-              <a:t>Function</a:t>
-            </a:r>
-            <a:r>
-              <a:rPr lang="nl-NL" dirty="0"/>
-              <a:t> : Lab01</a:t>
-            </a:r>
-          </a:p>
-        </p:txBody>
-      </p:sp>
-      <p:pic>
-        <p:nvPicPr>
-          <p:cNvPr id="8" name="Picture 7">
-            <a:extLst>
-              <a:ext uri="{FF2B5EF4-FFF2-40B4-BE49-F238E27FC236}">
-                <a16:creationId xmlns:a16="http://schemas.microsoft.com/office/drawing/2014/main" id="{6AD0CFBE-6CD0-4179-9100-80043C24442A}"/>
-              </a:ext>
-            </a:extLst>
-          </p:cNvPr>
-          <p:cNvPicPr>
-            <a:picLocks noChangeAspect="1"/>
-          </p:cNvPicPr>
-          <p:nvPr/>
-        </p:nvPicPr>
-        <p:blipFill>
-          <a:blip r:embed="rId2"/>
-          <a:stretch>
-            <a:fillRect/>
-          </a:stretch>
-        </p:blipFill>
-        <p:spPr>
-          <a:xfrm>
-            <a:off x="550200" y="1052736"/>
-            <a:ext cx="10496545" cy="5496157"/>
-          </a:xfrm>
-          <a:prstGeom prst="rect">
-            <a:avLst/>
-          </a:prstGeom>
-        </p:spPr>
-      </p:pic>
-    </p:spTree>
-    <p:extLst>
-      <p:ext uri="{BB962C8B-B14F-4D97-AF65-F5344CB8AC3E}">
-        <p14:creationId xmlns:p14="http://schemas.microsoft.com/office/powerpoint/2010/main" val="2112031513"/>
-      </p:ext>
-    </p:extLst>
-  </p:cSld>
-  <p:clrMapOvr>
-    <a:masterClrMapping/>
-  </p:clrMapOvr>
-</p:sld>
-</file>
-
-<file path=ppt/slides/slide6.xml><?xml version="1.0" encoding="utf-8"?>
-<p:sld xmlns:a="http://schemas.openxmlformats.org/drawingml/2006/main" xmlns:r="http://schemas.openxmlformats.org/officeDocument/2006/relationships" xmlns:p="http://schemas.openxmlformats.org/presentationml/2006/main">
-  <p:cSld>
-    <p:spTree>
-      <p:nvGrpSpPr>
-        <p:cNvPr id="1" name=""/>
-        <p:cNvGrpSpPr/>
-        <p:nvPr/>
-      </p:nvGrpSpPr>
-      <p:grpSpPr>
-        <a:xfrm>
-          <a:off x="0" y="0"/>
-          <a:ext cx="0" cy="0"/>
-          <a:chOff x="0" y="0"/>
-          <a:chExt cx="0" cy="0"/>
-        </a:xfrm>
-      </p:grpSpPr>
-      <p:sp>
-        <p:nvSpPr>
-          <p:cNvPr id="2" name="Title 1">
-            <a:extLst>
-              <a:ext uri="{FF2B5EF4-FFF2-40B4-BE49-F238E27FC236}">
-                <a16:creationId xmlns:a16="http://schemas.microsoft.com/office/drawing/2014/main" id="{1743C244-29DB-4467-8119-97FEE9B69BF8}"/>
-              </a:ext>
-            </a:extLst>
-          </p:cNvPr>
-          <p:cNvSpPr>
-            <a:spLocks noGrp="1"/>
-          </p:cNvSpPr>
-          <p:nvPr>
-            <p:ph type="title"/>
-          </p:nvPr>
-        </p:nvSpPr>
-        <p:spPr>
-          <a:xfrm>
-            <a:off x="550200" y="188640"/>
-            <a:ext cx="11091600" cy="916260"/>
-          </a:xfrm>
-        </p:spPr>
-        <p:txBody>
-          <a:bodyPr/>
-          <a:lstStyle/>
-          <a:p>
-            <a:r>
-              <a:rPr lang="nl-NL" dirty="0" err="1"/>
-              <a:t>Azure</a:t>
-            </a:r>
-            <a:r>
-              <a:rPr lang="nl-NL" dirty="0"/>
-              <a:t> </a:t>
-            </a:r>
-            <a:r>
-              <a:rPr lang="nl-NL" dirty="0" err="1"/>
-              <a:t>Function</a:t>
-            </a:r>
-            <a:r>
-              <a:rPr lang="nl-NL" dirty="0"/>
-              <a:t> </a:t>
-            </a:r>
-            <a:r>
-              <a:rPr lang="nl-NL" dirty="0" err="1"/>
-              <a:t>Config</a:t>
-            </a:r>
-            <a:endParaRPr lang="nl-NL" dirty="0"/>
-          </a:p>
-        </p:txBody>
-      </p:sp>
-      <p:sp>
-        <p:nvSpPr>
-          <p:cNvPr id="3" name="Text Placeholder 2">
-            <a:extLst>
-              <a:ext uri="{FF2B5EF4-FFF2-40B4-BE49-F238E27FC236}">
-                <a16:creationId xmlns:a16="http://schemas.microsoft.com/office/drawing/2014/main" id="{EA876439-BCAC-44D3-A4D7-2E31ED9B91C2}"/>
-              </a:ext>
-            </a:extLst>
-          </p:cNvPr>
-          <p:cNvSpPr>
-            <a:spLocks noGrp="1"/>
-          </p:cNvSpPr>
-          <p:nvPr>
-            <p:ph type="body" sz="quarter" idx="10"/>
-          </p:nvPr>
-        </p:nvSpPr>
-        <p:spPr>
-          <a:xfrm>
-            <a:off x="550200" y="1104900"/>
-            <a:ext cx="11091600" cy="1369005"/>
-          </a:xfrm>
-        </p:spPr>
-        <p:txBody>
-          <a:bodyPr>
-            <a:normAutofit/>
-          </a:bodyPr>
-          <a:lstStyle/>
-          <a:p>
-            <a:endParaRPr lang="nl-NL" dirty="0"/>
-          </a:p>
-          <a:p>
-            <a:r>
-              <a:rPr lang="nl-NL" dirty="0" err="1"/>
-              <a:t>Compiled</a:t>
-            </a:r>
-            <a:r>
-              <a:rPr lang="nl-NL" dirty="0"/>
-              <a:t> Code – </a:t>
-            </a:r>
-            <a:r>
-              <a:rPr lang="nl-NL" dirty="0" err="1"/>
-              <a:t>Config</a:t>
-            </a:r>
-            <a:r>
-              <a:rPr lang="nl-NL" dirty="0"/>
-              <a:t> file </a:t>
-            </a:r>
-            <a:r>
-              <a:rPr lang="en-GB" dirty="0"/>
-              <a:t>generated</a:t>
-            </a:r>
-            <a:r>
-              <a:rPr lang="nl-NL" dirty="0"/>
-              <a:t> </a:t>
-            </a:r>
-            <a:r>
-              <a:rPr lang="nl-NL" dirty="0" err="1"/>
-              <a:t>from</a:t>
-            </a:r>
-            <a:r>
-              <a:rPr lang="nl-NL" dirty="0"/>
-              <a:t> </a:t>
-            </a:r>
-            <a:r>
-              <a:rPr lang="nl-NL" dirty="0" err="1"/>
-              <a:t>Annotations</a:t>
-            </a:r>
-            <a:endParaRPr lang="nl-NL" dirty="0"/>
-          </a:p>
-          <a:p>
-            <a:r>
-              <a:rPr lang="en-GB" dirty="0"/>
-              <a:t>Scripted Code – Config file should be included</a:t>
-            </a:r>
-          </a:p>
-          <a:p>
-            <a:endParaRPr lang="en-GB" dirty="0"/>
-          </a:p>
-          <a:p>
-            <a:endParaRPr lang="nl-NL" dirty="0"/>
-          </a:p>
-          <a:p>
-            <a:endParaRPr lang="en-GB" dirty="0"/>
-          </a:p>
-        </p:txBody>
-      </p:sp>
-      <p:sp>
-        <p:nvSpPr>
-          <p:cNvPr id="5" name="Text Placeholder 4">
-            <a:extLst>
-              <a:ext uri="{FF2B5EF4-FFF2-40B4-BE49-F238E27FC236}">
-                <a16:creationId xmlns:a16="http://schemas.microsoft.com/office/drawing/2014/main" id="{4F81F1C4-9E4D-465A-8309-03D3513D03B4}"/>
-              </a:ext>
-            </a:extLst>
-          </p:cNvPr>
-          <p:cNvSpPr txBox="1">
-            <a:spLocks/>
-          </p:cNvSpPr>
-          <p:nvPr/>
-        </p:nvSpPr>
-        <p:spPr>
-          <a:xfrm>
-            <a:off x="550200" y="2867245"/>
-            <a:ext cx="10658368" cy="3658099"/>
-          </a:xfrm>
-          <a:prstGeom prst="rect">
-            <a:avLst/>
-          </a:prstGeom>
-        </p:spPr>
-        <p:txBody>
-          <a:bodyPr vert="horz" lIns="0" tIns="0" rIns="0" bIns="0" numCol="1" rtlCol="0">
-            <a:normAutofit fontScale="70000" lnSpcReduction="20000"/>
-          </a:bodyPr>
-          <a:lstStyle>
-            <a:lvl1pPr marL="0" indent="0" algn="l" defTabSz="914400" rtl="0" eaLnBrk="1" latinLnBrk="0" hangingPunct="1">
-              <a:lnSpc>
-                <a:spcPct val="100000"/>
-              </a:lnSpc>
-              <a:spcBef>
-                <a:spcPts val="600"/>
-              </a:spcBef>
-              <a:buFont typeface="Arial" panose="020B0604020202020204" pitchFamily="34" charset="0"/>
-              <a:buNone/>
-              <a:defRPr sz="2000" kern="1200">
-                <a:solidFill>
-                  <a:schemeClr val="tx1"/>
-                </a:solidFill>
-                <a:latin typeface="+mj-lt"/>
-                <a:ea typeface="+mn-ea"/>
-                <a:cs typeface="+mn-cs"/>
-              </a:defRPr>
-            </a:lvl1pPr>
-            <a:lvl2pPr marL="273050" indent="-273050" algn="l" defTabSz="914400" rtl="0" eaLnBrk="1" latinLnBrk="0" hangingPunct="1">
-              <a:lnSpc>
-                <a:spcPct val="100000"/>
-              </a:lnSpc>
-              <a:spcBef>
-                <a:spcPts val="600"/>
-              </a:spcBef>
-              <a:buClr>
-                <a:schemeClr val="accent1"/>
-              </a:buClr>
-              <a:buFont typeface="Wingdings" panose="05000000000000000000" pitchFamily="2" charset="2"/>
-              <a:buChar char="§"/>
-              <a:defRPr sz="1800" kern="1200">
-                <a:solidFill>
-                  <a:schemeClr val="tx1"/>
-                </a:solidFill>
-                <a:latin typeface="+mj-lt"/>
-                <a:ea typeface="+mn-ea"/>
-                <a:cs typeface="+mn-cs"/>
-              </a:defRPr>
-            </a:lvl2pPr>
-            <a:lvl3pPr marL="531813" indent="-258763" algn="l" defTabSz="914400" rtl="0" eaLnBrk="1" latinLnBrk="0" hangingPunct="1">
-              <a:lnSpc>
-                <a:spcPct val="100000"/>
-              </a:lnSpc>
-              <a:spcBef>
-                <a:spcPts val="600"/>
-              </a:spcBef>
-              <a:buClr>
-                <a:schemeClr val="accent1"/>
-              </a:buClr>
-              <a:buFont typeface="Arial" panose="020B0604020202020204" pitchFamily="34" charset="0"/>
-              <a:buChar char="•"/>
-              <a:defRPr sz="1600" kern="1200">
-                <a:solidFill>
-                  <a:schemeClr val="tx1"/>
-                </a:solidFill>
-                <a:latin typeface="+mj-lt"/>
-                <a:ea typeface="+mn-ea"/>
-                <a:cs typeface="+mn-cs"/>
-              </a:defRPr>
-            </a:lvl3pPr>
-            <a:lvl4pPr marL="723900" indent="-192088" algn="l" defTabSz="914400" rtl="0" eaLnBrk="1" latinLnBrk="0" hangingPunct="1">
-              <a:lnSpc>
-                <a:spcPct val="100000"/>
-              </a:lnSpc>
-              <a:spcBef>
-                <a:spcPts val="600"/>
-              </a:spcBef>
-              <a:buClr>
-                <a:schemeClr val="accent1"/>
-              </a:buClr>
-              <a:buFont typeface="Verdana" panose="020B0604030504040204" pitchFamily="34" charset="0"/>
-              <a:buChar char="‒"/>
-              <a:defRPr sz="1400" kern="1200">
-                <a:solidFill>
-                  <a:schemeClr val="tx1"/>
-                </a:solidFill>
-                <a:latin typeface="+mj-lt"/>
-                <a:ea typeface="+mn-ea"/>
-                <a:cs typeface="+mn-cs"/>
-              </a:defRPr>
-            </a:lvl4pPr>
-            <a:lvl5pPr marL="812800" indent="-190500" algn="l" defTabSz="914400" rtl="0" eaLnBrk="1" latinLnBrk="0" hangingPunct="1">
-              <a:lnSpc>
-                <a:spcPct val="100000"/>
-              </a:lnSpc>
-              <a:spcBef>
-                <a:spcPts val="600"/>
-              </a:spcBef>
-              <a:buClr>
-                <a:schemeClr val="accent5"/>
-              </a:buClr>
-              <a:buFont typeface="Arial" panose="020B0604020202020204" pitchFamily="34" charset="0"/>
-              <a:buChar char="•"/>
-              <a:defRPr sz="1600" kern="1200">
-                <a:solidFill>
-                  <a:schemeClr val="tx1"/>
-                </a:solidFill>
-                <a:latin typeface="+mj-lt"/>
-                <a:ea typeface="+mn-ea"/>
-                <a:cs typeface="+mn-cs"/>
-              </a:defRPr>
-            </a:lvl5pPr>
-            <a:lvl6pPr marL="2514600" indent="-228600" algn="l" defTabSz="914400" rtl="0" eaLnBrk="1" latinLnBrk="0" hangingPunct="1">
-              <a:lnSpc>
-                <a:spcPct val="90000"/>
-              </a:lnSpc>
-              <a:spcBef>
-                <a:spcPts val="500"/>
-              </a:spcBef>
-              <a:buFont typeface="Arial" panose="020B0604020202020204" pitchFamily="34" charset="0"/>
-              <a:buChar char="•"/>
-              <a:defRPr sz="1800" kern="1200">
-                <a:solidFill>
-                  <a:schemeClr val="tx1"/>
-                </a:solidFill>
-                <a:latin typeface="+mn-lt"/>
-                <a:ea typeface="+mn-ea"/>
-                <a:cs typeface="+mn-cs"/>
-              </a:defRPr>
-            </a:lvl6pPr>
-            <a:lvl7pPr marL="2971800" indent="-228600" algn="l" defTabSz="914400" rtl="0" eaLnBrk="1" latinLnBrk="0" hangingPunct="1">
-              <a:lnSpc>
-                <a:spcPct val="90000"/>
-              </a:lnSpc>
-              <a:spcBef>
-                <a:spcPts val="500"/>
-              </a:spcBef>
-              <a:buFont typeface="Arial" panose="020B0604020202020204" pitchFamily="34" charset="0"/>
-              <a:buChar char="•"/>
-              <a:defRPr sz="1800" kern="1200">
-                <a:solidFill>
-                  <a:schemeClr val="tx1"/>
-                </a:solidFill>
-                <a:latin typeface="+mn-lt"/>
-                <a:ea typeface="+mn-ea"/>
-                <a:cs typeface="+mn-cs"/>
-              </a:defRPr>
-            </a:lvl7pPr>
-            <a:lvl8pPr marL="3429000" indent="-228600" algn="l" defTabSz="914400" rtl="0" eaLnBrk="1" latinLnBrk="0" hangingPunct="1">
-              <a:lnSpc>
-                <a:spcPct val="90000"/>
-              </a:lnSpc>
-              <a:spcBef>
-                <a:spcPts val="500"/>
-              </a:spcBef>
-              <a:buFont typeface="Arial" panose="020B0604020202020204" pitchFamily="34" charset="0"/>
-              <a:buChar char="•"/>
-              <a:defRPr sz="1800" kern="1200">
-                <a:solidFill>
-                  <a:schemeClr val="tx1"/>
-                </a:solidFill>
-                <a:latin typeface="+mn-lt"/>
-                <a:ea typeface="+mn-ea"/>
-                <a:cs typeface="+mn-cs"/>
-              </a:defRPr>
-            </a:lvl8pPr>
-            <a:lvl9pPr marL="3886200" indent="-228600" algn="l" defTabSz="914400" rtl="0" eaLnBrk="1" latinLnBrk="0" hangingPunct="1">
-              <a:lnSpc>
-                <a:spcPct val="90000"/>
-              </a:lnSpc>
-              <a:spcBef>
-                <a:spcPts val="500"/>
-              </a:spcBef>
-              <a:buFont typeface="Arial" panose="020B0604020202020204" pitchFamily="34" charset="0"/>
-              <a:buChar char="•"/>
-              <a:defRPr sz="1800" kern="1200">
-                <a:solidFill>
-                  <a:schemeClr val="tx1"/>
-                </a:solidFill>
-                <a:latin typeface="+mn-lt"/>
-                <a:ea typeface="+mn-ea"/>
-                <a:cs typeface="+mn-cs"/>
-              </a:defRPr>
-            </a:lvl9pPr>
-          </a:lstStyle>
-          <a:p>
-            <a:r>
-              <a:rPr lang="nl-NL" b="1" u="sng" dirty="0" err="1"/>
-              <a:t>function.json</a:t>
-            </a:r>
-            <a:endParaRPr lang="nl-NL" b="1" u="sng" dirty="0"/>
-          </a:p>
-          <a:p>
-            <a:r>
-              <a:rPr lang="en-US" dirty="0"/>
-              <a:t>{</a:t>
-            </a:r>
-          </a:p>
-          <a:p>
-            <a:r>
-              <a:rPr lang="en-US" dirty="0"/>
-              <a:t>    "</a:t>
-            </a:r>
-            <a:r>
-              <a:rPr lang="en-US" dirty="0" err="1"/>
-              <a:t>disabled":false</a:t>
-            </a:r>
-            <a:r>
-              <a:rPr lang="en-US" dirty="0"/>
-              <a:t>,</a:t>
-            </a:r>
-          </a:p>
-          <a:p>
-            <a:r>
-              <a:rPr lang="en-US" dirty="0"/>
-              <a:t>    "bindings":[</a:t>
-            </a:r>
-          </a:p>
-          <a:p>
-            <a:r>
-              <a:rPr lang="en-US" dirty="0"/>
-              <a:t>        // ... bindings here</a:t>
-            </a:r>
-          </a:p>
-          <a:p>
-            <a:r>
-              <a:rPr lang="en-US" dirty="0"/>
-              <a:t>        {</a:t>
-            </a:r>
-          </a:p>
-          <a:p>
-            <a:r>
-              <a:rPr lang="en-US" dirty="0"/>
-              <a:t>            “datatype": “string", //stream, binary(</a:t>
-            </a:r>
-            <a:r>
-              <a:rPr lang="en-US" dirty="0" err="1"/>
-              <a:t>javascript</a:t>
-            </a:r>
-            <a:r>
-              <a:rPr lang="en-US" dirty="0"/>
-              <a:t>)            </a:t>
-            </a:r>
-          </a:p>
-          <a:p>
-            <a:r>
-              <a:rPr lang="en-US" dirty="0"/>
-              <a:t>            "type": "</a:t>
-            </a:r>
-            <a:r>
-              <a:rPr lang="en-US" dirty="0" err="1"/>
-              <a:t>bindingType</a:t>
-            </a:r>
-            <a:r>
-              <a:rPr lang="en-US" dirty="0"/>
-              <a:t>", //</a:t>
-            </a:r>
-            <a:r>
-              <a:rPr lang="en-US" dirty="0" err="1"/>
-              <a:t>timetrigger</a:t>
-            </a:r>
-            <a:r>
-              <a:rPr lang="en-US" dirty="0"/>
-              <a:t>, </a:t>
-            </a:r>
-            <a:r>
-              <a:rPr lang="en-US" dirty="0" err="1"/>
-              <a:t>queuetrigger</a:t>
-            </a:r>
-            <a:r>
-              <a:rPr lang="en-US" dirty="0"/>
-              <a:t>, </a:t>
-            </a:r>
-            <a:r>
-              <a:rPr lang="en-US" dirty="0" err="1"/>
-              <a:t>eventhubtrigger</a:t>
-            </a:r>
-            <a:r>
-              <a:rPr lang="en-US" dirty="0"/>
-              <a:t>, </a:t>
-            </a:r>
-            <a:r>
-              <a:rPr lang="en-US" dirty="0" err="1"/>
-              <a:t>etc</a:t>
-            </a:r>
-            <a:endParaRPr lang="en-US" dirty="0"/>
-          </a:p>
-          <a:p>
-            <a:r>
-              <a:rPr lang="en-US" dirty="0"/>
-              <a:t>            "direction": "in", // out, </a:t>
-            </a:r>
-            <a:r>
-              <a:rPr lang="en-US" dirty="0" err="1"/>
-              <a:t>inout</a:t>
-            </a:r>
-            <a:r>
-              <a:rPr lang="en-US" dirty="0"/>
-              <a:t> </a:t>
-            </a:r>
-            <a:r>
-              <a:rPr lang="en-US" dirty="0">
-                <a:highlight>
-                  <a:srgbClr val="FFFF00"/>
-                </a:highlight>
-              </a:rPr>
-              <a:t>(not all bindings support </a:t>
-            </a:r>
-            <a:r>
-              <a:rPr lang="en-US" dirty="0" err="1">
-                <a:highlight>
-                  <a:srgbClr val="FFFF00"/>
-                </a:highlight>
-              </a:rPr>
-              <a:t>inout</a:t>
-            </a:r>
-            <a:r>
-              <a:rPr lang="en-US" dirty="0">
-                <a:highlight>
-                  <a:srgbClr val="FFFF00"/>
-                </a:highlight>
-              </a:rPr>
-              <a:t>)</a:t>
-            </a:r>
-          </a:p>
-          <a:p>
-            <a:r>
-              <a:rPr lang="en-US" dirty="0"/>
-              <a:t>            "name": "</a:t>
-            </a:r>
-            <a:r>
-              <a:rPr lang="en-US" dirty="0" err="1"/>
-              <a:t>myParamName</a:t>
-            </a:r>
-            <a:r>
-              <a:rPr lang="en-US" dirty="0"/>
-              <a:t>", // C#: Argument name, JS: </a:t>
-            </a:r>
-            <a:r>
-              <a:rPr lang="en-US" dirty="0" err="1"/>
-              <a:t>KeyValue</a:t>
-            </a:r>
-            <a:r>
-              <a:rPr lang="en-US" dirty="0"/>
-              <a:t> list</a:t>
-            </a:r>
-          </a:p>
-          <a:p>
-            <a:r>
-              <a:rPr lang="en-US" dirty="0"/>
-              <a:t>            // ... more depending on binding</a:t>
-            </a:r>
-          </a:p>
-          <a:p>
-            <a:r>
-              <a:rPr lang="en-US" dirty="0"/>
-              <a:t>        }</a:t>
-            </a:r>
-          </a:p>
-          <a:p>
-            <a:r>
-              <a:rPr lang="en-US" dirty="0"/>
-              <a:t>    ]</a:t>
-            </a:r>
-          </a:p>
-          <a:p>
-            <a:r>
-              <a:rPr lang="en-US" dirty="0"/>
-              <a:t>}</a:t>
-            </a:r>
-            <a:endParaRPr lang="nl-NL" dirty="0"/>
-          </a:p>
-        </p:txBody>
-      </p:sp>
-    </p:spTree>
-    <p:extLst>
-      <p:ext uri="{BB962C8B-B14F-4D97-AF65-F5344CB8AC3E}">
-        <p14:creationId xmlns:p14="http://schemas.microsoft.com/office/powerpoint/2010/main" val="1821772317"/>
+        <p14:creationId xmlns:p14="http://schemas.microsoft.com/office/powerpoint/2010/main" val="1095761266"/>
       </p:ext>
     </p:extLst>
   </p:cSld>

--- a/Azure-Function-203.pptx
+++ b/Azure-Function-203.pptx
@@ -265,7 +265,7 @@
             <a:fld id="{86C988DC-9DE3-4390-97AB-D61B85DACE57}" type="datetimeFigureOut">
               <a:rPr lang="pt-PT" sz="900" smtClean="0"/>
               <a:pPr/>
-              <a:t>26/08/2019</a:t>
+              <a:t>28/08/2019</a:t>
             </a:fld>
             <a:endParaRPr lang="pt-PT" sz="900"/>
           </a:p>
@@ -444,7 +444,7 @@
             <a:fld id="{0835B8F7-DAC4-4931-8AED-4356A8B2FD64}" type="datetimeFigureOut">
               <a:rPr lang="pt-BR" smtClean="0"/>
               <a:pPr/>
-              <a:t>26/08/2019</a:t>
+              <a:t>28/08/2019</a:t>
             </a:fld>
             <a:endParaRPr lang="pt-BR"/>
           </a:p>
@@ -1456,7 +1456,7 @@
           <a:graphicData uri="http://schemas.openxmlformats.org/presentationml/2006/ole">
             <mc:AlternateContent xmlns:mc="http://schemas.openxmlformats.org/markup-compatibility/2006">
               <mc:Choice xmlns:v="urn:schemas-microsoft-com:vml" Requires="v">
-                <p:oleObj spid="_x0000_s9712" name="think-cell Slide" r:id="rId4" imgW="270" imgH="270" progId="TCLayout.ActiveDocument.1">
+                <p:oleObj spid="_x0000_s9718" name="think-cell Slide" r:id="rId4" imgW="270" imgH="270" progId="TCLayout.ActiveDocument.1">
                   <p:embed/>
                 </p:oleObj>
               </mc:Choice>
@@ -1593,7 +1593,7 @@
           <a:graphicData uri="http://schemas.openxmlformats.org/presentationml/2006/ole">
             <mc:AlternateContent xmlns:mc="http://schemas.openxmlformats.org/markup-compatibility/2006">
               <mc:Choice xmlns:v="urn:schemas-microsoft-com:vml" Requires="v">
-                <p:oleObj spid="_x0000_s112778" name="think-cell Slide" r:id="rId4" imgW="270" imgH="270" progId="TCLayout.ActiveDocument.1">
+                <p:oleObj spid="_x0000_s112784" name="think-cell Slide" r:id="rId4" imgW="270" imgH="270" progId="TCLayout.ActiveDocument.1">
                   <p:embed/>
                 </p:oleObj>
               </mc:Choice>
@@ -2065,7 +2065,7 @@
           <a:graphicData uri="http://schemas.openxmlformats.org/presentationml/2006/ole">
             <mc:AlternateContent xmlns:mc="http://schemas.openxmlformats.org/markup-compatibility/2006">
               <mc:Choice xmlns:v="urn:schemas-microsoft-com:vml" Requires="v">
-                <p:oleObj spid="_x0000_s103617" name="think-cell Slide" r:id="rId4" imgW="270" imgH="270" progId="TCLayout.ActiveDocument.1">
+                <p:oleObj spid="_x0000_s103623" name="think-cell Slide" r:id="rId4" imgW="270" imgH="270" progId="TCLayout.ActiveDocument.1">
                   <p:embed/>
                 </p:oleObj>
               </mc:Choice>
@@ -2267,7 +2267,7 @@
           <a:graphicData uri="http://schemas.openxmlformats.org/presentationml/2006/ole">
             <mc:AlternateContent xmlns:mc="http://schemas.openxmlformats.org/markup-compatibility/2006">
               <mc:Choice xmlns:v="urn:schemas-microsoft-com:vml" Requires="v">
-                <p:oleObj spid="_x0000_s108722" name="think-cell Slide" r:id="rId4" imgW="270" imgH="270" progId="TCLayout.ActiveDocument.1">
+                <p:oleObj spid="_x0000_s108728" name="think-cell Slide" r:id="rId4" imgW="270" imgH="270" progId="TCLayout.ActiveDocument.1">
                   <p:embed/>
                 </p:oleObj>
               </mc:Choice>
@@ -2469,7 +2469,7 @@
           <a:graphicData uri="http://schemas.openxmlformats.org/presentationml/2006/ole">
             <mc:AlternateContent xmlns:mc="http://schemas.openxmlformats.org/markup-compatibility/2006">
               <mc:Choice xmlns:v="urn:schemas-microsoft-com:vml" Requires="v">
-                <p:oleObj spid="_x0000_s97535" name="think-cell Slide" r:id="rId4" imgW="270" imgH="270" progId="TCLayout.ActiveDocument.1">
+                <p:oleObj spid="_x0000_s97541" name="think-cell Slide" r:id="rId4" imgW="270" imgH="270" progId="TCLayout.ActiveDocument.1">
                   <p:embed/>
                 </p:oleObj>
               </mc:Choice>
@@ -3703,7 +3703,7 @@
           <a:graphicData uri="http://schemas.openxmlformats.org/presentationml/2006/ole">
             <mc:AlternateContent xmlns:mc="http://schemas.openxmlformats.org/markup-compatibility/2006">
               <mc:Choice xmlns:v="urn:schemas-microsoft-com:vml" Requires="v">
-                <p:oleObj spid="_x0000_s92454" name="think-cell Slide" r:id="rId5" imgW="270" imgH="270" progId="TCLayout.ActiveDocument.1">
+                <p:oleObj spid="_x0000_s92460" name="think-cell Slide" r:id="rId5" imgW="270" imgH="270" progId="TCLayout.ActiveDocument.1">
                   <p:embed/>
                 </p:oleObj>
               </mc:Choice>
@@ -4399,7 +4399,7 @@
             </a:ln>
             <a:extLst>
               <a:ext uri="{91240B29-F687-4f45-9708-019B960494DF}">
-                <a14:hiddenLine xmlns="" xmlns:a14="http://schemas.microsoft.com/office/drawing/2010/main" w="9525">
+                <a14:hiddenLine xmlns:a14="http://schemas.microsoft.com/office/drawing/2010/main" xmlns="" w="9525">
                   <a:solidFill>
                     <a:srgbClr val="000000"/>
                   </a:solidFill>
@@ -4791,7 +4791,7 @@
             </a:ln>
             <a:extLst>
               <a:ext uri="{91240B29-F687-4f45-9708-019B960494DF}">
-                <a14:hiddenLine xmlns="" xmlns:a14="http://schemas.microsoft.com/office/drawing/2010/main" w="9525">
+                <a14:hiddenLine xmlns:a14="http://schemas.microsoft.com/office/drawing/2010/main" xmlns="" w="9525">
                   <a:solidFill>
                     <a:srgbClr val="000000"/>
                   </a:solidFill>
@@ -5115,7 +5115,7 @@
             </a:ln>
             <a:extLst>
               <a:ext uri="{91240B29-F687-4f45-9708-019B960494DF}">
-                <a14:hiddenLine xmlns="" xmlns:a14="http://schemas.microsoft.com/office/drawing/2010/main" w="9525">
+                <a14:hiddenLine xmlns:a14="http://schemas.microsoft.com/office/drawing/2010/main" xmlns="" w="9525">
                   <a:solidFill>
                     <a:srgbClr val="000000"/>
                   </a:solidFill>
@@ -5439,7 +5439,7 @@
             </a:ln>
             <a:extLst>
               <a:ext uri="{91240B29-F687-4f45-9708-019B960494DF}">
-                <a14:hiddenLine xmlns="" xmlns:a14="http://schemas.microsoft.com/office/drawing/2010/main" w="9525">
+                <a14:hiddenLine xmlns:a14="http://schemas.microsoft.com/office/drawing/2010/main" xmlns="" w="9525">
                   <a:solidFill>
                     <a:srgbClr val="000000"/>
                   </a:solidFill>
@@ -5632,7 +5632,7 @@
             </a:ln>
             <a:extLst>
               <a:ext uri="{91240B29-F687-4f45-9708-019B960494DF}">
-                <a14:hiddenLine xmlns="" xmlns:a14="http://schemas.microsoft.com/office/drawing/2010/main" w="9525">
+                <a14:hiddenLine xmlns:a14="http://schemas.microsoft.com/office/drawing/2010/main" xmlns="" w="9525">
                   <a:solidFill>
                     <a:srgbClr val="000000"/>
                   </a:solidFill>
@@ -6024,7 +6024,7 @@
             </a:ln>
             <a:extLst>
               <a:ext uri="{91240B29-F687-4f45-9708-019B960494DF}">
-                <a14:hiddenLine xmlns="" xmlns:a14="http://schemas.microsoft.com/office/drawing/2010/main" w="9525">
+                <a14:hiddenLine xmlns:a14="http://schemas.microsoft.com/office/drawing/2010/main" xmlns="" w="9525">
                   <a:solidFill>
                     <a:srgbClr val="000000"/>
                   </a:solidFill>
@@ -6407,7 +6407,7 @@
             </a:ln>
             <a:extLst>
               <a:ext uri="{91240B29-F687-4f45-9708-019B960494DF}">
-                <a14:hiddenLine xmlns="" xmlns:a14="http://schemas.microsoft.com/office/drawing/2010/main" w="9525">
+                <a14:hiddenLine xmlns:a14="http://schemas.microsoft.com/office/drawing/2010/main" xmlns="" w="9525">
                   <a:solidFill>
                     <a:srgbClr val="000000"/>
                   </a:solidFill>
@@ -6861,7 +6861,7 @@
             </a:ln>
             <a:extLst>
               <a:ext uri="{91240B29-F687-4f45-9708-019B960494DF}">
-                <a14:hiddenLine xmlns="" xmlns:a14="http://schemas.microsoft.com/office/drawing/2010/main" w="9525">
+                <a14:hiddenLine xmlns:a14="http://schemas.microsoft.com/office/drawing/2010/main" xmlns="" w="9525">
                   <a:solidFill>
                     <a:srgbClr val="000000"/>
                   </a:solidFill>
@@ -7114,7 +7114,7 @@
             </a:ln>
             <a:extLst>
               <a:ext uri="{91240B29-F687-4f45-9708-019B960494DF}">
-                <a14:hiddenLine xmlns="" xmlns:a14="http://schemas.microsoft.com/office/drawing/2010/main" w="9525">
+                <a14:hiddenLine xmlns:a14="http://schemas.microsoft.com/office/drawing/2010/main" xmlns="" w="9525">
                   <a:solidFill>
                     <a:srgbClr val="000000"/>
                   </a:solidFill>
@@ -7367,7 +7367,7 @@
             </a:ln>
             <a:extLst>
               <a:ext uri="{91240B29-F687-4f45-9708-019B960494DF}">
-                <a14:hiddenLine xmlns="" xmlns:a14="http://schemas.microsoft.com/office/drawing/2010/main" w="9525">
+                <a14:hiddenLine xmlns:a14="http://schemas.microsoft.com/office/drawing/2010/main" xmlns="" w="9525">
                   <a:solidFill>
                     <a:srgbClr val="000000"/>
                   </a:solidFill>
@@ -7759,7 +7759,7 @@
             </a:ln>
             <a:extLst>
               <a:ext uri="{91240B29-F687-4f45-9708-019B960494DF}">
-                <a14:hiddenLine xmlns="" xmlns:a14="http://schemas.microsoft.com/office/drawing/2010/main" w="9525">
+                <a14:hiddenLine xmlns:a14="http://schemas.microsoft.com/office/drawing/2010/main" xmlns="" w="9525">
                   <a:solidFill>
                     <a:srgbClr val="000000"/>
                   </a:solidFill>
@@ -7972,7 +7972,7 @@
             </a:ln>
             <a:extLst>
               <a:ext uri="{91240B29-F687-4f45-9708-019B960494DF}">
-                <a14:hiddenLine xmlns="" xmlns:a14="http://schemas.microsoft.com/office/drawing/2010/main" w="9525">
+                <a14:hiddenLine xmlns:a14="http://schemas.microsoft.com/office/drawing/2010/main" xmlns="" w="9525">
                   <a:solidFill>
                     <a:srgbClr val="000000"/>
                   </a:solidFill>
@@ -8145,7 +8145,7 @@
             </a:ln>
             <a:extLst>
               <a:ext uri="{91240B29-F687-4f45-9708-019B960494DF}">
-                <a14:hiddenLine xmlns="" xmlns:a14="http://schemas.microsoft.com/office/drawing/2010/main" w="9525">
+                <a14:hiddenLine xmlns:a14="http://schemas.microsoft.com/office/drawing/2010/main" xmlns="" w="9525">
                   <a:solidFill>
                     <a:srgbClr val="000000"/>
                   </a:solidFill>
@@ -8358,7 +8358,7 @@
             </a:ln>
             <a:extLst>
               <a:ext uri="{91240B29-F687-4f45-9708-019B960494DF}">
-                <a14:hiddenLine xmlns="" xmlns:a14="http://schemas.microsoft.com/office/drawing/2010/main" w="9525">
+                <a14:hiddenLine xmlns:a14="http://schemas.microsoft.com/office/drawing/2010/main" xmlns="" w="9525">
                   <a:solidFill>
                     <a:srgbClr val="000000"/>
                   </a:solidFill>
@@ -8750,7 +8750,7 @@
             </a:ln>
             <a:extLst>
               <a:ext uri="{91240B29-F687-4f45-9708-019B960494DF}">
-                <a14:hiddenLine xmlns="" xmlns:a14="http://schemas.microsoft.com/office/drawing/2010/main" w="9525">
+                <a14:hiddenLine xmlns:a14="http://schemas.microsoft.com/office/drawing/2010/main" xmlns="" w="9525">
                   <a:solidFill>
                     <a:srgbClr val="000000"/>
                   </a:solidFill>
@@ -9145,7 +9145,7 @@
             </a:ln>
             <a:extLst>
               <a:ext uri="{91240B29-F687-4f45-9708-019B960494DF}">
-                <a14:hiddenLine xmlns="" xmlns:a14="http://schemas.microsoft.com/office/drawing/2010/main" w="9525">
+                <a14:hiddenLine xmlns:a14="http://schemas.microsoft.com/office/drawing/2010/main" xmlns="" w="9525">
                   <a:solidFill>
                     <a:srgbClr val="000000"/>
                   </a:solidFill>
@@ -9378,7 +9378,7 @@
             </a:ln>
             <a:extLst>
               <a:ext uri="{91240B29-F687-4f45-9708-019B960494DF}">
-                <a14:hiddenLine xmlns="" xmlns:a14="http://schemas.microsoft.com/office/drawing/2010/main" w="9525">
+                <a14:hiddenLine xmlns:a14="http://schemas.microsoft.com/office/drawing/2010/main" xmlns="" w="9525">
                   <a:solidFill>
                     <a:srgbClr val="000000"/>
                   </a:solidFill>
@@ -9571,7 +9571,7 @@
             </a:ln>
             <a:extLst>
               <a:ext uri="{91240B29-F687-4f45-9708-019B960494DF}">
-                <a14:hiddenLine xmlns="" xmlns:a14="http://schemas.microsoft.com/office/drawing/2010/main" w="9525">
+                <a14:hiddenLine xmlns:a14="http://schemas.microsoft.com/office/drawing/2010/main" xmlns="" w="9525">
                   <a:solidFill>
                     <a:srgbClr val="000000"/>
                   </a:solidFill>
@@ -9824,7 +9824,7 @@
             </a:ln>
             <a:extLst>
               <a:ext uri="{91240B29-F687-4f45-9708-019B960494DF}">
-                <a14:hiddenLine xmlns="" xmlns:a14="http://schemas.microsoft.com/office/drawing/2010/main" w="9525">
+                <a14:hiddenLine xmlns:a14="http://schemas.microsoft.com/office/drawing/2010/main" xmlns="" w="9525">
                   <a:solidFill>
                     <a:srgbClr val="000000"/>
                   </a:solidFill>
@@ -10219,7 +10219,7 @@
             </a:ln>
             <a:extLst>
               <a:ext uri="{91240B29-F687-4f45-9708-019B960494DF}">
-                <a14:hiddenLine xmlns="" xmlns:a14="http://schemas.microsoft.com/office/drawing/2010/main" w="9525">
+                <a14:hiddenLine xmlns:a14="http://schemas.microsoft.com/office/drawing/2010/main" xmlns="" w="9525">
                   <a:solidFill>
                     <a:srgbClr val="000000"/>
                   </a:solidFill>
@@ -10504,7 +10504,7 @@
             </a:ln>
             <a:extLst>
               <a:ext uri="{91240B29-F687-4f45-9708-019B960494DF}">
-                <a14:hiddenLine xmlns="" xmlns:a14="http://schemas.microsoft.com/office/drawing/2010/main" w="9525">
+                <a14:hiddenLine xmlns:a14="http://schemas.microsoft.com/office/drawing/2010/main" xmlns="" w="9525">
                   <a:solidFill>
                     <a:srgbClr val="000000"/>
                   </a:solidFill>
@@ -10828,7 +10828,7 @@
             </a:ln>
             <a:extLst>
               <a:ext uri="{91240B29-F687-4f45-9708-019B960494DF}">
-                <a14:hiddenLine xmlns="" xmlns:a14="http://schemas.microsoft.com/office/drawing/2010/main" w="9525">
+                <a14:hiddenLine xmlns:a14="http://schemas.microsoft.com/office/drawing/2010/main" xmlns="" w="9525">
                   <a:solidFill>
                     <a:srgbClr val="000000"/>
                   </a:solidFill>
@@ -11061,7 +11061,7 @@
             </a:ln>
             <a:extLst>
               <a:ext uri="{91240B29-F687-4f45-9708-019B960494DF}">
-                <a14:hiddenLine xmlns="" xmlns:a14="http://schemas.microsoft.com/office/drawing/2010/main" w="9525">
+                <a14:hiddenLine xmlns:a14="http://schemas.microsoft.com/office/drawing/2010/main" xmlns="" w="9525">
                   <a:solidFill>
                     <a:srgbClr val="000000"/>
                   </a:solidFill>
@@ -11314,7 +11314,7 @@
             </a:ln>
             <a:extLst>
               <a:ext uri="{91240B29-F687-4f45-9708-019B960494DF}">
-                <a14:hiddenLine xmlns="" xmlns:a14="http://schemas.microsoft.com/office/drawing/2010/main" w="9525">
+                <a14:hiddenLine xmlns:a14="http://schemas.microsoft.com/office/drawing/2010/main" xmlns="" w="9525">
                   <a:solidFill>
                     <a:srgbClr val="000000"/>
                   </a:solidFill>
@@ -11567,7 +11567,7 @@
             </a:ln>
             <a:extLst>
               <a:ext uri="{91240B29-F687-4f45-9708-019B960494DF}">
-                <a14:hiddenLine xmlns="" xmlns:a14="http://schemas.microsoft.com/office/drawing/2010/main" w="9525">
+                <a14:hiddenLine xmlns:a14="http://schemas.microsoft.com/office/drawing/2010/main" xmlns="" w="9525">
                   <a:solidFill>
                     <a:srgbClr val="000000"/>
                   </a:solidFill>
@@ -11722,7 +11722,7 @@
             </a:ln>
             <a:extLst>
               <a:ext uri="{91240B29-F687-4f45-9708-019B960494DF}">
-                <a14:hiddenLine xmlns="" xmlns:a14="http://schemas.microsoft.com/office/drawing/2010/main" w="9525">
+                <a14:hiddenLine xmlns:a14="http://schemas.microsoft.com/office/drawing/2010/main" xmlns="" w="9525">
                   <a:solidFill>
                     <a:srgbClr val="000000"/>
                   </a:solidFill>
@@ -12096,7 +12096,7 @@
           <a:graphicData uri="http://schemas.openxmlformats.org/presentationml/2006/ole">
             <mc:AlternateContent xmlns:mc="http://schemas.openxmlformats.org/markup-compatibility/2006">
               <mc:Choice xmlns:v="urn:schemas-microsoft-com:vml" Requires="v">
-                <p:oleObj spid="_x0000_s93475" name="think-cell Slide" r:id="rId5" imgW="270" imgH="270" progId="TCLayout.ActiveDocument.1">
+                <p:oleObj spid="_x0000_s93481" name="think-cell Slide" r:id="rId5" imgW="270" imgH="270" progId="TCLayout.ActiveDocument.1">
                   <p:embed/>
                 </p:oleObj>
               </mc:Choice>
@@ -12742,7 +12742,7 @@
             </a:ln>
             <a:extLst>
               <a:ext uri="{91240B29-F687-4f45-9708-019B960494DF}">
-                <a14:hiddenLine xmlns="" xmlns:a14="http://schemas.microsoft.com/office/drawing/2010/main" w="9525">
+                <a14:hiddenLine xmlns:a14="http://schemas.microsoft.com/office/drawing/2010/main" xmlns="" w="9525">
                   <a:solidFill>
                     <a:srgbClr val="000000"/>
                   </a:solidFill>
@@ -13134,7 +13134,7 @@
             </a:ln>
             <a:extLst>
               <a:ext uri="{91240B29-F687-4f45-9708-019B960494DF}">
-                <a14:hiddenLine xmlns="" xmlns:a14="http://schemas.microsoft.com/office/drawing/2010/main" w="9525">
+                <a14:hiddenLine xmlns:a14="http://schemas.microsoft.com/office/drawing/2010/main" xmlns="" w="9525">
                   <a:solidFill>
                     <a:srgbClr val="000000"/>
                   </a:solidFill>
@@ -13458,7 +13458,7 @@
             </a:ln>
             <a:extLst>
               <a:ext uri="{91240B29-F687-4f45-9708-019B960494DF}">
-                <a14:hiddenLine xmlns="" xmlns:a14="http://schemas.microsoft.com/office/drawing/2010/main" w="9525">
+                <a14:hiddenLine xmlns:a14="http://schemas.microsoft.com/office/drawing/2010/main" xmlns="" w="9525">
                   <a:solidFill>
                     <a:srgbClr val="000000"/>
                   </a:solidFill>
@@ -13782,7 +13782,7 @@
             </a:ln>
             <a:extLst>
               <a:ext uri="{91240B29-F687-4f45-9708-019B960494DF}">
-                <a14:hiddenLine xmlns="" xmlns:a14="http://schemas.microsoft.com/office/drawing/2010/main" w="9525">
+                <a14:hiddenLine xmlns:a14="http://schemas.microsoft.com/office/drawing/2010/main" xmlns="" w="9525">
                   <a:solidFill>
                     <a:srgbClr val="000000"/>
                   </a:solidFill>
@@ -13975,7 +13975,7 @@
             </a:ln>
             <a:extLst>
               <a:ext uri="{91240B29-F687-4f45-9708-019B960494DF}">
-                <a14:hiddenLine xmlns="" xmlns:a14="http://schemas.microsoft.com/office/drawing/2010/main" w="9525">
+                <a14:hiddenLine xmlns:a14="http://schemas.microsoft.com/office/drawing/2010/main" xmlns="" w="9525">
                   <a:solidFill>
                     <a:srgbClr val="000000"/>
                   </a:solidFill>
@@ -14367,7 +14367,7 @@
             </a:ln>
             <a:extLst>
               <a:ext uri="{91240B29-F687-4f45-9708-019B960494DF}">
-                <a14:hiddenLine xmlns="" xmlns:a14="http://schemas.microsoft.com/office/drawing/2010/main" w="9525">
+                <a14:hiddenLine xmlns:a14="http://schemas.microsoft.com/office/drawing/2010/main" xmlns="" w="9525">
                   <a:solidFill>
                     <a:srgbClr val="000000"/>
                   </a:solidFill>
@@ -14750,7 +14750,7 @@
             </a:ln>
             <a:extLst>
               <a:ext uri="{91240B29-F687-4f45-9708-019B960494DF}">
-                <a14:hiddenLine xmlns="" xmlns:a14="http://schemas.microsoft.com/office/drawing/2010/main" w="9525">
+                <a14:hiddenLine xmlns:a14="http://schemas.microsoft.com/office/drawing/2010/main" xmlns="" w="9525">
                   <a:solidFill>
                     <a:srgbClr val="000000"/>
                   </a:solidFill>
@@ -15204,7 +15204,7 @@
             </a:ln>
             <a:extLst>
               <a:ext uri="{91240B29-F687-4f45-9708-019B960494DF}">
-                <a14:hiddenLine xmlns="" xmlns:a14="http://schemas.microsoft.com/office/drawing/2010/main" w="9525">
+                <a14:hiddenLine xmlns:a14="http://schemas.microsoft.com/office/drawing/2010/main" xmlns="" w="9525">
                   <a:solidFill>
                     <a:srgbClr val="000000"/>
                   </a:solidFill>
@@ -15457,7 +15457,7 @@
             </a:ln>
             <a:extLst>
               <a:ext uri="{91240B29-F687-4f45-9708-019B960494DF}">
-                <a14:hiddenLine xmlns="" xmlns:a14="http://schemas.microsoft.com/office/drawing/2010/main" w="9525">
+                <a14:hiddenLine xmlns:a14="http://schemas.microsoft.com/office/drawing/2010/main" xmlns="" w="9525">
                   <a:solidFill>
                     <a:srgbClr val="000000"/>
                   </a:solidFill>
@@ -15710,7 +15710,7 @@
             </a:ln>
             <a:extLst>
               <a:ext uri="{91240B29-F687-4f45-9708-019B960494DF}">
-                <a14:hiddenLine xmlns="" xmlns:a14="http://schemas.microsoft.com/office/drawing/2010/main" w="9525">
+                <a14:hiddenLine xmlns:a14="http://schemas.microsoft.com/office/drawing/2010/main" xmlns="" w="9525">
                   <a:solidFill>
                     <a:srgbClr val="000000"/>
                   </a:solidFill>
@@ -16102,7 +16102,7 @@
             </a:ln>
             <a:extLst>
               <a:ext uri="{91240B29-F687-4f45-9708-019B960494DF}">
-                <a14:hiddenLine xmlns="" xmlns:a14="http://schemas.microsoft.com/office/drawing/2010/main" w="9525">
+                <a14:hiddenLine xmlns:a14="http://schemas.microsoft.com/office/drawing/2010/main" xmlns="" w="9525">
                   <a:solidFill>
                     <a:srgbClr val="000000"/>
                   </a:solidFill>
@@ -16315,7 +16315,7 @@
             </a:ln>
             <a:extLst>
               <a:ext uri="{91240B29-F687-4f45-9708-019B960494DF}">
-                <a14:hiddenLine xmlns="" xmlns:a14="http://schemas.microsoft.com/office/drawing/2010/main" w="9525">
+                <a14:hiddenLine xmlns:a14="http://schemas.microsoft.com/office/drawing/2010/main" xmlns="" w="9525">
                   <a:solidFill>
                     <a:srgbClr val="000000"/>
                   </a:solidFill>
@@ -16488,7 +16488,7 @@
             </a:ln>
             <a:extLst>
               <a:ext uri="{91240B29-F687-4f45-9708-019B960494DF}">
-                <a14:hiddenLine xmlns="" xmlns:a14="http://schemas.microsoft.com/office/drawing/2010/main" w="9525">
+                <a14:hiddenLine xmlns:a14="http://schemas.microsoft.com/office/drawing/2010/main" xmlns="" w="9525">
                   <a:solidFill>
                     <a:srgbClr val="000000"/>
                   </a:solidFill>
@@ -16701,7 +16701,7 @@
             </a:ln>
             <a:extLst>
               <a:ext uri="{91240B29-F687-4f45-9708-019B960494DF}">
-                <a14:hiddenLine xmlns="" xmlns:a14="http://schemas.microsoft.com/office/drawing/2010/main" w="9525">
+                <a14:hiddenLine xmlns:a14="http://schemas.microsoft.com/office/drawing/2010/main" xmlns="" w="9525">
                   <a:solidFill>
                     <a:srgbClr val="000000"/>
                   </a:solidFill>
@@ -17093,7 +17093,7 @@
             </a:ln>
             <a:extLst>
               <a:ext uri="{91240B29-F687-4f45-9708-019B960494DF}">
-                <a14:hiddenLine xmlns="" xmlns:a14="http://schemas.microsoft.com/office/drawing/2010/main" w="9525">
+                <a14:hiddenLine xmlns:a14="http://schemas.microsoft.com/office/drawing/2010/main" xmlns="" w="9525">
                   <a:solidFill>
                     <a:srgbClr val="000000"/>
                   </a:solidFill>
@@ -17488,7 +17488,7 @@
             </a:ln>
             <a:extLst>
               <a:ext uri="{91240B29-F687-4f45-9708-019B960494DF}">
-                <a14:hiddenLine xmlns="" xmlns:a14="http://schemas.microsoft.com/office/drawing/2010/main" w="9525">
+                <a14:hiddenLine xmlns:a14="http://schemas.microsoft.com/office/drawing/2010/main" xmlns="" w="9525">
                   <a:solidFill>
                     <a:srgbClr val="000000"/>
                   </a:solidFill>
@@ -17721,7 +17721,7 @@
             </a:ln>
             <a:extLst>
               <a:ext uri="{91240B29-F687-4f45-9708-019B960494DF}">
-                <a14:hiddenLine xmlns="" xmlns:a14="http://schemas.microsoft.com/office/drawing/2010/main" w="9525">
+                <a14:hiddenLine xmlns:a14="http://schemas.microsoft.com/office/drawing/2010/main" xmlns="" w="9525">
                   <a:solidFill>
                     <a:srgbClr val="000000"/>
                   </a:solidFill>
@@ -17914,7 +17914,7 @@
             </a:ln>
             <a:extLst>
               <a:ext uri="{91240B29-F687-4f45-9708-019B960494DF}">
-                <a14:hiddenLine xmlns="" xmlns:a14="http://schemas.microsoft.com/office/drawing/2010/main" w="9525">
+                <a14:hiddenLine xmlns:a14="http://schemas.microsoft.com/office/drawing/2010/main" xmlns="" w="9525">
                   <a:solidFill>
                     <a:srgbClr val="000000"/>
                   </a:solidFill>
@@ -18167,7 +18167,7 @@
             </a:ln>
             <a:extLst>
               <a:ext uri="{91240B29-F687-4f45-9708-019B960494DF}">
-                <a14:hiddenLine xmlns="" xmlns:a14="http://schemas.microsoft.com/office/drawing/2010/main" w="9525">
+                <a14:hiddenLine xmlns:a14="http://schemas.microsoft.com/office/drawing/2010/main" xmlns="" w="9525">
                   <a:solidFill>
                     <a:srgbClr val="000000"/>
                   </a:solidFill>
@@ -18562,7 +18562,7 @@
             </a:ln>
             <a:extLst>
               <a:ext uri="{91240B29-F687-4f45-9708-019B960494DF}">
-                <a14:hiddenLine xmlns="" xmlns:a14="http://schemas.microsoft.com/office/drawing/2010/main" w="9525">
+                <a14:hiddenLine xmlns:a14="http://schemas.microsoft.com/office/drawing/2010/main" xmlns="" w="9525">
                   <a:solidFill>
                     <a:srgbClr val="000000"/>
                   </a:solidFill>
@@ -18847,7 +18847,7 @@
             </a:ln>
             <a:extLst>
               <a:ext uri="{91240B29-F687-4f45-9708-019B960494DF}">
-                <a14:hiddenLine xmlns="" xmlns:a14="http://schemas.microsoft.com/office/drawing/2010/main" w="9525">
+                <a14:hiddenLine xmlns:a14="http://schemas.microsoft.com/office/drawing/2010/main" xmlns="" w="9525">
                   <a:solidFill>
                     <a:srgbClr val="000000"/>
                   </a:solidFill>
@@ -19171,7 +19171,7 @@
             </a:ln>
             <a:extLst>
               <a:ext uri="{91240B29-F687-4f45-9708-019B960494DF}">
-                <a14:hiddenLine xmlns="" xmlns:a14="http://schemas.microsoft.com/office/drawing/2010/main" w="9525">
+                <a14:hiddenLine xmlns:a14="http://schemas.microsoft.com/office/drawing/2010/main" xmlns="" w="9525">
                   <a:solidFill>
                     <a:srgbClr val="000000"/>
                   </a:solidFill>
@@ -19404,7 +19404,7 @@
             </a:ln>
             <a:extLst>
               <a:ext uri="{91240B29-F687-4f45-9708-019B960494DF}">
-                <a14:hiddenLine xmlns="" xmlns:a14="http://schemas.microsoft.com/office/drawing/2010/main" w="9525">
+                <a14:hiddenLine xmlns:a14="http://schemas.microsoft.com/office/drawing/2010/main" xmlns="" w="9525">
                   <a:solidFill>
                     <a:srgbClr val="000000"/>
                   </a:solidFill>
@@ -19657,7 +19657,7 @@
             </a:ln>
             <a:extLst>
               <a:ext uri="{91240B29-F687-4f45-9708-019B960494DF}">
-                <a14:hiddenLine xmlns="" xmlns:a14="http://schemas.microsoft.com/office/drawing/2010/main" w="9525">
+                <a14:hiddenLine xmlns:a14="http://schemas.microsoft.com/office/drawing/2010/main" xmlns="" w="9525">
                   <a:solidFill>
                     <a:srgbClr val="000000"/>
                   </a:solidFill>
@@ -19910,7 +19910,7 @@
             </a:ln>
             <a:extLst>
               <a:ext uri="{91240B29-F687-4f45-9708-019B960494DF}">
-                <a14:hiddenLine xmlns="" xmlns:a14="http://schemas.microsoft.com/office/drawing/2010/main" w="9525">
+                <a14:hiddenLine xmlns:a14="http://schemas.microsoft.com/office/drawing/2010/main" xmlns="" w="9525">
                   <a:solidFill>
                     <a:srgbClr val="000000"/>
                   </a:solidFill>
@@ -20065,7 +20065,7 @@
             </a:ln>
             <a:extLst>
               <a:ext uri="{91240B29-F687-4f45-9708-019B960494DF}">
-                <a14:hiddenLine xmlns="" xmlns:a14="http://schemas.microsoft.com/office/drawing/2010/main" w="9525">
+                <a14:hiddenLine xmlns:a14="http://schemas.microsoft.com/office/drawing/2010/main" xmlns="" w="9525">
                   <a:solidFill>
                     <a:srgbClr val="000000"/>
                   </a:solidFill>
@@ -20548,7 +20548,7 @@
           <a:graphicData uri="http://schemas.openxmlformats.org/presentationml/2006/ole">
             <mc:AlternateContent xmlns:mc="http://schemas.openxmlformats.org/markup-compatibility/2006">
               <mc:Choice xmlns:v="urn:schemas-microsoft-com:vml" Requires="v">
-                <p:oleObj spid="_x0000_s110765" name="think-cell Slide" r:id="rId4" imgW="270" imgH="270" progId="TCLayout.ActiveDocument.1">
+                <p:oleObj spid="_x0000_s110771" name="think-cell Slide" r:id="rId4" imgW="270" imgH="270" progId="TCLayout.ActiveDocument.1">
                   <p:embed/>
                 </p:oleObj>
               </mc:Choice>
@@ -20739,7 +20739,7 @@
           <a:graphicData uri="http://schemas.openxmlformats.org/presentationml/2006/ole">
             <mc:AlternateContent xmlns:mc="http://schemas.openxmlformats.org/markup-compatibility/2006">
               <mc:Choice xmlns:v="urn:schemas-microsoft-com:vml" Requires="v">
-                <p:oleObj spid="_x0000_s111768" name="think-cell Slide" r:id="rId4" imgW="270" imgH="270" progId="TCLayout.ActiveDocument.1">
+                <p:oleObj spid="_x0000_s111774" name="think-cell Slide" r:id="rId4" imgW="270" imgH="270" progId="TCLayout.ActiveDocument.1">
                   <p:embed/>
                 </p:oleObj>
               </mc:Choice>
@@ -21450,7 +21450,7 @@
           <a:graphicData uri="http://schemas.openxmlformats.org/presentationml/2006/ole">
             <mc:AlternateContent xmlns:mc="http://schemas.openxmlformats.org/markup-compatibility/2006">
               <mc:Choice xmlns:v="urn:schemas-microsoft-com:vml" Requires="v">
-                <p:oleObj spid="_x0000_s94497" name="think-cell Slide" r:id="rId4" imgW="270" imgH="270" progId="TCLayout.ActiveDocument.1">
+                <p:oleObj spid="_x0000_s94503" name="think-cell Slide" r:id="rId4" imgW="270" imgH="270" progId="TCLayout.ActiveDocument.1">
                   <p:embed/>
                 </p:oleObj>
               </mc:Choice>
@@ -22082,7 +22082,7 @@
           <a:graphicData uri="http://schemas.openxmlformats.org/presentationml/2006/ole">
             <mc:AlternateContent xmlns:mc="http://schemas.openxmlformats.org/markup-compatibility/2006">
               <mc:Choice xmlns:v="urn:schemas-microsoft-com:vml" Requires="v">
-                <p:oleObj spid="_x0000_s106687" name="think-cell Slide" r:id="rId4" imgW="270" imgH="270" progId="TCLayout.ActiveDocument.1">
+                <p:oleObj spid="_x0000_s106693" name="think-cell Slide" r:id="rId4" imgW="270" imgH="270" progId="TCLayout.ActiveDocument.1">
                   <p:embed/>
                 </p:oleObj>
               </mc:Choice>
@@ -22194,7 +22194,7 @@
           <a:graphicData uri="http://schemas.openxmlformats.org/presentationml/2006/ole">
             <mc:AlternateContent xmlns:mc="http://schemas.openxmlformats.org/markup-compatibility/2006">
               <mc:Choice xmlns:v="urn:schemas-microsoft-com:vml" Requires="v">
-                <p:oleObj spid="_x0000_s109745" name="think-cell Slide" r:id="rId4" imgW="270" imgH="270" progId="TCLayout.ActiveDocument.1">
+                <p:oleObj spid="_x0000_s109751" name="think-cell Slide" r:id="rId4" imgW="270" imgH="270" progId="TCLayout.ActiveDocument.1">
                   <p:embed/>
                 </p:oleObj>
               </mc:Choice>
@@ -22308,7 +22308,7 @@
           <a:graphicData uri="http://schemas.openxmlformats.org/presentationml/2006/ole">
             <mc:AlternateContent xmlns:mc="http://schemas.openxmlformats.org/markup-compatibility/2006">
               <mc:Choice xmlns:v="urn:schemas-microsoft-com:vml" Requires="v">
-                <p:oleObj spid="_x0000_s4627" name="think-cell Slide" r:id="rId18" imgW="270" imgH="270" progId="TCLayout.ActiveDocument.1">
+                <p:oleObj spid="_x0000_s4633" name="think-cell Slide" r:id="rId18" imgW="270" imgH="270" progId="TCLayout.ActiveDocument.1">
                   <p:embed/>
                 </p:oleObj>
               </mc:Choice>
@@ -24770,7 +24770,7 @@
           <a:graphicData uri="http://schemas.openxmlformats.org/presentationml/2006/ole">
             <mc:AlternateContent xmlns:mc="http://schemas.openxmlformats.org/markup-compatibility/2006">
               <mc:Choice xmlns:v="urn:schemas-microsoft-com:vml" Requires="v">
-                <p:oleObj spid="_x0000_s91430" name="think-cell Slide" r:id="rId6" imgW="270" imgH="270" progId="TCLayout.ActiveDocument.1">
+                <p:oleObj spid="_x0000_s91436" name="think-cell Slide" r:id="rId6" imgW="270" imgH="270" progId="TCLayout.ActiveDocument.1">
                   <p:embed/>
                 </p:oleObj>
               </mc:Choice>
@@ -25822,6 +25822,50 @@
           </a:extLst>
         </p:spPr>
       </p:pic>
+      <p:sp>
+        <p:nvSpPr>
+          <p:cNvPr id="6" name="Text Placeholder 4">
+            <a:extLst>
+              <a:ext uri="{FF2B5EF4-FFF2-40B4-BE49-F238E27FC236}">
+                <a16:creationId xmlns:a16="http://schemas.microsoft.com/office/drawing/2014/main" id="{65E75877-DDC1-4D91-91C4-79B9ECFFFC27}"/>
+              </a:ext>
+            </a:extLst>
+          </p:cNvPr>
+          <p:cNvSpPr>
+            <a:spLocks noGrp="1"/>
+          </p:cNvSpPr>
+          <p:nvPr>
+            <p:ph type="body" sz="quarter" idx="10"/>
+          </p:nvPr>
+        </p:nvSpPr>
+        <p:spPr>
+          <a:xfrm>
+            <a:off x="464839" y="2624361"/>
+            <a:ext cx="4407025" cy="1609278"/>
+          </a:xfrm>
+        </p:spPr>
+        <p:txBody>
+          <a:bodyPr>
+            <a:normAutofit/>
+          </a:bodyPr>
+          <a:lstStyle/>
+          <a:p>
+            <a:pPr marL="342900" indent="-342900">
+              <a:buFont typeface="Arial" panose="020B0604020202020204" pitchFamily="34" charset="0"/>
+              <a:buChar char="•"/>
+            </a:pPr>
+            <a:r>
+              <a:rPr lang="en-GB" sz="2400" dirty="0"/>
+              <a:t>Not by default, up to the teams to replicate </a:t>
+            </a:r>
+            <a:r>
+              <a:rPr lang="en-GB" sz="2400" dirty="0" err="1"/>
+              <a:t>ResourceGroup</a:t>
+            </a:r>
+            <a:endParaRPr lang="en-GB" sz="2400" dirty="0"/>
+          </a:p>
+        </p:txBody>
+      </p:sp>
     </p:spTree>
     <p:extLst>
       <p:ext uri="{BB962C8B-B14F-4D97-AF65-F5344CB8AC3E}">
@@ -28570,6 +28614,106 @@
           </a:p>
         </p:txBody>
       </p:sp>
+      <p:sp>
+        <p:nvSpPr>
+          <p:cNvPr id="6" name="Text Placeholder 4">
+            <a:extLst>
+              <a:ext uri="{FF2B5EF4-FFF2-40B4-BE49-F238E27FC236}">
+                <a16:creationId xmlns:a16="http://schemas.microsoft.com/office/drawing/2014/main" id="{894D2D43-6289-4248-9084-80780B2FF97D}"/>
+              </a:ext>
+            </a:extLst>
+          </p:cNvPr>
+          <p:cNvSpPr>
+            <a:spLocks noGrp="1"/>
+          </p:cNvSpPr>
+          <p:nvPr>
+            <p:ph type="body" sz="quarter" idx="10"/>
+          </p:nvPr>
+        </p:nvSpPr>
+        <p:spPr>
+          <a:xfrm>
+            <a:off x="464839" y="1819722"/>
+            <a:ext cx="5631161" cy="3218555"/>
+          </a:xfrm>
+        </p:spPr>
+        <p:txBody>
+          <a:bodyPr>
+            <a:normAutofit/>
+          </a:bodyPr>
+          <a:lstStyle/>
+          <a:p>
+            <a:pPr marL="342900" indent="-342900">
+              <a:buFont typeface="Arial" panose="020B0604020202020204" pitchFamily="34" charset="0"/>
+              <a:buChar char="•"/>
+            </a:pPr>
+            <a:endParaRPr lang="en-GB" dirty="0"/>
+          </a:p>
+          <a:p>
+            <a:pPr marL="342900" indent="-342900">
+              <a:buFont typeface="Arial" panose="020B0604020202020204" pitchFamily="34" charset="0"/>
+              <a:buChar char="•"/>
+            </a:pPr>
+            <a:r>
+              <a:rPr lang="en-GB" dirty="0">
+                <a:sym typeface="Wingdings" panose="05000000000000000000" pitchFamily="2" charset="2"/>
+              </a:rPr>
+              <a:t>Access with AAD</a:t>
+            </a:r>
+          </a:p>
+          <a:p>
+            <a:pPr marL="342900" indent="-342900">
+              <a:buFont typeface="Arial" panose="020B0604020202020204" pitchFamily="34" charset="0"/>
+              <a:buChar char="•"/>
+            </a:pPr>
+            <a:endParaRPr lang="en-GB" dirty="0"/>
+          </a:p>
+          <a:p>
+            <a:pPr marL="342900" indent="-342900">
+              <a:buFont typeface="Arial" panose="020B0604020202020204" pitchFamily="34" charset="0"/>
+              <a:buChar char="•"/>
+            </a:pPr>
+            <a:r>
+              <a:rPr lang="en-GB" dirty="0"/>
+              <a:t>Backend storage account – </a:t>
+            </a:r>
+            <a:r>
+              <a:rPr lang="en-GB" dirty="0" err="1"/>
+              <a:t>azurewebjobhosts</a:t>
+            </a:r>
+            <a:r>
+              <a:rPr lang="en-GB" dirty="0"/>
+              <a:t> and </a:t>
+            </a:r>
+            <a:r>
+              <a:rPr lang="en-GB" dirty="0" err="1"/>
+              <a:t>azurewebjobsecrets</a:t>
+            </a:r>
+            <a:endParaRPr lang="en-GB" dirty="0"/>
+          </a:p>
+          <a:p>
+            <a:pPr marL="342900" indent="-342900">
+              <a:buFont typeface="Arial" panose="020B0604020202020204" pitchFamily="34" charset="0"/>
+              <a:buChar char="•"/>
+            </a:pPr>
+            <a:endParaRPr lang="en-GB" dirty="0"/>
+          </a:p>
+          <a:p>
+            <a:pPr marL="342900" indent="-342900">
+              <a:buFont typeface="Arial" panose="020B0604020202020204" pitchFamily="34" charset="0"/>
+              <a:buChar char="•"/>
+            </a:pPr>
+            <a:r>
+              <a:rPr lang="en-GB" dirty="0"/>
+              <a:t>KUDU/</a:t>
+            </a:r>
+            <a:r>
+              <a:rPr lang="en-GB" dirty="0" err="1"/>
+              <a:t>AppServiceEditor</a:t>
+            </a:r>
+            <a:endParaRPr lang="en-GB" dirty="0"/>
+          </a:p>
+        </p:txBody>
+      </p:sp>
     </p:spTree>
     <p:extLst>
       <p:ext uri="{BB962C8B-B14F-4D97-AF65-F5344CB8AC3E}">
@@ -28886,6 +29030,93 @@
           </a:extLst>
         </p:spPr>
       </p:pic>
+      <p:sp>
+        <p:nvSpPr>
+          <p:cNvPr id="6" name="Text Placeholder 4">
+            <a:extLst>
+              <a:ext uri="{FF2B5EF4-FFF2-40B4-BE49-F238E27FC236}">
+                <a16:creationId xmlns:a16="http://schemas.microsoft.com/office/drawing/2014/main" id="{3EC4528C-6124-4870-A510-35318F08226E}"/>
+              </a:ext>
+            </a:extLst>
+          </p:cNvPr>
+          <p:cNvSpPr>
+            <a:spLocks noGrp="1"/>
+          </p:cNvSpPr>
+          <p:nvPr>
+            <p:ph type="body" sz="quarter" idx="10"/>
+          </p:nvPr>
+        </p:nvSpPr>
+        <p:spPr>
+          <a:xfrm>
+            <a:off x="464839" y="1819722"/>
+            <a:ext cx="4911081" cy="3218555"/>
+          </a:xfrm>
+        </p:spPr>
+        <p:txBody>
+          <a:bodyPr>
+            <a:normAutofit/>
+          </a:bodyPr>
+          <a:lstStyle/>
+          <a:p>
+            <a:pPr marL="342900" indent="-342900">
+              <a:buFont typeface="Arial" panose="020B0604020202020204" pitchFamily="34" charset="0"/>
+              <a:buChar char="•"/>
+            </a:pPr>
+            <a:r>
+              <a:rPr lang="en-GB" dirty="0"/>
+              <a:t>Consumption: Pay-as-you-go</a:t>
+            </a:r>
+          </a:p>
+          <a:p>
+            <a:pPr marL="342900" indent="-342900">
+              <a:buFont typeface="Arial" panose="020B0604020202020204" pitchFamily="34" charset="0"/>
+              <a:buChar char="•"/>
+            </a:pPr>
+            <a:endParaRPr lang="en-GB" dirty="0"/>
+          </a:p>
+          <a:p>
+            <a:pPr marL="342900" indent="-342900">
+              <a:buFont typeface="Arial" panose="020B0604020202020204" pitchFamily="34" charset="0"/>
+              <a:buChar char="•"/>
+            </a:pPr>
+            <a:r>
+              <a:rPr lang="en-GB" dirty="0"/>
+              <a:t>Premium Plan</a:t>
+            </a:r>
+          </a:p>
+          <a:p>
+            <a:pPr marL="342900" indent="-342900">
+              <a:buFont typeface="Arial" panose="020B0604020202020204" pitchFamily="34" charset="0"/>
+              <a:buChar char="•"/>
+            </a:pPr>
+            <a:endParaRPr lang="en-GB" dirty="0"/>
+          </a:p>
+          <a:p>
+            <a:pPr marL="342900" indent="-342900">
+              <a:buFont typeface="Arial" panose="020B0604020202020204" pitchFamily="34" charset="0"/>
+              <a:buChar char="•"/>
+            </a:pPr>
+            <a:r>
+              <a:rPr lang="en-GB" dirty="0"/>
+              <a:t>AppService Plans</a:t>
+            </a:r>
+          </a:p>
+          <a:p>
+            <a:pPr marL="342900" indent="-342900">
+              <a:buFont typeface="Arial" panose="020B0604020202020204" pitchFamily="34" charset="0"/>
+              <a:buChar char="•"/>
+            </a:pPr>
+            <a:endParaRPr lang="en-GB" dirty="0"/>
+          </a:p>
+          <a:p>
+            <a:pPr marL="342900" indent="-342900">
+              <a:buFont typeface="Arial" panose="020B0604020202020204" pitchFamily="34" charset="0"/>
+              <a:buChar char="•"/>
+            </a:pPr>
+            <a:endParaRPr lang="en-GB" dirty="0"/>
+          </a:p>
+        </p:txBody>
+      </p:sp>
     </p:spTree>
     <p:extLst>
       <p:ext uri="{BB962C8B-B14F-4D97-AF65-F5344CB8AC3E}">

--- a/Azure-Function-203.pptx
+++ b/Azure-Function-203.pptx
@@ -6,10 +6,10 @@
     <p:sldMasterId id="2147483902" r:id="rId2"/>
   </p:sldMasterIdLst>
   <p:notesMasterIdLst>
-    <p:notesMasterId r:id="rId18"/>
+    <p:notesMasterId r:id="rId19"/>
   </p:notesMasterIdLst>
   <p:handoutMasterIdLst>
-    <p:handoutMasterId r:id="rId19"/>
+    <p:handoutMasterId r:id="rId20"/>
   </p:handoutMasterIdLst>
   <p:sldIdLst>
     <p:sldId id="302" r:id="rId3"/>
@@ -24,14 +24,15 @@
     <p:sldId id="575" r:id="rId12"/>
     <p:sldId id="561" r:id="rId13"/>
     <p:sldId id="562" r:id="rId14"/>
-    <p:sldId id="563" r:id="rId15"/>
-    <p:sldId id="571" r:id="rId16"/>
-    <p:sldId id="572" r:id="rId17"/>
+    <p:sldId id="576" r:id="rId15"/>
+    <p:sldId id="563" r:id="rId16"/>
+    <p:sldId id="571" r:id="rId17"/>
+    <p:sldId id="572" r:id="rId18"/>
   </p:sldIdLst>
   <p:sldSz cx="12192000" cy="6858000"/>
   <p:notesSz cx="6797675" cy="9926638"/>
   <p:custDataLst>
-    <p:tags r:id="rId20"/>
+    <p:tags r:id="rId21"/>
   </p:custDataLst>
   <p:defaultTextStyle>
     <a:defPPr>
@@ -265,7 +266,7 @@
             <a:fld id="{86C988DC-9DE3-4390-97AB-D61B85DACE57}" type="datetimeFigureOut">
               <a:rPr lang="pt-PT" sz="900" smtClean="0"/>
               <a:pPr/>
-              <a:t>28/08/2019</a:t>
+              <a:t>29/08/2019</a:t>
             </a:fld>
             <a:endParaRPr lang="pt-PT" sz="900"/>
           </a:p>
@@ -444,7 +445,7 @@
             <a:fld id="{0835B8F7-DAC4-4931-8AED-4356A8B2FD64}" type="datetimeFigureOut">
               <a:rPr lang="pt-BR" smtClean="0"/>
               <a:pPr/>
-              <a:t>28/08/2019</a:t>
+              <a:t>29/08/2019</a:t>
             </a:fld>
             <a:endParaRPr lang="pt-BR"/>
           </a:p>
@@ -1309,7 +1310,7 @@
             <a:fld id="{C0696B5C-12A0-4042-B4D0-BD3B9A4F58C6}" type="slidenum">
               <a:rPr lang="pt-BR" smtClean="0"/>
               <a:pPr/>
-              <a:t>14</a:t>
+              <a:t>15</a:t>
             </a:fld>
             <a:endParaRPr lang="pt-BR"/>
           </a:p>
@@ -1372,12 +1373,6 @@
           <a:bodyPr/>
           <a:lstStyle/>
           <a:p>
-            <a:r>
-              <a:rPr lang="nl-NL" dirty="0">
-                <a:hlinkClick r:id="rId3"/>
-              </a:rPr>
-              <a:t>https://docs.microsoft.com/en-us/azure/azure-functions/durable/durable-functions-instance-management</a:t>
-            </a:r>
             <a:endParaRPr lang="nl-NL" dirty="0"/>
           </a:p>
         </p:txBody>
@@ -1400,7 +1395,7 @@
             <a:fld id="{C0696B5C-12A0-4042-B4D0-BD3B9A4F58C6}" type="slidenum">
               <a:rPr lang="pt-BR" smtClean="0"/>
               <a:pPr/>
-              <a:t>15</a:t>
+              <a:t>16</a:t>
             </a:fld>
             <a:endParaRPr lang="pt-BR"/>
           </a:p>
@@ -1456,7 +1451,7 @@
           <a:graphicData uri="http://schemas.openxmlformats.org/presentationml/2006/ole">
             <mc:AlternateContent xmlns:mc="http://schemas.openxmlformats.org/markup-compatibility/2006">
               <mc:Choice xmlns:v="urn:schemas-microsoft-com:vml" Requires="v">
-                <p:oleObj spid="_x0000_s9718" name="think-cell Slide" r:id="rId4" imgW="270" imgH="270" progId="TCLayout.ActiveDocument.1">
+                <p:oleObj spid="_x0000_s9728" name="think-cell Slide" r:id="rId4" imgW="270" imgH="270" progId="TCLayout.ActiveDocument.1">
                   <p:embed/>
                 </p:oleObj>
               </mc:Choice>
@@ -1593,7 +1588,7 @@
           <a:graphicData uri="http://schemas.openxmlformats.org/presentationml/2006/ole">
             <mc:AlternateContent xmlns:mc="http://schemas.openxmlformats.org/markup-compatibility/2006">
               <mc:Choice xmlns:v="urn:schemas-microsoft-com:vml" Requires="v">
-                <p:oleObj spid="_x0000_s112784" name="think-cell Slide" r:id="rId4" imgW="270" imgH="270" progId="TCLayout.ActiveDocument.1">
+                <p:oleObj spid="_x0000_s112794" name="think-cell Slide" r:id="rId4" imgW="270" imgH="270" progId="TCLayout.ActiveDocument.1">
                   <p:embed/>
                 </p:oleObj>
               </mc:Choice>
@@ -2065,7 +2060,7 @@
           <a:graphicData uri="http://schemas.openxmlformats.org/presentationml/2006/ole">
             <mc:AlternateContent xmlns:mc="http://schemas.openxmlformats.org/markup-compatibility/2006">
               <mc:Choice xmlns:v="urn:schemas-microsoft-com:vml" Requires="v">
-                <p:oleObj spid="_x0000_s103623" name="think-cell Slide" r:id="rId4" imgW="270" imgH="270" progId="TCLayout.ActiveDocument.1">
+                <p:oleObj spid="_x0000_s103633" name="think-cell Slide" r:id="rId4" imgW="270" imgH="270" progId="TCLayout.ActiveDocument.1">
                   <p:embed/>
                 </p:oleObj>
               </mc:Choice>
@@ -2267,7 +2262,7 @@
           <a:graphicData uri="http://schemas.openxmlformats.org/presentationml/2006/ole">
             <mc:AlternateContent xmlns:mc="http://schemas.openxmlformats.org/markup-compatibility/2006">
               <mc:Choice xmlns:v="urn:schemas-microsoft-com:vml" Requires="v">
-                <p:oleObj spid="_x0000_s108728" name="think-cell Slide" r:id="rId4" imgW="270" imgH="270" progId="TCLayout.ActiveDocument.1">
+                <p:oleObj spid="_x0000_s108738" name="think-cell Slide" r:id="rId4" imgW="270" imgH="270" progId="TCLayout.ActiveDocument.1">
                   <p:embed/>
                 </p:oleObj>
               </mc:Choice>
@@ -2469,7 +2464,7 @@
           <a:graphicData uri="http://schemas.openxmlformats.org/presentationml/2006/ole">
             <mc:AlternateContent xmlns:mc="http://schemas.openxmlformats.org/markup-compatibility/2006">
               <mc:Choice xmlns:v="urn:schemas-microsoft-com:vml" Requires="v">
-                <p:oleObj spid="_x0000_s97541" name="think-cell Slide" r:id="rId4" imgW="270" imgH="270" progId="TCLayout.ActiveDocument.1">
+                <p:oleObj spid="_x0000_s97551" name="think-cell Slide" r:id="rId4" imgW="270" imgH="270" progId="TCLayout.ActiveDocument.1">
                   <p:embed/>
                 </p:oleObj>
               </mc:Choice>
@@ -3703,7 +3698,7 @@
           <a:graphicData uri="http://schemas.openxmlformats.org/presentationml/2006/ole">
             <mc:AlternateContent xmlns:mc="http://schemas.openxmlformats.org/markup-compatibility/2006">
               <mc:Choice xmlns:v="urn:schemas-microsoft-com:vml" Requires="v">
-                <p:oleObj spid="_x0000_s92460" name="think-cell Slide" r:id="rId5" imgW="270" imgH="270" progId="TCLayout.ActiveDocument.1">
+                <p:oleObj spid="_x0000_s92470" name="think-cell Slide" r:id="rId5" imgW="270" imgH="270" progId="TCLayout.ActiveDocument.1">
                   <p:embed/>
                 </p:oleObj>
               </mc:Choice>
@@ -4399,7 +4394,7 @@
             </a:ln>
             <a:extLst>
               <a:ext uri="{91240B29-F687-4f45-9708-019B960494DF}">
-                <a14:hiddenLine xmlns:a14="http://schemas.microsoft.com/office/drawing/2010/main" xmlns="" w="9525">
+                <a14:hiddenLine xmlns="" xmlns:a14="http://schemas.microsoft.com/office/drawing/2010/main" w="9525">
                   <a:solidFill>
                     <a:srgbClr val="000000"/>
                   </a:solidFill>
@@ -4791,7 +4786,7 @@
             </a:ln>
             <a:extLst>
               <a:ext uri="{91240B29-F687-4f45-9708-019B960494DF}">
-                <a14:hiddenLine xmlns:a14="http://schemas.microsoft.com/office/drawing/2010/main" xmlns="" w="9525">
+                <a14:hiddenLine xmlns="" xmlns:a14="http://schemas.microsoft.com/office/drawing/2010/main" w="9525">
                   <a:solidFill>
                     <a:srgbClr val="000000"/>
                   </a:solidFill>
@@ -5115,7 +5110,7 @@
             </a:ln>
             <a:extLst>
               <a:ext uri="{91240B29-F687-4f45-9708-019B960494DF}">
-                <a14:hiddenLine xmlns:a14="http://schemas.microsoft.com/office/drawing/2010/main" xmlns="" w="9525">
+                <a14:hiddenLine xmlns="" xmlns:a14="http://schemas.microsoft.com/office/drawing/2010/main" w="9525">
                   <a:solidFill>
                     <a:srgbClr val="000000"/>
                   </a:solidFill>
@@ -5439,7 +5434,7 @@
             </a:ln>
             <a:extLst>
               <a:ext uri="{91240B29-F687-4f45-9708-019B960494DF}">
-                <a14:hiddenLine xmlns:a14="http://schemas.microsoft.com/office/drawing/2010/main" xmlns="" w="9525">
+                <a14:hiddenLine xmlns="" xmlns:a14="http://schemas.microsoft.com/office/drawing/2010/main" w="9525">
                   <a:solidFill>
                     <a:srgbClr val="000000"/>
                   </a:solidFill>
@@ -5632,7 +5627,7 @@
             </a:ln>
             <a:extLst>
               <a:ext uri="{91240B29-F687-4f45-9708-019B960494DF}">
-                <a14:hiddenLine xmlns:a14="http://schemas.microsoft.com/office/drawing/2010/main" xmlns="" w="9525">
+                <a14:hiddenLine xmlns="" xmlns:a14="http://schemas.microsoft.com/office/drawing/2010/main" w="9525">
                   <a:solidFill>
                     <a:srgbClr val="000000"/>
                   </a:solidFill>
@@ -6024,7 +6019,7 @@
             </a:ln>
             <a:extLst>
               <a:ext uri="{91240B29-F687-4f45-9708-019B960494DF}">
-                <a14:hiddenLine xmlns:a14="http://schemas.microsoft.com/office/drawing/2010/main" xmlns="" w="9525">
+                <a14:hiddenLine xmlns="" xmlns:a14="http://schemas.microsoft.com/office/drawing/2010/main" w="9525">
                   <a:solidFill>
                     <a:srgbClr val="000000"/>
                   </a:solidFill>
@@ -6407,7 +6402,7 @@
             </a:ln>
             <a:extLst>
               <a:ext uri="{91240B29-F687-4f45-9708-019B960494DF}">
-                <a14:hiddenLine xmlns:a14="http://schemas.microsoft.com/office/drawing/2010/main" xmlns="" w="9525">
+                <a14:hiddenLine xmlns="" xmlns:a14="http://schemas.microsoft.com/office/drawing/2010/main" w="9525">
                   <a:solidFill>
                     <a:srgbClr val="000000"/>
                   </a:solidFill>
@@ -6861,7 +6856,7 @@
             </a:ln>
             <a:extLst>
               <a:ext uri="{91240B29-F687-4f45-9708-019B960494DF}">
-                <a14:hiddenLine xmlns:a14="http://schemas.microsoft.com/office/drawing/2010/main" xmlns="" w="9525">
+                <a14:hiddenLine xmlns="" xmlns:a14="http://schemas.microsoft.com/office/drawing/2010/main" w="9525">
                   <a:solidFill>
                     <a:srgbClr val="000000"/>
                   </a:solidFill>
@@ -7114,7 +7109,7 @@
             </a:ln>
             <a:extLst>
               <a:ext uri="{91240B29-F687-4f45-9708-019B960494DF}">
-                <a14:hiddenLine xmlns:a14="http://schemas.microsoft.com/office/drawing/2010/main" xmlns="" w="9525">
+                <a14:hiddenLine xmlns="" xmlns:a14="http://schemas.microsoft.com/office/drawing/2010/main" w="9525">
                   <a:solidFill>
                     <a:srgbClr val="000000"/>
                   </a:solidFill>
@@ -7367,7 +7362,7 @@
             </a:ln>
             <a:extLst>
               <a:ext uri="{91240B29-F687-4f45-9708-019B960494DF}">
-                <a14:hiddenLine xmlns:a14="http://schemas.microsoft.com/office/drawing/2010/main" xmlns="" w="9525">
+                <a14:hiddenLine xmlns="" xmlns:a14="http://schemas.microsoft.com/office/drawing/2010/main" w="9525">
                   <a:solidFill>
                     <a:srgbClr val="000000"/>
                   </a:solidFill>
@@ -7759,7 +7754,7 @@
             </a:ln>
             <a:extLst>
               <a:ext uri="{91240B29-F687-4f45-9708-019B960494DF}">
-                <a14:hiddenLine xmlns:a14="http://schemas.microsoft.com/office/drawing/2010/main" xmlns="" w="9525">
+                <a14:hiddenLine xmlns="" xmlns:a14="http://schemas.microsoft.com/office/drawing/2010/main" w="9525">
                   <a:solidFill>
                     <a:srgbClr val="000000"/>
                   </a:solidFill>
@@ -7972,7 +7967,7 @@
             </a:ln>
             <a:extLst>
               <a:ext uri="{91240B29-F687-4f45-9708-019B960494DF}">
-                <a14:hiddenLine xmlns:a14="http://schemas.microsoft.com/office/drawing/2010/main" xmlns="" w="9525">
+                <a14:hiddenLine xmlns="" xmlns:a14="http://schemas.microsoft.com/office/drawing/2010/main" w="9525">
                   <a:solidFill>
                     <a:srgbClr val="000000"/>
                   </a:solidFill>
@@ -8145,7 +8140,7 @@
             </a:ln>
             <a:extLst>
               <a:ext uri="{91240B29-F687-4f45-9708-019B960494DF}">
-                <a14:hiddenLine xmlns:a14="http://schemas.microsoft.com/office/drawing/2010/main" xmlns="" w="9525">
+                <a14:hiddenLine xmlns="" xmlns:a14="http://schemas.microsoft.com/office/drawing/2010/main" w="9525">
                   <a:solidFill>
                     <a:srgbClr val="000000"/>
                   </a:solidFill>
@@ -8358,7 +8353,7 @@
             </a:ln>
             <a:extLst>
               <a:ext uri="{91240B29-F687-4f45-9708-019B960494DF}">
-                <a14:hiddenLine xmlns:a14="http://schemas.microsoft.com/office/drawing/2010/main" xmlns="" w="9525">
+                <a14:hiddenLine xmlns="" xmlns:a14="http://schemas.microsoft.com/office/drawing/2010/main" w="9525">
                   <a:solidFill>
                     <a:srgbClr val="000000"/>
                   </a:solidFill>
@@ -8750,7 +8745,7 @@
             </a:ln>
             <a:extLst>
               <a:ext uri="{91240B29-F687-4f45-9708-019B960494DF}">
-                <a14:hiddenLine xmlns:a14="http://schemas.microsoft.com/office/drawing/2010/main" xmlns="" w="9525">
+                <a14:hiddenLine xmlns="" xmlns:a14="http://schemas.microsoft.com/office/drawing/2010/main" w="9525">
                   <a:solidFill>
                     <a:srgbClr val="000000"/>
                   </a:solidFill>
@@ -9145,7 +9140,7 @@
             </a:ln>
             <a:extLst>
               <a:ext uri="{91240B29-F687-4f45-9708-019B960494DF}">
-                <a14:hiddenLine xmlns:a14="http://schemas.microsoft.com/office/drawing/2010/main" xmlns="" w="9525">
+                <a14:hiddenLine xmlns="" xmlns:a14="http://schemas.microsoft.com/office/drawing/2010/main" w="9525">
                   <a:solidFill>
                     <a:srgbClr val="000000"/>
                   </a:solidFill>
@@ -9378,7 +9373,7 @@
             </a:ln>
             <a:extLst>
               <a:ext uri="{91240B29-F687-4f45-9708-019B960494DF}">
-                <a14:hiddenLine xmlns:a14="http://schemas.microsoft.com/office/drawing/2010/main" xmlns="" w="9525">
+                <a14:hiddenLine xmlns="" xmlns:a14="http://schemas.microsoft.com/office/drawing/2010/main" w="9525">
                   <a:solidFill>
                     <a:srgbClr val="000000"/>
                   </a:solidFill>
@@ -9571,7 +9566,7 @@
             </a:ln>
             <a:extLst>
               <a:ext uri="{91240B29-F687-4f45-9708-019B960494DF}">
-                <a14:hiddenLine xmlns:a14="http://schemas.microsoft.com/office/drawing/2010/main" xmlns="" w="9525">
+                <a14:hiddenLine xmlns="" xmlns:a14="http://schemas.microsoft.com/office/drawing/2010/main" w="9525">
                   <a:solidFill>
                     <a:srgbClr val="000000"/>
                   </a:solidFill>
@@ -9824,7 +9819,7 @@
             </a:ln>
             <a:extLst>
               <a:ext uri="{91240B29-F687-4f45-9708-019B960494DF}">
-                <a14:hiddenLine xmlns:a14="http://schemas.microsoft.com/office/drawing/2010/main" xmlns="" w="9525">
+                <a14:hiddenLine xmlns="" xmlns:a14="http://schemas.microsoft.com/office/drawing/2010/main" w="9525">
                   <a:solidFill>
                     <a:srgbClr val="000000"/>
                   </a:solidFill>
@@ -10219,7 +10214,7 @@
             </a:ln>
             <a:extLst>
               <a:ext uri="{91240B29-F687-4f45-9708-019B960494DF}">
-                <a14:hiddenLine xmlns:a14="http://schemas.microsoft.com/office/drawing/2010/main" xmlns="" w="9525">
+                <a14:hiddenLine xmlns="" xmlns:a14="http://schemas.microsoft.com/office/drawing/2010/main" w="9525">
                   <a:solidFill>
                     <a:srgbClr val="000000"/>
                   </a:solidFill>
@@ -10504,7 +10499,7 @@
             </a:ln>
             <a:extLst>
               <a:ext uri="{91240B29-F687-4f45-9708-019B960494DF}">
-                <a14:hiddenLine xmlns:a14="http://schemas.microsoft.com/office/drawing/2010/main" xmlns="" w="9525">
+                <a14:hiddenLine xmlns="" xmlns:a14="http://schemas.microsoft.com/office/drawing/2010/main" w="9525">
                   <a:solidFill>
                     <a:srgbClr val="000000"/>
                   </a:solidFill>
@@ -10828,7 +10823,7 @@
             </a:ln>
             <a:extLst>
               <a:ext uri="{91240B29-F687-4f45-9708-019B960494DF}">
-                <a14:hiddenLine xmlns:a14="http://schemas.microsoft.com/office/drawing/2010/main" xmlns="" w="9525">
+                <a14:hiddenLine xmlns="" xmlns:a14="http://schemas.microsoft.com/office/drawing/2010/main" w="9525">
                   <a:solidFill>
                     <a:srgbClr val="000000"/>
                   </a:solidFill>
@@ -11061,7 +11056,7 @@
             </a:ln>
             <a:extLst>
               <a:ext uri="{91240B29-F687-4f45-9708-019B960494DF}">
-                <a14:hiddenLine xmlns:a14="http://schemas.microsoft.com/office/drawing/2010/main" xmlns="" w="9525">
+                <a14:hiddenLine xmlns="" xmlns:a14="http://schemas.microsoft.com/office/drawing/2010/main" w="9525">
                   <a:solidFill>
                     <a:srgbClr val="000000"/>
                   </a:solidFill>
@@ -11314,7 +11309,7 @@
             </a:ln>
             <a:extLst>
               <a:ext uri="{91240B29-F687-4f45-9708-019B960494DF}">
-                <a14:hiddenLine xmlns:a14="http://schemas.microsoft.com/office/drawing/2010/main" xmlns="" w="9525">
+                <a14:hiddenLine xmlns="" xmlns:a14="http://schemas.microsoft.com/office/drawing/2010/main" w="9525">
                   <a:solidFill>
                     <a:srgbClr val="000000"/>
                   </a:solidFill>
@@ -11567,7 +11562,7 @@
             </a:ln>
             <a:extLst>
               <a:ext uri="{91240B29-F687-4f45-9708-019B960494DF}">
-                <a14:hiddenLine xmlns:a14="http://schemas.microsoft.com/office/drawing/2010/main" xmlns="" w="9525">
+                <a14:hiddenLine xmlns="" xmlns:a14="http://schemas.microsoft.com/office/drawing/2010/main" w="9525">
                   <a:solidFill>
                     <a:srgbClr val="000000"/>
                   </a:solidFill>
@@ -11722,7 +11717,7 @@
             </a:ln>
             <a:extLst>
               <a:ext uri="{91240B29-F687-4f45-9708-019B960494DF}">
-                <a14:hiddenLine xmlns:a14="http://schemas.microsoft.com/office/drawing/2010/main" xmlns="" w="9525">
+                <a14:hiddenLine xmlns="" xmlns:a14="http://schemas.microsoft.com/office/drawing/2010/main" w="9525">
                   <a:solidFill>
                     <a:srgbClr val="000000"/>
                   </a:solidFill>
@@ -12096,7 +12091,7 @@
           <a:graphicData uri="http://schemas.openxmlformats.org/presentationml/2006/ole">
             <mc:AlternateContent xmlns:mc="http://schemas.openxmlformats.org/markup-compatibility/2006">
               <mc:Choice xmlns:v="urn:schemas-microsoft-com:vml" Requires="v">
-                <p:oleObj spid="_x0000_s93481" name="think-cell Slide" r:id="rId5" imgW="270" imgH="270" progId="TCLayout.ActiveDocument.1">
+                <p:oleObj spid="_x0000_s93491" name="think-cell Slide" r:id="rId5" imgW="270" imgH="270" progId="TCLayout.ActiveDocument.1">
                   <p:embed/>
                 </p:oleObj>
               </mc:Choice>
@@ -12742,7 +12737,7 @@
             </a:ln>
             <a:extLst>
               <a:ext uri="{91240B29-F687-4f45-9708-019B960494DF}">
-                <a14:hiddenLine xmlns:a14="http://schemas.microsoft.com/office/drawing/2010/main" xmlns="" w="9525">
+                <a14:hiddenLine xmlns="" xmlns:a14="http://schemas.microsoft.com/office/drawing/2010/main" w="9525">
                   <a:solidFill>
                     <a:srgbClr val="000000"/>
                   </a:solidFill>
@@ -13134,7 +13129,7 @@
             </a:ln>
             <a:extLst>
               <a:ext uri="{91240B29-F687-4f45-9708-019B960494DF}">
-                <a14:hiddenLine xmlns:a14="http://schemas.microsoft.com/office/drawing/2010/main" xmlns="" w="9525">
+                <a14:hiddenLine xmlns="" xmlns:a14="http://schemas.microsoft.com/office/drawing/2010/main" w="9525">
                   <a:solidFill>
                     <a:srgbClr val="000000"/>
                   </a:solidFill>
@@ -13458,7 +13453,7 @@
             </a:ln>
             <a:extLst>
               <a:ext uri="{91240B29-F687-4f45-9708-019B960494DF}">
-                <a14:hiddenLine xmlns:a14="http://schemas.microsoft.com/office/drawing/2010/main" xmlns="" w="9525">
+                <a14:hiddenLine xmlns="" xmlns:a14="http://schemas.microsoft.com/office/drawing/2010/main" w="9525">
                   <a:solidFill>
                     <a:srgbClr val="000000"/>
                   </a:solidFill>
@@ -13782,7 +13777,7 @@
             </a:ln>
             <a:extLst>
               <a:ext uri="{91240B29-F687-4f45-9708-019B960494DF}">
-                <a14:hiddenLine xmlns:a14="http://schemas.microsoft.com/office/drawing/2010/main" xmlns="" w="9525">
+                <a14:hiddenLine xmlns="" xmlns:a14="http://schemas.microsoft.com/office/drawing/2010/main" w="9525">
                   <a:solidFill>
                     <a:srgbClr val="000000"/>
                   </a:solidFill>
@@ -13975,7 +13970,7 @@
             </a:ln>
             <a:extLst>
               <a:ext uri="{91240B29-F687-4f45-9708-019B960494DF}">
-                <a14:hiddenLine xmlns:a14="http://schemas.microsoft.com/office/drawing/2010/main" xmlns="" w="9525">
+                <a14:hiddenLine xmlns="" xmlns:a14="http://schemas.microsoft.com/office/drawing/2010/main" w="9525">
                   <a:solidFill>
                     <a:srgbClr val="000000"/>
                   </a:solidFill>
@@ -14367,7 +14362,7 @@
             </a:ln>
             <a:extLst>
               <a:ext uri="{91240B29-F687-4f45-9708-019B960494DF}">
-                <a14:hiddenLine xmlns:a14="http://schemas.microsoft.com/office/drawing/2010/main" xmlns="" w="9525">
+                <a14:hiddenLine xmlns="" xmlns:a14="http://schemas.microsoft.com/office/drawing/2010/main" w="9525">
                   <a:solidFill>
                     <a:srgbClr val="000000"/>
                   </a:solidFill>
@@ -14750,7 +14745,7 @@
             </a:ln>
             <a:extLst>
               <a:ext uri="{91240B29-F687-4f45-9708-019B960494DF}">
-                <a14:hiddenLine xmlns:a14="http://schemas.microsoft.com/office/drawing/2010/main" xmlns="" w="9525">
+                <a14:hiddenLine xmlns="" xmlns:a14="http://schemas.microsoft.com/office/drawing/2010/main" w="9525">
                   <a:solidFill>
                     <a:srgbClr val="000000"/>
                   </a:solidFill>
@@ -15204,7 +15199,7 @@
             </a:ln>
             <a:extLst>
               <a:ext uri="{91240B29-F687-4f45-9708-019B960494DF}">
-                <a14:hiddenLine xmlns:a14="http://schemas.microsoft.com/office/drawing/2010/main" xmlns="" w="9525">
+                <a14:hiddenLine xmlns="" xmlns:a14="http://schemas.microsoft.com/office/drawing/2010/main" w="9525">
                   <a:solidFill>
                     <a:srgbClr val="000000"/>
                   </a:solidFill>
@@ -15457,7 +15452,7 @@
             </a:ln>
             <a:extLst>
               <a:ext uri="{91240B29-F687-4f45-9708-019B960494DF}">
-                <a14:hiddenLine xmlns:a14="http://schemas.microsoft.com/office/drawing/2010/main" xmlns="" w="9525">
+                <a14:hiddenLine xmlns="" xmlns:a14="http://schemas.microsoft.com/office/drawing/2010/main" w="9525">
                   <a:solidFill>
                     <a:srgbClr val="000000"/>
                   </a:solidFill>
@@ -15710,7 +15705,7 @@
             </a:ln>
             <a:extLst>
               <a:ext uri="{91240B29-F687-4f45-9708-019B960494DF}">
-                <a14:hiddenLine xmlns:a14="http://schemas.microsoft.com/office/drawing/2010/main" xmlns="" w="9525">
+                <a14:hiddenLine xmlns="" xmlns:a14="http://schemas.microsoft.com/office/drawing/2010/main" w="9525">
                   <a:solidFill>
                     <a:srgbClr val="000000"/>
                   </a:solidFill>
@@ -16102,7 +16097,7 @@
             </a:ln>
             <a:extLst>
               <a:ext uri="{91240B29-F687-4f45-9708-019B960494DF}">
-                <a14:hiddenLine xmlns:a14="http://schemas.microsoft.com/office/drawing/2010/main" xmlns="" w="9525">
+                <a14:hiddenLine xmlns="" xmlns:a14="http://schemas.microsoft.com/office/drawing/2010/main" w="9525">
                   <a:solidFill>
                     <a:srgbClr val="000000"/>
                   </a:solidFill>
@@ -16315,7 +16310,7 @@
             </a:ln>
             <a:extLst>
               <a:ext uri="{91240B29-F687-4f45-9708-019B960494DF}">
-                <a14:hiddenLine xmlns:a14="http://schemas.microsoft.com/office/drawing/2010/main" xmlns="" w="9525">
+                <a14:hiddenLine xmlns="" xmlns:a14="http://schemas.microsoft.com/office/drawing/2010/main" w="9525">
                   <a:solidFill>
                     <a:srgbClr val="000000"/>
                   </a:solidFill>
@@ -16488,7 +16483,7 @@
             </a:ln>
             <a:extLst>
               <a:ext uri="{91240B29-F687-4f45-9708-019B960494DF}">
-                <a14:hiddenLine xmlns:a14="http://schemas.microsoft.com/office/drawing/2010/main" xmlns="" w="9525">
+                <a14:hiddenLine xmlns="" xmlns:a14="http://schemas.microsoft.com/office/drawing/2010/main" w="9525">
                   <a:solidFill>
                     <a:srgbClr val="000000"/>
                   </a:solidFill>
@@ -16701,7 +16696,7 @@
             </a:ln>
             <a:extLst>
               <a:ext uri="{91240B29-F687-4f45-9708-019B960494DF}">
-                <a14:hiddenLine xmlns:a14="http://schemas.microsoft.com/office/drawing/2010/main" xmlns="" w="9525">
+                <a14:hiddenLine xmlns="" xmlns:a14="http://schemas.microsoft.com/office/drawing/2010/main" w="9525">
                   <a:solidFill>
                     <a:srgbClr val="000000"/>
                   </a:solidFill>
@@ -17093,7 +17088,7 @@
             </a:ln>
             <a:extLst>
               <a:ext uri="{91240B29-F687-4f45-9708-019B960494DF}">
-                <a14:hiddenLine xmlns:a14="http://schemas.microsoft.com/office/drawing/2010/main" xmlns="" w="9525">
+                <a14:hiddenLine xmlns="" xmlns:a14="http://schemas.microsoft.com/office/drawing/2010/main" w="9525">
                   <a:solidFill>
                     <a:srgbClr val="000000"/>
                   </a:solidFill>
@@ -17488,7 +17483,7 @@
             </a:ln>
             <a:extLst>
               <a:ext uri="{91240B29-F687-4f45-9708-019B960494DF}">
-                <a14:hiddenLine xmlns:a14="http://schemas.microsoft.com/office/drawing/2010/main" xmlns="" w="9525">
+                <a14:hiddenLine xmlns="" xmlns:a14="http://schemas.microsoft.com/office/drawing/2010/main" w="9525">
                   <a:solidFill>
                     <a:srgbClr val="000000"/>
                   </a:solidFill>
@@ -17721,7 +17716,7 @@
             </a:ln>
             <a:extLst>
               <a:ext uri="{91240B29-F687-4f45-9708-019B960494DF}">
-                <a14:hiddenLine xmlns:a14="http://schemas.microsoft.com/office/drawing/2010/main" xmlns="" w="9525">
+                <a14:hiddenLine xmlns="" xmlns:a14="http://schemas.microsoft.com/office/drawing/2010/main" w="9525">
                   <a:solidFill>
                     <a:srgbClr val="000000"/>
                   </a:solidFill>
@@ -17914,7 +17909,7 @@
             </a:ln>
             <a:extLst>
               <a:ext uri="{91240B29-F687-4f45-9708-019B960494DF}">
-                <a14:hiddenLine xmlns:a14="http://schemas.microsoft.com/office/drawing/2010/main" xmlns="" w="9525">
+                <a14:hiddenLine xmlns="" xmlns:a14="http://schemas.microsoft.com/office/drawing/2010/main" w="9525">
                   <a:solidFill>
                     <a:srgbClr val="000000"/>
                   </a:solidFill>
@@ -18167,7 +18162,7 @@
             </a:ln>
             <a:extLst>
               <a:ext uri="{91240B29-F687-4f45-9708-019B960494DF}">
-                <a14:hiddenLine xmlns:a14="http://schemas.microsoft.com/office/drawing/2010/main" xmlns="" w="9525">
+                <a14:hiddenLine xmlns="" xmlns:a14="http://schemas.microsoft.com/office/drawing/2010/main" w="9525">
                   <a:solidFill>
                     <a:srgbClr val="000000"/>
                   </a:solidFill>
@@ -18562,7 +18557,7 @@
             </a:ln>
             <a:extLst>
               <a:ext uri="{91240B29-F687-4f45-9708-019B960494DF}">
-                <a14:hiddenLine xmlns:a14="http://schemas.microsoft.com/office/drawing/2010/main" xmlns="" w="9525">
+                <a14:hiddenLine xmlns="" xmlns:a14="http://schemas.microsoft.com/office/drawing/2010/main" w="9525">
                   <a:solidFill>
                     <a:srgbClr val="000000"/>
                   </a:solidFill>
@@ -18847,7 +18842,7 @@
             </a:ln>
             <a:extLst>
               <a:ext uri="{91240B29-F687-4f45-9708-019B960494DF}">
-                <a14:hiddenLine xmlns:a14="http://schemas.microsoft.com/office/drawing/2010/main" xmlns="" w="9525">
+                <a14:hiddenLine xmlns="" xmlns:a14="http://schemas.microsoft.com/office/drawing/2010/main" w="9525">
                   <a:solidFill>
                     <a:srgbClr val="000000"/>
                   </a:solidFill>
@@ -19171,7 +19166,7 @@
             </a:ln>
             <a:extLst>
               <a:ext uri="{91240B29-F687-4f45-9708-019B960494DF}">
-                <a14:hiddenLine xmlns:a14="http://schemas.microsoft.com/office/drawing/2010/main" xmlns="" w="9525">
+                <a14:hiddenLine xmlns="" xmlns:a14="http://schemas.microsoft.com/office/drawing/2010/main" w="9525">
                   <a:solidFill>
                     <a:srgbClr val="000000"/>
                   </a:solidFill>
@@ -19404,7 +19399,7 @@
             </a:ln>
             <a:extLst>
               <a:ext uri="{91240B29-F687-4f45-9708-019B960494DF}">
-                <a14:hiddenLine xmlns:a14="http://schemas.microsoft.com/office/drawing/2010/main" xmlns="" w="9525">
+                <a14:hiddenLine xmlns="" xmlns:a14="http://schemas.microsoft.com/office/drawing/2010/main" w="9525">
                   <a:solidFill>
                     <a:srgbClr val="000000"/>
                   </a:solidFill>
@@ -19657,7 +19652,7 @@
             </a:ln>
             <a:extLst>
               <a:ext uri="{91240B29-F687-4f45-9708-019B960494DF}">
-                <a14:hiddenLine xmlns:a14="http://schemas.microsoft.com/office/drawing/2010/main" xmlns="" w="9525">
+                <a14:hiddenLine xmlns="" xmlns:a14="http://schemas.microsoft.com/office/drawing/2010/main" w="9525">
                   <a:solidFill>
                     <a:srgbClr val="000000"/>
                   </a:solidFill>
@@ -19910,7 +19905,7 @@
             </a:ln>
             <a:extLst>
               <a:ext uri="{91240B29-F687-4f45-9708-019B960494DF}">
-                <a14:hiddenLine xmlns:a14="http://schemas.microsoft.com/office/drawing/2010/main" xmlns="" w="9525">
+                <a14:hiddenLine xmlns="" xmlns:a14="http://schemas.microsoft.com/office/drawing/2010/main" w="9525">
                   <a:solidFill>
                     <a:srgbClr val="000000"/>
                   </a:solidFill>
@@ -20065,7 +20060,7 @@
             </a:ln>
             <a:extLst>
               <a:ext uri="{91240B29-F687-4f45-9708-019B960494DF}">
-                <a14:hiddenLine xmlns:a14="http://schemas.microsoft.com/office/drawing/2010/main" xmlns="" w="9525">
+                <a14:hiddenLine xmlns="" xmlns:a14="http://schemas.microsoft.com/office/drawing/2010/main" w="9525">
                   <a:solidFill>
                     <a:srgbClr val="000000"/>
                   </a:solidFill>
@@ -20548,7 +20543,7 @@
           <a:graphicData uri="http://schemas.openxmlformats.org/presentationml/2006/ole">
             <mc:AlternateContent xmlns:mc="http://schemas.openxmlformats.org/markup-compatibility/2006">
               <mc:Choice xmlns:v="urn:schemas-microsoft-com:vml" Requires="v">
-                <p:oleObj spid="_x0000_s110771" name="think-cell Slide" r:id="rId4" imgW="270" imgH="270" progId="TCLayout.ActiveDocument.1">
+                <p:oleObj spid="_x0000_s110781" name="think-cell Slide" r:id="rId4" imgW="270" imgH="270" progId="TCLayout.ActiveDocument.1">
                   <p:embed/>
                 </p:oleObj>
               </mc:Choice>
@@ -20739,7 +20734,7 @@
           <a:graphicData uri="http://schemas.openxmlformats.org/presentationml/2006/ole">
             <mc:AlternateContent xmlns:mc="http://schemas.openxmlformats.org/markup-compatibility/2006">
               <mc:Choice xmlns:v="urn:schemas-microsoft-com:vml" Requires="v">
-                <p:oleObj spid="_x0000_s111774" name="think-cell Slide" r:id="rId4" imgW="270" imgH="270" progId="TCLayout.ActiveDocument.1">
+                <p:oleObj spid="_x0000_s111784" name="think-cell Slide" r:id="rId4" imgW="270" imgH="270" progId="TCLayout.ActiveDocument.1">
                   <p:embed/>
                 </p:oleObj>
               </mc:Choice>
@@ -21450,7 +21445,7 @@
           <a:graphicData uri="http://schemas.openxmlformats.org/presentationml/2006/ole">
             <mc:AlternateContent xmlns:mc="http://schemas.openxmlformats.org/markup-compatibility/2006">
               <mc:Choice xmlns:v="urn:schemas-microsoft-com:vml" Requires="v">
-                <p:oleObj spid="_x0000_s94503" name="think-cell Slide" r:id="rId4" imgW="270" imgH="270" progId="TCLayout.ActiveDocument.1">
+                <p:oleObj spid="_x0000_s94513" name="think-cell Slide" r:id="rId4" imgW="270" imgH="270" progId="TCLayout.ActiveDocument.1">
                   <p:embed/>
                 </p:oleObj>
               </mc:Choice>
@@ -22082,7 +22077,7 @@
           <a:graphicData uri="http://schemas.openxmlformats.org/presentationml/2006/ole">
             <mc:AlternateContent xmlns:mc="http://schemas.openxmlformats.org/markup-compatibility/2006">
               <mc:Choice xmlns:v="urn:schemas-microsoft-com:vml" Requires="v">
-                <p:oleObj spid="_x0000_s106693" name="think-cell Slide" r:id="rId4" imgW="270" imgH="270" progId="TCLayout.ActiveDocument.1">
+                <p:oleObj spid="_x0000_s106703" name="think-cell Slide" r:id="rId4" imgW="270" imgH="270" progId="TCLayout.ActiveDocument.1">
                   <p:embed/>
                 </p:oleObj>
               </mc:Choice>
@@ -22194,7 +22189,7 @@
           <a:graphicData uri="http://schemas.openxmlformats.org/presentationml/2006/ole">
             <mc:AlternateContent xmlns:mc="http://schemas.openxmlformats.org/markup-compatibility/2006">
               <mc:Choice xmlns:v="urn:schemas-microsoft-com:vml" Requires="v">
-                <p:oleObj spid="_x0000_s109751" name="think-cell Slide" r:id="rId4" imgW="270" imgH="270" progId="TCLayout.ActiveDocument.1">
+                <p:oleObj spid="_x0000_s109761" name="think-cell Slide" r:id="rId4" imgW="270" imgH="270" progId="TCLayout.ActiveDocument.1">
                   <p:embed/>
                 </p:oleObj>
               </mc:Choice>
@@ -22308,7 +22303,7 @@
           <a:graphicData uri="http://schemas.openxmlformats.org/presentationml/2006/ole">
             <mc:AlternateContent xmlns:mc="http://schemas.openxmlformats.org/markup-compatibility/2006">
               <mc:Choice xmlns:v="urn:schemas-microsoft-com:vml" Requires="v">
-                <p:oleObj spid="_x0000_s4633" name="think-cell Slide" r:id="rId18" imgW="270" imgH="270" progId="TCLayout.ActiveDocument.1">
+                <p:oleObj spid="_x0000_s4643" name="think-cell Slide" r:id="rId18" imgW="270" imgH="270" progId="TCLayout.ActiveDocument.1">
                   <p:embed/>
                 </p:oleObj>
               </mc:Choice>
@@ -24770,7 +24765,7 @@
           <a:graphicData uri="http://schemas.openxmlformats.org/presentationml/2006/ole">
             <mc:AlternateContent xmlns:mc="http://schemas.openxmlformats.org/markup-compatibility/2006">
               <mc:Choice xmlns:v="urn:schemas-microsoft-com:vml" Requires="v">
-                <p:oleObj spid="_x0000_s91436" name="think-cell Slide" r:id="rId6" imgW="270" imgH="270" progId="TCLayout.ActiveDocument.1">
+                <p:oleObj spid="_x0000_s91446" name="think-cell Slide" r:id="rId6" imgW="270" imgH="270" progId="TCLayout.ActiveDocument.1">
                   <p:embed/>
                 </p:oleObj>
               </mc:Choice>
@@ -25931,7 +25926,15 @@
             </a:r>
             <a:r>
               <a:rPr lang="nl-NL" dirty="0"/>
-              <a:t> : </a:t>
+              <a:t> : Triggers </a:t>
+            </a:r>
+            <a:r>
+              <a:rPr lang="nl-NL" dirty="0" err="1"/>
+              <a:t>and</a:t>
+            </a:r>
+            <a:r>
+              <a:rPr lang="nl-NL" dirty="0"/>
+              <a:t> </a:t>
             </a:r>
             <a:r>
               <a:rPr lang="nl-NL" dirty="0" err="1"/>
@@ -25943,10 +25946,10 @@
       </p:sp>
       <p:pic>
         <p:nvPicPr>
-          <p:cNvPr id="5" name="Picture 4">
+          <p:cNvPr id="3" name="Picture 2">
             <a:extLst>
               <a:ext uri="{FF2B5EF4-FFF2-40B4-BE49-F238E27FC236}">
-                <a16:creationId xmlns:a16="http://schemas.microsoft.com/office/drawing/2014/main" id="{08A223F7-2703-436F-90C6-3904670FDEA7}"/>
+                <a16:creationId xmlns:a16="http://schemas.microsoft.com/office/drawing/2014/main" id="{44B793CD-3CA0-49FB-B659-FFA7416F94E9}"/>
               </a:ext>
             </a:extLst>
           </p:cNvPr>
@@ -25963,8 +25966,8 @@
         </p:blipFill>
         <p:spPr>
           <a:xfrm>
-            <a:off x="1631504" y="863475"/>
-            <a:ext cx="9361040" cy="5517853"/>
+            <a:off x="1055440" y="692696"/>
+            <a:ext cx="9810829" cy="5760640"/>
           </a:xfrm>
           <a:prstGeom prst="rect">
             <a:avLst/>
@@ -26041,17 +26044,22 @@
             </a:r>
             <a:r>
               <a:rPr lang="nl-NL" dirty="0"/>
-              <a:t> : Lab01</a:t>
+              <a:t> : Lab – Let me do a </a:t>
             </a:r>
+            <a:r>
+              <a:rPr lang="nl-NL" dirty="0" err="1"/>
+              <a:t>trace</a:t>
+            </a:r>
+            <a:endParaRPr lang="nl-NL" dirty="0"/>
           </a:p>
         </p:txBody>
       </p:sp>
       <p:pic>
         <p:nvPicPr>
-          <p:cNvPr id="3" name="Picture 2">
+          <p:cNvPr id="4" name="Picture 3">
             <a:extLst>
               <a:ext uri="{FF2B5EF4-FFF2-40B4-BE49-F238E27FC236}">
-                <a16:creationId xmlns:a16="http://schemas.microsoft.com/office/drawing/2014/main" id="{EDAF3FD9-1DD1-4884-A396-1EE91D5F747D}"/>
+                <a16:creationId xmlns:a16="http://schemas.microsoft.com/office/drawing/2014/main" id="{99FA17C6-CA11-4AD3-9FBC-248014972EC0}"/>
               </a:ext>
             </a:extLst>
           </p:cNvPr>
@@ -26068,14 +26076,79 @@
         </p:blipFill>
         <p:spPr>
           <a:xfrm>
-            <a:off x="551384" y="906995"/>
-            <a:ext cx="10931344" cy="5546341"/>
+            <a:off x="695400" y="2852936"/>
+            <a:ext cx="10669848" cy="1822749"/>
           </a:xfrm>
           <a:prstGeom prst="rect">
             <a:avLst/>
           </a:prstGeom>
         </p:spPr>
       </p:pic>
+      <p:sp>
+        <p:nvSpPr>
+          <p:cNvPr id="6" name="TextBox 5">
+            <a:extLst>
+              <a:ext uri="{FF2B5EF4-FFF2-40B4-BE49-F238E27FC236}">
+                <a16:creationId xmlns:a16="http://schemas.microsoft.com/office/drawing/2014/main" id="{5A17C9B5-137A-41AA-A5E5-0019C1ADAF25}"/>
+              </a:ext>
+            </a:extLst>
+          </p:cNvPr>
+          <p:cNvSpPr txBox="1"/>
+          <p:nvPr/>
+        </p:nvSpPr>
+        <p:spPr>
+          <a:xfrm>
+            <a:off x="1487488" y="1484784"/>
+            <a:ext cx="8640960" cy="861774"/>
+          </a:xfrm>
+          <a:prstGeom prst="rect">
+            <a:avLst/>
+          </a:prstGeom>
+          <a:noFill/>
+        </p:spPr>
+        <p:txBody>
+          <a:bodyPr wrap="square" rtlCol="0">
+            <a:spAutoFit/>
+          </a:bodyPr>
+          <a:lstStyle/>
+          <a:p>
+            <a:r>
+              <a:rPr lang="en-US" sz="1600" b="1" i="1" u="sng" dirty="0">
+                <a:solidFill>
+                  <a:srgbClr val="FF0000"/>
+                </a:solidFill>
+              </a:rPr>
+              <a:t>Objective</a:t>
+            </a:r>
+          </a:p>
+          <a:p>
+            <a:endParaRPr lang="nl-NL" sz="1600" b="1" i="1" dirty="0"/>
+          </a:p>
+          <a:p>
+            <a:r>
+              <a:rPr lang="en-US" sz="1600" b="1" dirty="0">
+                <a:solidFill>
+                  <a:srgbClr val="00B050"/>
+                </a:solidFill>
+              </a:rPr>
+              <a:t>Calculate Proximity of a vehicle and send out alerts to a user</a:t>
+            </a:r>
+            <a:r>
+              <a:rPr lang="en-US" sz="1600" b="1" i="1" dirty="0">
+                <a:solidFill>
+                  <a:srgbClr val="00B050"/>
+                </a:solidFill>
+              </a:rPr>
+              <a:t> </a:t>
+            </a:r>
+            <a:endParaRPr lang="nl-NL" sz="1600" dirty="0">
+              <a:solidFill>
+                <a:srgbClr val="00B050"/>
+              </a:solidFill>
+            </a:endParaRPr>
+          </a:p>
+        </p:txBody>
+      </p:sp>
     </p:spTree>
     <p:extLst>
       <p:ext uri="{BB962C8B-B14F-4D97-AF65-F5344CB8AC3E}">
@@ -26090,6 +26163,165 @@
 </file>
 
 <file path=ppt/slides/slide13.xml><?xml version="1.0" encoding="utf-8"?>
+<p:sld xmlns:a="http://schemas.openxmlformats.org/drawingml/2006/main" xmlns:r="http://schemas.openxmlformats.org/officeDocument/2006/relationships" xmlns:p="http://schemas.openxmlformats.org/presentationml/2006/main">
+  <p:cSld>
+    <p:spTree>
+      <p:nvGrpSpPr>
+        <p:cNvPr id="1" name=""/>
+        <p:cNvGrpSpPr/>
+        <p:nvPr/>
+      </p:nvGrpSpPr>
+      <p:grpSpPr>
+        <a:xfrm>
+          <a:off x="0" y="0"/>
+          <a:ext cx="0" cy="0"/>
+          <a:chOff x="0" y="0"/>
+          <a:chExt cx="0" cy="0"/>
+        </a:xfrm>
+      </p:grpSpPr>
+      <p:sp>
+        <p:nvSpPr>
+          <p:cNvPr id="2" name="Title 1">
+            <a:extLst>
+              <a:ext uri="{FF2B5EF4-FFF2-40B4-BE49-F238E27FC236}">
+                <a16:creationId xmlns:a16="http://schemas.microsoft.com/office/drawing/2014/main" id="{1743C244-29DB-4467-8119-97FEE9B69BF8}"/>
+              </a:ext>
+            </a:extLst>
+          </p:cNvPr>
+          <p:cNvSpPr>
+            <a:spLocks noGrp="1"/>
+          </p:cNvSpPr>
+          <p:nvPr>
+            <p:ph type="title"/>
+          </p:nvPr>
+        </p:nvSpPr>
+        <p:spPr>
+          <a:xfrm>
+            <a:off x="550200" y="188640"/>
+            <a:ext cx="11091600" cy="916260"/>
+          </a:xfrm>
+        </p:spPr>
+        <p:txBody>
+          <a:bodyPr/>
+          <a:lstStyle/>
+          <a:p>
+            <a:r>
+              <a:rPr lang="nl-NL" sz="2800" dirty="0" err="1"/>
+              <a:t>Azure</a:t>
+            </a:r>
+            <a:r>
+              <a:rPr lang="nl-NL" sz="2800" dirty="0"/>
+              <a:t> </a:t>
+            </a:r>
+            <a:r>
+              <a:rPr lang="nl-NL" sz="2800" dirty="0" err="1"/>
+              <a:t>FunctionApp</a:t>
+            </a:r>
+            <a:r>
+              <a:rPr lang="nl-NL" sz="2800" dirty="0"/>
+              <a:t> : Lab : </a:t>
+            </a:r>
+            <a:r>
+              <a:rPr lang="nl-NL" sz="2800" dirty="0" err="1"/>
+              <a:t>What</a:t>
+            </a:r>
+            <a:r>
+              <a:rPr lang="nl-NL" sz="2800" dirty="0"/>
+              <a:t> </a:t>
+            </a:r>
+            <a:r>
+              <a:rPr lang="nl-NL" sz="2800" dirty="0" err="1"/>
+              <a:t>could</a:t>
+            </a:r>
+            <a:r>
+              <a:rPr lang="nl-NL" sz="2800" dirty="0"/>
+              <a:t> </a:t>
+            </a:r>
+            <a:r>
+              <a:rPr lang="nl-NL" sz="2800" dirty="0" err="1"/>
+              <a:t>be</a:t>
+            </a:r>
+            <a:r>
+              <a:rPr lang="nl-NL" sz="2800" dirty="0"/>
+              <a:t> a solution</a:t>
+            </a:r>
+          </a:p>
+        </p:txBody>
+      </p:sp>
+      <p:pic>
+        <p:nvPicPr>
+          <p:cNvPr id="8" name="Picture 7">
+            <a:extLst>
+              <a:ext uri="{FF2B5EF4-FFF2-40B4-BE49-F238E27FC236}">
+                <a16:creationId xmlns:a16="http://schemas.microsoft.com/office/drawing/2014/main" id="{6A8D00FC-C605-4A35-BD7F-014D93122C0A}"/>
+              </a:ext>
+            </a:extLst>
+          </p:cNvPr>
+          <p:cNvPicPr>
+            <a:picLocks noChangeAspect="1"/>
+          </p:cNvPicPr>
+          <p:nvPr/>
+        </p:nvPicPr>
+        <p:blipFill>
+          <a:blip r:embed="rId2"/>
+          <a:stretch>
+            <a:fillRect/>
+          </a:stretch>
+        </p:blipFill>
+        <p:spPr>
+          <a:xfrm>
+            <a:off x="8216711" y="1519438"/>
+            <a:ext cx="3711937" cy="3819124"/>
+          </a:xfrm>
+          <a:prstGeom prst="rect">
+            <a:avLst/>
+          </a:prstGeom>
+        </p:spPr>
+      </p:pic>
+      <p:pic>
+        <p:nvPicPr>
+          <p:cNvPr id="9" name="Picture 8">
+            <a:extLst>
+              <a:ext uri="{FF2B5EF4-FFF2-40B4-BE49-F238E27FC236}">
+                <a16:creationId xmlns:a16="http://schemas.microsoft.com/office/drawing/2014/main" id="{FC09E8E6-ACB9-4665-B461-696AB1C21D0F}"/>
+              </a:ext>
+            </a:extLst>
+          </p:cNvPr>
+          <p:cNvPicPr>
+            <a:picLocks noChangeAspect="1"/>
+          </p:cNvPicPr>
+          <p:nvPr/>
+        </p:nvPicPr>
+        <p:blipFill>
+          <a:blip r:embed="rId3"/>
+          <a:stretch>
+            <a:fillRect/>
+          </a:stretch>
+        </p:blipFill>
+        <p:spPr>
+          <a:xfrm>
+            <a:off x="263352" y="1196752"/>
+            <a:ext cx="7953359" cy="4698227"/>
+          </a:xfrm>
+          <a:prstGeom prst="rect">
+            <a:avLst/>
+          </a:prstGeom>
+        </p:spPr>
+      </p:pic>
+    </p:spTree>
+    <p:extLst>
+      <p:ext uri="{BB962C8B-B14F-4D97-AF65-F5344CB8AC3E}">
+        <p14:creationId xmlns:p14="http://schemas.microsoft.com/office/powerpoint/2010/main" val="1533859336"/>
+      </p:ext>
+    </p:extLst>
+  </p:cSld>
+  <p:clrMapOvr>
+    <a:masterClrMapping/>
+  </p:clrMapOvr>
+</p:sld>
+</file>
+
+<file path=ppt/slides/slide14.xml><?xml version="1.0" encoding="utf-8"?>
 <p:sld xmlns:a="http://schemas.openxmlformats.org/drawingml/2006/main" xmlns:r="http://schemas.openxmlformats.org/officeDocument/2006/relationships" xmlns:p="http://schemas.openxmlformats.org/presentationml/2006/main">
   <p:cSld>
     <p:spTree>
@@ -26662,7 +26894,7 @@
 </p:sld>
 </file>
 
-<file path=ppt/slides/slide14.xml><?xml version="1.0" encoding="utf-8"?>
+<file path=ppt/slides/slide15.xml><?xml version="1.0" encoding="utf-8"?>
 <p:sld xmlns:a="http://schemas.openxmlformats.org/drawingml/2006/main" xmlns:r="http://schemas.openxmlformats.org/officeDocument/2006/relationships" xmlns:p="http://schemas.openxmlformats.org/presentationml/2006/main">
   <p:cSld>
     <p:spTree>
@@ -26822,7 +27054,7 @@
 </p:sld>
 </file>
 
-<file path=ppt/slides/slide15.xml><?xml version="1.0" encoding="utf-8"?>
+<file path=ppt/slides/slide16.xml><?xml version="1.0" encoding="utf-8"?>
 <p:sld xmlns:a="http://schemas.openxmlformats.org/drawingml/2006/main" xmlns:r="http://schemas.openxmlformats.org/officeDocument/2006/relationships" xmlns:p="http://schemas.openxmlformats.org/presentationml/2006/main">
   <p:cSld>
     <p:spTree>
@@ -26915,8 +27147,8 @@
         </p:nvSpPr>
         <p:spPr>
           <a:xfrm>
-            <a:off x="550200" y="4149080"/>
-            <a:ext cx="6795800" cy="2346833"/>
+            <a:off x="550200" y="4149081"/>
+            <a:ext cx="6795800" cy="1800200"/>
           </a:xfrm>
         </p:spPr>
         <p:txBody>
@@ -26929,13 +27161,6 @@
               <a:rPr lang="en-US" dirty="0"/>
               <a:t>Koushik Aravalli</a:t>
             </a:r>
-          </a:p>
-          <a:p>
-            <a:endParaRPr lang="en-US" dirty="0">
-              <a:solidFill>
-                <a:srgbClr val="00B0F0"/>
-              </a:solidFill>
-            </a:endParaRPr>
           </a:p>
           <a:p>
             <a:r>
@@ -26952,9 +27177,44 @@
               <a:solidFill>
                 <a:srgbClr val="00B0F0"/>
               </a:solidFill>
+              <a:hlinkClick r:id="rId3"/>
             </a:endParaRPr>
           </a:p>
           <a:p>
+            <a:r>
+              <a:rPr lang="en-US" dirty="0">
+                <a:solidFill>
+                  <a:srgbClr val="00B0F0"/>
+                </a:solidFill>
+                <a:hlinkClick r:id="rId3"/>
+              </a:rPr>
+              <a:t>GitHub</a:t>
+            </a:r>
+            <a:r>
+              <a:rPr lang="en-US" dirty="0">
+                <a:solidFill>
+                  <a:srgbClr val="00B0F0"/>
+                </a:solidFill>
+              </a:rPr>
+              <a:t>     </a:t>
+            </a:r>
+            <a:r>
+              <a:rPr lang="nl-NL" dirty="0">
+                <a:solidFill>
+                  <a:srgbClr val="00B0F0"/>
+                </a:solidFill>
+                <a:hlinkClick r:id="rId4"/>
+              </a:rPr>
+              <a:t>LinkedIn</a:t>
+            </a:r>
+            <a:r>
+              <a:rPr lang="nl-NL" dirty="0">
+                <a:solidFill>
+                  <a:srgbClr val="00B0F0"/>
+                </a:solidFill>
+              </a:rPr>
+              <a:t>   </a:t>
+            </a:r>
             <a:r>
               <a:rPr lang="en-US" dirty="0">
                 <a:solidFill>
@@ -26978,14 +27238,11 @@
             </a:endParaRPr>
           </a:p>
           <a:p>
-            <a:r>
-              <a:rPr lang="nl-NL" dirty="0">
-                <a:solidFill>
-                  <a:srgbClr val="00B0F0"/>
-                </a:solidFill>
-              </a:rPr>
-              <a:t>LinkedIn: https://nl.linkedin.com/in/koushik-aravalli</a:t>
-            </a:r>
+            <a:endParaRPr lang="nl-NL" dirty="0">
+              <a:solidFill>
+                <a:srgbClr val="00B0F0"/>
+              </a:solidFill>
+            </a:endParaRPr>
           </a:p>
         </p:txBody>
       </p:sp>
